--- a/Imagens/fundinho.pptx
+++ b/Imagens/fundinho.pptx
@@ -106,6 +106,22 @@
       </a:defRPr>
     </a:lvl9pPr>
   </p:defaultTextStyle>
+  <p:extLst>
+    <p:ext uri="{EFAFB233-063F-42B5-8137-9DF3F51BA10A}">
+      <p15:sldGuideLst xmlns:p15="http://schemas.microsoft.com/office/powerpoint/2012/main">
+        <p15:guide id="1" orient="horz" pos="2160">
+          <p15:clr>
+            <a:srgbClr val="A4A3A4"/>
+          </p15:clr>
+        </p15:guide>
+        <p15:guide id="2" pos="3840">
+          <p15:clr>
+            <a:srgbClr val="A4A3A4"/>
+          </p15:clr>
+        </p15:guide>
+      </p15:sldGuideLst>
+    </p:ext>
+  </p:extLst>
 </p:presentation>
 </file>
 
@@ -240,7 +256,7 @@
           <a:p>
             <a:fld id="{CB2F0722-7C31-4BAA-904B-29AEC9A1B4D7}" type="datetimeFigureOut">
               <a:rPr lang="pt-BR" smtClean="0"/>
-              <a:t>01/03/2019</a:t>
+              <a:t>07/03/2019</a:t>
             </a:fld>
             <a:endParaRPr lang="pt-BR"/>
           </a:p>
@@ -410,7 +426,7 @@
           <a:p>
             <a:fld id="{CB2F0722-7C31-4BAA-904B-29AEC9A1B4D7}" type="datetimeFigureOut">
               <a:rPr lang="pt-BR" smtClean="0"/>
-              <a:t>01/03/2019</a:t>
+              <a:t>07/03/2019</a:t>
             </a:fld>
             <a:endParaRPr lang="pt-BR"/>
           </a:p>
@@ -590,7 +606,7 @@
           <a:p>
             <a:fld id="{CB2F0722-7C31-4BAA-904B-29AEC9A1B4D7}" type="datetimeFigureOut">
               <a:rPr lang="pt-BR" smtClean="0"/>
-              <a:t>01/03/2019</a:t>
+              <a:t>07/03/2019</a:t>
             </a:fld>
             <a:endParaRPr lang="pt-BR"/>
           </a:p>
@@ -760,7 +776,7 @@
           <a:p>
             <a:fld id="{CB2F0722-7C31-4BAA-904B-29AEC9A1B4D7}" type="datetimeFigureOut">
               <a:rPr lang="pt-BR" smtClean="0"/>
-              <a:t>01/03/2019</a:t>
+              <a:t>07/03/2019</a:t>
             </a:fld>
             <a:endParaRPr lang="pt-BR"/>
           </a:p>
@@ -1006,7 +1022,7 @@
           <a:p>
             <a:fld id="{CB2F0722-7C31-4BAA-904B-29AEC9A1B4D7}" type="datetimeFigureOut">
               <a:rPr lang="pt-BR" smtClean="0"/>
-              <a:t>01/03/2019</a:t>
+              <a:t>07/03/2019</a:t>
             </a:fld>
             <a:endParaRPr lang="pt-BR"/>
           </a:p>
@@ -1238,7 +1254,7 @@
           <a:p>
             <a:fld id="{CB2F0722-7C31-4BAA-904B-29AEC9A1B4D7}" type="datetimeFigureOut">
               <a:rPr lang="pt-BR" smtClean="0"/>
-              <a:t>01/03/2019</a:t>
+              <a:t>07/03/2019</a:t>
             </a:fld>
             <a:endParaRPr lang="pt-BR"/>
           </a:p>
@@ -1605,7 +1621,7 @@
           <a:p>
             <a:fld id="{CB2F0722-7C31-4BAA-904B-29AEC9A1B4D7}" type="datetimeFigureOut">
               <a:rPr lang="pt-BR" smtClean="0"/>
-              <a:t>01/03/2019</a:t>
+              <a:t>07/03/2019</a:t>
             </a:fld>
             <a:endParaRPr lang="pt-BR"/>
           </a:p>
@@ -1723,7 +1739,7 @@
           <a:p>
             <a:fld id="{CB2F0722-7C31-4BAA-904B-29AEC9A1B4D7}" type="datetimeFigureOut">
               <a:rPr lang="pt-BR" smtClean="0"/>
-              <a:t>01/03/2019</a:t>
+              <a:t>07/03/2019</a:t>
             </a:fld>
             <a:endParaRPr lang="pt-BR"/>
           </a:p>
@@ -1818,7 +1834,7 @@
           <a:p>
             <a:fld id="{CB2F0722-7C31-4BAA-904B-29AEC9A1B4D7}" type="datetimeFigureOut">
               <a:rPr lang="pt-BR" smtClean="0"/>
-              <a:t>01/03/2019</a:t>
+              <a:t>07/03/2019</a:t>
             </a:fld>
             <a:endParaRPr lang="pt-BR"/>
           </a:p>
@@ -2095,7 +2111,7 @@
           <a:p>
             <a:fld id="{CB2F0722-7C31-4BAA-904B-29AEC9A1B4D7}" type="datetimeFigureOut">
               <a:rPr lang="pt-BR" smtClean="0"/>
-              <a:t>01/03/2019</a:t>
+              <a:t>07/03/2019</a:t>
             </a:fld>
             <a:endParaRPr lang="pt-BR"/>
           </a:p>
@@ -2348,7 +2364,7 @@
           <a:p>
             <a:fld id="{CB2F0722-7C31-4BAA-904B-29AEC9A1B4D7}" type="datetimeFigureOut">
               <a:rPr lang="pt-BR" smtClean="0"/>
-              <a:t>01/03/2019</a:t>
+              <a:t>07/03/2019</a:t>
             </a:fld>
             <a:endParaRPr lang="pt-BR"/>
           </a:p>
@@ -2561,7 +2577,7 @@
           <a:p>
             <a:fld id="{CB2F0722-7C31-4BAA-904B-29AEC9A1B4D7}" type="datetimeFigureOut">
               <a:rPr lang="pt-BR" smtClean="0"/>
-              <a:t>01/03/2019</a:t>
+              <a:t>07/03/2019</a:t>
             </a:fld>
             <a:endParaRPr lang="pt-BR"/>
           </a:p>
@@ -10274,19 +10290,7 @@
                     </a:solidFill>
                     <a:latin typeface="Century Gothic" panose="020B0502020202020204" pitchFamily="34" charset="0"/>
                   </a:rPr>
-                  <a:t>13 </a:t>
-                </a:r>
-                <a:r>
-                  <a:rPr lang="pt-BR" sz="1050" dirty="0" smtClean="0">
-                    <a:solidFill>
-                      <a:schemeClr val="tx1">
-                        <a:lumMod val="75000"/>
-                        <a:lumOff val="25000"/>
-                      </a:schemeClr>
-                    </a:solidFill>
-                    <a:latin typeface="Century Gothic" panose="020B0502020202020204" pitchFamily="34" charset="0"/>
-                  </a:rPr>
-                  <a:t>novas mensagens</a:t>
+                  <a:t>13 novas mensagens</a:t>
                 </a:r>
                 <a:endParaRPr lang="pt-BR" sz="1100" dirty="0">
                   <a:solidFill>
@@ -10627,19 +10631,7 @@
                       </a:solidFill>
                       <a:latin typeface="Century Gothic" panose="020B0502020202020204" pitchFamily="34" charset="0"/>
                     </a:rPr>
-                    <a:t>Veja </a:t>
-                  </a:r>
-                  <a:r>
-                    <a:rPr lang="pt-BR" sz="1100" dirty="0" smtClean="0">
-                      <a:solidFill>
-                        <a:schemeClr val="tx1">
-                          <a:lumMod val="65000"/>
-                          <a:lumOff val="35000"/>
-                        </a:schemeClr>
-                      </a:solidFill>
-                      <a:latin typeface="Century Gothic" panose="020B0502020202020204" pitchFamily="34" charset="0"/>
-                    </a:rPr>
-                    <a:t>seus novos </a:t>
+                    <a:t>Veja seus novos </a:t>
                   </a:r>
                 </a:p>
                 <a:p>
@@ -10728,16 +10720,7 @@
                       </a:solidFill>
                       <a:latin typeface="Century Gothic" panose="020B0502020202020204" pitchFamily="34" charset="0"/>
                     </a:rPr>
-                    <a:t>      </a:t>
-                  </a:r>
-                  <a:r>
-                    <a:rPr lang="pt-BR" sz="1400" dirty="0" smtClean="0">
-                      <a:solidFill>
-                        <a:schemeClr val="tx1"/>
-                      </a:solidFill>
-                      <a:latin typeface="Century Gothic" panose="020B0502020202020204" pitchFamily="34" charset="0"/>
-                    </a:rPr>
-                    <a:t>   Gmail</a:t>
+                    <a:t>         Gmail</a:t>
                   </a:r>
                   <a:endParaRPr lang="pt-BR" sz="1600" dirty="0">
                     <a:solidFill>
@@ -13927,9 +13910,7 @@
                 <a:rPr lang="pt-BR" sz="4000" dirty="0" smtClean="0">
                   <a:ln>
                     <a:solidFill>
-                      <a:schemeClr val="accent1">
-                        <a:lumMod val="50000"/>
-                      </a:schemeClr>
+                      <a:schemeClr val="tx1"/>
                     </a:solidFill>
                   </a:ln>
                   <a:solidFill>
@@ -13946,9 +13927,7 @@
                 <a:rPr lang="pt-BR" sz="4000" dirty="0" smtClean="0">
                   <a:ln>
                     <a:solidFill>
-                      <a:schemeClr val="accent1">
-                        <a:lumMod val="50000"/>
-                      </a:schemeClr>
+                      <a:schemeClr val="tx1"/>
                     </a:solidFill>
                   </a:ln>
                   <a:solidFill>
@@ -13961,9 +13940,7 @@
               <a:endParaRPr lang="pt-BR" sz="4000" dirty="0">
                 <a:ln>
                   <a:solidFill>
-                    <a:schemeClr val="accent1">
-                      <a:lumMod val="50000"/>
-                    </a:schemeClr>
+                    <a:schemeClr val="tx1"/>
                   </a:solidFill>
                 </a:ln>
                 <a:solidFill>
@@ -19517,16 +19494,6 @@
             <a:p>
               <a:pPr algn="ctr"/>
               <a:r>
-                <a:rPr lang="pt-BR" sz="2000" dirty="0" smtClean="0">
-                  <a:solidFill>
-                    <a:schemeClr val="bg1"/>
-                  </a:solidFill>
-                  <a:latin typeface="Aharoni" panose="02010803020104030203" pitchFamily="2" charset="-79"/>
-                  <a:cs typeface="Aharoni" panose="02010803020104030203" pitchFamily="2" charset="-79"/>
-                </a:rPr>
-                <a:t>SOBRE</a:t>
-              </a:r>
-              <a:r>
                 <a:rPr lang="pt-BR" sz="2000" b="1" dirty="0" smtClean="0">
                   <a:solidFill>
                     <a:schemeClr val="bg1"/>
@@ -19534,7 +19501,7 @@
                   <a:latin typeface="Aharoni" panose="02010803020104030203" pitchFamily="2" charset="-79"/>
                   <a:cs typeface="Aharoni" panose="02010803020104030203" pitchFamily="2" charset="-79"/>
                 </a:rPr>
-                <a:t>   CONTATO</a:t>
+                <a:t>SOBRE   CONTATO</a:t>
               </a:r>
               <a:endParaRPr lang="pt-BR" sz="2000" b="1" dirty="0">
                 <a:solidFill>
@@ -19946,8 +19913,8 @@
         </p:nvSpPr>
         <p:spPr>
           <a:xfrm>
-            <a:off x="3047942" y="1447228"/>
-            <a:ext cx="1405110" cy="389073"/>
+            <a:off x="3047942" y="1402278"/>
+            <a:ext cx="1405110" cy="448403"/>
           </a:xfrm>
           <a:prstGeom prst="roundRect">
             <a:avLst/>
@@ -20006,7 +19973,7 @@
                 <a:solidFill>
                   <a:srgbClr val="01ABA7"/>
                 </a:solidFill>
-                <a:latin typeface="Aharoni" panose="02010803020104030203" pitchFamily="2" charset="-79"/>
+                <a:latin typeface="Arial Black" panose="020B0A04020102020204" pitchFamily="34" charset="0"/>
                 <a:cs typeface="Aharoni" panose="02010803020104030203" pitchFamily="2" charset="-79"/>
               </a:rPr>
               <a:t>LOGIN</a:t>
@@ -20015,7 +19982,7 @@
               <a:solidFill>
                 <a:srgbClr val="01ABA7"/>
               </a:solidFill>
-              <a:latin typeface="Aharoni" panose="02010803020104030203" pitchFamily="2" charset="-79"/>
+              <a:latin typeface="Arial Black" panose="020B0A04020102020204" pitchFamily="34" charset="0"/>
               <a:cs typeface="Aharoni" panose="02010803020104030203" pitchFamily="2" charset="-79"/>
             </a:endParaRPr>
           </a:p>
@@ -20029,8 +19996,8 @@
         </p:nvSpPr>
         <p:spPr>
           <a:xfrm>
-            <a:off x="4826908" y="1402278"/>
-            <a:ext cx="2031092" cy="478972"/>
+            <a:off x="4826907" y="1402278"/>
+            <a:ext cx="2357929" cy="478972"/>
           </a:xfrm>
           <a:prstGeom prst="roundRect">
             <a:avLst/>
@@ -20086,7 +20053,7 @@
                 <a:solidFill>
                   <a:schemeClr val="bg1"/>
                 </a:solidFill>
-                <a:latin typeface="Aharoni" panose="02010803020104030203" pitchFamily="2" charset="-79"/>
+                <a:latin typeface="Arial Black" panose="020B0A04020102020204" pitchFamily="34" charset="0"/>
                 <a:cs typeface="Aharoni" panose="02010803020104030203" pitchFamily="2" charset="-79"/>
               </a:rPr>
               <a:t>CADASTRE-SE</a:t>
@@ -20095,7 +20062,7 @@
               <a:solidFill>
                 <a:schemeClr val="bg1"/>
               </a:solidFill>
-              <a:latin typeface="Aharoni" panose="02010803020104030203" pitchFamily="2" charset="-79"/>
+              <a:latin typeface="Arial Black" panose="020B0A04020102020204" pitchFamily="34" charset="0"/>
               <a:cs typeface="Aharoni" panose="02010803020104030203" pitchFamily="2" charset="-79"/>
             </a:endParaRPr>
           </a:p>
@@ -20130,6 +20097,7 @@
               <a:avLst/>
             </a:prstGeom>
             <a:noFill/>
+            <a:effectLst/>
           </p:spPr>
           <p:txBody>
             <a:bodyPr wrap="none" rtlCol="0">
@@ -20142,14 +20110,13 @@
                 <a:rPr lang="pt-BR" sz="2800" dirty="0" smtClean="0">
                   <a:ln>
                     <a:solidFill>
-                      <a:schemeClr val="accent1">
-                        <a:lumMod val="50000"/>
-                      </a:schemeClr>
+                      <a:schemeClr val="tx1"/>
                     </a:solidFill>
                   </a:ln>
                   <a:solidFill>
                     <a:schemeClr val="bg1"/>
                   </a:solidFill>
+                  <a:effectLst/>
                   <a:latin typeface="Bauhaus 93" panose="04030905020B02020C02" pitchFamily="82" charset="0"/>
                 </a:rPr>
                 <a:t>INPIRE-SE E </a:t>
@@ -20161,14 +20128,13 @@
                 <a:rPr lang="pt-BR" sz="2800" dirty="0" smtClean="0">
                   <a:ln>
                     <a:solidFill>
-                      <a:schemeClr val="accent1">
-                        <a:lumMod val="50000"/>
-                      </a:schemeClr>
+                      <a:schemeClr val="tx1"/>
                     </a:solidFill>
                   </a:ln>
                   <a:solidFill>
                     <a:schemeClr val="bg1"/>
                   </a:solidFill>
+                  <a:effectLst/>
                   <a:latin typeface="Bauhaus 93" panose="04030905020B02020C02" pitchFamily="82" charset="0"/>
                 </a:rPr>
                 <a:t>INOVE-SE TODOS OS DIAS</a:t>
@@ -20176,14 +20142,13 @@
               <a:endParaRPr lang="pt-BR" sz="2800" dirty="0">
                 <a:ln>
                   <a:solidFill>
-                    <a:schemeClr val="accent1">
-                      <a:lumMod val="50000"/>
-                    </a:schemeClr>
+                    <a:schemeClr val="tx1"/>
                   </a:solidFill>
                 </a:ln>
                 <a:solidFill>
                   <a:schemeClr val="bg1"/>
                 </a:solidFill>
+                <a:effectLst/>
                 <a:latin typeface="Bauhaus 93" panose="04030905020B02020C02" pitchFamily="82" charset="0"/>
               </a:endParaRPr>
             </a:p>
@@ -27376,7 +27341,7 @@
   <a:extraClrSchemeLst/>
   <a:extLst>
     <a:ext uri="{05A4C25C-085E-4340-85A3-A5531E510DB2}">
-      <thm15:themeFamily xmlns:thm15="http://schemas.microsoft.com/office/thememl/2012/main" xmlns="" name="Office Theme" id="{62F939B6-93AF-4DB8-9C6B-D6C7DFDC589F}" vid="{4A3C46E8-61CC-4603-A589-7422A47A8E4A}"/>
+      <thm15:themeFamily xmlns:thm15="http://schemas.microsoft.com/office/thememl/2012/main" name="Office Theme" id="{62F939B6-93AF-4DB8-9C6B-D6C7DFDC589F}" vid="{4A3C46E8-61CC-4603-A589-7422A47A8E4A}"/>
     </a:ext>
   </a:extLst>
 </a:theme>

--- a/Imagens/fundinho.pptx
+++ b/Imagens/fundinho.pptx
@@ -108,7 +108,7 @@
   </p:defaultTextStyle>
   <p:extLst>
     <p:ext uri="{EFAFB233-063F-42B5-8137-9DF3F51BA10A}">
-      <p15:sldGuideLst xmlns:p15="http://schemas.microsoft.com/office/powerpoint/2012/main">
+      <p15:sldGuideLst xmlns:p15="http://schemas.microsoft.com/office/powerpoint/2012/main" xmlns="">
         <p15:guide id="1" orient="horz" pos="2160">
           <p15:clr>
             <a:srgbClr val="A4A3A4"/>
@@ -256,7 +256,7 @@
           <a:p>
             <a:fld id="{CB2F0722-7C31-4BAA-904B-29AEC9A1B4D7}" type="datetimeFigureOut">
               <a:rPr lang="pt-BR" smtClean="0"/>
-              <a:t>07/03/2019</a:t>
+              <a:t>22/03/2019</a:t>
             </a:fld>
             <a:endParaRPr lang="pt-BR"/>
           </a:p>
@@ -426,7 +426,7 @@
           <a:p>
             <a:fld id="{CB2F0722-7C31-4BAA-904B-29AEC9A1B4D7}" type="datetimeFigureOut">
               <a:rPr lang="pt-BR" smtClean="0"/>
-              <a:t>07/03/2019</a:t>
+              <a:t>22/03/2019</a:t>
             </a:fld>
             <a:endParaRPr lang="pt-BR"/>
           </a:p>
@@ -606,7 +606,7 @@
           <a:p>
             <a:fld id="{CB2F0722-7C31-4BAA-904B-29AEC9A1B4D7}" type="datetimeFigureOut">
               <a:rPr lang="pt-BR" smtClean="0"/>
-              <a:t>07/03/2019</a:t>
+              <a:t>22/03/2019</a:t>
             </a:fld>
             <a:endParaRPr lang="pt-BR"/>
           </a:p>
@@ -776,7 +776,7 @@
           <a:p>
             <a:fld id="{CB2F0722-7C31-4BAA-904B-29AEC9A1B4D7}" type="datetimeFigureOut">
               <a:rPr lang="pt-BR" smtClean="0"/>
-              <a:t>07/03/2019</a:t>
+              <a:t>22/03/2019</a:t>
             </a:fld>
             <a:endParaRPr lang="pt-BR"/>
           </a:p>
@@ -1022,7 +1022,7 @@
           <a:p>
             <a:fld id="{CB2F0722-7C31-4BAA-904B-29AEC9A1B4D7}" type="datetimeFigureOut">
               <a:rPr lang="pt-BR" smtClean="0"/>
-              <a:t>07/03/2019</a:t>
+              <a:t>22/03/2019</a:t>
             </a:fld>
             <a:endParaRPr lang="pt-BR"/>
           </a:p>
@@ -1254,7 +1254,7 @@
           <a:p>
             <a:fld id="{CB2F0722-7C31-4BAA-904B-29AEC9A1B4D7}" type="datetimeFigureOut">
               <a:rPr lang="pt-BR" smtClean="0"/>
-              <a:t>07/03/2019</a:t>
+              <a:t>22/03/2019</a:t>
             </a:fld>
             <a:endParaRPr lang="pt-BR"/>
           </a:p>
@@ -1621,7 +1621,7 @@
           <a:p>
             <a:fld id="{CB2F0722-7C31-4BAA-904B-29AEC9A1B4D7}" type="datetimeFigureOut">
               <a:rPr lang="pt-BR" smtClean="0"/>
-              <a:t>07/03/2019</a:t>
+              <a:t>22/03/2019</a:t>
             </a:fld>
             <a:endParaRPr lang="pt-BR"/>
           </a:p>
@@ -1739,7 +1739,7 @@
           <a:p>
             <a:fld id="{CB2F0722-7C31-4BAA-904B-29AEC9A1B4D7}" type="datetimeFigureOut">
               <a:rPr lang="pt-BR" smtClean="0"/>
-              <a:t>07/03/2019</a:t>
+              <a:t>22/03/2019</a:t>
             </a:fld>
             <a:endParaRPr lang="pt-BR"/>
           </a:p>
@@ -1834,7 +1834,7 @@
           <a:p>
             <a:fld id="{CB2F0722-7C31-4BAA-904B-29AEC9A1B4D7}" type="datetimeFigureOut">
               <a:rPr lang="pt-BR" smtClean="0"/>
-              <a:t>07/03/2019</a:t>
+              <a:t>22/03/2019</a:t>
             </a:fld>
             <a:endParaRPr lang="pt-BR"/>
           </a:p>
@@ -2111,7 +2111,7 @@
           <a:p>
             <a:fld id="{CB2F0722-7C31-4BAA-904B-29AEC9A1B4D7}" type="datetimeFigureOut">
               <a:rPr lang="pt-BR" smtClean="0"/>
-              <a:t>07/03/2019</a:t>
+              <a:t>22/03/2019</a:t>
             </a:fld>
             <a:endParaRPr lang="pt-BR"/>
           </a:p>
@@ -2364,7 +2364,7 @@
           <a:p>
             <a:fld id="{CB2F0722-7C31-4BAA-904B-29AEC9A1B4D7}" type="datetimeFigureOut">
               <a:rPr lang="pt-BR" smtClean="0"/>
-              <a:t>07/03/2019</a:t>
+              <a:t>22/03/2019</a:t>
             </a:fld>
             <a:endParaRPr lang="pt-BR"/>
           </a:p>
@@ -2577,7 +2577,7 @@
           <a:p>
             <a:fld id="{CB2F0722-7C31-4BAA-904B-29AEC9A1B4D7}" type="datetimeFigureOut">
               <a:rPr lang="pt-BR" smtClean="0"/>
-              <a:t>07/03/2019</a:t>
+              <a:t>22/03/2019</a:t>
             </a:fld>
             <a:endParaRPr lang="pt-BR"/>
           </a:p>
@@ -11432,7 +11432,7 @@
             <a:p>
               <a:pPr algn="ctr"/>
               <a:r>
-                <a:rPr lang="pt-BR" dirty="0"/>
+                <a:rPr lang="pt-BR"/>
                 <a:t>	</a:t>
               </a:r>
               <a:endParaRPr lang="pt-BR" sz="2000" b="1" dirty="0">
@@ -27341,7 +27341,7 @@
   <a:extraClrSchemeLst/>
   <a:extLst>
     <a:ext uri="{05A4C25C-085E-4340-85A3-A5531E510DB2}">
-      <thm15:themeFamily xmlns:thm15="http://schemas.microsoft.com/office/thememl/2012/main" name="Office Theme" id="{62F939B6-93AF-4DB8-9C6B-D6C7DFDC589F}" vid="{4A3C46E8-61CC-4603-A589-7422A47A8E4A}"/>
+      <thm15:themeFamily xmlns:thm15="http://schemas.microsoft.com/office/thememl/2012/main" xmlns="" name="Office Theme" id="{62F939B6-93AF-4DB8-9C6B-D6C7DFDC589F}" vid="{4A3C46E8-61CC-4603-A589-7422A47A8E4A}"/>
     </a:ext>
   </a:extLst>
 </a:theme>

--- a/Imagens/fundinho.pptx
+++ b/Imagens/fundinho.pptx
@@ -7,7 +7,8 @@
   <p:sldIdLst>
     <p:sldId id="256" r:id="rId2"/>
     <p:sldId id="257" r:id="rId3"/>
-    <p:sldId id="258" r:id="rId4"/>
+    <p:sldId id="259" r:id="rId4"/>
+    <p:sldId id="258" r:id="rId5"/>
   </p:sldIdLst>
   <p:sldSz cx="12192000" cy="6858000"/>
   <p:notesSz cx="6858000" cy="9144000"/>
@@ -108,7 +109,7 @@
   </p:defaultTextStyle>
   <p:extLst>
     <p:ext uri="{EFAFB233-063F-42B5-8137-9DF3F51BA10A}">
-      <p15:sldGuideLst xmlns:p15="http://schemas.microsoft.com/office/powerpoint/2012/main" xmlns="">
+      <p15:sldGuideLst xmlns="" xmlns:p15="http://schemas.microsoft.com/office/powerpoint/2012/main">
         <p15:guide id="1" orient="horz" pos="2160">
           <p15:clr>
             <a:srgbClr val="A4A3A4"/>
@@ -256,7 +257,7 @@
           <a:p>
             <a:fld id="{CB2F0722-7C31-4BAA-904B-29AEC9A1B4D7}" type="datetimeFigureOut">
               <a:rPr lang="pt-BR" smtClean="0"/>
-              <a:t>22/03/2019</a:t>
+              <a:t>27/03/2019</a:t>
             </a:fld>
             <a:endParaRPr lang="pt-BR"/>
           </a:p>
@@ -426,7 +427,7 @@
           <a:p>
             <a:fld id="{CB2F0722-7C31-4BAA-904B-29AEC9A1B4D7}" type="datetimeFigureOut">
               <a:rPr lang="pt-BR" smtClean="0"/>
-              <a:t>22/03/2019</a:t>
+              <a:t>27/03/2019</a:t>
             </a:fld>
             <a:endParaRPr lang="pt-BR"/>
           </a:p>
@@ -606,7 +607,7 @@
           <a:p>
             <a:fld id="{CB2F0722-7C31-4BAA-904B-29AEC9A1B4D7}" type="datetimeFigureOut">
               <a:rPr lang="pt-BR" smtClean="0"/>
-              <a:t>22/03/2019</a:t>
+              <a:t>27/03/2019</a:t>
             </a:fld>
             <a:endParaRPr lang="pt-BR"/>
           </a:p>
@@ -776,7 +777,7 @@
           <a:p>
             <a:fld id="{CB2F0722-7C31-4BAA-904B-29AEC9A1B4D7}" type="datetimeFigureOut">
               <a:rPr lang="pt-BR" smtClean="0"/>
-              <a:t>22/03/2019</a:t>
+              <a:t>27/03/2019</a:t>
             </a:fld>
             <a:endParaRPr lang="pt-BR"/>
           </a:p>
@@ -1022,7 +1023,7 @@
           <a:p>
             <a:fld id="{CB2F0722-7C31-4BAA-904B-29AEC9A1B4D7}" type="datetimeFigureOut">
               <a:rPr lang="pt-BR" smtClean="0"/>
-              <a:t>22/03/2019</a:t>
+              <a:t>27/03/2019</a:t>
             </a:fld>
             <a:endParaRPr lang="pt-BR"/>
           </a:p>
@@ -1254,7 +1255,7 @@
           <a:p>
             <a:fld id="{CB2F0722-7C31-4BAA-904B-29AEC9A1B4D7}" type="datetimeFigureOut">
               <a:rPr lang="pt-BR" smtClean="0"/>
-              <a:t>22/03/2019</a:t>
+              <a:t>27/03/2019</a:t>
             </a:fld>
             <a:endParaRPr lang="pt-BR"/>
           </a:p>
@@ -1621,7 +1622,7 @@
           <a:p>
             <a:fld id="{CB2F0722-7C31-4BAA-904B-29AEC9A1B4D7}" type="datetimeFigureOut">
               <a:rPr lang="pt-BR" smtClean="0"/>
-              <a:t>22/03/2019</a:t>
+              <a:t>27/03/2019</a:t>
             </a:fld>
             <a:endParaRPr lang="pt-BR"/>
           </a:p>
@@ -1739,7 +1740,7 @@
           <a:p>
             <a:fld id="{CB2F0722-7C31-4BAA-904B-29AEC9A1B4D7}" type="datetimeFigureOut">
               <a:rPr lang="pt-BR" smtClean="0"/>
-              <a:t>22/03/2019</a:t>
+              <a:t>27/03/2019</a:t>
             </a:fld>
             <a:endParaRPr lang="pt-BR"/>
           </a:p>
@@ -1834,7 +1835,7 @@
           <a:p>
             <a:fld id="{CB2F0722-7C31-4BAA-904B-29AEC9A1B4D7}" type="datetimeFigureOut">
               <a:rPr lang="pt-BR" smtClean="0"/>
-              <a:t>22/03/2019</a:t>
+              <a:t>27/03/2019</a:t>
             </a:fld>
             <a:endParaRPr lang="pt-BR"/>
           </a:p>
@@ -2111,7 +2112,7 @@
           <a:p>
             <a:fld id="{CB2F0722-7C31-4BAA-904B-29AEC9A1B4D7}" type="datetimeFigureOut">
               <a:rPr lang="pt-BR" smtClean="0"/>
-              <a:t>22/03/2019</a:t>
+              <a:t>27/03/2019</a:t>
             </a:fld>
             <a:endParaRPr lang="pt-BR"/>
           </a:p>
@@ -2364,7 +2365,7 @@
           <a:p>
             <a:fld id="{CB2F0722-7C31-4BAA-904B-29AEC9A1B4D7}" type="datetimeFigureOut">
               <a:rPr lang="pt-BR" smtClean="0"/>
-              <a:t>22/03/2019</a:t>
+              <a:t>27/03/2019</a:t>
             </a:fld>
             <a:endParaRPr lang="pt-BR"/>
           </a:p>
@@ -2577,7 +2578,7 @@
           <a:p>
             <a:fld id="{CB2F0722-7C31-4BAA-904B-29AEC9A1B4D7}" type="datetimeFigureOut">
               <a:rPr lang="pt-BR" smtClean="0"/>
-              <a:t>22/03/2019</a:t>
+              <a:t>27/03/2019</a:t>
             </a:fld>
             <a:endParaRPr lang="pt-BR"/>
           </a:p>
@@ -19079,6 +19080,701 @@
       </p:grpSpPr>
       <p:grpSp>
         <p:nvGrpSpPr>
+          <p:cNvPr id="177" name="Grupo 176"/>
+          <p:cNvGrpSpPr/>
+          <p:nvPr/>
+        </p:nvGrpSpPr>
+        <p:grpSpPr>
+          <a:xfrm>
+            <a:off x="287747" y="86065"/>
+            <a:ext cx="11555840" cy="6549487"/>
+            <a:chOff x="287747" y="86065"/>
+            <a:chExt cx="11555840" cy="6549487"/>
+          </a:xfrm>
+        </p:grpSpPr>
+        <p:pic>
+          <p:nvPicPr>
+            <p:cNvPr id="133" name="Imagem 132"/>
+            <p:cNvPicPr>
+              <a:picLocks noChangeAspect="1"/>
+            </p:cNvPicPr>
+            <p:nvPr/>
+          </p:nvPicPr>
+          <p:blipFill>
+            <a:blip r:embed="rId2">
+              <a:duotone>
+                <a:schemeClr val="accent3">
+                  <a:shade val="45000"/>
+                  <a:satMod val="135000"/>
+                </a:schemeClr>
+                <a:prstClr val="white"/>
+              </a:duotone>
+              <a:extLst>
+                <a:ext uri="{BEBA8EAE-BF5A-486C-A8C5-ECC9F3942E4B}">
+                  <a14:imgProps xmlns:a14="http://schemas.microsoft.com/office/drawing/2010/main">
+                    <a14:imgLayer r:embed="rId3">
+                      <a14:imgEffect>
+                        <a14:colorTemperature colorTemp="4700"/>
+                      </a14:imgEffect>
+                      <a14:imgEffect>
+                        <a14:saturation sat="400000"/>
+                      </a14:imgEffect>
+                    </a14:imgLayer>
+                  </a14:imgProps>
+                </a:ext>
+                <a:ext uri="{28A0092B-C50C-407E-A947-70E740481C1C}">
+                  <a14:useLocalDpi xmlns:a14="http://schemas.microsoft.com/office/drawing/2010/main" val="0"/>
+                </a:ext>
+              </a:extLst>
+            </a:blip>
+            <a:stretch>
+              <a:fillRect/>
+            </a:stretch>
+          </p:blipFill>
+          <p:spPr>
+            <a:xfrm rot="7338474">
+              <a:off x="3138619" y="3214006"/>
+              <a:ext cx="999661" cy="914324"/>
+            </a:xfrm>
+            <a:prstGeom prst="rect">
+              <a:avLst/>
+            </a:prstGeom>
+          </p:spPr>
+        </p:pic>
+        <p:pic>
+          <p:nvPicPr>
+            <p:cNvPr id="152" name="Imagem 151"/>
+            <p:cNvPicPr>
+              <a:picLocks noChangeAspect="1"/>
+            </p:cNvPicPr>
+            <p:nvPr/>
+          </p:nvPicPr>
+          <p:blipFill>
+            <a:blip r:embed="rId4">
+              <a:duotone>
+                <a:schemeClr val="bg2">
+                  <a:shade val="45000"/>
+                  <a:satMod val="135000"/>
+                </a:schemeClr>
+                <a:prstClr val="white"/>
+              </a:duotone>
+              <a:extLst>
+                <a:ext uri="{28A0092B-C50C-407E-A947-70E740481C1C}">
+                  <a14:useLocalDpi xmlns:a14="http://schemas.microsoft.com/office/drawing/2010/main" val="0"/>
+                </a:ext>
+              </a:extLst>
+            </a:blip>
+            <a:stretch>
+              <a:fillRect/>
+            </a:stretch>
+          </p:blipFill>
+          <p:spPr>
+            <a:xfrm>
+              <a:off x="287747" y="301337"/>
+              <a:ext cx="615645" cy="1341009"/>
+            </a:xfrm>
+            <a:prstGeom prst="rect">
+              <a:avLst/>
+            </a:prstGeom>
+          </p:spPr>
+        </p:pic>
+        <p:pic>
+          <p:nvPicPr>
+            <p:cNvPr id="153" name="Imagem 152"/>
+            <p:cNvPicPr>
+              <a:picLocks noChangeAspect="1"/>
+            </p:cNvPicPr>
+            <p:nvPr/>
+          </p:nvPicPr>
+          <p:blipFill>
+            <a:blip r:embed="rId5">
+              <a:duotone>
+                <a:schemeClr val="bg2">
+                  <a:shade val="45000"/>
+                  <a:satMod val="135000"/>
+                </a:schemeClr>
+                <a:prstClr val="white"/>
+              </a:duotone>
+              <a:extLst>
+                <a:ext uri="{28A0092B-C50C-407E-A947-70E740481C1C}">
+                  <a14:useLocalDpi xmlns:a14="http://schemas.microsoft.com/office/drawing/2010/main" val="0"/>
+                </a:ext>
+              </a:extLst>
+            </a:blip>
+            <a:stretch>
+              <a:fillRect/>
+            </a:stretch>
+          </p:blipFill>
+          <p:spPr>
+            <a:xfrm rot="18145585">
+              <a:off x="461510" y="5047114"/>
+              <a:ext cx="1469015" cy="1499492"/>
+            </a:xfrm>
+            <a:prstGeom prst="rect">
+              <a:avLst/>
+            </a:prstGeom>
+          </p:spPr>
+        </p:pic>
+        <p:pic>
+          <p:nvPicPr>
+            <p:cNvPr id="154" name="Imagem 153"/>
+            <p:cNvPicPr>
+              <a:picLocks noChangeAspect="1"/>
+            </p:cNvPicPr>
+            <p:nvPr/>
+          </p:nvPicPr>
+          <p:blipFill>
+            <a:blip r:embed="rId6">
+              <a:duotone>
+                <a:schemeClr val="bg2">
+                  <a:shade val="45000"/>
+                  <a:satMod val="135000"/>
+                </a:schemeClr>
+                <a:prstClr val="white"/>
+              </a:duotone>
+              <a:extLst>
+                <a:ext uri="{28A0092B-C50C-407E-A947-70E740481C1C}">
+                  <a14:useLocalDpi xmlns:a14="http://schemas.microsoft.com/office/drawing/2010/main" val="0"/>
+                </a:ext>
+              </a:extLst>
+            </a:blip>
+            <a:stretch>
+              <a:fillRect/>
+            </a:stretch>
+          </p:blipFill>
+          <p:spPr>
+            <a:xfrm rot="15024233">
+              <a:off x="4673839" y="4422178"/>
+              <a:ext cx="1542161" cy="2182188"/>
+            </a:xfrm>
+            <a:prstGeom prst="rect">
+              <a:avLst/>
+            </a:prstGeom>
+          </p:spPr>
+        </p:pic>
+        <p:pic>
+          <p:nvPicPr>
+            <p:cNvPr id="155" name="Imagem 154"/>
+            <p:cNvPicPr>
+              <a:picLocks noChangeAspect="1"/>
+            </p:cNvPicPr>
+            <p:nvPr/>
+          </p:nvPicPr>
+          <p:blipFill>
+            <a:blip r:embed="rId7">
+              <a:duotone>
+                <a:schemeClr val="bg2">
+                  <a:shade val="45000"/>
+                  <a:satMod val="135000"/>
+                </a:schemeClr>
+                <a:prstClr val="white"/>
+              </a:duotone>
+              <a:extLst>
+                <a:ext uri="{BEBA8EAE-BF5A-486C-A8C5-ECC9F3942E4B}">
+                  <a14:imgProps xmlns:a14="http://schemas.microsoft.com/office/drawing/2010/main">
+                    <a14:imgLayer r:embed="rId8">
+                      <a14:imgEffect>
+                        <a14:saturation sat="400000"/>
+                      </a14:imgEffect>
+                    </a14:imgLayer>
+                  </a14:imgProps>
+                </a:ext>
+                <a:ext uri="{28A0092B-C50C-407E-A947-70E740481C1C}">
+                  <a14:useLocalDpi xmlns:a14="http://schemas.microsoft.com/office/drawing/2010/main" val="0"/>
+                </a:ext>
+              </a:extLst>
+            </a:blip>
+            <a:stretch>
+              <a:fillRect/>
+            </a:stretch>
+          </p:blipFill>
+          <p:spPr>
+            <a:xfrm>
+              <a:off x="903392" y="2335762"/>
+              <a:ext cx="1365391" cy="2023705"/>
+            </a:xfrm>
+            <a:prstGeom prst="rect">
+              <a:avLst/>
+            </a:prstGeom>
+          </p:spPr>
+        </p:pic>
+        <p:pic>
+          <p:nvPicPr>
+            <p:cNvPr id="156" name="Imagem 155"/>
+            <p:cNvPicPr>
+              <a:picLocks noChangeAspect="1"/>
+            </p:cNvPicPr>
+            <p:nvPr/>
+          </p:nvPicPr>
+          <p:blipFill>
+            <a:blip r:embed="rId9">
+              <a:duotone>
+                <a:schemeClr val="bg2">
+                  <a:shade val="45000"/>
+                  <a:satMod val="135000"/>
+                </a:schemeClr>
+                <a:prstClr val="white"/>
+              </a:duotone>
+              <a:extLst>
+                <a:ext uri="{28A0092B-C50C-407E-A947-70E740481C1C}">
+                  <a14:useLocalDpi xmlns:a14="http://schemas.microsoft.com/office/drawing/2010/main" val="0"/>
+                </a:ext>
+              </a:extLst>
+            </a:blip>
+            <a:stretch>
+              <a:fillRect/>
+            </a:stretch>
+          </p:blipFill>
+          <p:spPr>
+            <a:xfrm rot="17956927">
+              <a:off x="2238857" y="303078"/>
+              <a:ext cx="1676262" cy="1243481"/>
+            </a:xfrm>
+            <a:prstGeom prst="rect">
+              <a:avLst/>
+            </a:prstGeom>
+          </p:spPr>
+        </p:pic>
+        <p:pic>
+          <p:nvPicPr>
+            <p:cNvPr id="158" name="Imagem 157"/>
+            <p:cNvPicPr>
+              <a:picLocks noChangeAspect="1"/>
+            </p:cNvPicPr>
+            <p:nvPr/>
+          </p:nvPicPr>
+          <p:blipFill>
+            <a:blip r:embed="rId2">
+              <a:duotone>
+                <a:schemeClr val="accent3">
+                  <a:shade val="45000"/>
+                  <a:satMod val="135000"/>
+                </a:schemeClr>
+                <a:prstClr val="white"/>
+              </a:duotone>
+              <a:extLst>
+                <a:ext uri="{BEBA8EAE-BF5A-486C-A8C5-ECC9F3942E4B}">
+                  <a14:imgProps xmlns:a14="http://schemas.microsoft.com/office/drawing/2010/main">
+                    <a14:imgLayer r:embed="rId3">
+                      <a14:imgEffect>
+                        <a14:colorTemperature colorTemp="4700"/>
+                      </a14:imgEffect>
+                      <a14:imgEffect>
+                        <a14:saturation sat="400000"/>
+                      </a14:imgEffect>
+                    </a14:imgLayer>
+                  </a14:imgProps>
+                </a:ext>
+                <a:ext uri="{28A0092B-C50C-407E-A947-70E740481C1C}">
+                  <a14:useLocalDpi xmlns:a14="http://schemas.microsoft.com/office/drawing/2010/main" val="0"/>
+                </a:ext>
+              </a:extLst>
+            </a:blip>
+            <a:stretch>
+              <a:fillRect/>
+            </a:stretch>
+          </p:blipFill>
+          <p:spPr>
+            <a:xfrm>
+              <a:off x="10279433" y="4931426"/>
+              <a:ext cx="999661" cy="914324"/>
+            </a:xfrm>
+            <a:prstGeom prst="rect">
+              <a:avLst/>
+            </a:prstGeom>
+          </p:spPr>
+        </p:pic>
+        <p:pic>
+          <p:nvPicPr>
+            <p:cNvPr id="160" name="Imagem 159"/>
+            <p:cNvPicPr>
+              <a:picLocks noChangeAspect="1"/>
+            </p:cNvPicPr>
+            <p:nvPr/>
+          </p:nvPicPr>
+          <p:blipFill>
+            <a:blip r:embed="rId5">
+              <a:duotone>
+                <a:schemeClr val="bg2">
+                  <a:shade val="45000"/>
+                  <a:satMod val="135000"/>
+                </a:schemeClr>
+                <a:prstClr val="white"/>
+              </a:duotone>
+              <a:extLst>
+                <a:ext uri="{28A0092B-C50C-407E-A947-70E740481C1C}">
+                  <a14:useLocalDpi xmlns:a14="http://schemas.microsoft.com/office/drawing/2010/main" val="0"/>
+                </a:ext>
+              </a:extLst>
+            </a:blip>
+            <a:stretch>
+              <a:fillRect/>
+            </a:stretch>
+          </p:blipFill>
+          <p:spPr>
+            <a:xfrm>
+              <a:off x="7237920" y="3671168"/>
+              <a:ext cx="1469015" cy="1499492"/>
+            </a:xfrm>
+            <a:prstGeom prst="rect">
+              <a:avLst/>
+            </a:prstGeom>
+          </p:spPr>
+        </p:pic>
+        <p:pic>
+          <p:nvPicPr>
+            <p:cNvPr id="161" name="Imagem 160"/>
+            <p:cNvPicPr>
+              <a:picLocks noChangeAspect="1"/>
+            </p:cNvPicPr>
+            <p:nvPr/>
+          </p:nvPicPr>
+          <p:blipFill>
+            <a:blip r:embed="rId6">
+              <a:duotone>
+                <a:schemeClr val="bg2">
+                  <a:shade val="45000"/>
+                  <a:satMod val="135000"/>
+                </a:schemeClr>
+                <a:prstClr val="white"/>
+              </a:duotone>
+              <a:extLst>
+                <a:ext uri="{28A0092B-C50C-407E-A947-70E740481C1C}">
+                  <a14:useLocalDpi xmlns:a14="http://schemas.microsoft.com/office/drawing/2010/main" val="0"/>
+                </a:ext>
+              </a:extLst>
+            </a:blip>
+            <a:stretch>
+              <a:fillRect/>
+            </a:stretch>
+          </p:blipFill>
+          <p:spPr>
+            <a:xfrm rot="973226">
+              <a:off x="6466839" y="86065"/>
+              <a:ext cx="1542161" cy="2182188"/>
+            </a:xfrm>
+            <a:prstGeom prst="rect">
+              <a:avLst/>
+            </a:prstGeom>
+          </p:spPr>
+        </p:pic>
+        <p:pic>
+          <p:nvPicPr>
+            <p:cNvPr id="164" name="Imagem 163"/>
+            <p:cNvPicPr>
+              <a:picLocks noChangeAspect="1"/>
+            </p:cNvPicPr>
+            <p:nvPr/>
+          </p:nvPicPr>
+          <p:blipFill>
+            <a:blip r:embed="rId10">
+              <a:extLst>
+                <a:ext uri="{BEBA8EAE-BF5A-486C-A8C5-ECC9F3942E4B}">
+                  <a14:imgProps xmlns:a14="http://schemas.microsoft.com/office/drawing/2010/main">
+                    <a14:imgLayer r:embed="rId11">
+                      <a14:imgEffect>
+                        <a14:saturation sat="400000"/>
+                      </a14:imgEffect>
+                    </a14:imgLayer>
+                  </a14:imgProps>
+                </a:ext>
+                <a:ext uri="{28A0092B-C50C-407E-A947-70E740481C1C}">
+                  <a14:useLocalDpi xmlns:a14="http://schemas.microsoft.com/office/drawing/2010/main" val="0"/>
+                </a:ext>
+              </a:extLst>
+            </a:blip>
+            <a:stretch>
+              <a:fillRect/>
+            </a:stretch>
+          </p:blipFill>
+          <p:spPr>
+            <a:xfrm rot="313825">
+              <a:off x="4464375" y="1551455"/>
+              <a:ext cx="554690" cy="384016"/>
+            </a:xfrm>
+            <a:prstGeom prst="rect">
+              <a:avLst/>
+            </a:prstGeom>
+          </p:spPr>
+        </p:pic>
+        <p:pic>
+          <p:nvPicPr>
+            <p:cNvPr id="165" name="Imagem 164"/>
+            <p:cNvPicPr>
+              <a:picLocks noChangeAspect="1"/>
+            </p:cNvPicPr>
+            <p:nvPr/>
+          </p:nvPicPr>
+          <p:blipFill>
+            <a:blip r:embed="rId7">
+              <a:duotone>
+                <a:schemeClr val="bg2">
+                  <a:shade val="45000"/>
+                  <a:satMod val="135000"/>
+                </a:schemeClr>
+                <a:prstClr val="white"/>
+              </a:duotone>
+              <a:extLst>
+                <a:ext uri="{BEBA8EAE-BF5A-486C-A8C5-ECC9F3942E4B}">
+                  <a14:imgProps xmlns:a14="http://schemas.microsoft.com/office/drawing/2010/main">
+                    <a14:imgLayer r:embed="rId8">
+                      <a14:imgEffect>
+                        <a14:saturation sat="400000"/>
+                      </a14:imgEffect>
+                    </a14:imgLayer>
+                  </a14:imgProps>
+                </a:ext>
+                <a:ext uri="{28A0092B-C50C-407E-A947-70E740481C1C}">
+                  <a14:useLocalDpi xmlns:a14="http://schemas.microsoft.com/office/drawing/2010/main" val="0"/>
+                </a:ext>
+              </a:extLst>
+            </a:blip>
+            <a:stretch>
+              <a:fillRect/>
+            </a:stretch>
+          </p:blipFill>
+          <p:spPr>
+            <a:xfrm rot="17046560">
+              <a:off x="5407475" y="2111053"/>
+              <a:ext cx="1365391" cy="2023705"/>
+            </a:xfrm>
+            <a:prstGeom prst="rect">
+              <a:avLst/>
+            </a:prstGeom>
+          </p:spPr>
+        </p:pic>
+        <p:pic>
+          <p:nvPicPr>
+            <p:cNvPr id="167" name="Imagem 166"/>
+            <p:cNvPicPr>
+              <a:picLocks noChangeAspect="1"/>
+            </p:cNvPicPr>
+            <p:nvPr/>
+          </p:nvPicPr>
+          <p:blipFill>
+            <a:blip r:embed="rId2">
+              <a:duotone>
+                <a:schemeClr val="accent3">
+                  <a:shade val="45000"/>
+                  <a:satMod val="135000"/>
+                </a:schemeClr>
+                <a:prstClr val="white"/>
+              </a:duotone>
+              <a:extLst>
+                <a:ext uri="{BEBA8EAE-BF5A-486C-A8C5-ECC9F3942E4B}">
+                  <a14:imgProps xmlns:a14="http://schemas.microsoft.com/office/drawing/2010/main">
+                    <a14:imgLayer r:embed="rId3">
+                      <a14:imgEffect>
+                        <a14:colorTemperature colorTemp="4700"/>
+                      </a14:imgEffect>
+                      <a14:imgEffect>
+                        <a14:saturation sat="400000"/>
+                      </a14:imgEffect>
+                    </a14:imgLayer>
+                  </a14:imgProps>
+                </a:ext>
+                <a:ext uri="{28A0092B-C50C-407E-A947-70E740481C1C}">
+                  <a14:useLocalDpi xmlns:a14="http://schemas.microsoft.com/office/drawing/2010/main" val="0"/>
+                </a:ext>
+              </a:extLst>
+            </a:blip>
+            <a:stretch>
+              <a:fillRect/>
+            </a:stretch>
+          </p:blipFill>
+          <p:spPr>
+            <a:xfrm>
+              <a:off x="8846407" y="1177121"/>
+              <a:ext cx="999661" cy="914324"/>
+            </a:xfrm>
+            <a:prstGeom prst="rect">
+              <a:avLst/>
+            </a:prstGeom>
+          </p:spPr>
+        </p:pic>
+        <p:pic>
+          <p:nvPicPr>
+            <p:cNvPr id="168" name="Imagem 167"/>
+            <p:cNvPicPr>
+              <a:picLocks noChangeAspect="1"/>
+            </p:cNvPicPr>
+            <p:nvPr/>
+          </p:nvPicPr>
+          <p:blipFill>
+            <a:blip r:embed="rId9">
+              <a:duotone>
+                <a:schemeClr val="bg2">
+                  <a:shade val="45000"/>
+                  <a:satMod val="135000"/>
+                </a:schemeClr>
+                <a:prstClr val="white"/>
+              </a:duotone>
+              <a:extLst>
+                <a:ext uri="{28A0092B-C50C-407E-A947-70E740481C1C}">
+                  <a14:useLocalDpi xmlns:a14="http://schemas.microsoft.com/office/drawing/2010/main" val="0"/>
+                </a:ext>
+              </a:extLst>
+            </a:blip>
+            <a:stretch>
+              <a:fillRect/>
+            </a:stretch>
+          </p:blipFill>
+          <p:spPr>
+            <a:xfrm rot="19875402">
+              <a:off x="10167325" y="1746949"/>
+              <a:ext cx="1676262" cy="1243481"/>
+            </a:xfrm>
+            <a:prstGeom prst="rect">
+              <a:avLst/>
+            </a:prstGeom>
+          </p:spPr>
+        </p:pic>
+        <p:pic>
+          <p:nvPicPr>
+            <p:cNvPr id="171" name="Imagem 170"/>
+            <p:cNvPicPr>
+              <a:picLocks noChangeAspect="1"/>
+            </p:cNvPicPr>
+            <p:nvPr/>
+          </p:nvPicPr>
+          <p:blipFill>
+            <a:blip r:embed="rId4">
+              <a:duotone>
+                <a:schemeClr val="bg2">
+                  <a:shade val="45000"/>
+                  <a:satMod val="135000"/>
+                </a:schemeClr>
+                <a:prstClr val="white"/>
+              </a:duotone>
+              <a:extLst>
+                <a:ext uri="{28A0092B-C50C-407E-A947-70E740481C1C}">
+                  <a14:useLocalDpi xmlns:a14="http://schemas.microsoft.com/office/drawing/2010/main" val="0"/>
+                </a:ext>
+              </a:extLst>
+            </a:blip>
+            <a:stretch>
+              <a:fillRect/>
+            </a:stretch>
+          </p:blipFill>
+          <p:spPr>
+            <a:xfrm>
+              <a:off x="9346238" y="3122905"/>
+              <a:ext cx="615645" cy="1341009"/>
+            </a:xfrm>
+            <a:prstGeom prst="rect">
+              <a:avLst/>
+            </a:prstGeom>
+          </p:spPr>
+        </p:pic>
+        <p:pic>
+          <p:nvPicPr>
+            <p:cNvPr id="173" name="Imagem 172"/>
+            <p:cNvPicPr>
+              <a:picLocks noChangeAspect="1"/>
+            </p:cNvPicPr>
+            <p:nvPr/>
+          </p:nvPicPr>
+          <p:blipFill>
+            <a:blip r:embed="rId10">
+              <a:extLst>
+                <a:ext uri="{BEBA8EAE-BF5A-486C-A8C5-ECC9F3942E4B}">
+                  <a14:imgProps xmlns:a14="http://schemas.microsoft.com/office/drawing/2010/main">
+                    <a14:imgLayer r:embed="rId11">
+                      <a14:imgEffect>
+                        <a14:saturation sat="400000"/>
+                      </a14:imgEffect>
+                    </a14:imgLayer>
+                  </a14:imgProps>
+                </a:ext>
+                <a:ext uri="{28A0092B-C50C-407E-A947-70E740481C1C}">
+                  <a14:useLocalDpi xmlns:a14="http://schemas.microsoft.com/office/drawing/2010/main" val="0"/>
+                </a:ext>
+              </a:extLst>
+            </a:blip>
+            <a:stretch>
+              <a:fillRect/>
+            </a:stretch>
+          </p:blipFill>
+          <p:spPr>
+            <a:xfrm rot="2907160">
+              <a:off x="10501917" y="646777"/>
+              <a:ext cx="554690" cy="384016"/>
+            </a:xfrm>
+            <a:prstGeom prst="rect">
+              <a:avLst/>
+            </a:prstGeom>
+          </p:spPr>
+        </p:pic>
+        <p:pic>
+          <p:nvPicPr>
+            <p:cNvPr id="175" name="Imagem 174"/>
+            <p:cNvPicPr>
+              <a:picLocks noChangeAspect="1"/>
+            </p:cNvPicPr>
+            <p:nvPr/>
+          </p:nvPicPr>
+          <p:blipFill>
+            <a:blip r:embed="rId9">
+              <a:duotone>
+                <a:schemeClr val="bg2">
+                  <a:shade val="45000"/>
+                  <a:satMod val="135000"/>
+                </a:schemeClr>
+                <a:prstClr val="white"/>
+              </a:duotone>
+              <a:extLst>
+                <a:ext uri="{28A0092B-C50C-407E-A947-70E740481C1C}">
+                  <a14:useLocalDpi xmlns:a14="http://schemas.microsoft.com/office/drawing/2010/main" val="0"/>
+                </a:ext>
+              </a:extLst>
+            </a:blip>
+            <a:stretch>
+              <a:fillRect/>
+            </a:stretch>
+          </p:blipFill>
+          <p:spPr>
+            <a:xfrm>
+              <a:off x="7868804" y="5392071"/>
+              <a:ext cx="1676262" cy="1243481"/>
+            </a:xfrm>
+            <a:prstGeom prst="rect">
+              <a:avLst/>
+            </a:prstGeom>
+          </p:spPr>
+        </p:pic>
+      </p:grpSp>
+    </p:spTree>
+    <p:extLst>
+      <p:ext uri="{BB962C8B-B14F-4D97-AF65-F5344CB8AC3E}">
+        <p14:creationId xmlns:p14="http://schemas.microsoft.com/office/powerpoint/2010/main" val="314410903"/>
+      </p:ext>
+    </p:extLst>
+  </p:cSld>
+  <p:clrMapOvr>
+    <a:masterClrMapping/>
+  </p:clrMapOvr>
+</p:sld>
+</file>
+
+<file path=ppt/slides/slide4.xml><?xml version="1.0" encoding="utf-8"?>
+<p:sld xmlns:a="http://schemas.openxmlformats.org/drawingml/2006/main" xmlns:r="http://schemas.openxmlformats.org/officeDocument/2006/relationships" xmlns:p="http://schemas.openxmlformats.org/presentationml/2006/main">
+  <p:cSld>
+    <p:spTree>
+      <p:nvGrpSpPr>
+        <p:cNvPr id="1" name=""/>
+        <p:cNvGrpSpPr/>
+        <p:nvPr/>
+      </p:nvGrpSpPr>
+      <p:grpSpPr>
+        <a:xfrm>
+          <a:off x="0" y="0"/>
+          <a:ext cx="0" cy="0"/>
+          <a:chOff x="0" y="0"/>
+          <a:chExt cx="0" cy="0"/>
+        </a:xfrm>
+      </p:grpSpPr>
+      <p:grpSp>
+        <p:nvGrpSpPr>
           <p:cNvPr id="4" name="Grupo 3"/>
           <p:cNvGrpSpPr/>
           <p:nvPr/>
@@ -27341,7 +28037,7 @@
   <a:extraClrSchemeLst/>
   <a:extLst>
     <a:ext uri="{05A4C25C-085E-4340-85A3-A5531E510DB2}">
-      <thm15:themeFamily xmlns:thm15="http://schemas.microsoft.com/office/thememl/2012/main" xmlns="" name="Office Theme" id="{62F939B6-93AF-4DB8-9C6B-D6C7DFDC589F}" vid="{4A3C46E8-61CC-4603-A589-7422A47A8E4A}"/>
+      <thm15:themeFamily xmlns="" xmlns:thm15="http://schemas.microsoft.com/office/thememl/2012/main" name="Office Theme" id="{62F939B6-93AF-4DB8-9C6B-D6C7DFDC589F}" vid="{4A3C46E8-61CC-4603-A589-7422A47A8E4A}"/>
     </a:ext>
   </a:extLst>
 </a:theme>

--- a/Imagens/fundinho.pptx
+++ b/Imagens/fundinho.pptx
@@ -9,6 +9,7 @@
     <p:sldId id="257" r:id="rId3"/>
     <p:sldId id="259" r:id="rId4"/>
     <p:sldId id="258" r:id="rId5"/>
+    <p:sldId id="260" r:id="rId6"/>
   </p:sldIdLst>
   <p:sldSz cx="12192000" cy="6858000"/>
   <p:notesSz cx="6858000" cy="9144000"/>
@@ -109,7 +110,7 @@
   </p:defaultTextStyle>
   <p:extLst>
     <p:ext uri="{EFAFB233-063F-42B5-8137-9DF3F51BA10A}">
-      <p15:sldGuideLst xmlns="" xmlns:p15="http://schemas.microsoft.com/office/powerpoint/2012/main">
+      <p15:sldGuideLst xmlns:p15="http://schemas.microsoft.com/office/powerpoint/2012/main" xmlns="">
         <p15:guide id="1" orient="horz" pos="2160">
           <p15:clr>
             <a:srgbClr val="A4A3A4"/>
@@ -257,7 +258,7 @@
           <a:p>
             <a:fld id="{CB2F0722-7C31-4BAA-904B-29AEC9A1B4D7}" type="datetimeFigureOut">
               <a:rPr lang="pt-BR" smtClean="0"/>
-              <a:t>27/03/2019</a:t>
+              <a:t>10/04/2019</a:t>
             </a:fld>
             <a:endParaRPr lang="pt-BR"/>
           </a:p>
@@ -427,7 +428,7 @@
           <a:p>
             <a:fld id="{CB2F0722-7C31-4BAA-904B-29AEC9A1B4D7}" type="datetimeFigureOut">
               <a:rPr lang="pt-BR" smtClean="0"/>
-              <a:t>27/03/2019</a:t>
+              <a:t>10/04/2019</a:t>
             </a:fld>
             <a:endParaRPr lang="pt-BR"/>
           </a:p>
@@ -607,7 +608,7 @@
           <a:p>
             <a:fld id="{CB2F0722-7C31-4BAA-904B-29AEC9A1B4D7}" type="datetimeFigureOut">
               <a:rPr lang="pt-BR" smtClean="0"/>
-              <a:t>27/03/2019</a:t>
+              <a:t>10/04/2019</a:t>
             </a:fld>
             <a:endParaRPr lang="pt-BR"/>
           </a:p>
@@ -777,7 +778,7 @@
           <a:p>
             <a:fld id="{CB2F0722-7C31-4BAA-904B-29AEC9A1B4D7}" type="datetimeFigureOut">
               <a:rPr lang="pt-BR" smtClean="0"/>
-              <a:t>27/03/2019</a:t>
+              <a:t>10/04/2019</a:t>
             </a:fld>
             <a:endParaRPr lang="pt-BR"/>
           </a:p>
@@ -1023,7 +1024,7 @@
           <a:p>
             <a:fld id="{CB2F0722-7C31-4BAA-904B-29AEC9A1B4D7}" type="datetimeFigureOut">
               <a:rPr lang="pt-BR" smtClean="0"/>
-              <a:t>27/03/2019</a:t>
+              <a:t>10/04/2019</a:t>
             </a:fld>
             <a:endParaRPr lang="pt-BR"/>
           </a:p>
@@ -1255,7 +1256,7 @@
           <a:p>
             <a:fld id="{CB2F0722-7C31-4BAA-904B-29AEC9A1B4D7}" type="datetimeFigureOut">
               <a:rPr lang="pt-BR" smtClean="0"/>
-              <a:t>27/03/2019</a:t>
+              <a:t>10/04/2019</a:t>
             </a:fld>
             <a:endParaRPr lang="pt-BR"/>
           </a:p>
@@ -1622,7 +1623,7 @@
           <a:p>
             <a:fld id="{CB2F0722-7C31-4BAA-904B-29AEC9A1B4D7}" type="datetimeFigureOut">
               <a:rPr lang="pt-BR" smtClean="0"/>
-              <a:t>27/03/2019</a:t>
+              <a:t>10/04/2019</a:t>
             </a:fld>
             <a:endParaRPr lang="pt-BR"/>
           </a:p>
@@ -1740,7 +1741,7 @@
           <a:p>
             <a:fld id="{CB2F0722-7C31-4BAA-904B-29AEC9A1B4D7}" type="datetimeFigureOut">
               <a:rPr lang="pt-BR" smtClean="0"/>
-              <a:t>27/03/2019</a:t>
+              <a:t>10/04/2019</a:t>
             </a:fld>
             <a:endParaRPr lang="pt-BR"/>
           </a:p>
@@ -1835,7 +1836,7 @@
           <a:p>
             <a:fld id="{CB2F0722-7C31-4BAA-904B-29AEC9A1B4D7}" type="datetimeFigureOut">
               <a:rPr lang="pt-BR" smtClean="0"/>
-              <a:t>27/03/2019</a:t>
+              <a:t>10/04/2019</a:t>
             </a:fld>
             <a:endParaRPr lang="pt-BR"/>
           </a:p>
@@ -2112,7 +2113,7 @@
           <a:p>
             <a:fld id="{CB2F0722-7C31-4BAA-904B-29AEC9A1B4D7}" type="datetimeFigureOut">
               <a:rPr lang="pt-BR" smtClean="0"/>
-              <a:t>27/03/2019</a:t>
+              <a:t>10/04/2019</a:t>
             </a:fld>
             <a:endParaRPr lang="pt-BR"/>
           </a:p>
@@ -2365,7 +2366,7 @@
           <a:p>
             <a:fld id="{CB2F0722-7C31-4BAA-904B-29AEC9A1B4D7}" type="datetimeFigureOut">
               <a:rPr lang="pt-BR" smtClean="0"/>
-              <a:t>27/03/2019</a:t>
+              <a:t>10/04/2019</a:t>
             </a:fld>
             <a:endParaRPr lang="pt-BR"/>
           </a:p>
@@ -2578,7 +2579,7 @@
           <a:p>
             <a:fld id="{CB2F0722-7C31-4BAA-904B-29AEC9A1B4D7}" type="datetimeFigureOut">
               <a:rPr lang="pt-BR" smtClean="0"/>
-              <a:t>27/03/2019</a:t>
+              <a:t>10/04/2019</a:t>
             </a:fld>
             <a:endParaRPr lang="pt-BR"/>
           </a:p>
@@ -27782,6 +27783,2424 @@
 </p:sld>
 </file>
 
+<file path=ppt/slides/slide5.xml><?xml version="1.0" encoding="utf-8"?>
+<p:sld xmlns:a="http://schemas.openxmlformats.org/drawingml/2006/main" xmlns:r="http://schemas.openxmlformats.org/officeDocument/2006/relationships" xmlns:p="http://schemas.openxmlformats.org/presentationml/2006/main">
+  <p:cSld>
+    <p:spTree>
+      <p:nvGrpSpPr>
+        <p:cNvPr id="1" name=""/>
+        <p:cNvGrpSpPr/>
+        <p:nvPr/>
+      </p:nvGrpSpPr>
+      <p:grpSpPr>
+        <a:xfrm>
+          <a:off x="0" y="0"/>
+          <a:ext cx="0" cy="0"/>
+          <a:chOff x="0" y="0"/>
+          <a:chExt cx="0" cy="0"/>
+        </a:xfrm>
+      </p:grpSpPr>
+      <p:grpSp>
+        <p:nvGrpSpPr>
+          <p:cNvPr id="4" name="Grupo 3"/>
+          <p:cNvGrpSpPr/>
+          <p:nvPr/>
+        </p:nvGrpSpPr>
+        <p:grpSpPr>
+          <a:xfrm>
+            <a:off x="0" y="2985"/>
+            <a:ext cx="5947407" cy="4226719"/>
+            <a:chOff x="0" y="-13948"/>
+            <a:chExt cx="12201286" cy="6825728"/>
+          </a:xfrm>
+        </p:grpSpPr>
+        <p:grpSp>
+          <p:nvGrpSpPr>
+            <p:cNvPr id="5" name="Grupo 4"/>
+            <p:cNvGrpSpPr/>
+            <p:nvPr/>
+          </p:nvGrpSpPr>
+          <p:grpSpPr>
+            <a:xfrm>
+              <a:off x="9286" y="5734922"/>
+              <a:ext cx="12192000" cy="1076858"/>
+              <a:chOff x="0" y="5164851"/>
+              <a:chExt cx="12192000" cy="1076858"/>
+            </a:xfrm>
+            <a:solidFill>
+              <a:srgbClr val="01BFBF"/>
+            </a:solidFill>
+          </p:grpSpPr>
+          <p:sp>
+            <p:nvSpPr>
+              <p:cNvPr id="14" name="Elipse 13"/>
+              <p:cNvSpPr/>
+              <p:nvPr/>
+            </p:nvSpPr>
+            <p:spPr>
+              <a:xfrm>
+                <a:off x="883227" y="5164851"/>
+                <a:ext cx="2805545" cy="1076858"/>
+              </a:xfrm>
+              <a:prstGeom prst="ellipse">
+                <a:avLst/>
+              </a:prstGeom>
+              <a:grpFill/>
+              <a:ln>
+                <a:noFill/>
+              </a:ln>
+            </p:spPr>
+            <p:style>
+              <a:lnRef idx="2">
+                <a:schemeClr val="accent1">
+                  <a:shade val="50000"/>
+                </a:schemeClr>
+              </a:lnRef>
+              <a:fillRef idx="1">
+                <a:schemeClr val="accent1"/>
+              </a:fillRef>
+              <a:effectRef idx="0">
+                <a:schemeClr val="accent1"/>
+              </a:effectRef>
+              <a:fontRef idx="minor">
+                <a:schemeClr val="lt1"/>
+              </a:fontRef>
+            </p:style>
+            <p:txBody>
+              <a:bodyPr rtlCol="0" anchor="ctr"/>
+              <a:lstStyle/>
+              <a:p>
+                <a:pPr algn="ctr"/>
+                <a:endParaRPr lang="pt-BR"/>
+              </a:p>
+            </p:txBody>
+          </p:sp>
+          <p:sp>
+            <p:nvSpPr>
+              <p:cNvPr id="15" name="Elipse 14"/>
+              <p:cNvSpPr/>
+              <p:nvPr/>
+            </p:nvSpPr>
+            <p:spPr>
+              <a:xfrm>
+                <a:off x="3148444" y="5164851"/>
+                <a:ext cx="2805545" cy="1076858"/>
+              </a:xfrm>
+              <a:prstGeom prst="ellipse">
+                <a:avLst/>
+              </a:prstGeom>
+              <a:grpFill/>
+              <a:ln>
+                <a:noFill/>
+              </a:ln>
+            </p:spPr>
+            <p:style>
+              <a:lnRef idx="2">
+                <a:schemeClr val="accent1">
+                  <a:shade val="50000"/>
+                </a:schemeClr>
+              </a:lnRef>
+              <a:fillRef idx="1">
+                <a:schemeClr val="accent1"/>
+              </a:fillRef>
+              <a:effectRef idx="0">
+                <a:schemeClr val="accent1"/>
+              </a:effectRef>
+              <a:fontRef idx="minor">
+                <a:schemeClr val="lt1"/>
+              </a:fontRef>
+            </p:style>
+            <p:txBody>
+              <a:bodyPr rtlCol="0" anchor="ctr"/>
+              <a:lstStyle/>
+              <a:p>
+                <a:pPr algn="ctr"/>
+                <a:endParaRPr lang="pt-BR"/>
+              </a:p>
+            </p:txBody>
+          </p:sp>
+          <p:sp>
+            <p:nvSpPr>
+              <p:cNvPr id="16" name="Elipse 15"/>
+              <p:cNvSpPr/>
+              <p:nvPr/>
+            </p:nvSpPr>
+            <p:spPr>
+              <a:xfrm>
+                <a:off x="5441371" y="5164851"/>
+                <a:ext cx="2805545" cy="1076858"/>
+              </a:xfrm>
+              <a:prstGeom prst="ellipse">
+                <a:avLst/>
+              </a:prstGeom>
+              <a:grpFill/>
+              <a:ln>
+                <a:noFill/>
+              </a:ln>
+            </p:spPr>
+            <p:style>
+              <a:lnRef idx="2">
+                <a:schemeClr val="accent1">
+                  <a:shade val="50000"/>
+                </a:schemeClr>
+              </a:lnRef>
+              <a:fillRef idx="1">
+                <a:schemeClr val="accent1"/>
+              </a:fillRef>
+              <a:effectRef idx="0">
+                <a:schemeClr val="accent1"/>
+              </a:effectRef>
+              <a:fontRef idx="minor">
+                <a:schemeClr val="lt1"/>
+              </a:fontRef>
+            </p:style>
+            <p:txBody>
+              <a:bodyPr rtlCol="0" anchor="ctr"/>
+              <a:lstStyle/>
+              <a:p>
+                <a:pPr algn="ctr"/>
+                <a:endParaRPr lang="pt-BR"/>
+              </a:p>
+            </p:txBody>
+          </p:sp>
+          <p:sp>
+            <p:nvSpPr>
+              <p:cNvPr id="17" name="Elipse 16"/>
+              <p:cNvSpPr/>
+              <p:nvPr/>
+            </p:nvSpPr>
+            <p:spPr>
+              <a:xfrm>
+                <a:off x="7706589" y="5164851"/>
+                <a:ext cx="2805545" cy="1076858"/>
+              </a:xfrm>
+              <a:prstGeom prst="ellipse">
+                <a:avLst/>
+              </a:prstGeom>
+              <a:grpFill/>
+              <a:ln>
+                <a:noFill/>
+              </a:ln>
+            </p:spPr>
+            <p:style>
+              <a:lnRef idx="2">
+                <a:schemeClr val="accent1">
+                  <a:shade val="50000"/>
+                </a:schemeClr>
+              </a:lnRef>
+              <a:fillRef idx="1">
+                <a:schemeClr val="accent1"/>
+              </a:fillRef>
+              <a:effectRef idx="0">
+                <a:schemeClr val="accent1"/>
+              </a:effectRef>
+              <a:fontRef idx="minor">
+                <a:schemeClr val="lt1"/>
+              </a:fontRef>
+            </p:style>
+            <p:txBody>
+              <a:bodyPr rtlCol="0" anchor="ctr"/>
+              <a:lstStyle/>
+              <a:p>
+                <a:pPr algn="ctr"/>
+                <a:endParaRPr lang="pt-BR"/>
+              </a:p>
+            </p:txBody>
+          </p:sp>
+          <p:sp>
+            <p:nvSpPr>
+              <p:cNvPr id="18" name="Elipse 9"/>
+              <p:cNvSpPr/>
+              <p:nvPr/>
+            </p:nvSpPr>
+            <p:spPr>
+              <a:xfrm>
+                <a:off x="9483436" y="5164851"/>
+                <a:ext cx="2708564" cy="1076858"/>
+              </a:xfrm>
+              <a:custGeom>
+                <a:avLst/>
+                <a:gdLst/>
+                <a:ahLst/>
+                <a:cxnLst/>
+                <a:rect l="l" t="t" r="r" b="b"/>
+                <a:pathLst>
+                  <a:path w="2708564" h="1163782">
+                    <a:moveTo>
+                      <a:pt x="1488961" y="0"/>
+                    </a:moveTo>
+                    <a:cubicBezTo>
+                      <a:pt x="1993572" y="0"/>
+                      <a:pt x="2439555" y="98099"/>
+                      <a:pt x="2708564" y="248676"/>
+                    </a:cubicBezTo>
+                    <a:lnTo>
+                      <a:pt x="2708564" y="915106"/>
+                    </a:lnTo>
+                    <a:cubicBezTo>
+                      <a:pt x="2439555" y="1065683"/>
+                      <a:pt x="1993572" y="1163782"/>
+                      <a:pt x="1488961" y="1163782"/>
+                    </a:cubicBezTo>
+                    <a:cubicBezTo>
+                      <a:pt x="666631" y="1163782"/>
+                      <a:pt x="0" y="903261"/>
+                      <a:pt x="0" y="581891"/>
+                    </a:cubicBezTo>
+                    <a:cubicBezTo>
+                      <a:pt x="0" y="260521"/>
+                      <a:pt x="666631" y="0"/>
+                      <a:pt x="1488961" y="0"/>
+                    </a:cubicBezTo>
+                    <a:close/>
+                  </a:path>
+                </a:pathLst>
+              </a:custGeom>
+              <a:grpFill/>
+              <a:ln>
+                <a:noFill/>
+              </a:ln>
+            </p:spPr>
+            <p:style>
+              <a:lnRef idx="2">
+                <a:schemeClr val="accent1">
+                  <a:shade val="50000"/>
+                </a:schemeClr>
+              </a:lnRef>
+              <a:fillRef idx="1">
+                <a:schemeClr val="accent1"/>
+              </a:fillRef>
+              <a:effectRef idx="0">
+                <a:schemeClr val="accent1"/>
+              </a:effectRef>
+              <a:fontRef idx="minor">
+                <a:schemeClr val="lt1"/>
+              </a:fontRef>
+            </p:style>
+            <p:txBody>
+              <a:bodyPr rtlCol="0" anchor="ctr"/>
+              <a:lstStyle/>
+              <a:p>
+                <a:pPr algn="ctr"/>
+                <a:endParaRPr lang="pt-BR"/>
+              </a:p>
+            </p:txBody>
+          </p:sp>
+          <p:sp>
+            <p:nvSpPr>
+              <p:cNvPr id="19" name="Elipse 10"/>
+              <p:cNvSpPr/>
+              <p:nvPr/>
+            </p:nvSpPr>
+            <p:spPr>
+              <a:xfrm>
+                <a:off x="0" y="5164851"/>
+                <a:ext cx="1891145" cy="1076858"/>
+              </a:xfrm>
+              <a:custGeom>
+                <a:avLst/>
+                <a:gdLst/>
+                <a:ahLst/>
+                <a:cxnLst/>
+                <a:rect l="l" t="t" r="r" b="b"/>
+                <a:pathLst>
+                  <a:path w="1891145" h="1163782">
+                    <a:moveTo>
+                      <a:pt x="488372" y="0"/>
+                    </a:moveTo>
+                    <a:cubicBezTo>
+                      <a:pt x="1263102" y="0"/>
+                      <a:pt x="1891145" y="260521"/>
+                      <a:pt x="1891145" y="581891"/>
+                    </a:cubicBezTo>
+                    <a:cubicBezTo>
+                      <a:pt x="1891145" y="903261"/>
+                      <a:pt x="1263102" y="1163782"/>
+                      <a:pt x="488372" y="1163782"/>
+                    </a:cubicBezTo>
+                    <a:cubicBezTo>
+                      <a:pt x="316507" y="1163782"/>
+                      <a:pt x="151861" y="1150961"/>
+                      <a:pt x="0" y="1125478"/>
+                    </a:cubicBezTo>
+                    <a:lnTo>
+                      <a:pt x="0" y="38305"/>
+                    </a:lnTo>
+                    <a:cubicBezTo>
+                      <a:pt x="151861" y="12821"/>
+                      <a:pt x="316507" y="0"/>
+                      <a:pt x="488372" y="0"/>
+                    </a:cubicBezTo>
+                    <a:close/>
+                  </a:path>
+                </a:pathLst>
+              </a:custGeom>
+              <a:grpFill/>
+              <a:ln>
+                <a:noFill/>
+              </a:ln>
+            </p:spPr>
+            <p:style>
+              <a:lnRef idx="2">
+                <a:schemeClr val="accent1">
+                  <a:shade val="50000"/>
+                </a:schemeClr>
+              </a:lnRef>
+              <a:fillRef idx="1">
+                <a:schemeClr val="accent1"/>
+              </a:fillRef>
+              <a:effectRef idx="0">
+                <a:schemeClr val="accent1"/>
+              </a:effectRef>
+              <a:fontRef idx="minor">
+                <a:schemeClr val="lt1"/>
+              </a:fontRef>
+            </p:style>
+            <p:txBody>
+              <a:bodyPr rtlCol="0" anchor="ctr"/>
+              <a:lstStyle/>
+              <a:p>
+                <a:pPr algn="ctr"/>
+                <a:endParaRPr lang="pt-BR"/>
+              </a:p>
+            </p:txBody>
+          </p:sp>
+        </p:grpSp>
+        <p:sp>
+          <p:nvSpPr>
+            <p:cNvPr id="6" name="Retângulo 5"/>
+            <p:cNvSpPr/>
+            <p:nvPr/>
+          </p:nvSpPr>
+          <p:spPr>
+            <a:xfrm>
+              <a:off x="0" y="-13948"/>
+              <a:ext cx="12192000" cy="5717230"/>
+            </a:xfrm>
+            <a:prstGeom prst="rect">
+              <a:avLst/>
+            </a:prstGeom>
+            <a:solidFill>
+              <a:srgbClr val="002060"/>
+            </a:solidFill>
+            <a:ln>
+              <a:noFill/>
+            </a:ln>
+          </p:spPr>
+          <p:style>
+            <a:lnRef idx="2">
+              <a:schemeClr val="accent1">
+                <a:shade val="50000"/>
+              </a:schemeClr>
+            </a:lnRef>
+            <a:fillRef idx="1">
+              <a:schemeClr val="accent1"/>
+            </a:fillRef>
+            <a:effectRef idx="0">
+              <a:schemeClr val="accent1"/>
+            </a:effectRef>
+            <a:fontRef idx="minor">
+              <a:schemeClr val="lt1"/>
+            </a:fontRef>
+          </p:style>
+          <p:txBody>
+            <a:bodyPr rtlCol="0" anchor="t"/>
+            <a:lstStyle/>
+            <a:p>
+              <a:pPr algn="ctr"/>
+              <a:endParaRPr lang="pt-BR" dirty="0" smtClean="0"/>
+            </a:p>
+            <a:p>
+              <a:pPr algn="ctr"/>
+              <a:endParaRPr lang="pt-BR" dirty="0" smtClean="0"/>
+            </a:p>
+            <a:p>
+              <a:pPr algn="ctr"/>
+              <a:endParaRPr lang="pt-BR" dirty="0" smtClean="0"/>
+            </a:p>
+            <a:p>
+              <a:pPr algn="ctr"/>
+              <a:r>
+                <a:rPr lang="pt-BR"/>
+                <a:t>	</a:t>
+              </a:r>
+              <a:endParaRPr lang="pt-BR" sz="2000" b="1" dirty="0">
+                <a:solidFill>
+                  <a:schemeClr val="bg1"/>
+                </a:solidFill>
+                <a:latin typeface="Aharoni" panose="02010803020104030203" pitchFamily="2" charset="-79"/>
+                <a:cs typeface="Aharoni" panose="02010803020104030203" pitchFamily="2" charset="-79"/>
+              </a:endParaRPr>
+            </a:p>
+          </p:txBody>
+        </p:sp>
+        <p:grpSp>
+          <p:nvGrpSpPr>
+            <p:cNvPr id="7" name="Grupo 6"/>
+            <p:cNvGrpSpPr/>
+            <p:nvPr/>
+          </p:nvGrpSpPr>
+          <p:grpSpPr>
+            <a:xfrm>
+              <a:off x="0" y="5164851"/>
+              <a:ext cx="12192000" cy="1076858"/>
+              <a:chOff x="0" y="5164851"/>
+              <a:chExt cx="12192000" cy="1076858"/>
+            </a:xfrm>
+          </p:grpSpPr>
+          <p:sp>
+            <p:nvSpPr>
+              <p:cNvPr id="8" name="Elipse 7"/>
+              <p:cNvSpPr/>
+              <p:nvPr/>
+            </p:nvSpPr>
+            <p:spPr>
+              <a:xfrm>
+                <a:off x="883227" y="5164851"/>
+                <a:ext cx="2805545" cy="1076858"/>
+              </a:xfrm>
+              <a:prstGeom prst="ellipse">
+                <a:avLst/>
+              </a:prstGeom>
+              <a:solidFill>
+                <a:srgbClr val="002060"/>
+              </a:solidFill>
+              <a:ln>
+                <a:noFill/>
+              </a:ln>
+            </p:spPr>
+            <p:style>
+              <a:lnRef idx="2">
+                <a:schemeClr val="accent1">
+                  <a:shade val="50000"/>
+                </a:schemeClr>
+              </a:lnRef>
+              <a:fillRef idx="1">
+                <a:schemeClr val="accent1"/>
+              </a:fillRef>
+              <a:effectRef idx="0">
+                <a:schemeClr val="accent1"/>
+              </a:effectRef>
+              <a:fontRef idx="minor">
+                <a:schemeClr val="lt1"/>
+              </a:fontRef>
+            </p:style>
+            <p:txBody>
+              <a:bodyPr rtlCol="0" anchor="ctr"/>
+              <a:lstStyle/>
+              <a:p>
+                <a:pPr algn="ctr"/>
+                <a:endParaRPr lang="pt-BR"/>
+              </a:p>
+            </p:txBody>
+          </p:sp>
+          <p:sp>
+            <p:nvSpPr>
+              <p:cNvPr id="9" name="Elipse 8"/>
+              <p:cNvSpPr/>
+              <p:nvPr/>
+            </p:nvSpPr>
+            <p:spPr>
+              <a:xfrm>
+                <a:off x="3148444" y="5164851"/>
+                <a:ext cx="2805545" cy="1076858"/>
+              </a:xfrm>
+              <a:prstGeom prst="ellipse">
+                <a:avLst/>
+              </a:prstGeom>
+              <a:solidFill>
+                <a:srgbClr val="002060"/>
+              </a:solidFill>
+              <a:ln>
+                <a:noFill/>
+              </a:ln>
+            </p:spPr>
+            <p:style>
+              <a:lnRef idx="2">
+                <a:schemeClr val="accent1">
+                  <a:shade val="50000"/>
+                </a:schemeClr>
+              </a:lnRef>
+              <a:fillRef idx="1">
+                <a:schemeClr val="accent1"/>
+              </a:fillRef>
+              <a:effectRef idx="0">
+                <a:schemeClr val="accent1"/>
+              </a:effectRef>
+              <a:fontRef idx="minor">
+                <a:schemeClr val="lt1"/>
+              </a:fontRef>
+            </p:style>
+            <p:txBody>
+              <a:bodyPr rtlCol="0" anchor="ctr"/>
+              <a:lstStyle/>
+              <a:p>
+                <a:pPr algn="ctr"/>
+                <a:endParaRPr lang="pt-BR"/>
+              </a:p>
+            </p:txBody>
+          </p:sp>
+          <p:sp>
+            <p:nvSpPr>
+              <p:cNvPr id="10" name="Elipse 9"/>
+              <p:cNvSpPr/>
+              <p:nvPr/>
+            </p:nvSpPr>
+            <p:spPr>
+              <a:xfrm>
+                <a:off x="5441371" y="5164851"/>
+                <a:ext cx="2805545" cy="1076858"/>
+              </a:xfrm>
+              <a:prstGeom prst="ellipse">
+                <a:avLst/>
+              </a:prstGeom>
+              <a:solidFill>
+                <a:srgbClr val="002060"/>
+              </a:solidFill>
+              <a:ln>
+                <a:noFill/>
+              </a:ln>
+            </p:spPr>
+            <p:style>
+              <a:lnRef idx="2">
+                <a:schemeClr val="accent1">
+                  <a:shade val="50000"/>
+                </a:schemeClr>
+              </a:lnRef>
+              <a:fillRef idx="1">
+                <a:schemeClr val="accent1"/>
+              </a:fillRef>
+              <a:effectRef idx="0">
+                <a:schemeClr val="accent1"/>
+              </a:effectRef>
+              <a:fontRef idx="minor">
+                <a:schemeClr val="lt1"/>
+              </a:fontRef>
+            </p:style>
+            <p:txBody>
+              <a:bodyPr rtlCol="0" anchor="ctr"/>
+              <a:lstStyle/>
+              <a:p>
+                <a:pPr algn="ctr"/>
+                <a:endParaRPr lang="pt-BR"/>
+              </a:p>
+            </p:txBody>
+          </p:sp>
+          <p:sp>
+            <p:nvSpPr>
+              <p:cNvPr id="11" name="Elipse 10"/>
+              <p:cNvSpPr/>
+              <p:nvPr/>
+            </p:nvSpPr>
+            <p:spPr>
+              <a:xfrm>
+                <a:off x="7706589" y="5164851"/>
+                <a:ext cx="2805545" cy="1076858"/>
+              </a:xfrm>
+              <a:prstGeom prst="ellipse">
+                <a:avLst/>
+              </a:prstGeom>
+              <a:solidFill>
+                <a:srgbClr val="002060"/>
+              </a:solidFill>
+              <a:ln>
+                <a:noFill/>
+              </a:ln>
+            </p:spPr>
+            <p:style>
+              <a:lnRef idx="2">
+                <a:schemeClr val="accent1">
+                  <a:shade val="50000"/>
+                </a:schemeClr>
+              </a:lnRef>
+              <a:fillRef idx="1">
+                <a:schemeClr val="accent1"/>
+              </a:fillRef>
+              <a:effectRef idx="0">
+                <a:schemeClr val="accent1"/>
+              </a:effectRef>
+              <a:fontRef idx="minor">
+                <a:schemeClr val="lt1"/>
+              </a:fontRef>
+            </p:style>
+            <p:txBody>
+              <a:bodyPr rtlCol="0" anchor="ctr"/>
+              <a:lstStyle/>
+              <a:p>
+                <a:pPr algn="ctr"/>
+                <a:endParaRPr lang="pt-BR"/>
+              </a:p>
+            </p:txBody>
+          </p:sp>
+          <p:sp>
+            <p:nvSpPr>
+              <p:cNvPr id="12" name="Elipse 9"/>
+              <p:cNvSpPr/>
+              <p:nvPr/>
+            </p:nvSpPr>
+            <p:spPr>
+              <a:xfrm>
+                <a:off x="9483436" y="5164851"/>
+                <a:ext cx="2708564" cy="1076858"/>
+              </a:xfrm>
+              <a:custGeom>
+                <a:avLst/>
+                <a:gdLst/>
+                <a:ahLst/>
+                <a:cxnLst/>
+                <a:rect l="l" t="t" r="r" b="b"/>
+                <a:pathLst>
+                  <a:path w="2708564" h="1163782">
+                    <a:moveTo>
+                      <a:pt x="1488961" y="0"/>
+                    </a:moveTo>
+                    <a:cubicBezTo>
+                      <a:pt x="1993572" y="0"/>
+                      <a:pt x="2439555" y="98099"/>
+                      <a:pt x="2708564" y="248676"/>
+                    </a:cubicBezTo>
+                    <a:lnTo>
+                      <a:pt x="2708564" y="915106"/>
+                    </a:lnTo>
+                    <a:cubicBezTo>
+                      <a:pt x="2439555" y="1065683"/>
+                      <a:pt x="1993572" y="1163782"/>
+                      <a:pt x="1488961" y="1163782"/>
+                    </a:cubicBezTo>
+                    <a:cubicBezTo>
+                      <a:pt x="666631" y="1163782"/>
+                      <a:pt x="0" y="903261"/>
+                      <a:pt x="0" y="581891"/>
+                    </a:cubicBezTo>
+                    <a:cubicBezTo>
+                      <a:pt x="0" y="260521"/>
+                      <a:pt x="666631" y="0"/>
+                      <a:pt x="1488961" y="0"/>
+                    </a:cubicBezTo>
+                    <a:close/>
+                  </a:path>
+                </a:pathLst>
+              </a:custGeom>
+              <a:solidFill>
+                <a:srgbClr val="002060"/>
+              </a:solidFill>
+              <a:ln>
+                <a:noFill/>
+              </a:ln>
+            </p:spPr>
+            <p:style>
+              <a:lnRef idx="2">
+                <a:schemeClr val="accent1">
+                  <a:shade val="50000"/>
+                </a:schemeClr>
+              </a:lnRef>
+              <a:fillRef idx="1">
+                <a:schemeClr val="accent1"/>
+              </a:fillRef>
+              <a:effectRef idx="0">
+                <a:schemeClr val="accent1"/>
+              </a:effectRef>
+              <a:fontRef idx="minor">
+                <a:schemeClr val="lt1"/>
+              </a:fontRef>
+            </p:style>
+            <p:txBody>
+              <a:bodyPr rtlCol="0" anchor="ctr"/>
+              <a:lstStyle/>
+              <a:p>
+                <a:pPr algn="ctr"/>
+                <a:endParaRPr lang="pt-BR"/>
+              </a:p>
+            </p:txBody>
+          </p:sp>
+          <p:sp>
+            <p:nvSpPr>
+              <p:cNvPr id="13" name="Elipse 10"/>
+              <p:cNvSpPr/>
+              <p:nvPr/>
+            </p:nvSpPr>
+            <p:spPr>
+              <a:xfrm>
+                <a:off x="0" y="5164851"/>
+                <a:ext cx="1891145" cy="1076858"/>
+              </a:xfrm>
+              <a:custGeom>
+                <a:avLst/>
+                <a:gdLst/>
+                <a:ahLst/>
+                <a:cxnLst/>
+                <a:rect l="l" t="t" r="r" b="b"/>
+                <a:pathLst>
+                  <a:path w="1891145" h="1163782">
+                    <a:moveTo>
+                      <a:pt x="488372" y="0"/>
+                    </a:moveTo>
+                    <a:cubicBezTo>
+                      <a:pt x="1263102" y="0"/>
+                      <a:pt x="1891145" y="260521"/>
+                      <a:pt x="1891145" y="581891"/>
+                    </a:cubicBezTo>
+                    <a:cubicBezTo>
+                      <a:pt x="1891145" y="903261"/>
+                      <a:pt x="1263102" y="1163782"/>
+                      <a:pt x="488372" y="1163782"/>
+                    </a:cubicBezTo>
+                    <a:cubicBezTo>
+                      <a:pt x="316507" y="1163782"/>
+                      <a:pt x="151861" y="1150961"/>
+                      <a:pt x="0" y="1125478"/>
+                    </a:cubicBezTo>
+                    <a:lnTo>
+                      <a:pt x="0" y="38305"/>
+                    </a:lnTo>
+                    <a:cubicBezTo>
+                      <a:pt x="151861" y="12821"/>
+                      <a:pt x="316507" y="0"/>
+                      <a:pt x="488372" y="0"/>
+                    </a:cubicBezTo>
+                    <a:close/>
+                  </a:path>
+                </a:pathLst>
+              </a:custGeom>
+              <a:solidFill>
+                <a:srgbClr val="002060"/>
+              </a:solidFill>
+              <a:ln>
+                <a:noFill/>
+              </a:ln>
+            </p:spPr>
+            <p:style>
+              <a:lnRef idx="2">
+                <a:schemeClr val="accent1">
+                  <a:shade val="50000"/>
+                </a:schemeClr>
+              </a:lnRef>
+              <a:fillRef idx="1">
+                <a:schemeClr val="accent1"/>
+              </a:fillRef>
+              <a:effectRef idx="0">
+                <a:schemeClr val="accent1"/>
+              </a:effectRef>
+              <a:fontRef idx="minor">
+                <a:schemeClr val="lt1"/>
+              </a:fontRef>
+            </p:style>
+            <p:txBody>
+              <a:bodyPr rtlCol="0" anchor="ctr"/>
+              <a:lstStyle/>
+              <a:p>
+                <a:pPr algn="ctr"/>
+                <a:endParaRPr lang="pt-BR"/>
+              </a:p>
+            </p:txBody>
+          </p:sp>
+        </p:grpSp>
+      </p:grpSp>
+      <p:grpSp>
+        <p:nvGrpSpPr>
+          <p:cNvPr id="37" name="Grupo 36"/>
+          <p:cNvGrpSpPr/>
+          <p:nvPr/>
+        </p:nvGrpSpPr>
+        <p:grpSpPr>
+          <a:xfrm>
+            <a:off x="5144545" y="0"/>
+            <a:ext cx="5947407" cy="4226719"/>
+            <a:chOff x="0" y="-13948"/>
+            <a:chExt cx="12201286" cy="6825728"/>
+          </a:xfrm>
+        </p:grpSpPr>
+        <p:grpSp>
+          <p:nvGrpSpPr>
+            <p:cNvPr id="38" name="Grupo 37"/>
+            <p:cNvGrpSpPr/>
+            <p:nvPr/>
+          </p:nvGrpSpPr>
+          <p:grpSpPr>
+            <a:xfrm>
+              <a:off x="9286" y="5734922"/>
+              <a:ext cx="12192000" cy="1076858"/>
+              <a:chOff x="0" y="5164851"/>
+              <a:chExt cx="12192000" cy="1076858"/>
+            </a:xfrm>
+            <a:solidFill>
+              <a:srgbClr val="01BFBF"/>
+            </a:solidFill>
+          </p:grpSpPr>
+          <p:sp>
+            <p:nvSpPr>
+              <p:cNvPr id="47" name="Elipse 46"/>
+              <p:cNvSpPr/>
+              <p:nvPr/>
+            </p:nvSpPr>
+            <p:spPr>
+              <a:xfrm>
+                <a:off x="883227" y="5164851"/>
+                <a:ext cx="2805545" cy="1076858"/>
+              </a:xfrm>
+              <a:prstGeom prst="ellipse">
+                <a:avLst/>
+              </a:prstGeom>
+              <a:grpFill/>
+              <a:ln>
+                <a:noFill/>
+              </a:ln>
+            </p:spPr>
+            <p:style>
+              <a:lnRef idx="2">
+                <a:schemeClr val="accent1">
+                  <a:shade val="50000"/>
+                </a:schemeClr>
+              </a:lnRef>
+              <a:fillRef idx="1">
+                <a:schemeClr val="accent1"/>
+              </a:fillRef>
+              <a:effectRef idx="0">
+                <a:schemeClr val="accent1"/>
+              </a:effectRef>
+              <a:fontRef idx="minor">
+                <a:schemeClr val="lt1"/>
+              </a:fontRef>
+            </p:style>
+            <p:txBody>
+              <a:bodyPr rtlCol="0" anchor="ctr"/>
+              <a:lstStyle/>
+              <a:p>
+                <a:pPr algn="ctr"/>
+                <a:endParaRPr lang="pt-BR"/>
+              </a:p>
+            </p:txBody>
+          </p:sp>
+          <p:sp>
+            <p:nvSpPr>
+              <p:cNvPr id="48" name="Elipse 47"/>
+              <p:cNvSpPr/>
+              <p:nvPr/>
+            </p:nvSpPr>
+            <p:spPr>
+              <a:xfrm>
+                <a:off x="3148444" y="5164851"/>
+                <a:ext cx="2805545" cy="1076858"/>
+              </a:xfrm>
+              <a:prstGeom prst="ellipse">
+                <a:avLst/>
+              </a:prstGeom>
+              <a:grpFill/>
+              <a:ln>
+                <a:noFill/>
+              </a:ln>
+            </p:spPr>
+            <p:style>
+              <a:lnRef idx="2">
+                <a:schemeClr val="accent1">
+                  <a:shade val="50000"/>
+                </a:schemeClr>
+              </a:lnRef>
+              <a:fillRef idx="1">
+                <a:schemeClr val="accent1"/>
+              </a:fillRef>
+              <a:effectRef idx="0">
+                <a:schemeClr val="accent1"/>
+              </a:effectRef>
+              <a:fontRef idx="minor">
+                <a:schemeClr val="lt1"/>
+              </a:fontRef>
+            </p:style>
+            <p:txBody>
+              <a:bodyPr rtlCol="0" anchor="ctr"/>
+              <a:lstStyle/>
+              <a:p>
+                <a:pPr algn="ctr"/>
+                <a:endParaRPr lang="pt-BR"/>
+              </a:p>
+            </p:txBody>
+          </p:sp>
+          <p:sp>
+            <p:nvSpPr>
+              <p:cNvPr id="49" name="Elipse 48"/>
+              <p:cNvSpPr/>
+              <p:nvPr/>
+            </p:nvSpPr>
+            <p:spPr>
+              <a:xfrm>
+                <a:off x="5441371" y="5164851"/>
+                <a:ext cx="2805545" cy="1076858"/>
+              </a:xfrm>
+              <a:prstGeom prst="ellipse">
+                <a:avLst/>
+              </a:prstGeom>
+              <a:grpFill/>
+              <a:ln>
+                <a:noFill/>
+              </a:ln>
+            </p:spPr>
+            <p:style>
+              <a:lnRef idx="2">
+                <a:schemeClr val="accent1">
+                  <a:shade val="50000"/>
+                </a:schemeClr>
+              </a:lnRef>
+              <a:fillRef idx="1">
+                <a:schemeClr val="accent1"/>
+              </a:fillRef>
+              <a:effectRef idx="0">
+                <a:schemeClr val="accent1"/>
+              </a:effectRef>
+              <a:fontRef idx="minor">
+                <a:schemeClr val="lt1"/>
+              </a:fontRef>
+            </p:style>
+            <p:txBody>
+              <a:bodyPr rtlCol="0" anchor="ctr"/>
+              <a:lstStyle/>
+              <a:p>
+                <a:pPr algn="ctr"/>
+                <a:endParaRPr lang="pt-BR"/>
+              </a:p>
+            </p:txBody>
+          </p:sp>
+          <p:sp>
+            <p:nvSpPr>
+              <p:cNvPr id="50" name="Elipse 49"/>
+              <p:cNvSpPr/>
+              <p:nvPr/>
+            </p:nvSpPr>
+            <p:spPr>
+              <a:xfrm>
+                <a:off x="7706589" y="5164851"/>
+                <a:ext cx="2805545" cy="1076858"/>
+              </a:xfrm>
+              <a:prstGeom prst="ellipse">
+                <a:avLst/>
+              </a:prstGeom>
+              <a:grpFill/>
+              <a:ln>
+                <a:noFill/>
+              </a:ln>
+            </p:spPr>
+            <p:style>
+              <a:lnRef idx="2">
+                <a:schemeClr val="accent1">
+                  <a:shade val="50000"/>
+                </a:schemeClr>
+              </a:lnRef>
+              <a:fillRef idx="1">
+                <a:schemeClr val="accent1"/>
+              </a:fillRef>
+              <a:effectRef idx="0">
+                <a:schemeClr val="accent1"/>
+              </a:effectRef>
+              <a:fontRef idx="minor">
+                <a:schemeClr val="lt1"/>
+              </a:fontRef>
+            </p:style>
+            <p:txBody>
+              <a:bodyPr rtlCol="0" anchor="ctr"/>
+              <a:lstStyle/>
+              <a:p>
+                <a:pPr algn="ctr"/>
+                <a:endParaRPr lang="pt-BR"/>
+              </a:p>
+            </p:txBody>
+          </p:sp>
+          <p:sp>
+            <p:nvSpPr>
+              <p:cNvPr id="51" name="Elipse 9"/>
+              <p:cNvSpPr/>
+              <p:nvPr/>
+            </p:nvSpPr>
+            <p:spPr>
+              <a:xfrm>
+                <a:off x="9483436" y="5164851"/>
+                <a:ext cx="2708564" cy="1076858"/>
+              </a:xfrm>
+              <a:custGeom>
+                <a:avLst/>
+                <a:gdLst/>
+                <a:ahLst/>
+                <a:cxnLst/>
+                <a:rect l="l" t="t" r="r" b="b"/>
+                <a:pathLst>
+                  <a:path w="2708564" h="1163782">
+                    <a:moveTo>
+                      <a:pt x="1488961" y="0"/>
+                    </a:moveTo>
+                    <a:cubicBezTo>
+                      <a:pt x="1993572" y="0"/>
+                      <a:pt x="2439555" y="98099"/>
+                      <a:pt x="2708564" y="248676"/>
+                    </a:cubicBezTo>
+                    <a:lnTo>
+                      <a:pt x="2708564" y="915106"/>
+                    </a:lnTo>
+                    <a:cubicBezTo>
+                      <a:pt x="2439555" y="1065683"/>
+                      <a:pt x="1993572" y="1163782"/>
+                      <a:pt x="1488961" y="1163782"/>
+                    </a:cubicBezTo>
+                    <a:cubicBezTo>
+                      <a:pt x="666631" y="1163782"/>
+                      <a:pt x="0" y="903261"/>
+                      <a:pt x="0" y="581891"/>
+                    </a:cubicBezTo>
+                    <a:cubicBezTo>
+                      <a:pt x="0" y="260521"/>
+                      <a:pt x="666631" y="0"/>
+                      <a:pt x="1488961" y="0"/>
+                    </a:cubicBezTo>
+                    <a:close/>
+                  </a:path>
+                </a:pathLst>
+              </a:custGeom>
+              <a:grpFill/>
+              <a:ln>
+                <a:noFill/>
+              </a:ln>
+            </p:spPr>
+            <p:style>
+              <a:lnRef idx="2">
+                <a:schemeClr val="accent1">
+                  <a:shade val="50000"/>
+                </a:schemeClr>
+              </a:lnRef>
+              <a:fillRef idx="1">
+                <a:schemeClr val="accent1"/>
+              </a:fillRef>
+              <a:effectRef idx="0">
+                <a:schemeClr val="accent1"/>
+              </a:effectRef>
+              <a:fontRef idx="minor">
+                <a:schemeClr val="lt1"/>
+              </a:fontRef>
+            </p:style>
+            <p:txBody>
+              <a:bodyPr rtlCol="0" anchor="ctr"/>
+              <a:lstStyle/>
+              <a:p>
+                <a:pPr algn="ctr"/>
+                <a:endParaRPr lang="pt-BR"/>
+              </a:p>
+            </p:txBody>
+          </p:sp>
+          <p:sp>
+            <p:nvSpPr>
+              <p:cNvPr id="52" name="Elipse 10"/>
+              <p:cNvSpPr/>
+              <p:nvPr/>
+            </p:nvSpPr>
+            <p:spPr>
+              <a:xfrm>
+                <a:off x="0" y="5164851"/>
+                <a:ext cx="1891145" cy="1076858"/>
+              </a:xfrm>
+              <a:custGeom>
+                <a:avLst/>
+                <a:gdLst/>
+                <a:ahLst/>
+                <a:cxnLst/>
+                <a:rect l="l" t="t" r="r" b="b"/>
+                <a:pathLst>
+                  <a:path w="1891145" h="1163782">
+                    <a:moveTo>
+                      <a:pt x="488372" y="0"/>
+                    </a:moveTo>
+                    <a:cubicBezTo>
+                      <a:pt x="1263102" y="0"/>
+                      <a:pt x="1891145" y="260521"/>
+                      <a:pt x="1891145" y="581891"/>
+                    </a:cubicBezTo>
+                    <a:cubicBezTo>
+                      <a:pt x="1891145" y="903261"/>
+                      <a:pt x="1263102" y="1163782"/>
+                      <a:pt x="488372" y="1163782"/>
+                    </a:cubicBezTo>
+                    <a:cubicBezTo>
+                      <a:pt x="316507" y="1163782"/>
+                      <a:pt x="151861" y="1150961"/>
+                      <a:pt x="0" y="1125478"/>
+                    </a:cubicBezTo>
+                    <a:lnTo>
+                      <a:pt x="0" y="38305"/>
+                    </a:lnTo>
+                    <a:cubicBezTo>
+                      <a:pt x="151861" y="12821"/>
+                      <a:pt x="316507" y="0"/>
+                      <a:pt x="488372" y="0"/>
+                    </a:cubicBezTo>
+                    <a:close/>
+                  </a:path>
+                </a:pathLst>
+              </a:custGeom>
+              <a:grpFill/>
+              <a:ln>
+                <a:noFill/>
+              </a:ln>
+            </p:spPr>
+            <p:style>
+              <a:lnRef idx="2">
+                <a:schemeClr val="accent1">
+                  <a:shade val="50000"/>
+                </a:schemeClr>
+              </a:lnRef>
+              <a:fillRef idx="1">
+                <a:schemeClr val="accent1"/>
+              </a:fillRef>
+              <a:effectRef idx="0">
+                <a:schemeClr val="accent1"/>
+              </a:effectRef>
+              <a:fontRef idx="minor">
+                <a:schemeClr val="lt1"/>
+              </a:fontRef>
+            </p:style>
+            <p:txBody>
+              <a:bodyPr rtlCol="0" anchor="ctr"/>
+              <a:lstStyle/>
+              <a:p>
+                <a:pPr algn="ctr"/>
+                <a:endParaRPr lang="pt-BR"/>
+              </a:p>
+            </p:txBody>
+          </p:sp>
+        </p:grpSp>
+        <p:sp>
+          <p:nvSpPr>
+            <p:cNvPr id="39" name="Retângulo 38"/>
+            <p:cNvSpPr/>
+            <p:nvPr/>
+          </p:nvSpPr>
+          <p:spPr>
+            <a:xfrm>
+              <a:off x="0" y="-13948"/>
+              <a:ext cx="12192000" cy="5717230"/>
+            </a:xfrm>
+            <a:prstGeom prst="rect">
+              <a:avLst/>
+            </a:prstGeom>
+            <a:solidFill>
+              <a:srgbClr val="002060"/>
+            </a:solidFill>
+            <a:ln>
+              <a:noFill/>
+            </a:ln>
+          </p:spPr>
+          <p:style>
+            <a:lnRef idx="2">
+              <a:schemeClr val="accent1">
+                <a:shade val="50000"/>
+              </a:schemeClr>
+            </a:lnRef>
+            <a:fillRef idx="1">
+              <a:schemeClr val="accent1"/>
+            </a:fillRef>
+            <a:effectRef idx="0">
+              <a:schemeClr val="accent1"/>
+            </a:effectRef>
+            <a:fontRef idx="minor">
+              <a:schemeClr val="lt1"/>
+            </a:fontRef>
+          </p:style>
+          <p:txBody>
+            <a:bodyPr rtlCol="0" anchor="t"/>
+            <a:lstStyle/>
+            <a:p>
+              <a:pPr algn="ctr"/>
+              <a:endParaRPr lang="pt-BR" dirty="0" smtClean="0"/>
+            </a:p>
+            <a:p>
+              <a:pPr algn="ctr"/>
+              <a:endParaRPr lang="pt-BR" dirty="0" smtClean="0"/>
+            </a:p>
+            <a:p>
+              <a:pPr algn="ctr"/>
+              <a:endParaRPr lang="pt-BR" dirty="0" smtClean="0"/>
+            </a:p>
+            <a:p>
+              <a:pPr algn="ctr"/>
+              <a:r>
+                <a:rPr lang="pt-BR"/>
+                <a:t>	</a:t>
+              </a:r>
+              <a:endParaRPr lang="pt-BR" sz="2000" b="1" dirty="0">
+                <a:solidFill>
+                  <a:schemeClr val="bg1"/>
+                </a:solidFill>
+                <a:latin typeface="Aharoni" panose="02010803020104030203" pitchFamily="2" charset="-79"/>
+                <a:cs typeface="Aharoni" panose="02010803020104030203" pitchFamily="2" charset="-79"/>
+              </a:endParaRPr>
+            </a:p>
+          </p:txBody>
+        </p:sp>
+        <p:grpSp>
+          <p:nvGrpSpPr>
+            <p:cNvPr id="40" name="Grupo 39"/>
+            <p:cNvGrpSpPr/>
+            <p:nvPr/>
+          </p:nvGrpSpPr>
+          <p:grpSpPr>
+            <a:xfrm>
+              <a:off x="0" y="5164851"/>
+              <a:ext cx="12192000" cy="1076858"/>
+              <a:chOff x="0" y="5164851"/>
+              <a:chExt cx="12192000" cy="1076858"/>
+            </a:xfrm>
+          </p:grpSpPr>
+          <p:sp>
+            <p:nvSpPr>
+              <p:cNvPr id="41" name="Elipse 40"/>
+              <p:cNvSpPr/>
+              <p:nvPr/>
+            </p:nvSpPr>
+            <p:spPr>
+              <a:xfrm>
+                <a:off x="883227" y="5164851"/>
+                <a:ext cx="2805545" cy="1076858"/>
+              </a:xfrm>
+              <a:prstGeom prst="ellipse">
+                <a:avLst/>
+              </a:prstGeom>
+              <a:solidFill>
+                <a:srgbClr val="002060"/>
+              </a:solidFill>
+              <a:ln>
+                <a:noFill/>
+              </a:ln>
+            </p:spPr>
+            <p:style>
+              <a:lnRef idx="2">
+                <a:schemeClr val="accent1">
+                  <a:shade val="50000"/>
+                </a:schemeClr>
+              </a:lnRef>
+              <a:fillRef idx="1">
+                <a:schemeClr val="accent1"/>
+              </a:fillRef>
+              <a:effectRef idx="0">
+                <a:schemeClr val="accent1"/>
+              </a:effectRef>
+              <a:fontRef idx="minor">
+                <a:schemeClr val="lt1"/>
+              </a:fontRef>
+            </p:style>
+            <p:txBody>
+              <a:bodyPr rtlCol="0" anchor="ctr"/>
+              <a:lstStyle/>
+              <a:p>
+                <a:pPr algn="ctr"/>
+                <a:endParaRPr lang="pt-BR"/>
+              </a:p>
+            </p:txBody>
+          </p:sp>
+          <p:sp>
+            <p:nvSpPr>
+              <p:cNvPr id="42" name="Elipse 41"/>
+              <p:cNvSpPr/>
+              <p:nvPr/>
+            </p:nvSpPr>
+            <p:spPr>
+              <a:xfrm>
+                <a:off x="3148444" y="5164851"/>
+                <a:ext cx="2805545" cy="1076858"/>
+              </a:xfrm>
+              <a:prstGeom prst="ellipse">
+                <a:avLst/>
+              </a:prstGeom>
+              <a:solidFill>
+                <a:srgbClr val="002060"/>
+              </a:solidFill>
+              <a:ln>
+                <a:noFill/>
+              </a:ln>
+            </p:spPr>
+            <p:style>
+              <a:lnRef idx="2">
+                <a:schemeClr val="accent1">
+                  <a:shade val="50000"/>
+                </a:schemeClr>
+              </a:lnRef>
+              <a:fillRef idx="1">
+                <a:schemeClr val="accent1"/>
+              </a:fillRef>
+              <a:effectRef idx="0">
+                <a:schemeClr val="accent1"/>
+              </a:effectRef>
+              <a:fontRef idx="minor">
+                <a:schemeClr val="lt1"/>
+              </a:fontRef>
+            </p:style>
+            <p:txBody>
+              <a:bodyPr rtlCol="0" anchor="ctr"/>
+              <a:lstStyle/>
+              <a:p>
+                <a:pPr algn="ctr"/>
+                <a:endParaRPr lang="pt-BR"/>
+              </a:p>
+            </p:txBody>
+          </p:sp>
+          <p:sp>
+            <p:nvSpPr>
+              <p:cNvPr id="43" name="Elipse 42"/>
+              <p:cNvSpPr/>
+              <p:nvPr/>
+            </p:nvSpPr>
+            <p:spPr>
+              <a:xfrm>
+                <a:off x="5441371" y="5164851"/>
+                <a:ext cx="2805545" cy="1076858"/>
+              </a:xfrm>
+              <a:prstGeom prst="ellipse">
+                <a:avLst/>
+              </a:prstGeom>
+              <a:solidFill>
+                <a:srgbClr val="002060"/>
+              </a:solidFill>
+              <a:ln>
+                <a:noFill/>
+              </a:ln>
+            </p:spPr>
+            <p:style>
+              <a:lnRef idx="2">
+                <a:schemeClr val="accent1">
+                  <a:shade val="50000"/>
+                </a:schemeClr>
+              </a:lnRef>
+              <a:fillRef idx="1">
+                <a:schemeClr val="accent1"/>
+              </a:fillRef>
+              <a:effectRef idx="0">
+                <a:schemeClr val="accent1"/>
+              </a:effectRef>
+              <a:fontRef idx="minor">
+                <a:schemeClr val="lt1"/>
+              </a:fontRef>
+            </p:style>
+            <p:txBody>
+              <a:bodyPr rtlCol="0" anchor="ctr"/>
+              <a:lstStyle/>
+              <a:p>
+                <a:pPr algn="ctr"/>
+                <a:endParaRPr lang="pt-BR"/>
+              </a:p>
+            </p:txBody>
+          </p:sp>
+          <p:sp>
+            <p:nvSpPr>
+              <p:cNvPr id="44" name="Elipse 43"/>
+              <p:cNvSpPr/>
+              <p:nvPr/>
+            </p:nvSpPr>
+            <p:spPr>
+              <a:xfrm>
+                <a:off x="7706589" y="5164851"/>
+                <a:ext cx="2805545" cy="1076858"/>
+              </a:xfrm>
+              <a:prstGeom prst="ellipse">
+                <a:avLst/>
+              </a:prstGeom>
+              <a:solidFill>
+                <a:srgbClr val="002060"/>
+              </a:solidFill>
+              <a:ln>
+                <a:noFill/>
+              </a:ln>
+            </p:spPr>
+            <p:style>
+              <a:lnRef idx="2">
+                <a:schemeClr val="accent1">
+                  <a:shade val="50000"/>
+                </a:schemeClr>
+              </a:lnRef>
+              <a:fillRef idx="1">
+                <a:schemeClr val="accent1"/>
+              </a:fillRef>
+              <a:effectRef idx="0">
+                <a:schemeClr val="accent1"/>
+              </a:effectRef>
+              <a:fontRef idx="minor">
+                <a:schemeClr val="lt1"/>
+              </a:fontRef>
+            </p:style>
+            <p:txBody>
+              <a:bodyPr rtlCol="0" anchor="ctr"/>
+              <a:lstStyle/>
+              <a:p>
+                <a:pPr algn="ctr"/>
+                <a:endParaRPr lang="pt-BR"/>
+              </a:p>
+            </p:txBody>
+          </p:sp>
+          <p:sp>
+            <p:nvSpPr>
+              <p:cNvPr id="45" name="Elipse 9"/>
+              <p:cNvSpPr/>
+              <p:nvPr/>
+            </p:nvSpPr>
+            <p:spPr>
+              <a:xfrm>
+                <a:off x="9483436" y="5164851"/>
+                <a:ext cx="2708564" cy="1076858"/>
+              </a:xfrm>
+              <a:custGeom>
+                <a:avLst/>
+                <a:gdLst/>
+                <a:ahLst/>
+                <a:cxnLst/>
+                <a:rect l="l" t="t" r="r" b="b"/>
+                <a:pathLst>
+                  <a:path w="2708564" h="1163782">
+                    <a:moveTo>
+                      <a:pt x="1488961" y="0"/>
+                    </a:moveTo>
+                    <a:cubicBezTo>
+                      <a:pt x="1993572" y="0"/>
+                      <a:pt x="2439555" y="98099"/>
+                      <a:pt x="2708564" y="248676"/>
+                    </a:cubicBezTo>
+                    <a:lnTo>
+                      <a:pt x="2708564" y="915106"/>
+                    </a:lnTo>
+                    <a:cubicBezTo>
+                      <a:pt x="2439555" y="1065683"/>
+                      <a:pt x="1993572" y="1163782"/>
+                      <a:pt x="1488961" y="1163782"/>
+                    </a:cubicBezTo>
+                    <a:cubicBezTo>
+                      <a:pt x="666631" y="1163782"/>
+                      <a:pt x="0" y="903261"/>
+                      <a:pt x="0" y="581891"/>
+                    </a:cubicBezTo>
+                    <a:cubicBezTo>
+                      <a:pt x="0" y="260521"/>
+                      <a:pt x="666631" y="0"/>
+                      <a:pt x="1488961" y="0"/>
+                    </a:cubicBezTo>
+                    <a:close/>
+                  </a:path>
+                </a:pathLst>
+              </a:custGeom>
+              <a:solidFill>
+                <a:srgbClr val="002060"/>
+              </a:solidFill>
+              <a:ln>
+                <a:noFill/>
+              </a:ln>
+            </p:spPr>
+            <p:style>
+              <a:lnRef idx="2">
+                <a:schemeClr val="accent1">
+                  <a:shade val="50000"/>
+                </a:schemeClr>
+              </a:lnRef>
+              <a:fillRef idx="1">
+                <a:schemeClr val="accent1"/>
+              </a:fillRef>
+              <a:effectRef idx="0">
+                <a:schemeClr val="accent1"/>
+              </a:effectRef>
+              <a:fontRef idx="minor">
+                <a:schemeClr val="lt1"/>
+              </a:fontRef>
+            </p:style>
+            <p:txBody>
+              <a:bodyPr rtlCol="0" anchor="ctr"/>
+              <a:lstStyle/>
+              <a:p>
+                <a:pPr algn="ctr"/>
+                <a:endParaRPr lang="pt-BR"/>
+              </a:p>
+            </p:txBody>
+          </p:sp>
+          <p:sp>
+            <p:nvSpPr>
+              <p:cNvPr id="46" name="Elipse 10"/>
+              <p:cNvSpPr/>
+              <p:nvPr/>
+            </p:nvSpPr>
+            <p:spPr>
+              <a:xfrm>
+                <a:off x="0" y="5164851"/>
+                <a:ext cx="1891145" cy="1076858"/>
+              </a:xfrm>
+              <a:custGeom>
+                <a:avLst/>
+                <a:gdLst/>
+                <a:ahLst/>
+                <a:cxnLst/>
+                <a:rect l="l" t="t" r="r" b="b"/>
+                <a:pathLst>
+                  <a:path w="1891145" h="1163782">
+                    <a:moveTo>
+                      <a:pt x="488372" y="0"/>
+                    </a:moveTo>
+                    <a:cubicBezTo>
+                      <a:pt x="1263102" y="0"/>
+                      <a:pt x="1891145" y="260521"/>
+                      <a:pt x="1891145" y="581891"/>
+                    </a:cubicBezTo>
+                    <a:cubicBezTo>
+                      <a:pt x="1891145" y="903261"/>
+                      <a:pt x="1263102" y="1163782"/>
+                      <a:pt x="488372" y="1163782"/>
+                    </a:cubicBezTo>
+                    <a:cubicBezTo>
+                      <a:pt x="316507" y="1163782"/>
+                      <a:pt x="151861" y="1150961"/>
+                      <a:pt x="0" y="1125478"/>
+                    </a:cubicBezTo>
+                    <a:lnTo>
+                      <a:pt x="0" y="38305"/>
+                    </a:lnTo>
+                    <a:cubicBezTo>
+                      <a:pt x="151861" y="12821"/>
+                      <a:pt x="316507" y="0"/>
+                      <a:pt x="488372" y="0"/>
+                    </a:cubicBezTo>
+                    <a:close/>
+                  </a:path>
+                </a:pathLst>
+              </a:custGeom>
+              <a:solidFill>
+                <a:srgbClr val="002060"/>
+              </a:solidFill>
+              <a:ln>
+                <a:noFill/>
+              </a:ln>
+            </p:spPr>
+            <p:style>
+              <a:lnRef idx="2">
+                <a:schemeClr val="accent1">
+                  <a:shade val="50000"/>
+                </a:schemeClr>
+              </a:lnRef>
+              <a:fillRef idx="1">
+                <a:schemeClr val="accent1"/>
+              </a:fillRef>
+              <a:effectRef idx="0">
+                <a:schemeClr val="accent1"/>
+              </a:effectRef>
+              <a:fontRef idx="minor">
+                <a:schemeClr val="lt1"/>
+              </a:fontRef>
+            </p:style>
+            <p:txBody>
+              <a:bodyPr rtlCol="0" anchor="ctr"/>
+              <a:lstStyle/>
+              <a:p>
+                <a:pPr algn="ctr"/>
+                <a:endParaRPr lang="pt-BR"/>
+              </a:p>
+            </p:txBody>
+          </p:sp>
+        </p:grpSp>
+      </p:grpSp>
+      <p:grpSp>
+        <p:nvGrpSpPr>
+          <p:cNvPr id="53" name="Grupo 52"/>
+          <p:cNvGrpSpPr/>
+          <p:nvPr/>
+        </p:nvGrpSpPr>
+        <p:grpSpPr>
+          <a:xfrm>
+            <a:off x="8248954" y="965"/>
+            <a:ext cx="5947407" cy="4226719"/>
+            <a:chOff x="0" y="-13948"/>
+            <a:chExt cx="12201286" cy="6825728"/>
+          </a:xfrm>
+        </p:grpSpPr>
+        <p:grpSp>
+          <p:nvGrpSpPr>
+            <p:cNvPr id="54" name="Grupo 53"/>
+            <p:cNvGrpSpPr/>
+            <p:nvPr/>
+          </p:nvGrpSpPr>
+          <p:grpSpPr>
+            <a:xfrm>
+              <a:off x="9286" y="5734922"/>
+              <a:ext cx="12192000" cy="1076858"/>
+              <a:chOff x="0" y="5164851"/>
+              <a:chExt cx="12192000" cy="1076858"/>
+            </a:xfrm>
+            <a:solidFill>
+              <a:srgbClr val="01BFBF"/>
+            </a:solidFill>
+          </p:grpSpPr>
+          <p:sp>
+            <p:nvSpPr>
+              <p:cNvPr id="63" name="Elipse 62"/>
+              <p:cNvSpPr/>
+              <p:nvPr/>
+            </p:nvSpPr>
+            <p:spPr>
+              <a:xfrm>
+                <a:off x="883227" y="5164851"/>
+                <a:ext cx="2805545" cy="1076858"/>
+              </a:xfrm>
+              <a:prstGeom prst="ellipse">
+                <a:avLst/>
+              </a:prstGeom>
+              <a:grpFill/>
+              <a:ln>
+                <a:noFill/>
+              </a:ln>
+            </p:spPr>
+            <p:style>
+              <a:lnRef idx="2">
+                <a:schemeClr val="accent1">
+                  <a:shade val="50000"/>
+                </a:schemeClr>
+              </a:lnRef>
+              <a:fillRef idx="1">
+                <a:schemeClr val="accent1"/>
+              </a:fillRef>
+              <a:effectRef idx="0">
+                <a:schemeClr val="accent1"/>
+              </a:effectRef>
+              <a:fontRef idx="minor">
+                <a:schemeClr val="lt1"/>
+              </a:fontRef>
+            </p:style>
+            <p:txBody>
+              <a:bodyPr rtlCol="0" anchor="ctr"/>
+              <a:lstStyle/>
+              <a:p>
+                <a:pPr algn="ctr"/>
+                <a:endParaRPr lang="pt-BR"/>
+              </a:p>
+            </p:txBody>
+          </p:sp>
+          <p:sp>
+            <p:nvSpPr>
+              <p:cNvPr id="64" name="Elipse 63"/>
+              <p:cNvSpPr/>
+              <p:nvPr/>
+            </p:nvSpPr>
+            <p:spPr>
+              <a:xfrm>
+                <a:off x="3148444" y="5164851"/>
+                <a:ext cx="2805545" cy="1076858"/>
+              </a:xfrm>
+              <a:prstGeom prst="ellipse">
+                <a:avLst/>
+              </a:prstGeom>
+              <a:grpFill/>
+              <a:ln>
+                <a:noFill/>
+              </a:ln>
+            </p:spPr>
+            <p:style>
+              <a:lnRef idx="2">
+                <a:schemeClr val="accent1">
+                  <a:shade val="50000"/>
+                </a:schemeClr>
+              </a:lnRef>
+              <a:fillRef idx="1">
+                <a:schemeClr val="accent1"/>
+              </a:fillRef>
+              <a:effectRef idx="0">
+                <a:schemeClr val="accent1"/>
+              </a:effectRef>
+              <a:fontRef idx="minor">
+                <a:schemeClr val="lt1"/>
+              </a:fontRef>
+            </p:style>
+            <p:txBody>
+              <a:bodyPr rtlCol="0" anchor="ctr"/>
+              <a:lstStyle/>
+              <a:p>
+                <a:pPr algn="ctr"/>
+                <a:endParaRPr lang="pt-BR"/>
+              </a:p>
+            </p:txBody>
+          </p:sp>
+          <p:sp>
+            <p:nvSpPr>
+              <p:cNvPr id="65" name="Elipse 64"/>
+              <p:cNvSpPr/>
+              <p:nvPr/>
+            </p:nvSpPr>
+            <p:spPr>
+              <a:xfrm>
+                <a:off x="5441371" y="5164851"/>
+                <a:ext cx="2805545" cy="1076858"/>
+              </a:xfrm>
+              <a:prstGeom prst="ellipse">
+                <a:avLst/>
+              </a:prstGeom>
+              <a:grpFill/>
+              <a:ln>
+                <a:noFill/>
+              </a:ln>
+            </p:spPr>
+            <p:style>
+              <a:lnRef idx="2">
+                <a:schemeClr val="accent1">
+                  <a:shade val="50000"/>
+                </a:schemeClr>
+              </a:lnRef>
+              <a:fillRef idx="1">
+                <a:schemeClr val="accent1"/>
+              </a:fillRef>
+              <a:effectRef idx="0">
+                <a:schemeClr val="accent1"/>
+              </a:effectRef>
+              <a:fontRef idx="minor">
+                <a:schemeClr val="lt1"/>
+              </a:fontRef>
+            </p:style>
+            <p:txBody>
+              <a:bodyPr rtlCol="0" anchor="ctr"/>
+              <a:lstStyle/>
+              <a:p>
+                <a:pPr algn="ctr"/>
+                <a:endParaRPr lang="pt-BR"/>
+              </a:p>
+            </p:txBody>
+          </p:sp>
+          <p:sp>
+            <p:nvSpPr>
+              <p:cNvPr id="66" name="Elipse 65"/>
+              <p:cNvSpPr/>
+              <p:nvPr/>
+            </p:nvSpPr>
+            <p:spPr>
+              <a:xfrm>
+                <a:off x="7706589" y="5164851"/>
+                <a:ext cx="2805545" cy="1076858"/>
+              </a:xfrm>
+              <a:prstGeom prst="ellipse">
+                <a:avLst/>
+              </a:prstGeom>
+              <a:grpFill/>
+              <a:ln>
+                <a:noFill/>
+              </a:ln>
+            </p:spPr>
+            <p:style>
+              <a:lnRef idx="2">
+                <a:schemeClr val="accent1">
+                  <a:shade val="50000"/>
+                </a:schemeClr>
+              </a:lnRef>
+              <a:fillRef idx="1">
+                <a:schemeClr val="accent1"/>
+              </a:fillRef>
+              <a:effectRef idx="0">
+                <a:schemeClr val="accent1"/>
+              </a:effectRef>
+              <a:fontRef idx="minor">
+                <a:schemeClr val="lt1"/>
+              </a:fontRef>
+            </p:style>
+            <p:txBody>
+              <a:bodyPr rtlCol="0" anchor="ctr"/>
+              <a:lstStyle/>
+              <a:p>
+                <a:pPr algn="ctr"/>
+                <a:endParaRPr lang="pt-BR"/>
+              </a:p>
+            </p:txBody>
+          </p:sp>
+          <p:sp>
+            <p:nvSpPr>
+              <p:cNvPr id="67" name="Elipse 9"/>
+              <p:cNvSpPr/>
+              <p:nvPr/>
+            </p:nvSpPr>
+            <p:spPr>
+              <a:xfrm>
+                <a:off x="9483436" y="5164851"/>
+                <a:ext cx="2708564" cy="1076858"/>
+              </a:xfrm>
+              <a:custGeom>
+                <a:avLst/>
+                <a:gdLst/>
+                <a:ahLst/>
+                <a:cxnLst/>
+                <a:rect l="l" t="t" r="r" b="b"/>
+                <a:pathLst>
+                  <a:path w="2708564" h="1163782">
+                    <a:moveTo>
+                      <a:pt x="1488961" y="0"/>
+                    </a:moveTo>
+                    <a:cubicBezTo>
+                      <a:pt x="1993572" y="0"/>
+                      <a:pt x="2439555" y="98099"/>
+                      <a:pt x="2708564" y="248676"/>
+                    </a:cubicBezTo>
+                    <a:lnTo>
+                      <a:pt x="2708564" y="915106"/>
+                    </a:lnTo>
+                    <a:cubicBezTo>
+                      <a:pt x="2439555" y="1065683"/>
+                      <a:pt x="1993572" y="1163782"/>
+                      <a:pt x="1488961" y="1163782"/>
+                    </a:cubicBezTo>
+                    <a:cubicBezTo>
+                      <a:pt x="666631" y="1163782"/>
+                      <a:pt x="0" y="903261"/>
+                      <a:pt x="0" y="581891"/>
+                    </a:cubicBezTo>
+                    <a:cubicBezTo>
+                      <a:pt x="0" y="260521"/>
+                      <a:pt x="666631" y="0"/>
+                      <a:pt x="1488961" y="0"/>
+                    </a:cubicBezTo>
+                    <a:close/>
+                  </a:path>
+                </a:pathLst>
+              </a:custGeom>
+              <a:grpFill/>
+              <a:ln>
+                <a:noFill/>
+              </a:ln>
+            </p:spPr>
+            <p:style>
+              <a:lnRef idx="2">
+                <a:schemeClr val="accent1">
+                  <a:shade val="50000"/>
+                </a:schemeClr>
+              </a:lnRef>
+              <a:fillRef idx="1">
+                <a:schemeClr val="accent1"/>
+              </a:fillRef>
+              <a:effectRef idx="0">
+                <a:schemeClr val="accent1"/>
+              </a:effectRef>
+              <a:fontRef idx="minor">
+                <a:schemeClr val="lt1"/>
+              </a:fontRef>
+            </p:style>
+            <p:txBody>
+              <a:bodyPr rtlCol="0" anchor="ctr"/>
+              <a:lstStyle/>
+              <a:p>
+                <a:pPr algn="ctr"/>
+                <a:endParaRPr lang="pt-BR"/>
+              </a:p>
+            </p:txBody>
+          </p:sp>
+          <p:sp>
+            <p:nvSpPr>
+              <p:cNvPr id="68" name="Elipse 10"/>
+              <p:cNvSpPr/>
+              <p:nvPr/>
+            </p:nvSpPr>
+            <p:spPr>
+              <a:xfrm>
+                <a:off x="0" y="5164851"/>
+                <a:ext cx="1891145" cy="1076858"/>
+              </a:xfrm>
+              <a:custGeom>
+                <a:avLst/>
+                <a:gdLst/>
+                <a:ahLst/>
+                <a:cxnLst/>
+                <a:rect l="l" t="t" r="r" b="b"/>
+                <a:pathLst>
+                  <a:path w="1891145" h="1163782">
+                    <a:moveTo>
+                      <a:pt x="488372" y="0"/>
+                    </a:moveTo>
+                    <a:cubicBezTo>
+                      <a:pt x="1263102" y="0"/>
+                      <a:pt x="1891145" y="260521"/>
+                      <a:pt x="1891145" y="581891"/>
+                    </a:cubicBezTo>
+                    <a:cubicBezTo>
+                      <a:pt x="1891145" y="903261"/>
+                      <a:pt x="1263102" y="1163782"/>
+                      <a:pt x="488372" y="1163782"/>
+                    </a:cubicBezTo>
+                    <a:cubicBezTo>
+                      <a:pt x="316507" y="1163782"/>
+                      <a:pt x="151861" y="1150961"/>
+                      <a:pt x="0" y="1125478"/>
+                    </a:cubicBezTo>
+                    <a:lnTo>
+                      <a:pt x="0" y="38305"/>
+                    </a:lnTo>
+                    <a:cubicBezTo>
+                      <a:pt x="151861" y="12821"/>
+                      <a:pt x="316507" y="0"/>
+                      <a:pt x="488372" y="0"/>
+                    </a:cubicBezTo>
+                    <a:close/>
+                  </a:path>
+                </a:pathLst>
+              </a:custGeom>
+              <a:grpFill/>
+              <a:ln>
+                <a:noFill/>
+              </a:ln>
+            </p:spPr>
+            <p:style>
+              <a:lnRef idx="2">
+                <a:schemeClr val="accent1">
+                  <a:shade val="50000"/>
+                </a:schemeClr>
+              </a:lnRef>
+              <a:fillRef idx="1">
+                <a:schemeClr val="accent1"/>
+              </a:fillRef>
+              <a:effectRef idx="0">
+                <a:schemeClr val="accent1"/>
+              </a:effectRef>
+              <a:fontRef idx="minor">
+                <a:schemeClr val="lt1"/>
+              </a:fontRef>
+            </p:style>
+            <p:txBody>
+              <a:bodyPr rtlCol="0" anchor="ctr"/>
+              <a:lstStyle/>
+              <a:p>
+                <a:pPr algn="ctr"/>
+                <a:endParaRPr lang="pt-BR"/>
+              </a:p>
+            </p:txBody>
+          </p:sp>
+        </p:grpSp>
+        <p:sp>
+          <p:nvSpPr>
+            <p:cNvPr id="55" name="Retângulo 54"/>
+            <p:cNvSpPr/>
+            <p:nvPr/>
+          </p:nvSpPr>
+          <p:spPr>
+            <a:xfrm>
+              <a:off x="0" y="-13948"/>
+              <a:ext cx="12192000" cy="5717230"/>
+            </a:xfrm>
+            <a:prstGeom prst="rect">
+              <a:avLst/>
+            </a:prstGeom>
+            <a:solidFill>
+              <a:srgbClr val="002060"/>
+            </a:solidFill>
+            <a:ln>
+              <a:noFill/>
+            </a:ln>
+          </p:spPr>
+          <p:style>
+            <a:lnRef idx="2">
+              <a:schemeClr val="accent1">
+                <a:shade val="50000"/>
+              </a:schemeClr>
+            </a:lnRef>
+            <a:fillRef idx="1">
+              <a:schemeClr val="accent1"/>
+            </a:fillRef>
+            <a:effectRef idx="0">
+              <a:schemeClr val="accent1"/>
+            </a:effectRef>
+            <a:fontRef idx="minor">
+              <a:schemeClr val="lt1"/>
+            </a:fontRef>
+          </p:style>
+          <p:txBody>
+            <a:bodyPr rtlCol="0" anchor="t"/>
+            <a:lstStyle/>
+            <a:p>
+              <a:pPr algn="ctr"/>
+              <a:endParaRPr lang="pt-BR" dirty="0" smtClean="0"/>
+            </a:p>
+            <a:p>
+              <a:pPr algn="ctr"/>
+              <a:endParaRPr lang="pt-BR" dirty="0" smtClean="0"/>
+            </a:p>
+            <a:p>
+              <a:pPr algn="ctr"/>
+              <a:endParaRPr lang="pt-BR" dirty="0" smtClean="0"/>
+            </a:p>
+            <a:p>
+              <a:pPr algn="ctr"/>
+              <a:r>
+                <a:rPr lang="pt-BR"/>
+                <a:t>	</a:t>
+              </a:r>
+              <a:endParaRPr lang="pt-BR" sz="2000" b="1" dirty="0">
+                <a:solidFill>
+                  <a:schemeClr val="bg1"/>
+                </a:solidFill>
+                <a:latin typeface="Aharoni" panose="02010803020104030203" pitchFamily="2" charset="-79"/>
+                <a:cs typeface="Aharoni" panose="02010803020104030203" pitchFamily="2" charset="-79"/>
+              </a:endParaRPr>
+            </a:p>
+          </p:txBody>
+        </p:sp>
+        <p:grpSp>
+          <p:nvGrpSpPr>
+            <p:cNvPr id="56" name="Grupo 55"/>
+            <p:cNvGrpSpPr/>
+            <p:nvPr/>
+          </p:nvGrpSpPr>
+          <p:grpSpPr>
+            <a:xfrm>
+              <a:off x="0" y="5164851"/>
+              <a:ext cx="12192000" cy="1076858"/>
+              <a:chOff x="0" y="5164851"/>
+              <a:chExt cx="12192000" cy="1076858"/>
+            </a:xfrm>
+          </p:grpSpPr>
+          <p:sp>
+            <p:nvSpPr>
+              <p:cNvPr id="57" name="Elipse 56"/>
+              <p:cNvSpPr/>
+              <p:nvPr/>
+            </p:nvSpPr>
+            <p:spPr>
+              <a:xfrm>
+                <a:off x="883227" y="5164851"/>
+                <a:ext cx="2805545" cy="1076858"/>
+              </a:xfrm>
+              <a:prstGeom prst="ellipse">
+                <a:avLst/>
+              </a:prstGeom>
+              <a:solidFill>
+                <a:srgbClr val="002060"/>
+              </a:solidFill>
+              <a:ln>
+                <a:noFill/>
+              </a:ln>
+            </p:spPr>
+            <p:style>
+              <a:lnRef idx="2">
+                <a:schemeClr val="accent1">
+                  <a:shade val="50000"/>
+                </a:schemeClr>
+              </a:lnRef>
+              <a:fillRef idx="1">
+                <a:schemeClr val="accent1"/>
+              </a:fillRef>
+              <a:effectRef idx="0">
+                <a:schemeClr val="accent1"/>
+              </a:effectRef>
+              <a:fontRef idx="minor">
+                <a:schemeClr val="lt1"/>
+              </a:fontRef>
+            </p:style>
+            <p:txBody>
+              <a:bodyPr rtlCol="0" anchor="ctr"/>
+              <a:lstStyle/>
+              <a:p>
+                <a:pPr algn="ctr"/>
+                <a:endParaRPr lang="pt-BR"/>
+              </a:p>
+            </p:txBody>
+          </p:sp>
+          <p:sp>
+            <p:nvSpPr>
+              <p:cNvPr id="58" name="Elipse 57"/>
+              <p:cNvSpPr/>
+              <p:nvPr/>
+            </p:nvSpPr>
+            <p:spPr>
+              <a:xfrm>
+                <a:off x="3148444" y="5164851"/>
+                <a:ext cx="2805545" cy="1076858"/>
+              </a:xfrm>
+              <a:prstGeom prst="ellipse">
+                <a:avLst/>
+              </a:prstGeom>
+              <a:solidFill>
+                <a:srgbClr val="002060"/>
+              </a:solidFill>
+              <a:ln>
+                <a:noFill/>
+              </a:ln>
+            </p:spPr>
+            <p:style>
+              <a:lnRef idx="2">
+                <a:schemeClr val="accent1">
+                  <a:shade val="50000"/>
+                </a:schemeClr>
+              </a:lnRef>
+              <a:fillRef idx="1">
+                <a:schemeClr val="accent1"/>
+              </a:fillRef>
+              <a:effectRef idx="0">
+                <a:schemeClr val="accent1"/>
+              </a:effectRef>
+              <a:fontRef idx="minor">
+                <a:schemeClr val="lt1"/>
+              </a:fontRef>
+            </p:style>
+            <p:txBody>
+              <a:bodyPr rtlCol="0" anchor="ctr"/>
+              <a:lstStyle/>
+              <a:p>
+                <a:pPr algn="ctr"/>
+                <a:endParaRPr lang="pt-BR"/>
+              </a:p>
+            </p:txBody>
+          </p:sp>
+          <p:sp>
+            <p:nvSpPr>
+              <p:cNvPr id="59" name="Elipse 58"/>
+              <p:cNvSpPr/>
+              <p:nvPr/>
+            </p:nvSpPr>
+            <p:spPr>
+              <a:xfrm>
+                <a:off x="5441371" y="5164851"/>
+                <a:ext cx="2805545" cy="1076858"/>
+              </a:xfrm>
+              <a:prstGeom prst="ellipse">
+                <a:avLst/>
+              </a:prstGeom>
+              <a:solidFill>
+                <a:srgbClr val="002060"/>
+              </a:solidFill>
+              <a:ln>
+                <a:noFill/>
+              </a:ln>
+            </p:spPr>
+            <p:style>
+              <a:lnRef idx="2">
+                <a:schemeClr val="accent1">
+                  <a:shade val="50000"/>
+                </a:schemeClr>
+              </a:lnRef>
+              <a:fillRef idx="1">
+                <a:schemeClr val="accent1"/>
+              </a:fillRef>
+              <a:effectRef idx="0">
+                <a:schemeClr val="accent1"/>
+              </a:effectRef>
+              <a:fontRef idx="minor">
+                <a:schemeClr val="lt1"/>
+              </a:fontRef>
+            </p:style>
+            <p:txBody>
+              <a:bodyPr rtlCol="0" anchor="ctr"/>
+              <a:lstStyle/>
+              <a:p>
+                <a:pPr algn="ctr"/>
+                <a:endParaRPr lang="pt-BR"/>
+              </a:p>
+            </p:txBody>
+          </p:sp>
+          <p:sp>
+            <p:nvSpPr>
+              <p:cNvPr id="60" name="Elipse 59"/>
+              <p:cNvSpPr/>
+              <p:nvPr/>
+            </p:nvSpPr>
+            <p:spPr>
+              <a:xfrm>
+                <a:off x="7706589" y="5164851"/>
+                <a:ext cx="2805545" cy="1076858"/>
+              </a:xfrm>
+              <a:prstGeom prst="ellipse">
+                <a:avLst/>
+              </a:prstGeom>
+              <a:solidFill>
+                <a:srgbClr val="002060"/>
+              </a:solidFill>
+              <a:ln>
+                <a:noFill/>
+              </a:ln>
+            </p:spPr>
+            <p:style>
+              <a:lnRef idx="2">
+                <a:schemeClr val="accent1">
+                  <a:shade val="50000"/>
+                </a:schemeClr>
+              </a:lnRef>
+              <a:fillRef idx="1">
+                <a:schemeClr val="accent1"/>
+              </a:fillRef>
+              <a:effectRef idx="0">
+                <a:schemeClr val="accent1"/>
+              </a:effectRef>
+              <a:fontRef idx="minor">
+                <a:schemeClr val="lt1"/>
+              </a:fontRef>
+            </p:style>
+            <p:txBody>
+              <a:bodyPr rtlCol="0" anchor="ctr"/>
+              <a:lstStyle/>
+              <a:p>
+                <a:pPr algn="ctr"/>
+                <a:endParaRPr lang="pt-BR"/>
+              </a:p>
+            </p:txBody>
+          </p:sp>
+          <p:sp>
+            <p:nvSpPr>
+              <p:cNvPr id="61" name="Elipse 9"/>
+              <p:cNvSpPr/>
+              <p:nvPr/>
+            </p:nvSpPr>
+            <p:spPr>
+              <a:xfrm>
+                <a:off x="9483436" y="5164851"/>
+                <a:ext cx="2708564" cy="1076858"/>
+              </a:xfrm>
+              <a:custGeom>
+                <a:avLst/>
+                <a:gdLst/>
+                <a:ahLst/>
+                <a:cxnLst/>
+                <a:rect l="l" t="t" r="r" b="b"/>
+                <a:pathLst>
+                  <a:path w="2708564" h="1163782">
+                    <a:moveTo>
+                      <a:pt x="1488961" y="0"/>
+                    </a:moveTo>
+                    <a:cubicBezTo>
+                      <a:pt x="1993572" y="0"/>
+                      <a:pt x="2439555" y="98099"/>
+                      <a:pt x="2708564" y="248676"/>
+                    </a:cubicBezTo>
+                    <a:lnTo>
+                      <a:pt x="2708564" y="915106"/>
+                    </a:lnTo>
+                    <a:cubicBezTo>
+                      <a:pt x="2439555" y="1065683"/>
+                      <a:pt x="1993572" y="1163782"/>
+                      <a:pt x="1488961" y="1163782"/>
+                    </a:cubicBezTo>
+                    <a:cubicBezTo>
+                      <a:pt x="666631" y="1163782"/>
+                      <a:pt x="0" y="903261"/>
+                      <a:pt x="0" y="581891"/>
+                    </a:cubicBezTo>
+                    <a:cubicBezTo>
+                      <a:pt x="0" y="260521"/>
+                      <a:pt x="666631" y="0"/>
+                      <a:pt x="1488961" y="0"/>
+                    </a:cubicBezTo>
+                    <a:close/>
+                  </a:path>
+                </a:pathLst>
+              </a:custGeom>
+              <a:solidFill>
+                <a:srgbClr val="002060"/>
+              </a:solidFill>
+              <a:ln>
+                <a:noFill/>
+              </a:ln>
+            </p:spPr>
+            <p:style>
+              <a:lnRef idx="2">
+                <a:schemeClr val="accent1">
+                  <a:shade val="50000"/>
+                </a:schemeClr>
+              </a:lnRef>
+              <a:fillRef idx="1">
+                <a:schemeClr val="accent1"/>
+              </a:fillRef>
+              <a:effectRef idx="0">
+                <a:schemeClr val="accent1"/>
+              </a:effectRef>
+              <a:fontRef idx="minor">
+                <a:schemeClr val="lt1"/>
+              </a:fontRef>
+            </p:style>
+            <p:txBody>
+              <a:bodyPr rtlCol="0" anchor="ctr"/>
+              <a:lstStyle/>
+              <a:p>
+                <a:pPr algn="ctr"/>
+                <a:endParaRPr lang="pt-BR"/>
+              </a:p>
+            </p:txBody>
+          </p:sp>
+          <p:sp>
+            <p:nvSpPr>
+              <p:cNvPr id="62" name="Elipse 10"/>
+              <p:cNvSpPr/>
+              <p:nvPr/>
+            </p:nvSpPr>
+            <p:spPr>
+              <a:xfrm>
+                <a:off x="0" y="5164851"/>
+                <a:ext cx="1891145" cy="1076858"/>
+              </a:xfrm>
+              <a:custGeom>
+                <a:avLst/>
+                <a:gdLst/>
+                <a:ahLst/>
+                <a:cxnLst/>
+                <a:rect l="l" t="t" r="r" b="b"/>
+                <a:pathLst>
+                  <a:path w="1891145" h="1163782">
+                    <a:moveTo>
+                      <a:pt x="488372" y="0"/>
+                    </a:moveTo>
+                    <a:cubicBezTo>
+                      <a:pt x="1263102" y="0"/>
+                      <a:pt x="1891145" y="260521"/>
+                      <a:pt x="1891145" y="581891"/>
+                    </a:cubicBezTo>
+                    <a:cubicBezTo>
+                      <a:pt x="1891145" y="903261"/>
+                      <a:pt x="1263102" y="1163782"/>
+                      <a:pt x="488372" y="1163782"/>
+                    </a:cubicBezTo>
+                    <a:cubicBezTo>
+                      <a:pt x="316507" y="1163782"/>
+                      <a:pt x="151861" y="1150961"/>
+                      <a:pt x="0" y="1125478"/>
+                    </a:cubicBezTo>
+                    <a:lnTo>
+                      <a:pt x="0" y="38305"/>
+                    </a:lnTo>
+                    <a:cubicBezTo>
+                      <a:pt x="151861" y="12821"/>
+                      <a:pt x="316507" y="0"/>
+                      <a:pt x="488372" y="0"/>
+                    </a:cubicBezTo>
+                    <a:close/>
+                  </a:path>
+                </a:pathLst>
+              </a:custGeom>
+              <a:solidFill>
+                <a:srgbClr val="002060"/>
+              </a:solidFill>
+              <a:ln>
+                <a:noFill/>
+              </a:ln>
+            </p:spPr>
+            <p:style>
+              <a:lnRef idx="2">
+                <a:schemeClr val="accent1">
+                  <a:shade val="50000"/>
+                </a:schemeClr>
+              </a:lnRef>
+              <a:fillRef idx="1">
+                <a:schemeClr val="accent1"/>
+              </a:fillRef>
+              <a:effectRef idx="0">
+                <a:schemeClr val="accent1"/>
+              </a:effectRef>
+              <a:fontRef idx="minor">
+                <a:schemeClr val="lt1"/>
+              </a:fontRef>
+            </p:style>
+            <p:txBody>
+              <a:bodyPr rtlCol="0" anchor="ctr"/>
+              <a:lstStyle/>
+              <a:p>
+                <a:pPr algn="ctr"/>
+                <a:endParaRPr lang="pt-BR"/>
+              </a:p>
+            </p:txBody>
+          </p:sp>
+        </p:grpSp>
+      </p:grpSp>
+    </p:spTree>
+    <p:extLst>
+      <p:ext uri="{BB962C8B-B14F-4D97-AF65-F5344CB8AC3E}">
+        <p14:creationId xmlns:p14="http://schemas.microsoft.com/office/powerpoint/2010/main" val="1204968801"/>
+      </p:ext>
+    </p:extLst>
+  </p:cSld>
+  <p:clrMapOvr>
+    <a:masterClrMapping/>
+  </p:clrMapOvr>
+</p:sld>
+</file>
+
 <file path=ppt/theme/theme1.xml><?xml version="1.0" encoding="utf-8"?>
 <a:theme xmlns:a="http://schemas.openxmlformats.org/drawingml/2006/main" name="Tema do Office">
   <a:themeElements>
@@ -28037,7 +30456,7 @@
   <a:extraClrSchemeLst/>
   <a:extLst>
     <a:ext uri="{05A4C25C-085E-4340-85A3-A5531E510DB2}">
-      <thm15:themeFamily xmlns="" xmlns:thm15="http://schemas.microsoft.com/office/thememl/2012/main" name="Office Theme" id="{62F939B6-93AF-4DB8-9C6B-D6C7DFDC589F}" vid="{4A3C46E8-61CC-4603-A589-7422A47A8E4A}"/>
+      <thm15:themeFamily xmlns:thm15="http://schemas.microsoft.com/office/thememl/2012/main" xmlns="" name="Office Theme" id="{62F939B6-93AF-4DB8-9C6B-D6C7DFDC589F}" vid="{4A3C46E8-61CC-4603-A589-7422A47A8E4A}"/>
     </a:ext>
   </a:extLst>
 </a:theme>

--- a/Imagens/fundinho.pptx
+++ b/Imagens/fundinho.pptx
@@ -10,6 +10,7 @@
     <p:sldId id="259" r:id="rId4"/>
     <p:sldId id="258" r:id="rId5"/>
     <p:sldId id="260" r:id="rId6"/>
+    <p:sldId id="261" r:id="rId7"/>
   </p:sldIdLst>
   <p:sldSz cx="12192000" cy="6858000"/>
   <p:notesSz cx="6858000" cy="9144000"/>
@@ -110,7 +111,7 @@
   </p:defaultTextStyle>
   <p:extLst>
     <p:ext uri="{EFAFB233-063F-42B5-8137-9DF3F51BA10A}">
-      <p15:sldGuideLst xmlns:p15="http://schemas.microsoft.com/office/powerpoint/2012/main" xmlns="">
+      <p15:sldGuideLst xmlns="" xmlns:p15="http://schemas.microsoft.com/office/powerpoint/2012/main">
         <p15:guide id="1" orient="horz" pos="2160">
           <p15:clr>
             <a:srgbClr val="A4A3A4"/>
@@ -30201,6 +30202,254 @@
 </p:sld>
 </file>
 
+<file path=ppt/slides/slide6.xml><?xml version="1.0" encoding="utf-8"?>
+<p:sld xmlns:a="http://schemas.openxmlformats.org/drawingml/2006/main" xmlns:r="http://schemas.openxmlformats.org/officeDocument/2006/relationships" xmlns:p="http://schemas.openxmlformats.org/presentationml/2006/main">
+  <p:cSld>
+    <p:spTree>
+      <p:nvGrpSpPr>
+        <p:cNvPr id="1" name=""/>
+        <p:cNvGrpSpPr/>
+        <p:nvPr/>
+      </p:nvGrpSpPr>
+      <p:grpSpPr>
+        <a:xfrm>
+          <a:off x="0" y="0"/>
+          <a:ext cx="0" cy="0"/>
+          <a:chOff x="0" y="0"/>
+          <a:chExt cx="0" cy="0"/>
+        </a:xfrm>
+      </p:grpSpPr>
+      <p:sp>
+        <p:nvSpPr>
+          <p:cNvPr id="7" name="Retângulo 6"/>
+          <p:cNvSpPr/>
+          <p:nvPr/>
+        </p:nvSpPr>
+        <p:spPr>
+          <a:xfrm>
+            <a:off x="6988969" y="4457698"/>
+            <a:ext cx="581025" cy="542925"/>
+          </a:xfrm>
+          <a:prstGeom prst="rect">
+            <a:avLst/>
+          </a:prstGeom>
+          <a:ln>
+            <a:noFill/>
+          </a:ln>
+        </p:spPr>
+        <p:style>
+          <a:lnRef idx="2">
+            <a:schemeClr val="accent1">
+              <a:shade val="50000"/>
+            </a:schemeClr>
+          </a:lnRef>
+          <a:fillRef idx="1">
+            <a:schemeClr val="accent1"/>
+          </a:fillRef>
+          <a:effectRef idx="0">
+            <a:schemeClr val="accent1"/>
+          </a:effectRef>
+          <a:fontRef idx="minor">
+            <a:schemeClr val="lt1"/>
+          </a:fontRef>
+        </p:style>
+        <p:txBody>
+          <a:bodyPr rtlCol="0" anchor="ctr"/>
+          <a:lstStyle/>
+          <a:p>
+            <a:pPr algn="ctr"/>
+            <a:endParaRPr lang="pt-BR"/>
+          </a:p>
+        </p:txBody>
+      </p:sp>
+      <p:pic>
+        <p:nvPicPr>
+          <p:cNvPr id="1026" name="Picture 2" descr="Resultado de imagem para organizaÃ§Ã£o"/>
+          <p:cNvPicPr>
+            <a:picLocks noChangeAspect="1" noChangeArrowheads="1"/>
+          </p:cNvPicPr>
+          <p:nvPr/>
+        </p:nvPicPr>
+        <p:blipFill>
+          <a:blip r:embed="rId2">
+            <a:extLst>
+              <a:ext uri="{28A0092B-C50C-407E-A947-70E740481C1C}">
+                <a14:useLocalDpi xmlns:a14="http://schemas.microsoft.com/office/drawing/2010/main" val="0"/>
+              </a:ext>
+            </a:extLst>
+          </a:blip>
+          <a:srcRect/>
+          <a:stretch>
+            <a:fillRect/>
+          </a:stretch>
+        </p:blipFill>
+        <p:spPr bwMode="auto">
+          <a:xfrm>
+            <a:off x="1298574" y="862445"/>
+            <a:ext cx="5137438" cy="2417618"/>
+          </a:xfrm>
+          <a:prstGeom prst="rect">
+            <a:avLst/>
+          </a:prstGeom>
+          <a:noFill/>
+          <a:extLst>
+            <a:ext uri="{909E8E84-426E-40DD-AFC4-6F175D3DCCD1}">
+              <a14:hiddenFill xmlns:a14="http://schemas.microsoft.com/office/drawing/2010/main">
+                <a:solidFill>
+                  <a:srgbClr val="FFFFFF"/>
+                </a:solidFill>
+              </a14:hiddenFill>
+            </a:ext>
+          </a:extLst>
+        </p:spPr>
+      </p:pic>
+      <p:sp>
+        <p:nvSpPr>
+          <p:cNvPr id="4" name="Elipse 3"/>
+          <p:cNvSpPr/>
+          <p:nvPr/>
+        </p:nvSpPr>
+        <p:spPr>
+          <a:xfrm>
+            <a:off x="8146473" y="1039091"/>
+            <a:ext cx="1340427" cy="1600200"/>
+          </a:xfrm>
+          <a:prstGeom prst="ellipse">
+            <a:avLst/>
+          </a:prstGeom>
+          <a:solidFill>
+            <a:srgbClr val="F6CB9C"/>
+          </a:solidFill>
+          <a:ln>
+            <a:noFill/>
+          </a:ln>
+        </p:spPr>
+        <p:style>
+          <a:lnRef idx="2">
+            <a:schemeClr val="accent1">
+              <a:shade val="50000"/>
+            </a:schemeClr>
+          </a:lnRef>
+          <a:fillRef idx="1">
+            <a:schemeClr val="accent1"/>
+          </a:fillRef>
+          <a:effectRef idx="0">
+            <a:schemeClr val="accent1"/>
+          </a:effectRef>
+          <a:fontRef idx="minor">
+            <a:schemeClr val="lt1"/>
+          </a:fontRef>
+        </p:style>
+        <p:txBody>
+          <a:bodyPr rtlCol="0" anchor="ctr"/>
+          <a:lstStyle/>
+          <a:p>
+            <a:pPr algn="ctr"/>
+            <a:endParaRPr lang="pt-BR"/>
+          </a:p>
+        </p:txBody>
+      </p:sp>
+      <p:sp>
+        <p:nvSpPr>
+          <p:cNvPr id="5" name="Triângulo retângulo 4"/>
+          <p:cNvSpPr/>
+          <p:nvPr/>
+        </p:nvSpPr>
+        <p:spPr>
+          <a:xfrm rot="16200000">
+            <a:off x="6657977" y="3890963"/>
+            <a:ext cx="995362" cy="823910"/>
+          </a:xfrm>
+          <a:prstGeom prst="rtTriangle">
+            <a:avLst/>
+          </a:prstGeom>
+          <a:ln>
+            <a:noFill/>
+          </a:ln>
+        </p:spPr>
+        <p:style>
+          <a:lnRef idx="2">
+            <a:schemeClr val="accent1">
+              <a:shade val="50000"/>
+            </a:schemeClr>
+          </a:lnRef>
+          <a:fillRef idx="1">
+            <a:schemeClr val="accent1"/>
+          </a:fillRef>
+          <a:effectRef idx="0">
+            <a:schemeClr val="accent1"/>
+          </a:effectRef>
+          <a:fontRef idx="minor">
+            <a:schemeClr val="lt1"/>
+          </a:fontRef>
+        </p:style>
+        <p:txBody>
+          <a:bodyPr rtlCol="0" anchor="ctr"/>
+          <a:lstStyle/>
+          <a:p>
+            <a:pPr algn="ctr"/>
+            <a:endParaRPr lang="pt-BR"/>
+          </a:p>
+        </p:txBody>
+      </p:sp>
+      <p:sp>
+        <p:nvSpPr>
+          <p:cNvPr id="6" name="Lágrima 5"/>
+          <p:cNvSpPr/>
+          <p:nvPr/>
+        </p:nvSpPr>
+        <p:spPr>
+          <a:xfrm>
+            <a:off x="6679411" y="4371976"/>
+            <a:ext cx="600071" cy="628648"/>
+          </a:xfrm>
+          <a:prstGeom prst="teardrop">
+            <a:avLst>
+              <a:gd name="adj" fmla="val 200000"/>
+            </a:avLst>
+          </a:prstGeom>
+          <a:ln>
+            <a:noFill/>
+          </a:ln>
+        </p:spPr>
+        <p:style>
+          <a:lnRef idx="2">
+            <a:schemeClr val="accent1">
+              <a:shade val="50000"/>
+            </a:schemeClr>
+          </a:lnRef>
+          <a:fillRef idx="1">
+            <a:schemeClr val="accent1"/>
+          </a:fillRef>
+          <a:effectRef idx="0">
+            <a:schemeClr val="accent1"/>
+          </a:effectRef>
+          <a:fontRef idx="minor">
+            <a:schemeClr val="lt1"/>
+          </a:fontRef>
+        </p:style>
+        <p:txBody>
+          <a:bodyPr rtlCol="0" anchor="ctr"/>
+          <a:lstStyle/>
+          <a:p>
+            <a:pPr algn="ctr"/>
+            <a:endParaRPr lang="pt-BR"/>
+          </a:p>
+        </p:txBody>
+      </p:sp>
+    </p:spTree>
+    <p:extLst>
+      <p:ext uri="{BB962C8B-B14F-4D97-AF65-F5344CB8AC3E}">
+        <p14:creationId xmlns:p14="http://schemas.microsoft.com/office/powerpoint/2010/main" val="3982621440"/>
+      </p:ext>
+    </p:extLst>
+  </p:cSld>
+  <p:clrMapOvr>
+    <a:masterClrMapping/>
+  </p:clrMapOvr>
+</p:sld>
+</file>
+
 <file path=ppt/theme/theme1.xml><?xml version="1.0" encoding="utf-8"?>
 <a:theme xmlns:a="http://schemas.openxmlformats.org/drawingml/2006/main" name="Tema do Office">
   <a:themeElements>
@@ -30456,7 +30705,7 @@
   <a:extraClrSchemeLst/>
   <a:extLst>
     <a:ext uri="{05A4C25C-085E-4340-85A3-A5531E510DB2}">
-      <thm15:themeFamily xmlns:thm15="http://schemas.microsoft.com/office/thememl/2012/main" xmlns="" name="Office Theme" id="{62F939B6-93AF-4DB8-9C6B-D6C7DFDC589F}" vid="{4A3C46E8-61CC-4603-A589-7422A47A8E4A}"/>
+      <thm15:themeFamily xmlns="" xmlns:thm15="http://schemas.microsoft.com/office/thememl/2012/main" name="Office Theme" id="{62F939B6-93AF-4DB8-9C6B-D6C7DFDC589F}" vid="{4A3C46E8-61CC-4603-A589-7422A47A8E4A}"/>
     </a:ext>
   </a:extLst>
 </a:theme>

--- a/Imagens/fundinho.pptx
+++ b/Imagens/fundinho.pptx
@@ -111,7 +111,7 @@
   </p:defaultTextStyle>
   <p:extLst>
     <p:ext uri="{EFAFB233-063F-42B5-8137-9DF3F51BA10A}">
-      <p15:sldGuideLst xmlns="" xmlns:p15="http://schemas.microsoft.com/office/powerpoint/2012/main">
+      <p15:sldGuideLst xmlns:p15="http://schemas.microsoft.com/office/powerpoint/2012/main" xmlns="">
         <p15:guide id="1" orient="horz" pos="2160">
           <p15:clr>
             <a:srgbClr val="A4A3A4"/>
@@ -259,7 +259,7 @@
           <a:p>
             <a:fld id="{CB2F0722-7C31-4BAA-904B-29AEC9A1B4D7}" type="datetimeFigureOut">
               <a:rPr lang="pt-BR" smtClean="0"/>
-              <a:t>10/04/2019</a:t>
+              <a:t>11/04/2019</a:t>
             </a:fld>
             <a:endParaRPr lang="pt-BR"/>
           </a:p>
@@ -429,7 +429,7 @@
           <a:p>
             <a:fld id="{CB2F0722-7C31-4BAA-904B-29AEC9A1B4D7}" type="datetimeFigureOut">
               <a:rPr lang="pt-BR" smtClean="0"/>
-              <a:t>10/04/2019</a:t>
+              <a:t>11/04/2019</a:t>
             </a:fld>
             <a:endParaRPr lang="pt-BR"/>
           </a:p>
@@ -609,7 +609,7 @@
           <a:p>
             <a:fld id="{CB2F0722-7C31-4BAA-904B-29AEC9A1B4D7}" type="datetimeFigureOut">
               <a:rPr lang="pt-BR" smtClean="0"/>
-              <a:t>10/04/2019</a:t>
+              <a:t>11/04/2019</a:t>
             </a:fld>
             <a:endParaRPr lang="pt-BR"/>
           </a:p>
@@ -779,7 +779,7 @@
           <a:p>
             <a:fld id="{CB2F0722-7C31-4BAA-904B-29AEC9A1B4D7}" type="datetimeFigureOut">
               <a:rPr lang="pt-BR" smtClean="0"/>
-              <a:t>10/04/2019</a:t>
+              <a:t>11/04/2019</a:t>
             </a:fld>
             <a:endParaRPr lang="pt-BR"/>
           </a:p>
@@ -1025,7 +1025,7 @@
           <a:p>
             <a:fld id="{CB2F0722-7C31-4BAA-904B-29AEC9A1B4D7}" type="datetimeFigureOut">
               <a:rPr lang="pt-BR" smtClean="0"/>
-              <a:t>10/04/2019</a:t>
+              <a:t>11/04/2019</a:t>
             </a:fld>
             <a:endParaRPr lang="pt-BR"/>
           </a:p>
@@ -1257,7 +1257,7 @@
           <a:p>
             <a:fld id="{CB2F0722-7C31-4BAA-904B-29AEC9A1B4D7}" type="datetimeFigureOut">
               <a:rPr lang="pt-BR" smtClean="0"/>
-              <a:t>10/04/2019</a:t>
+              <a:t>11/04/2019</a:t>
             </a:fld>
             <a:endParaRPr lang="pt-BR"/>
           </a:p>
@@ -1624,7 +1624,7 @@
           <a:p>
             <a:fld id="{CB2F0722-7C31-4BAA-904B-29AEC9A1B4D7}" type="datetimeFigureOut">
               <a:rPr lang="pt-BR" smtClean="0"/>
-              <a:t>10/04/2019</a:t>
+              <a:t>11/04/2019</a:t>
             </a:fld>
             <a:endParaRPr lang="pt-BR"/>
           </a:p>
@@ -1742,7 +1742,7 @@
           <a:p>
             <a:fld id="{CB2F0722-7C31-4BAA-904B-29AEC9A1B4D7}" type="datetimeFigureOut">
               <a:rPr lang="pt-BR" smtClean="0"/>
-              <a:t>10/04/2019</a:t>
+              <a:t>11/04/2019</a:t>
             </a:fld>
             <a:endParaRPr lang="pt-BR"/>
           </a:p>
@@ -1837,7 +1837,7 @@
           <a:p>
             <a:fld id="{CB2F0722-7C31-4BAA-904B-29AEC9A1B4D7}" type="datetimeFigureOut">
               <a:rPr lang="pt-BR" smtClean="0"/>
-              <a:t>10/04/2019</a:t>
+              <a:t>11/04/2019</a:t>
             </a:fld>
             <a:endParaRPr lang="pt-BR"/>
           </a:p>
@@ -2114,7 +2114,7 @@
           <a:p>
             <a:fld id="{CB2F0722-7C31-4BAA-904B-29AEC9A1B4D7}" type="datetimeFigureOut">
               <a:rPr lang="pt-BR" smtClean="0"/>
-              <a:t>10/04/2019</a:t>
+              <a:t>11/04/2019</a:t>
             </a:fld>
             <a:endParaRPr lang="pt-BR"/>
           </a:p>
@@ -2367,7 +2367,7 @@
           <a:p>
             <a:fld id="{CB2F0722-7C31-4BAA-904B-29AEC9A1B4D7}" type="datetimeFigureOut">
               <a:rPr lang="pt-BR" smtClean="0"/>
-              <a:t>10/04/2019</a:t>
+              <a:t>11/04/2019</a:t>
             </a:fld>
             <a:endParaRPr lang="pt-BR"/>
           </a:p>
@@ -2580,7 +2580,7 @@
           <a:p>
             <a:fld id="{CB2F0722-7C31-4BAA-904B-29AEC9A1B4D7}" type="datetimeFigureOut">
               <a:rPr lang="pt-BR" smtClean="0"/>
-              <a:t>10/04/2019</a:t>
+              <a:t>11/04/2019</a:t>
             </a:fld>
             <a:endParaRPr lang="pt-BR"/>
           </a:p>
@@ -30221,21 +30221,18 @@
       </p:grpSpPr>
       <p:sp>
         <p:nvSpPr>
-          <p:cNvPr id="7" name="Retângulo 6"/>
+          <p:cNvPr id="27" name="Retângulo 26"/>
           <p:cNvSpPr/>
           <p:nvPr/>
         </p:nvSpPr>
         <p:spPr>
           <a:xfrm>
-            <a:off x="6988969" y="4457698"/>
-            <a:ext cx="581025" cy="542925"/>
+            <a:off x="5451046" y="899505"/>
+            <a:ext cx="5779771" cy="4401589"/>
           </a:xfrm>
           <a:prstGeom prst="rect">
             <a:avLst/>
           </a:prstGeom>
-          <a:ln>
-            <a:noFill/>
-          </a:ln>
         </p:spPr>
         <p:style>
           <a:lnRef idx="2">
@@ -30351,18 +30348,66 @@
       </p:sp>
       <p:sp>
         <p:nvSpPr>
-          <p:cNvPr id="5" name="Triângulo retângulo 4"/>
+          <p:cNvPr id="3" name="Elipse 2"/>
           <p:cNvSpPr/>
           <p:nvPr/>
         </p:nvSpPr>
         <p:spPr>
-          <a:xfrm rot="16200000">
-            <a:off x="6657977" y="3890963"/>
-            <a:ext cx="995362" cy="823910"/>
+          <a:xfrm>
+            <a:off x="8561243" y="1528767"/>
+            <a:ext cx="90000" cy="97200"/>
           </a:xfrm>
-          <a:prstGeom prst="rtTriangle">
+          <a:prstGeom prst="ellipse">
             <a:avLst/>
           </a:prstGeom>
+          <a:ln>
+            <a:solidFill>
+              <a:schemeClr val="tx1"/>
+            </a:solidFill>
+          </a:ln>
+        </p:spPr>
+        <p:style>
+          <a:lnRef idx="2">
+            <a:schemeClr val="dk1">
+              <a:shade val="50000"/>
+            </a:schemeClr>
+          </a:lnRef>
+          <a:fillRef idx="1">
+            <a:schemeClr val="dk1"/>
+          </a:fillRef>
+          <a:effectRef idx="0">
+            <a:schemeClr val="dk1"/>
+          </a:effectRef>
+          <a:fontRef idx="minor">
+            <a:schemeClr val="lt1"/>
+          </a:fontRef>
+        </p:style>
+        <p:txBody>
+          <a:bodyPr rtlCol="0" anchor="ctr"/>
+          <a:lstStyle/>
+          <a:p>
+            <a:pPr algn="ctr"/>
+            <a:endParaRPr lang="pt-BR"/>
+          </a:p>
+        </p:txBody>
+      </p:sp>
+      <p:sp>
+        <p:nvSpPr>
+          <p:cNvPr id="11" name="Ondulado 10"/>
+          <p:cNvSpPr/>
+          <p:nvPr/>
+        </p:nvSpPr>
+        <p:spPr>
+          <a:xfrm rot="12292761">
+            <a:off x="8842694" y="1023084"/>
+            <a:ext cx="440350" cy="437953"/>
+          </a:xfrm>
+          <a:prstGeom prst="wave">
+            <a:avLst/>
+          </a:prstGeom>
+          <a:solidFill>
+            <a:schemeClr val="tx1"/>
+          </a:solidFill>
           <a:ln>
             <a:noFill/>
           </a:ln>
@@ -30394,20 +30439,2167 @@
       </p:sp>
       <p:sp>
         <p:nvSpPr>
-          <p:cNvPr id="6" name="Lágrima 5"/>
+          <p:cNvPr id="12" name="Ondulado 11"/>
+          <p:cNvSpPr/>
+          <p:nvPr/>
+        </p:nvSpPr>
+        <p:spPr>
+          <a:xfrm rot="13118665">
+            <a:off x="8732968" y="1136007"/>
+            <a:ext cx="734209" cy="320598"/>
+          </a:xfrm>
+          <a:prstGeom prst="wave">
+            <a:avLst>
+              <a:gd name="adj1" fmla="val 9491"/>
+              <a:gd name="adj2" fmla="val -10000"/>
+            </a:avLst>
+          </a:prstGeom>
+          <a:solidFill>
+            <a:schemeClr val="tx1"/>
+          </a:solidFill>
+          <a:ln>
+            <a:noFill/>
+          </a:ln>
+        </p:spPr>
+        <p:style>
+          <a:lnRef idx="2">
+            <a:schemeClr val="accent1">
+              <a:shade val="50000"/>
+            </a:schemeClr>
+          </a:lnRef>
+          <a:fillRef idx="1">
+            <a:schemeClr val="accent1"/>
+          </a:fillRef>
+          <a:effectRef idx="0">
+            <a:schemeClr val="accent1"/>
+          </a:effectRef>
+          <a:fontRef idx="minor">
+            <a:schemeClr val="lt1"/>
+          </a:fontRef>
+        </p:style>
+        <p:txBody>
+          <a:bodyPr rtlCol="0" anchor="ctr"/>
+          <a:lstStyle/>
+          <a:p>
+            <a:pPr algn="ctr"/>
+            <a:endParaRPr lang="pt-BR"/>
+          </a:p>
+        </p:txBody>
+      </p:sp>
+      <p:sp>
+        <p:nvSpPr>
+          <p:cNvPr id="13" name="Ondulado 12"/>
+          <p:cNvSpPr/>
+          <p:nvPr/>
+        </p:nvSpPr>
+        <p:spPr>
+          <a:xfrm rot="14095249">
+            <a:off x="8791004" y="1248076"/>
+            <a:ext cx="740168" cy="276461"/>
+          </a:xfrm>
+          <a:prstGeom prst="wave">
+            <a:avLst>
+              <a:gd name="adj1" fmla="val 5931"/>
+              <a:gd name="adj2" fmla="val -10000"/>
+            </a:avLst>
+          </a:prstGeom>
+          <a:solidFill>
+            <a:schemeClr val="tx1"/>
+          </a:solidFill>
+          <a:ln>
+            <a:noFill/>
+          </a:ln>
+        </p:spPr>
+        <p:style>
+          <a:lnRef idx="2">
+            <a:schemeClr val="accent1">
+              <a:shade val="50000"/>
+            </a:schemeClr>
+          </a:lnRef>
+          <a:fillRef idx="1">
+            <a:schemeClr val="accent1"/>
+          </a:fillRef>
+          <a:effectRef idx="0">
+            <a:schemeClr val="accent1"/>
+          </a:effectRef>
+          <a:fontRef idx="minor">
+            <a:schemeClr val="lt1"/>
+          </a:fontRef>
+        </p:style>
+        <p:txBody>
+          <a:bodyPr rtlCol="0" anchor="ctr"/>
+          <a:lstStyle/>
+          <a:p>
+            <a:pPr algn="ctr"/>
+            <a:endParaRPr lang="pt-BR"/>
+          </a:p>
+        </p:txBody>
+      </p:sp>
+      <p:sp>
+        <p:nvSpPr>
+          <p:cNvPr id="10" name="Lua 9"/>
+          <p:cNvSpPr/>
+          <p:nvPr/>
+        </p:nvSpPr>
+        <p:spPr>
+          <a:xfrm rot="8863460">
+            <a:off x="9017679" y="812467"/>
+            <a:ext cx="400050" cy="1038225"/>
+          </a:xfrm>
+          <a:prstGeom prst="moon">
+            <a:avLst/>
+          </a:prstGeom>
+          <a:solidFill>
+            <a:schemeClr val="tx1"/>
+          </a:solidFill>
+          <a:ln>
+            <a:noFill/>
+          </a:ln>
+        </p:spPr>
+        <p:style>
+          <a:lnRef idx="2">
+            <a:schemeClr val="accent1">
+              <a:shade val="50000"/>
+            </a:schemeClr>
+          </a:lnRef>
+          <a:fillRef idx="1">
+            <a:schemeClr val="accent1"/>
+          </a:fillRef>
+          <a:effectRef idx="0">
+            <a:schemeClr val="accent1"/>
+          </a:effectRef>
+          <a:fontRef idx="minor">
+            <a:schemeClr val="lt1"/>
+          </a:fontRef>
+        </p:style>
+        <p:txBody>
+          <a:bodyPr rtlCol="0" anchor="ctr"/>
+          <a:lstStyle/>
+          <a:p>
+            <a:pPr algn="ctr"/>
+            <a:endParaRPr lang="pt-BR"/>
+          </a:p>
+        </p:txBody>
+      </p:sp>
+      <p:sp>
+        <p:nvSpPr>
+          <p:cNvPr id="15" name="Lua 14"/>
+          <p:cNvSpPr/>
+          <p:nvPr/>
+        </p:nvSpPr>
+        <p:spPr>
+          <a:xfrm rot="10800000">
+            <a:off x="9046635" y="1129705"/>
+            <a:ext cx="458934" cy="1299169"/>
+          </a:xfrm>
+          <a:prstGeom prst="moon">
+            <a:avLst>
+              <a:gd name="adj" fmla="val 74906"/>
+            </a:avLst>
+          </a:prstGeom>
+          <a:solidFill>
+            <a:schemeClr val="tx1"/>
+          </a:solidFill>
+          <a:ln>
+            <a:noFill/>
+          </a:ln>
+        </p:spPr>
+        <p:style>
+          <a:lnRef idx="2">
+            <a:schemeClr val="accent1">
+              <a:shade val="50000"/>
+            </a:schemeClr>
+          </a:lnRef>
+          <a:fillRef idx="1">
+            <a:schemeClr val="accent1"/>
+          </a:fillRef>
+          <a:effectRef idx="0">
+            <a:schemeClr val="accent1"/>
+          </a:effectRef>
+          <a:fontRef idx="minor">
+            <a:schemeClr val="lt1"/>
+          </a:fontRef>
+        </p:style>
+        <p:txBody>
+          <a:bodyPr rtlCol="0" anchor="ctr"/>
+          <a:lstStyle/>
+          <a:p>
+            <a:pPr algn="ctr"/>
+            <a:endParaRPr lang="pt-BR"/>
+          </a:p>
+        </p:txBody>
+      </p:sp>
+      <p:sp>
+        <p:nvSpPr>
+          <p:cNvPr id="17" name="Lua 16"/>
+          <p:cNvSpPr/>
+          <p:nvPr/>
+        </p:nvSpPr>
+        <p:spPr>
+          <a:xfrm rot="10366736">
+            <a:off x="9118035" y="1093608"/>
+            <a:ext cx="412978" cy="1040797"/>
+          </a:xfrm>
+          <a:prstGeom prst="moon">
+            <a:avLst/>
+          </a:prstGeom>
+          <a:solidFill>
+            <a:schemeClr val="tx1"/>
+          </a:solidFill>
+          <a:ln>
+            <a:noFill/>
+          </a:ln>
+        </p:spPr>
+        <p:style>
+          <a:lnRef idx="2">
+            <a:schemeClr val="accent1">
+              <a:shade val="50000"/>
+            </a:schemeClr>
+          </a:lnRef>
+          <a:fillRef idx="1">
+            <a:schemeClr val="accent1"/>
+          </a:fillRef>
+          <a:effectRef idx="0">
+            <a:schemeClr val="accent1"/>
+          </a:effectRef>
+          <a:fontRef idx="minor">
+            <a:schemeClr val="lt1"/>
+          </a:fontRef>
+        </p:style>
+        <p:txBody>
+          <a:bodyPr rtlCol="0" anchor="ctr"/>
+          <a:lstStyle/>
+          <a:p>
+            <a:pPr algn="ctr"/>
+            <a:endParaRPr lang="pt-BR"/>
+          </a:p>
+        </p:txBody>
+      </p:sp>
+      <p:sp>
+        <p:nvSpPr>
+          <p:cNvPr id="16" name="Lua 15"/>
+          <p:cNvSpPr/>
+          <p:nvPr/>
+        </p:nvSpPr>
+        <p:spPr>
+          <a:xfrm rot="10800000">
+            <a:off x="8914853" y="1877295"/>
+            <a:ext cx="458934" cy="623296"/>
+          </a:xfrm>
+          <a:prstGeom prst="moon">
+            <a:avLst>
+              <a:gd name="adj" fmla="val 66604"/>
+            </a:avLst>
+          </a:prstGeom>
+          <a:solidFill>
+            <a:srgbClr val="F6CB9C"/>
+          </a:solidFill>
+          <a:ln>
+            <a:noFill/>
+          </a:ln>
+        </p:spPr>
+        <p:style>
+          <a:lnRef idx="2">
+            <a:schemeClr val="accent1">
+              <a:shade val="50000"/>
+            </a:schemeClr>
+          </a:lnRef>
+          <a:fillRef idx="1">
+            <a:schemeClr val="accent1"/>
+          </a:fillRef>
+          <a:effectRef idx="0">
+            <a:schemeClr val="accent1"/>
+          </a:effectRef>
+          <a:fontRef idx="minor">
+            <a:schemeClr val="lt1"/>
+          </a:fontRef>
+        </p:style>
+        <p:txBody>
+          <a:bodyPr rtlCol="0" anchor="ctr"/>
+          <a:lstStyle/>
+          <a:p>
+            <a:pPr algn="ctr"/>
+            <a:endParaRPr lang="pt-BR"/>
+          </a:p>
+        </p:txBody>
+      </p:sp>
+      <p:grpSp>
+        <p:nvGrpSpPr>
+          <p:cNvPr id="20" name="Grupo 19"/>
+          <p:cNvGrpSpPr/>
+          <p:nvPr/>
+        </p:nvGrpSpPr>
+        <p:grpSpPr>
+          <a:xfrm>
+            <a:off x="7968614" y="1652587"/>
+            <a:ext cx="376243" cy="324000"/>
+            <a:chOff x="7967656" y="1604964"/>
+            <a:chExt cx="376243" cy="297051"/>
+          </a:xfrm>
+        </p:grpSpPr>
+        <p:sp>
+          <p:nvSpPr>
+            <p:cNvPr id="7" name="Retângulo 6"/>
+            <p:cNvSpPr/>
+            <p:nvPr/>
+          </p:nvSpPr>
+          <p:spPr>
+            <a:xfrm>
+              <a:off x="8071331" y="1770311"/>
+              <a:ext cx="185650" cy="131702"/>
+            </a:xfrm>
+            <a:prstGeom prst="rect">
+              <a:avLst/>
+            </a:prstGeom>
+            <a:solidFill>
+              <a:srgbClr val="F6CB9C"/>
+            </a:solidFill>
+            <a:ln>
+              <a:noFill/>
+            </a:ln>
+          </p:spPr>
+          <p:style>
+            <a:lnRef idx="2">
+              <a:schemeClr val="accent1">
+                <a:shade val="50000"/>
+              </a:schemeClr>
+            </a:lnRef>
+            <a:fillRef idx="1">
+              <a:schemeClr val="accent1"/>
+            </a:fillRef>
+            <a:effectRef idx="0">
+              <a:schemeClr val="accent1"/>
+            </a:effectRef>
+            <a:fontRef idx="minor">
+              <a:schemeClr val="lt1"/>
+            </a:fontRef>
+          </p:style>
+          <p:txBody>
+            <a:bodyPr rtlCol="0" anchor="ctr"/>
+            <a:lstStyle/>
+            <a:p>
+              <a:pPr algn="ctr"/>
+              <a:endParaRPr lang="pt-BR"/>
+            </a:p>
+          </p:txBody>
+        </p:sp>
+        <p:grpSp>
+          <p:nvGrpSpPr>
+            <p:cNvPr id="19" name="Grupo 18"/>
+            <p:cNvGrpSpPr/>
+            <p:nvPr/>
+          </p:nvGrpSpPr>
+          <p:grpSpPr>
+            <a:xfrm>
+              <a:off x="7967656" y="1604964"/>
+              <a:ext cx="376243" cy="297051"/>
+              <a:chOff x="7967656" y="1604964"/>
+              <a:chExt cx="376243" cy="297051"/>
+            </a:xfrm>
+          </p:grpSpPr>
+          <p:sp>
+            <p:nvSpPr>
+              <p:cNvPr id="5" name="Triângulo retângulo 4"/>
+              <p:cNvSpPr/>
+              <p:nvPr/>
+            </p:nvSpPr>
+            <p:spPr>
+              <a:xfrm rot="16200000">
+                <a:off x="8010779" y="1561841"/>
+                <a:ext cx="197554" cy="283799"/>
+              </a:xfrm>
+              <a:prstGeom prst="rtTriangle">
+                <a:avLst/>
+              </a:prstGeom>
+              <a:solidFill>
+                <a:srgbClr val="F6CB9C"/>
+              </a:solidFill>
+              <a:ln>
+                <a:noFill/>
+              </a:ln>
+            </p:spPr>
+            <p:style>
+              <a:lnRef idx="2">
+                <a:schemeClr val="accent1">
+                  <a:shade val="50000"/>
+                </a:schemeClr>
+              </a:lnRef>
+              <a:fillRef idx="1">
+                <a:schemeClr val="accent1"/>
+              </a:fillRef>
+              <a:effectRef idx="0">
+                <a:schemeClr val="accent1"/>
+              </a:effectRef>
+              <a:fontRef idx="minor">
+                <a:schemeClr val="lt1"/>
+              </a:fontRef>
+            </p:style>
+            <p:txBody>
+              <a:bodyPr rtlCol="0" anchor="ctr"/>
+              <a:lstStyle/>
+              <a:p>
+                <a:pPr algn="ctr"/>
+                <a:endParaRPr lang="pt-BR"/>
+              </a:p>
+            </p:txBody>
+          </p:sp>
+          <p:sp>
+            <p:nvSpPr>
+              <p:cNvPr id="6" name="Lágrima 5"/>
+              <p:cNvSpPr/>
+              <p:nvPr/>
+            </p:nvSpPr>
+            <p:spPr>
+              <a:xfrm>
+                <a:off x="7972425" y="1749518"/>
+                <a:ext cx="180000" cy="152497"/>
+              </a:xfrm>
+              <a:prstGeom prst="teardrop">
+                <a:avLst>
+                  <a:gd name="adj" fmla="val 200000"/>
+                </a:avLst>
+              </a:prstGeom>
+              <a:solidFill>
+                <a:srgbClr val="F6CB9C"/>
+              </a:solidFill>
+              <a:ln>
+                <a:noFill/>
+              </a:ln>
+            </p:spPr>
+            <p:style>
+              <a:lnRef idx="2">
+                <a:schemeClr val="accent1">
+                  <a:shade val="50000"/>
+                </a:schemeClr>
+              </a:lnRef>
+              <a:fillRef idx="1">
+                <a:schemeClr val="accent1"/>
+              </a:fillRef>
+              <a:effectRef idx="0">
+                <a:schemeClr val="accent1"/>
+              </a:effectRef>
+              <a:fontRef idx="minor">
+                <a:schemeClr val="lt1"/>
+              </a:fontRef>
+            </p:style>
+            <p:txBody>
+              <a:bodyPr rtlCol="0" anchor="ctr"/>
+              <a:lstStyle/>
+              <a:p>
+                <a:pPr algn="ctr"/>
+                <a:endParaRPr lang="pt-BR"/>
+              </a:p>
+            </p:txBody>
+          </p:sp>
+          <p:sp>
+            <p:nvSpPr>
+              <p:cNvPr id="18" name="Triângulo retângulo 17"/>
+              <p:cNvSpPr/>
+              <p:nvPr/>
+            </p:nvSpPr>
+            <p:spPr>
+              <a:xfrm flipH="1">
+                <a:off x="8005167" y="1663836"/>
+                <a:ext cx="338732" cy="204746"/>
+              </a:xfrm>
+              <a:prstGeom prst="rtTriangle">
+                <a:avLst/>
+              </a:prstGeom>
+              <a:solidFill>
+                <a:srgbClr val="F6CB9C"/>
+              </a:solidFill>
+              <a:ln>
+                <a:noFill/>
+              </a:ln>
+            </p:spPr>
+            <p:style>
+              <a:lnRef idx="2">
+                <a:schemeClr val="accent1">
+                  <a:shade val="50000"/>
+                </a:schemeClr>
+              </a:lnRef>
+              <a:fillRef idx="1">
+                <a:schemeClr val="accent1"/>
+              </a:fillRef>
+              <a:effectRef idx="0">
+                <a:schemeClr val="accent1"/>
+              </a:effectRef>
+              <a:fontRef idx="minor">
+                <a:schemeClr val="lt1"/>
+              </a:fontRef>
+            </p:style>
+            <p:txBody>
+              <a:bodyPr rtlCol="0" anchor="ctr"/>
+              <a:lstStyle/>
+              <a:p>
+                <a:pPr algn="ctr"/>
+                <a:endParaRPr lang="pt-BR"/>
+              </a:p>
+            </p:txBody>
+          </p:sp>
+        </p:grpSp>
+      </p:grpSp>
+      <p:sp>
+        <p:nvSpPr>
+          <p:cNvPr id="23" name="Ondulado 22"/>
+          <p:cNvSpPr/>
+          <p:nvPr/>
+        </p:nvSpPr>
+        <p:spPr>
+          <a:xfrm rot="10800000" flipH="1">
+            <a:off x="7819918" y="950769"/>
+            <a:ext cx="1560439" cy="504827"/>
+          </a:xfrm>
+          <a:prstGeom prst="wave">
+            <a:avLst>
+              <a:gd name="adj1" fmla="val 20000"/>
+              <a:gd name="adj2" fmla="val -10000"/>
+            </a:avLst>
+          </a:prstGeom>
+          <a:solidFill>
+            <a:schemeClr val="tx1"/>
+          </a:solidFill>
+          <a:ln>
+            <a:noFill/>
+          </a:ln>
+        </p:spPr>
+        <p:style>
+          <a:lnRef idx="2">
+            <a:schemeClr val="accent1">
+              <a:shade val="50000"/>
+            </a:schemeClr>
+          </a:lnRef>
+          <a:fillRef idx="1">
+            <a:schemeClr val="accent1"/>
+          </a:fillRef>
+          <a:effectRef idx="0">
+            <a:schemeClr val="accent1"/>
+          </a:effectRef>
+          <a:fontRef idx="minor">
+            <a:schemeClr val="lt1"/>
+          </a:fontRef>
+        </p:style>
+        <p:txBody>
+          <a:bodyPr rtlCol="0" anchor="ctr"/>
+          <a:lstStyle/>
+          <a:p>
+            <a:pPr algn="ctr"/>
+            <a:endParaRPr lang="pt-BR"/>
+          </a:p>
+        </p:txBody>
+      </p:sp>
+      <p:sp>
+        <p:nvSpPr>
+          <p:cNvPr id="24" name="Ondulado 23"/>
+          <p:cNvSpPr/>
+          <p:nvPr/>
+        </p:nvSpPr>
+        <p:spPr>
+          <a:xfrm rot="10800000" flipH="1">
+            <a:off x="7978888" y="943042"/>
+            <a:ext cx="1401469" cy="352428"/>
+          </a:xfrm>
+          <a:prstGeom prst="wave">
+            <a:avLst>
+              <a:gd name="adj1" fmla="val 20000"/>
+              <a:gd name="adj2" fmla="val -7281"/>
+            </a:avLst>
+          </a:prstGeom>
+          <a:solidFill>
+            <a:schemeClr val="tx1"/>
+          </a:solidFill>
+          <a:ln>
+            <a:noFill/>
+          </a:ln>
+        </p:spPr>
+        <p:style>
+          <a:lnRef idx="2">
+            <a:schemeClr val="accent1">
+              <a:shade val="50000"/>
+            </a:schemeClr>
+          </a:lnRef>
+          <a:fillRef idx="1">
+            <a:schemeClr val="accent1"/>
+          </a:fillRef>
+          <a:effectRef idx="0">
+            <a:schemeClr val="accent1"/>
+          </a:effectRef>
+          <a:fontRef idx="minor">
+            <a:schemeClr val="lt1"/>
+          </a:fontRef>
+        </p:style>
+        <p:txBody>
+          <a:bodyPr rtlCol="0" anchor="ctr"/>
+          <a:lstStyle/>
+          <a:p>
+            <a:pPr algn="ctr"/>
+            <a:endParaRPr lang="pt-BR"/>
+          </a:p>
+        </p:txBody>
+      </p:sp>
+      <p:sp>
+        <p:nvSpPr>
+          <p:cNvPr id="21" name="Fluxograma: Atraso 20"/>
+          <p:cNvSpPr/>
+          <p:nvPr/>
+        </p:nvSpPr>
+        <p:spPr>
+          <a:xfrm rot="19797221">
+            <a:off x="8744921" y="1288147"/>
+            <a:ext cx="470115" cy="387002"/>
+          </a:xfrm>
+          <a:prstGeom prst="flowChartDelay">
+            <a:avLst/>
+          </a:prstGeom>
+          <a:solidFill>
+            <a:srgbClr val="F6CB9C"/>
+          </a:solidFill>
+          <a:ln>
+            <a:noFill/>
+          </a:ln>
+        </p:spPr>
+        <p:style>
+          <a:lnRef idx="2">
+            <a:schemeClr val="accent1">
+              <a:shade val="50000"/>
+            </a:schemeClr>
+          </a:lnRef>
+          <a:fillRef idx="1">
+            <a:schemeClr val="accent1"/>
+          </a:fillRef>
+          <a:effectRef idx="0">
+            <a:schemeClr val="accent1"/>
+          </a:effectRef>
+          <a:fontRef idx="minor">
+            <a:schemeClr val="lt1"/>
+          </a:fontRef>
+        </p:style>
+        <p:txBody>
+          <a:bodyPr rtlCol="0" anchor="ctr"/>
+          <a:lstStyle/>
+          <a:p>
+            <a:pPr algn="ctr"/>
+            <a:endParaRPr lang="pt-BR"/>
+          </a:p>
+        </p:txBody>
+      </p:sp>
+      <p:sp>
+        <p:nvSpPr>
+          <p:cNvPr id="25" name="Ondulado 24"/>
+          <p:cNvSpPr/>
+          <p:nvPr/>
+        </p:nvSpPr>
+        <p:spPr>
+          <a:xfrm rot="17598808">
+            <a:off x="9000721" y="1458827"/>
+            <a:ext cx="544947" cy="254633"/>
+          </a:xfrm>
+          <a:prstGeom prst="wave">
+            <a:avLst>
+              <a:gd name="adj1" fmla="val 20000"/>
+              <a:gd name="adj2" fmla="val -4076"/>
+            </a:avLst>
+          </a:prstGeom>
+          <a:ln>
+            <a:noFill/>
+          </a:ln>
+        </p:spPr>
+        <p:style>
+          <a:lnRef idx="2">
+            <a:schemeClr val="dk1">
+              <a:shade val="50000"/>
+            </a:schemeClr>
+          </a:lnRef>
+          <a:fillRef idx="1">
+            <a:schemeClr val="dk1"/>
+          </a:fillRef>
+          <a:effectRef idx="0">
+            <a:schemeClr val="dk1"/>
+          </a:effectRef>
+          <a:fontRef idx="minor">
+            <a:schemeClr val="lt1"/>
+          </a:fontRef>
+        </p:style>
+        <p:txBody>
+          <a:bodyPr rtlCol="0" anchor="ctr"/>
+          <a:lstStyle/>
+          <a:p>
+            <a:pPr algn="ctr"/>
+            <a:endParaRPr lang="pt-BR"/>
+          </a:p>
+        </p:txBody>
+      </p:sp>
+      <p:sp>
+        <p:nvSpPr>
+          <p:cNvPr id="34" name="Fluxograma: Operação manual 33"/>
+          <p:cNvSpPr/>
+          <p:nvPr/>
+        </p:nvSpPr>
+        <p:spPr>
+          <a:xfrm rot="10800000">
+            <a:off x="8601555" y="2504225"/>
+            <a:ext cx="717269" cy="1192150"/>
+          </a:xfrm>
+          <a:custGeom>
+            <a:avLst/>
+            <a:gdLst>
+              <a:gd name="connsiteX0" fmla="*/ 0 w 10000"/>
+              <a:gd name="connsiteY0" fmla="*/ 0 h 10000"/>
+              <a:gd name="connsiteX1" fmla="*/ 10000 w 10000"/>
+              <a:gd name="connsiteY1" fmla="*/ 0 h 10000"/>
+              <a:gd name="connsiteX2" fmla="*/ 8000 w 10000"/>
+              <a:gd name="connsiteY2" fmla="*/ 10000 h 10000"/>
+              <a:gd name="connsiteX3" fmla="*/ 2000 w 10000"/>
+              <a:gd name="connsiteY3" fmla="*/ 10000 h 10000"/>
+              <a:gd name="connsiteX4" fmla="*/ 0 w 10000"/>
+              <a:gd name="connsiteY4" fmla="*/ 0 h 10000"/>
+              <a:gd name="connsiteX0" fmla="*/ 0 w 10000"/>
+              <a:gd name="connsiteY0" fmla="*/ 0 h 10195"/>
+              <a:gd name="connsiteX1" fmla="*/ 10000 w 10000"/>
+              <a:gd name="connsiteY1" fmla="*/ 0 h 10195"/>
+              <a:gd name="connsiteX2" fmla="*/ 8893 w 10000"/>
+              <a:gd name="connsiteY2" fmla="*/ 10195 h 10195"/>
+              <a:gd name="connsiteX3" fmla="*/ 2000 w 10000"/>
+              <a:gd name="connsiteY3" fmla="*/ 10000 h 10195"/>
+              <a:gd name="connsiteX4" fmla="*/ 0 w 10000"/>
+              <a:gd name="connsiteY4" fmla="*/ 0 h 10195"/>
+              <a:gd name="connsiteX0" fmla="*/ 0 w 10000"/>
+              <a:gd name="connsiteY0" fmla="*/ 0 h 10195"/>
+              <a:gd name="connsiteX1" fmla="*/ 10000 w 10000"/>
+              <a:gd name="connsiteY1" fmla="*/ 0 h 10195"/>
+              <a:gd name="connsiteX2" fmla="*/ 8893 w 10000"/>
+              <a:gd name="connsiteY2" fmla="*/ 10195 h 10195"/>
+              <a:gd name="connsiteX3" fmla="*/ 2625 w 10000"/>
+              <a:gd name="connsiteY3" fmla="*/ 10000 h 10195"/>
+              <a:gd name="connsiteX4" fmla="*/ 0 w 10000"/>
+              <a:gd name="connsiteY4" fmla="*/ 0 h 10195"/>
+            </a:gdLst>
+            <a:ahLst/>
+            <a:cxnLst>
+              <a:cxn ang="0">
+                <a:pos x="connsiteX0" y="connsiteY0"/>
+              </a:cxn>
+              <a:cxn ang="0">
+                <a:pos x="connsiteX1" y="connsiteY1"/>
+              </a:cxn>
+              <a:cxn ang="0">
+                <a:pos x="connsiteX2" y="connsiteY2"/>
+              </a:cxn>
+              <a:cxn ang="0">
+                <a:pos x="connsiteX3" y="connsiteY3"/>
+              </a:cxn>
+              <a:cxn ang="0">
+                <a:pos x="connsiteX4" y="connsiteY4"/>
+              </a:cxn>
+            </a:cxnLst>
+            <a:rect l="l" t="t" r="r" b="b"/>
+            <a:pathLst>
+              <a:path w="10000" h="10195">
+                <a:moveTo>
+                  <a:pt x="0" y="0"/>
+                </a:moveTo>
+                <a:lnTo>
+                  <a:pt x="10000" y="0"/>
+                </a:lnTo>
+                <a:lnTo>
+                  <a:pt x="8893" y="10195"/>
+                </a:lnTo>
+                <a:lnTo>
+                  <a:pt x="2625" y="10000"/>
+                </a:lnTo>
+                <a:lnTo>
+                  <a:pt x="0" y="0"/>
+                </a:lnTo>
+                <a:close/>
+              </a:path>
+            </a:pathLst>
+          </a:custGeom>
+          <a:solidFill>
+            <a:srgbClr val="F6CB9C"/>
+          </a:solidFill>
+          <a:ln>
+            <a:noFill/>
+          </a:ln>
+        </p:spPr>
+        <p:style>
+          <a:lnRef idx="2">
+            <a:schemeClr val="accent1">
+              <a:shade val="50000"/>
+            </a:schemeClr>
+          </a:lnRef>
+          <a:fillRef idx="1">
+            <a:schemeClr val="accent1"/>
+          </a:fillRef>
+          <a:effectRef idx="0">
+            <a:schemeClr val="accent1"/>
+          </a:effectRef>
+          <a:fontRef idx="minor">
+            <a:schemeClr val="lt1"/>
+          </a:fontRef>
+        </p:style>
+        <p:txBody>
+          <a:bodyPr rtlCol="0" anchor="ctr"/>
+          <a:lstStyle/>
+          <a:p>
+            <a:pPr algn="ctr"/>
+            <a:endParaRPr lang="pt-BR"/>
+          </a:p>
+        </p:txBody>
+      </p:sp>
+      <p:sp>
+        <p:nvSpPr>
+          <p:cNvPr id="14" name="Elipse 13"/>
           <p:cNvSpPr/>
           <p:nvPr/>
         </p:nvSpPr>
         <p:spPr>
           <a:xfrm>
-            <a:off x="6679411" y="4371976"/>
-            <a:ext cx="600071" cy="628648"/>
+            <a:off x="9100072" y="1786992"/>
+            <a:ext cx="216000" cy="200025"/>
           </a:xfrm>
-          <a:prstGeom prst="teardrop">
-            <a:avLst>
-              <a:gd name="adj" fmla="val 200000"/>
-            </a:avLst>
+          <a:prstGeom prst="ellipse">
+            <a:avLst/>
           </a:prstGeom>
+          <a:solidFill>
+            <a:srgbClr val="F6CB9C"/>
+          </a:solidFill>
+          <a:ln>
+            <a:noFill/>
+          </a:ln>
+        </p:spPr>
+        <p:style>
+          <a:lnRef idx="2">
+            <a:schemeClr val="accent1">
+              <a:shade val="50000"/>
+            </a:schemeClr>
+          </a:lnRef>
+          <a:fillRef idx="1">
+            <a:schemeClr val="accent1"/>
+          </a:fillRef>
+          <a:effectRef idx="0">
+            <a:schemeClr val="accent1"/>
+          </a:effectRef>
+          <a:fontRef idx="minor">
+            <a:schemeClr val="lt1"/>
+          </a:fontRef>
+        </p:style>
+        <p:txBody>
+          <a:bodyPr rtlCol="0" anchor="ctr"/>
+          <a:lstStyle/>
+          <a:p>
+            <a:pPr algn="ctr"/>
+            <a:endParaRPr lang="pt-BR"/>
+          </a:p>
+        </p:txBody>
+      </p:sp>
+      <p:sp>
+        <p:nvSpPr>
+          <p:cNvPr id="26" name="Trapezoide 25"/>
+          <p:cNvSpPr/>
+          <p:nvPr/>
+        </p:nvSpPr>
+        <p:spPr>
+          <a:xfrm flipV="1">
+            <a:off x="8131488" y="2862026"/>
+            <a:ext cx="1800000" cy="2014773"/>
+          </a:xfrm>
+          <a:custGeom>
+            <a:avLst/>
+            <a:gdLst>
+              <a:gd name="connsiteX0" fmla="*/ 0 w 1529337"/>
+              <a:gd name="connsiteY0" fmla="*/ 1615440 h 1615440"/>
+              <a:gd name="connsiteX1" fmla="*/ 382334 w 1529337"/>
+              <a:gd name="connsiteY1" fmla="*/ 0 h 1615440"/>
+              <a:gd name="connsiteX2" fmla="*/ 1147003 w 1529337"/>
+              <a:gd name="connsiteY2" fmla="*/ 0 h 1615440"/>
+              <a:gd name="connsiteX3" fmla="*/ 1529337 w 1529337"/>
+              <a:gd name="connsiteY3" fmla="*/ 1615440 h 1615440"/>
+              <a:gd name="connsiteX4" fmla="*/ 0 w 1529337"/>
+              <a:gd name="connsiteY4" fmla="*/ 1615440 h 1615440"/>
+              <a:gd name="connsiteX0" fmla="*/ 0 w 1529337"/>
+              <a:gd name="connsiteY0" fmla="*/ 1630680 h 1630680"/>
+              <a:gd name="connsiteX1" fmla="*/ 146114 w 1529337"/>
+              <a:gd name="connsiteY1" fmla="*/ 0 h 1630680"/>
+              <a:gd name="connsiteX2" fmla="*/ 1147003 w 1529337"/>
+              <a:gd name="connsiteY2" fmla="*/ 15240 h 1630680"/>
+              <a:gd name="connsiteX3" fmla="*/ 1529337 w 1529337"/>
+              <a:gd name="connsiteY3" fmla="*/ 1630680 h 1630680"/>
+              <a:gd name="connsiteX4" fmla="*/ 0 w 1529337"/>
+              <a:gd name="connsiteY4" fmla="*/ 1630680 h 1630680"/>
+              <a:gd name="connsiteX0" fmla="*/ 0 w 1529337"/>
+              <a:gd name="connsiteY0" fmla="*/ 1630680 h 1630680"/>
+              <a:gd name="connsiteX1" fmla="*/ 146114 w 1529337"/>
+              <a:gd name="connsiteY1" fmla="*/ 0 h 1630680"/>
+              <a:gd name="connsiteX2" fmla="*/ 1474663 w 1529337"/>
+              <a:gd name="connsiteY2" fmla="*/ 7620 h 1630680"/>
+              <a:gd name="connsiteX3" fmla="*/ 1529337 w 1529337"/>
+              <a:gd name="connsiteY3" fmla="*/ 1630680 h 1630680"/>
+              <a:gd name="connsiteX4" fmla="*/ 0 w 1529337"/>
+              <a:gd name="connsiteY4" fmla="*/ 1630680 h 1630680"/>
+              <a:gd name="connsiteX0" fmla="*/ 0 w 1529337"/>
+              <a:gd name="connsiteY0" fmla="*/ 1638300 h 1638300"/>
+              <a:gd name="connsiteX1" fmla="*/ 191834 w 1529337"/>
+              <a:gd name="connsiteY1" fmla="*/ 0 h 1638300"/>
+              <a:gd name="connsiteX2" fmla="*/ 1474663 w 1529337"/>
+              <a:gd name="connsiteY2" fmla="*/ 15240 h 1638300"/>
+              <a:gd name="connsiteX3" fmla="*/ 1529337 w 1529337"/>
+              <a:gd name="connsiteY3" fmla="*/ 1638300 h 1638300"/>
+              <a:gd name="connsiteX4" fmla="*/ 0 w 1529337"/>
+              <a:gd name="connsiteY4" fmla="*/ 1638300 h 1638300"/>
+              <a:gd name="connsiteX0" fmla="*/ 0 w 1588963"/>
+              <a:gd name="connsiteY0" fmla="*/ 1638300 h 1638300"/>
+              <a:gd name="connsiteX1" fmla="*/ 191834 w 1588963"/>
+              <a:gd name="connsiteY1" fmla="*/ 0 h 1638300"/>
+              <a:gd name="connsiteX2" fmla="*/ 1588963 w 1588963"/>
+              <a:gd name="connsiteY2" fmla="*/ 15240 h 1638300"/>
+              <a:gd name="connsiteX3" fmla="*/ 1529337 w 1588963"/>
+              <a:gd name="connsiteY3" fmla="*/ 1638300 h 1638300"/>
+              <a:gd name="connsiteX4" fmla="*/ 0 w 1588963"/>
+              <a:gd name="connsiteY4" fmla="*/ 1638300 h 1638300"/>
+            </a:gdLst>
+            <a:ahLst/>
+            <a:cxnLst>
+              <a:cxn ang="0">
+                <a:pos x="connsiteX0" y="connsiteY0"/>
+              </a:cxn>
+              <a:cxn ang="0">
+                <a:pos x="connsiteX1" y="connsiteY1"/>
+              </a:cxn>
+              <a:cxn ang="0">
+                <a:pos x="connsiteX2" y="connsiteY2"/>
+              </a:cxn>
+              <a:cxn ang="0">
+                <a:pos x="connsiteX3" y="connsiteY3"/>
+              </a:cxn>
+              <a:cxn ang="0">
+                <a:pos x="connsiteX4" y="connsiteY4"/>
+              </a:cxn>
+            </a:cxnLst>
+            <a:rect l="l" t="t" r="r" b="b"/>
+            <a:pathLst>
+              <a:path w="1588963" h="1638300">
+                <a:moveTo>
+                  <a:pt x="0" y="1638300"/>
+                </a:moveTo>
+                <a:lnTo>
+                  <a:pt x="191834" y="0"/>
+                </a:lnTo>
+                <a:lnTo>
+                  <a:pt x="1588963" y="15240"/>
+                </a:lnTo>
+                <a:lnTo>
+                  <a:pt x="1529337" y="1638300"/>
+                </a:lnTo>
+                <a:lnTo>
+                  <a:pt x="0" y="1638300"/>
+                </a:lnTo>
+                <a:close/>
+              </a:path>
+            </a:pathLst>
+          </a:custGeom>
+          <a:solidFill>
+            <a:schemeClr val="bg1"/>
+          </a:solidFill>
+          <a:ln>
+            <a:noFill/>
+          </a:ln>
+        </p:spPr>
+        <p:style>
+          <a:lnRef idx="2">
+            <a:schemeClr val="accent1">
+              <a:shade val="50000"/>
+            </a:schemeClr>
+          </a:lnRef>
+          <a:fillRef idx="1">
+            <a:schemeClr val="accent1"/>
+          </a:fillRef>
+          <a:effectRef idx="0">
+            <a:schemeClr val="accent1"/>
+          </a:effectRef>
+          <a:fontRef idx="minor">
+            <a:schemeClr val="lt1"/>
+          </a:fontRef>
+        </p:style>
+        <p:txBody>
+          <a:bodyPr rtlCol="0" anchor="ctr"/>
+          <a:lstStyle/>
+          <a:p>
+            <a:pPr algn="ctr"/>
+            <a:endParaRPr lang="pt-BR"/>
+          </a:p>
+        </p:txBody>
+      </p:sp>
+      <p:grpSp>
+        <p:nvGrpSpPr>
+          <p:cNvPr id="60" name="Grupo 59"/>
+          <p:cNvGrpSpPr/>
+          <p:nvPr/>
+        </p:nvGrpSpPr>
+        <p:grpSpPr>
+          <a:xfrm>
+            <a:off x="8871679" y="3285954"/>
+            <a:ext cx="653705" cy="1384812"/>
+            <a:chOff x="8871679" y="3354534"/>
+            <a:chExt cx="653705" cy="1384812"/>
+          </a:xfrm>
+        </p:grpSpPr>
+        <p:sp>
+          <p:nvSpPr>
+            <p:cNvPr id="37" name="Triângulo isósceles 32"/>
+            <p:cNvSpPr/>
+            <p:nvPr/>
+          </p:nvSpPr>
+          <p:spPr>
+            <a:xfrm rot="20500764">
+              <a:off x="8871679" y="3354534"/>
+              <a:ext cx="271737" cy="253217"/>
+            </a:xfrm>
+            <a:custGeom>
+              <a:avLst/>
+              <a:gdLst>
+                <a:gd name="connsiteX0" fmla="*/ 0 w 579689"/>
+                <a:gd name="connsiteY0" fmla="*/ 306557 h 306557"/>
+                <a:gd name="connsiteX1" fmla="*/ 289845 w 579689"/>
+                <a:gd name="connsiteY1" fmla="*/ 0 h 306557"/>
+                <a:gd name="connsiteX2" fmla="*/ 579689 w 579689"/>
+                <a:gd name="connsiteY2" fmla="*/ 306557 h 306557"/>
+                <a:gd name="connsiteX3" fmla="*/ 0 w 579689"/>
+                <a:gd name="connsiteY3" fmla="*/ 306557 h 306557"/>
+                <a:gd name="connsiteX0" fmla="*/ 0 w 579689"/>
+                <a:gd name="connsiteY0" fmla="*/ 253217 h 253217"/>
+                <a:gd name="connsiteX1" fmla="*/ 297465 w 579689"/>
+                <a:gd name="connsiteY1" fmla="*/ 0 h 253217"/>
+                <a:gd name="connsiteX2" fmla="*/ 579689 w 579689"/>
+                <a:gd name="connsiteY2" fmla="*/ 253217 h 253217"/>
+                <a:gd name="connsiteX3" fmla="*/ 0 w 579689"/>
+                <a:gd name="connsiteY3" fmla="*/ 253217 h 253217"/>
+              </a:gdLst>
+              <a:ahLst/>
+              <a:cxnLst>
+                <a:cxn ang="0">
+                  <a:pos x="connsiteX0" y="connsiteY0"/>
+                </a:cxn>
+                <a:cxn ang="0">
+                  <a:pos x="connsiteX1" y="connsiteY1"/>
+                </a:cxn>
+                <a:cxn ang="0">
+                  <a:pos x="connsiteX2" y="connsiteY2"/>
+                </a:cxn>
+                <a:cxn ang="0">
+                  <a:pos x="connsiteX3" y="connsiteY3"/>
+                </a:cxn>
+              </a:cxnLst>
+              <a:rect l="l" t="t" r="r" b="b"/>
+              <a:pathLst>
+                <a:path w="579689" h="253217">
+                  <a:moveTo>
+                    <a:pt x="0" y="253217"/>
+                  </a:moveTo>
+                  <a:lnTo>
+                    <a:pt x="297465" y="0"/>
+                  </a:lnTo>
+                  <a:lnTo>
+                    <a:pt x="579689" y="253217"/>
+                  </a:lnTo>
+                  <a:lnTo>
+                    <a:pt x="0" y="253217"/>
+                  </a:lnTo>
+                  <a:close/>
+                </a:path>
+              </a:pathLst>
+            </a:custGeom>
+          </p:spPr>
+          <p:style>
+            <a:lnRef idx="2">
+              <a:schemeClr val="accent2">
+                <a:shade val="50000"/>
+              </a:schemeClr>
+            </a:lnRef>
+            <a:fillRef idx="1">
+              <a:schemeClr val="accent2"/>
+            </a:fillRef>
+            <a:effectRef idx="0">
+              <a:schemeClr val="accent2"/>
+            </a:effectRef>
+            <a:fontRef idx="minor">
+              <a:schemeClr val="lt1"/>
+            </a:fontRef>
+          </p:style>
+          <p:txBody>
+            <a:bodyPr rtlCol="0" anchor="ctr"/>
+            <a:lstStyle/>
+            <a:p>
+              <a:pPr algn="ctr"/>
+              <a:endParaRPr lang="pt-BR"/>
+            </a:p>
+          </p:txBody>
+        </p:sp>
+        <p:sp>
+          <p:nvSpPr>
+            <p:cNvPr id="53" name="Retângulo 52"/>
+            <p:cNvSpPr/>
+            <p:nvPr/>
+          </p:nvSpPr>
+          <p:spPr>
+            <a:xfrm rot="20541220">
+              <a:off x="9073066" y="3581640"/>
+              <a:ext cx="270000" cy="1044000"/>
+            </a:xfrm>
+            <a:prstGeom prst="rect">
+              <a:avLst/>
+            </a:prstGeom>
+            <a:ln/>
+          </p:spPr>
+          <p:style>
+            <a:lnRef idx="2">
+              <a:schemeClr val="accent2">
+                <a:shade val="50000"/>
+              </a:schemeClr>
+            </a:lnRef>
+            <a:fillRef idx="1">
+              <a:schemeClr val="accent2"/>
+            </a:fillRef>
+            <a:effectRef idx="0">
+              <a:schemeClr val="accent2"/>
+            </a:effectRef>
+            <a:fontRef idx="minor">
+              <a:schemeClr val="lt1"/>
+            </a:fontRef>
+          </p:style>
+          <p:txBody>
+            <a:bodyPr rtlCol="0" anchor="ctr"/>
+            <a:lstStyle/>
+            <a:p>
+              <a:pPr algn="ctr"/>
+              <a:endParaRPr lang="pt-BR"/>
+            </a:p>
+          </p:txBody>
+        </p:sp>
+        <p:sp>
+          <p:nvSpPr>
+            <p:cNvPr id="55" name="Triângulo isósceles 54"/>
+            <p:cNvSpPr/>
+            <p:nvPr/>
+          </p:nvSpPr>
+          <p:spPr>
+            <a:xfrm rot="9654461">
+              <a:off x="9262584" y="4608671"/>
+              <a:ext cx="262800" cy="130675"/>
+            </a:xfrm>
+            <a:prstGeom prst="triangle">
+              <a:avLst/>
+            </a:prstGeom>
+            <a:solidFill>
+              <a:schemeClr val="accent2"/>
+            </a:solidFill>
+            <a:ln>
+              <a:solidFill>
+                <a:schemeClr val="accent2">
+                  <a:lumMod val="75000"/>
+                </a:schemeClr>
+              </a:solidFill>
+            </a:ln>
+          </p:spPr>
+          <p:style>
+            <a:lnRef idx="2">
+              <a:schemeClr val="accent1">
+                <a:shade val="50000"/>
+              </a:schemeClr>
+            </a:lnRef>
+            <a:fillRef idx="1">
+              <a:schemeClr val="accent1"/>
+            </a:fillRef>
+            <a:effectRef idx="0">
+              <a:schemeClr val="accent1"/>
+            </a:effectRef>
+            <a:fontRef idx="minor">
+              <a:schemeClr val="lt1"/>
+            </a:fontRef>
+          </p:style>
+          <p:txBody>
+            <a:bodyPr rtlCol="0" anchor="ctr"/>
+            <a:lstStyle/>
+            <a:p>
+              <a:pPr algn="ctr"/>
+              <a:endParaRPr lang="pt-BR"/>
+            </a:p>
+          </p:txBody>
+        </p:sp>
+        <p:sp>
+          <p:nvSpPr>
+            <p:cNvPr id="54" name="Retângulo 53"/>
+            <p:cNvSpPr/>
+            <p:nvPr/>
+          </p:nvSpPr>
+          <p:spPr>
+            <a:xfrm rot="20520000">
+              <a:off x="9080202" y="3555840"/>
+              <a:ext cx="262800" cy="1087200"/>
+            </a:xfrm>
+            <a:prstGeom prst="rect">
+              <a:avLst/>
+            </a:prstGeom>
+            <a:solidFill>
+              <a:schemeClr val="accent2"/>
+            </a:solidFill>
+            <a:ln>
+              <a:noFill/>
+            </a:ln>
+          </p:spPr>
+          <p:style>
+            <a:lnRef idx="2">
+              <a:schemeClr val="accent1">
+                <a:shade val="50000"/>
+              </a:schemeClr>
+            </a:lnRef>
+            <a:fillRef idx="1">
+              <a:schemeClr val="accent1"/>
+            </a:fillRef>
+            <a:effectRef idx="0">
+              <a:schemeClr val="accent1"/>
+            </a:effectRef>
+            <a:fontRef idx="minor">
+              <a:schemeClr val="lt1"/>
+            </a:fontRef>
+          </p:style>
+          <p:txBody>
+            <a:bodyPr rtlCol="0" anchor="ctr"/>
+            <a:lstStyle/>
+            <a:p>
+              <a:pPr algn="ctr"/>
+              <a:endParaRPr lang="pt-BR"/>
+            </a:p>
+          </p:txBody>
+        </p:sp>
+        <p:sp>
+          <p:nvSpPr>
+            <p:cNvPr id="56" name="Triângulo isósceles 55"/>
+            <p:cNvSpPr/>
+            <p:nvPr/>
+          </p:nvSpPr>
+          <p:spPr>
+            <a:xfrm rot="20507320">
+              <a:off x="9218963" y="4289934"/>
+              <a:ext cx="209544" cy="346980"/>
+            </a:xfrm>
+            <a:prstGeom prst="triangle">
+              <a:avLst/>
+            </a:prstGeom>
+            <a:solidFill>
+              <a:schemeClr val="accent2"/>
+            </a:solidFill>
+            <a:ln>
+              <a:noFill/>
+            </a:ln>
+          </p:spPr>
+          <p:style>
+            <a:lnRef idx="2">
+              <a:schemeClr val="accent1">
+                <a:shade val="50000"/>
+              </a:schemeClr>
+            </a:lnRef>
+            <a:fillRef idx="1">
+              <a:schemeClr val="accent1"/>
+            </a:fillRef>
+            <a:effectRef idx="0">
+              <a:schemeClr val="accent1"/>
+            </a:effectRef>
+            <a:fontRef idx="minor">
+              <a:schemeClr val="lt1"/>
+            </a:fontRef>
+          </p:style>
+          <p:txBody>
+            <a:bodyPr rtlCol="0" anchor="ctr"/>
+            <a:lstStyle/>
+            <a:p>
+              <a:pPr algn="ctr"/>
+              <a:endParaRPr lang="pt-BR"/>
+            </a:p>
+          </p:txBody>
+        </p:sp>
+      </p:grpSp>
+      <p:sp>
+        <p:nvSpPr>
+          <p:cNvPr id="33" name="Triângulo isósceles 32"/>
+          <p:cNvSpPr/>
+          <p:nvPr/>
+        </p:nvSpPr>
+        <p:spPr>
+          <a:xfrm rot="10800000">
+            <a:off x="8722200" y="3141146"/>
+            <a:ext cx="540000" cy="253217"/>
+          </a:xfrm>
+          <a:custGeom>
+            <a:avLst/>
+            <a:gdLst>
+              <a:gd name="connsiteX0" fmla="*/ 0 w 579689"/>
+              <a:gd name="connsiteY0" fmla="*/ 306557 h 306557"/>
+              <a:gd name="connsiteX1" fmla="*/ 289845 w 579689"/>
+              <a:gd name="connsiteY1" fmla="*/ 0 h 306557"/>
+              <a:gd name="connsiteX2" fmla="*/ 579689 w 579689"/>
+              <a:gd name="connsiteY2" fmla="*/ 306557 h 306557"/>
+              <a:gd name="connsiteX3" fmla="*/ 0 w 579689"/>
+              <a:gd name="connsiteY3" fmla="*/ 306557 h 306557"/>
+              <a:gd name="connsiteX0" fmla="*/ 0 w 579689"/>
+              <a:gd name="connsiteY0" fmla="*/ 253217 h 253217"/>
+              <a:gd name="connsiteX1" fmla="*/ 297465 w 579689"/>
+              <a:gd name="connsiteY1" fmla="*/ 0 h 253217"/>
+              <a:gd name="connsiteX2" fmla="*/ 579689 w 579689"/>
+              <a:gd name="connsiteY2" fmla="*/ 253217 h 253217"/>
+              <a:gd name="connsiteX3" fmla="*/ 0 w 579689"/>
+              <a:gd name="connsiteY3" fmla="*/ 253217 h 253217"/>
+            </a:gdLst>
+            <a:ahLst/>
+            <a:cxnLst>
+              <a:cxn ang="0">
+                <a:pos x="connsiteX0" y="connsiteY0"/>
+              </a:cxn>
+              <a:cxn ang="0">
+                <a:pos x="connsiteX1" y="connsiteY1"/>
+              </a:cxn>
+              <a:cxn ang="0">
+                <a:pos x="connsiteX2" y="connsiteY2"/>
+              </a:cxn>
+              <a:cxn ang="0">
+                <a:pos x="connsiteX3" y="connsiteY3"/>
+              </a:cxn>
+            </a:cxnLst>
+            <a:rect l="l" t="t" r="r" b="b"/>
+            <a:pathLst>
+              <a:path w="579689" h="253217">
+                <a:moveTo>
+                  <a:pt x="0" y="253217"/>
+                </a:moveTo>
+                <a:lnTo>
+                  <a:pt x="297465" y="0"/>
+                </a:lnTo>
+                <a:lnTo>
+                  <a:pt x="579689" y="253217"/>
+                </a:lnTo>
+                <a:lnTo>
+                  <a:pt x="0" y="253217"/>
+                </a:lnTo>
+                <a:close/>
+              </a:path>
+            </a:pathLst>
+          </a:custGeom>
+        </p:spPr>
+        <p:style>
+          <a:lnRef idx="2">
+            <a:schemeClr val="accent2">
+              <a:shade val="50000"/>
+            </a:schemeClr>
+          </a:lnRef>
+          <a:fillRef idx="1">
+            <a:schemeClr val="accent2"/>
+          </a:fillRef>
+          <a:effectRef idx="0">
+            <a:schemeClr val="accent2"/>
+          </a:effectRef>
+          <a:fontRef idx="minor">
+            <a:schemeClr val="lt1"/>
+          </a:fontRef>
+        </p:style>
+        <p:txBody>
+          <a:bodyPr rtlCol="0" anchor="ctr"/>
+          <a:lstStyle/>
+          <a:p>
+            <a:pPr algn="ctr"/>
+            <a:endParaRPr lang="pt-BR"/>
+          </a:p>
+        </p:txBody>
+      </p:sp>
+      <p:sp>
+        <p:nvSpPr>
+          <p:cNvPr id="32" name="Fluxograma: Operação manual 29"/>
+          <p:cNvSpPr/>
+          <p:nvPr/>
+        </p:nvSpPr>
+        <p:spPr>
+          <a:xfrm rot="5400000" flipH="1">
+            <a:off x="8875122" y="2939030"/>
+            <a:ext cx="511579" cy="331200"/>
+          </a:xfrm>
+          <a:custGeom>
+            <a:avLst/>
+            <a:gdLst>
+              <a:gd name="connsiteX0" fmla="*/ 0 w 10000"/>
+              <a:gd name="connsiteY0" fmla="*/ 0 h 10000"/>
+              <a:gd name="connsiteX1" fmla="*/ 10000 w 10000"/>
+              <a:gd name="connsiteY1" fmla="*/ 0 h 10000"/>
+              <a:gd name="connsiteX2" fmla="*/ 8000 w 10000"/>
+              <a:gd name="connsiteY2" fmla="*/ 10000 h 10000"/>
+              <a:gd name="connsiteX3" fmla="*/ 2000 w 10000"/>
+              <a:gd name="connsiteY3" fmla="*/ 10000 h 10000"/>
+              <a:gd name="connsiteX4" fmla="*/ 0 w 10000"/>
+              <a:gd name="connsiteY4" fmla="*/ 0 h 10000"/>
+              <a:gd name="connsiteX0" fmla="*/ 0 w 10000"/>
+              <a:gd name="connsiteY0" fmla="*/ 0 h 10000"/>
+              <a:gd name="connsiteX1" fmla="*/ 10000 w 10000"/>
+              <a:gd name="connsiteY1" fmla="*/ 0 h 10000"/>
+              <a:gd name="connsiteX2" fmla="*/ 6288 w 10000"/>
+              <a:gd name="connsiteY2" fmla="*/ 9726 h 10000"/>
+              <a:gd name="connsiteX3" fmla="*/ 2000 w 10000"/>
+              <a:gd name="connsiteY3" fmla="*/ 10000 h 10000"/>
+              <a:gd name="connsiteX4" fmla="*/ 0 w 10000"/>
+              <a:gd name="connsiteY4" fmla="*/ 0 h 10000"/>
+              <a:gd name="connsiteX0" fmla="*/ 0 w 10000"/>
+              <a:gd name="connsiteY0" fmla="*/ 0 h 10000"/>
+              <a:gd name="connsiteX1" fmla="*/ 10000 w 10000"/>
+              <a:gd name="connsiteY1" fmla="*/ 0 h 10000"/>
+              <a:gd name="connsiteX2" fmla="*/ 6288 w 10000"/>
+              <a:gd name="connsiteY2" fmla="*/ 9726 h 10000"/>
+              <a:gd name="connsiteX3" fmla="*/ 3712 w 10000"/>
+              <a:gd name="connsiteY3" fmla="*/ 10000 h 10000"/>
+              <a:gd name="connsiteX4" fmla="*/ 0 w 10000"/>
+              <a:gd name="connsiteY4" fmla="*/ 0 h 10000"/>
+              <a:gd name="connsiteX0" fmla="*/ 0 w 10000"/>
+              <a:gd name="connsiteY0" fmla="*/ 0 h 10000"/>
+              <a:gd name="connsiteX1" fmla="*/ 10000 w 10000"/>
+              <a:gd name="connsiteY1" fmla="*/ 0 h 10000"/>
+              <a:gd name="connsiteX2" fmla="*/ 9498 w 10000"/>
+              <a:gd name="connsiteY2" fmla="*/ 9726 h 10000"/>
+              <a:gd name="connsiteX3" fmla="*/ 3712 w 10000"/>
+              <a:gd name="connsiteY3" fmla="*/ 10000 h 10000"/>
+              <a:gd name="connsiteX4" fmla="*/ 0 w 10000"/>
+              <a:gd name="connsiteY4" fmla="*/ 0 h 10000"/>
+              <a:gd name="connsiteX0" fmla="*/ 0 w 10000"/>
+              <a:gd name="connsiteY0" fmla="*/ 0 h 10821"/>
+              <a:gd name="connsiteX1" fmla="*/ 10000 w 10000"/>
+              <a:gd name="connsiteY1" fmla="*/ 0 h 10821"/>
+              <a:gd name="connsiteX2" fmla="*/ 9498 w 10000"/>
+              <a:gd name="connsiteY2" fmla="*/ 9726 h 10821"/>
+              <a:gd name="connsiteX3" fmla="*/ 4568 w 10000"/>
+              <a:gd name="connsiteY3" fmla="*/ 10821 h 10821"/>
+              <a:gd name="connsiteX4" fmla="*/ 0 w 10000"/>
+              <a:gd name="connsiteY4" fmla="*/ 0 h 10821"/>
+              <a:gd name="connsiteX0" fmla="*/ 0 w 10000"/>
+              <a:gd name="connsiteY0" fmla="*/ 0 h 10821"/>
+              <a:gd name="connsiteX1" fmla="*/ 10000 w 10000"/>
+              <a:gd name="connsiteY1" fmla="*/ 0 h 10821"/>
+              <a:gd name="connsiteX2" fmla="*/ 9498 w 10000"/>
+              <a:gd name="connsiteY2" fmla="*/ 9726 h 10821"/>
+              <a:gd name="connsiteX3" fmla="*/ 3712 w 10000"/>
+              <a:gd name="connsiteY3" fmla="*/ 10821 h 10821"/>
+              <a:gd name="connsiteX4" fmla="*/ 0 w 10000"/>
+              <a:gd name="connsiteY4" fmla="*/ 0 h 10821"/>
+              <a:gd name="connsiteX0" fmla="*/ 0 w 10000"/>
+              <a:gd name="connsiteY0" fmla="*/ 0 h 10821"/>
+              <a:gd name="connsiteX1" fmla="*/ 10000 w 10000"/>
+              <a:gd name="connsiteY1" fmla="*/ 0 h 10821"/>
+              <a:gd name="connsiteX2" fmla="*/ 9498 w 10000"/>
+              <a:gd name="connsiteY2" fmla="*/ 9726 h 10821"/>
+              <a:gd name="connsiteX3" fmla="*/ 3712 w 10000"/>
+              <a:gd name="connsiteY3" fmla="*/ 10821 h 10821"/>
+              <a:gd name="connsiteX4" fmla="*/ 4933 w 10000"/>
+              <a:gd name="connsiteY4" fmla="*/ 9240 h 10821"/>
+              <a:gd name="connsiteX5" fmla="*/ 0 w 10000"/>
+              <a:gd name="connsiteY5" fmla="*/ 0 h 10821"/>
+              <a:gd name="connsiteX0" fmla="*/ 0 w 10000"/>
+              <a:gd name="connsiteY0" fmla="*/ 0 h 10547"/>
+              <a:gd name="connsiteX1" fmla="*/ 10000 w 10000"/>
+              <a:gd name="connsiteY1" fmla="*/ 0 h 10547"/>
+              <a:gd name="connsiteX2" fmla="*/ 9498 w 10000"/>
+              <a:gd name="connsiteY2" fmla="*/ 9726 h 10547"/>
+              <a:gd name="connsiteX3" fmla="*/ 4997 w 10000"/>
+              <a:gd name="connsiteY3" fmla="*/ 10547 h 10547"/>
+              <a:gd name="connsiteX4" fmla="*/ 4933 w 10000"/>
+              <a:gd name="connsiteY4" fmla="*/ 9240 h 10547"/>
+              <a:gd name="connsiteX5" fmla="*/ 0 w 10000"/>
+              <a:gd name="connsiteY5" fmla="*/ 0 h 10547"/>
+              <a:gd name="connsiteX0" fmla="*/ 0 w 10000"/>
+              <a:gd name="connsiteY0" fmla="*/ 0 h 9726"/>
+              <a:gd name="connsiteX1" fmla="*/ 10000 w 10000"/>
+              <a:gd name="connsiteY1" fmla="*/ 0 h 9726"/>
+              <a:gd name="connsiteX2" fmla="*/ 9498 w 10000"/>
+              <a:gd name="connsiteY2" fmla="*/ 9726 h 9726"/>
+              <a:gd name="connsiteX3" fmla="*/ 6121 w 10000"/>
+              <a:gd name="connsiteY3" fmla="*/ 8905 h 9726"/>
+              <a:gd name="connsiteX4" fmla="*/ 4933 w 10000"/>
+              <a:gd name="connsiteY4" fmla="*/ 9240 h 9726"/>
+              <a:gd name="connsiteX5" fmla="*/ 0 w 10000"/>
+              <a:gd name="connsiteY5" fmla="*/ 0 h 9726"/>
+              <a:gd name="connsiteX0" fmla="*/ 0 w 10803"/>
+              <a:gd name="connsiteY0" fmla="*/ 1164 h 10000"/>
+              <a:gd name="connsiteX1" fmla="*/ 10803 w 10803"/>
+              <a:gd name="connsiteY1" fmla="*/ 0 h 10000"/>
+              <a:gd name="connsiteX2" fmla="*/ 10301 w 10803"/>
+              <a:gd name="connsiteY2" fmla="*/ 10000 h 10000"/>
+              <a:gd name="connsiteX3" fmla="*/ 6924 w 10803"/>
+              <a:gd name="connsiteY3" fmla="*/ 9156 h 10000"/>
+              <a:gd name="connsiteX4" fmla="*/ 5736 w 10803"/>
+              <a:gd name="connsiteY4" fmla="*/ 9500 h 10000"/>
+              <a:gd name="connsiteX5" fmla="*/ 0 w 10803"/>
+              <a:gd name="connsiteY5" fmla="*/ 1164 h 10000"/>
+            </a:gdLst>
+            <a:ahLst/>
+            <a:cxnLst>
+              <a:cxn ang="0">
+                <a:pos x="connsiteX0" y="connsiteY0"/>
+              </a:cxn>
+              <a:cxn ang="0">
+                <a:pos x="connsiteX1" y="connsiteY1"/>
+              </a:cxn>
+              <a:cxn ang="0">
+                <a:pos x="connsiteX2" y="connsiteY2"/>
+              </a:cxn>
+              <a:cxn ang="0">
+                <a:pos x="connsiteX3" y="connsiteY3"/>
+              </a:cxn>
+              <a:cxn ang="0">
+                <a:pos x="connsiteX4" y="connsiteY4"/>
+              </a:cxn>
+              <a:cxn ang="0">
+                <a:pos x="connsiteX5" y="connsiteY5"/>
+              </a:cxn>
+            </a:cxnLst>
+            <a:rect l="l" t="t" r="r" b="b"/>
+            <a:pathLst>
+              <a:path w="10803" h="10000">
+                <a:moveTo>
+                  <a:pt x="0" y="1164"/>
+                </a:moveTo>
+                <a:lnTo>
+                  <a:pt x="10803" y="0"/>
+                </a:lnTo>
+                <a:cubicBezTo>
+                  <a:pt x="10636" y="3333"/>
+                  <a:pt x="10468" y="6667"/>
+                  <a:pt x="10301" y="10000"/>
+                </a:cubicBezTo>
+                <a:lnTo>
+                  <a:pt x="6924" y="9156"/>
+                </a:lnTo>
+                <a:cubicBezTo>
+                  <a:pt x="6831" y="8708"/>
+                  <a:pt x="5829" y="9949"/>
+                  <a:pt x="5736" y="9500"/>
+                </a:cubicBezTo>
+                <a:lnTo>
+                  <a:pt x="0" y="1164"/>
+                </a:lnTo>
+                <a:close/>
+              </a:path>
+            </a:pathLst>
+          </a:custGeom>
+          <a:solidFill>
+            <a:schemeClr val="bg1"/>
+          </a:solidFill>
+          <a:ln>
+            <a:solidFill>
+              <a:schemeClr val="bg1">
+                <a:lumMod val="85000"/>
+              </a:schemeClr>
+            </a:solidFill>
+          </a:ln>
+        </p:spPr>
+        <p:style>
+          <a:lnRef idx="2">
+            <a:schemeClr val="accent1">
+              <a:shade val="50000"/>
+            </a:schemeClr>
+          </a:lnRef>
+          <a:fillRef idx="1">
+            <a:schemeClr val="accent1"/>
+          </a:fillRef>
+          <a:effectRef idx="0">
+            <a:schemeClr val="accent1"/>
+          </a:effectRef>
+          <a:fontRef idx="minor">
+            <a:schemeClr val="lt1"/>
+          </a:fontRef>
+        </p:style>
+        <p:txBody>
+          <a:bodyPr rtlCol="0" anchor="ctr"/>
+          <a:lstStyle/>
+          <a:p>
+            <a:pPr algn="ctr"/>
+            <a:endParaRPr lang="pt-BR"/>
+          </a:p>
+        </p:txBody>
+      </p:sp>
+      <p:sp>
+        <p:nvSpPr>
+          <p:cNvPr id="30" name="Fluxograma: Operação manual 29"/>
+          <p:cNvSpPr/>
+          <p:nvPr/>
+        </p:nvSpPr>
+        <p:spPr>
+          <a:xfrm rot="16200000">
+            <a:off x="8468588" y="2975114"/>
+            <a:ext cx="601980" cy="290549"/>
+          </a:xfrm>
+          <a:custGeom>
+            <a:avLst/>
+            <a:gdLst>
+              <a:gd name="connsiteX0" fmla="*/ 0 w 10000"/>
+              <a:gd name="connsiteY0" fmla="*/ 0 h 10000"/>
+              <a:gd name="connsiteX1" fmla="*/ 10000 w 10000"/>
+              <a:gd name="connsiteY1" fmla="*/ 0 h 10000"/>
+              <a:gd name="connsiteX2" fmla="*/ 8000 w 10000"/>
+              <a:gd name="connsiteY2" fmla="*/ 10000 h 10000"/>
+              <a:gd name="connsiteX3" fmla="*/ 2000 w 10000"/>
+              <a:gd name="connsiteY3" fmla="*/ 10000 h 10000"/>
+              <a:gd name="connsiteX4" fmla="*/ 0 w 10000"/>
+              <a:gd name="connsiteY4" fmla="*/ 0 h 10000"/>
+              <a:gd name="connsiteX0" fmla="*/ 0 w 10000"/>
+              <a:gd name="connsiteY0" fmla="*/ 0 h 10000"/>
+              <a:gd name="connsiteX1" fmla="*/ 10000 w 10000"/>
+              <a:gd name="connsiteY1" fmla="*/ 0 h 10000"/>
+              <a:gd name="connsiteX2" fmla="*/ 6288 w 10000"/>
+              <a:gd name="connsiteY2" fmla="*/ 9726 h 10000"/>
+              <a:gd name="connsiteX3" fmla="*/ 2000 w 10000"/>
+              <a:gd name="connsiteY3" fmla="*/ 10000 h 10000"/>
+              <a:gd name="connsiteX4" fmla="*/ 0 w 10000"/>
+              <a:gd name="connsiteY4" fmla="*/ 0 h 10000"/>
+              <a:gd name="connsiteX0" fmla="*/ 0 w 10000"/>
+              <a:gd name="connsiteY0" fmla="*/ 0 h 10000"/>
+              <a:gd name="connsiteX1" fmla="*/ 10000 w 10000"/>
+              <a:gd name="connsiteY1" fmla="*/ 0 h 10000"/>
+              <a:gd name="connsiteX2" fmla="*/ 6288 w 10000"/>
+              <a:gd name="connsiteY2" fmla="*/ 9726 h 10000"/>
+              <a:gd name="connsiteX3" fmla="*/ 3712 w 10000"/>
+              <a:gd name="connsiteY3" fmla="*/ 10000 h 10000"/>
+              <a:gd name="connsiteX4" fmla="*/ 0 w 10000"/>
+              <a:gd name="connsiteY4" fmla="*/ 0 h 10000"/>
+              <a:gd name="connsiteX0" fmla="*/ 0 w 10000"/>
+              <a:gd name="connsiteY0" fmla="*/ 0 h 10000"/>
+              <a:gd name="connsiteX1" fmla="*/ 10000 w 10000"/>
+              <a:gd name="connsiteY1" fmla="*/ 0 h 10000"/>
+              <a:gd name="connsiteX2" fmla="*/ 9498 w 10000"/>
+              <a:gd name="connsiteY2" fmla="*/ 9726 h 10000"/>
+              <a:gd name="connsiteX3" fmla="*/ 3712 w 10000"/>
+              <a:gd name="connsiteY3" fmla="*/ 10000 h 10000"/>
+              <a:gd name="connsiteX4" fmla="*/ 0 w 10000"/>
+              <a:gd name="connsiteY4" fmla="*/ 0 h 10000"/>
+              <a:gd name="connsiteX0" fmla="*/ 0 w 10000"/>
+              <a:gd name="connsiteY0" fmla="*/ 0 h 10821"/>
+              <a:gd name="connsiteX1" fmla="*/ 10000 w 10000"/>
+              <a:gd name="connsiteY1" fmla="*/ 0 h 10821"/>
+              <a:gd name="connsiteX2" fmla="*/ 9498 w 10000"/>
+              <a:gd name="connsiteY2" fmla="*/ 9726 h 10821"/>
+              <a:gd name="connsiteX3" fmla="*/ 4568 w 10000"/>
+              <a:gd name="connsiteY3" fmla="*/ 10821 h 10821"/>
+              <a:gd name="connsiteX4" fmla="*/ 0 w 10000"/>
+              <a:gd name="connsiteY4" fmla="*/ 0 h 10821"/>
+              <a:gd name="connsiteX0" fmla="*/ 0 w 10000"/>
+              <a:gd name="connsiteY0" fmla="*/ 0 h 10821"/>
+              <a:gd name="connsiteX1" fmla="*/ 10000 w 10000"/>
+              <a:gd name="connsiteY1" fmla="*/ 0 h 10821"/>
+              <a:gd name="connsiteX2" fmla="*/ 9498 w 10000"/>
+              <a:gd name="connsiteY2" fmla="*/ 9726 h 10821"/>
+              <a:gd name="connsiteX3" fmla="*/ 3712 w 10000"/>
+              <a:gd name="connsiteY3" fmla="*/ 10821 h 10821"/>
+              <a:gd name="connsiteX4" fmla="*/ 0 w 10000"/>
+              <a:gd name="connsiteY4" fmla="*/ 0 h 10821"/>
+              <a:gd name="connsiteX0" fmla="*/ 0 w 10000"/>
+              <a:gd name="connsiteY0" fmla="*/ 0 h 10000"/>
+              <a:gd name="connsiteX1" fmla="*/ 10000 w 10000"/>
+              <a:gd name="connsiteY1" fmla="*/ 0 h 10000"/>
+              <a:gd name="connsiteX2" fmla="*/ 9498 w 10000"/>
+              <a:gd name="connsiteY2" fmla="*/ 9726 h 10000"/>
+              <a:gd name="connsiteX3" fmla="*/ 4996 w 10000"/>
+              <a:gd name="connsiteY3" fmla="*/ 10000 h 10000"/>
+              <a:gd name="connsiteX4" fmla="*/ 0 w 10000"/>
+              <a:gd name="connsiteY4" fmla="*/ 0 h 10000"/>
+              <a:gd name="connsiteX0" fmla="*/ 0 w 10959"/>
+              <a:gd name="connsiteY0" fmla="*/ 1806 h 10000"/>
+              <a:gd name="connsiteX1" fmla="*/ 10959 w 10959"/>
+              <a:gd name="connsiteY1" fmla="*/ 0 h 10000"/>
+              <a:gd name="connsiteX2" fmla="*/ 10457 w 10959"/>
+              <a:gd name="connsiteY2" fmla="*/ 9726 h 10000"/>
+              <a:gd name="connsiteX3" fmla="*/ 5955 w 10959"/>
+              <a:gd name="connsiteY3" fmla="*/ 10000 h 10000"/>
+              <a:gd name="connsiteX4" fmla="*/ 0 w 10959"/>
+              <a:gd name="connsiteY4" fmla="*/ 1806 h 10000"/>
+            </a:gdLst>
+            <a:ahLst/>
+            <a:cxnLst>
+              <a:cxn ang="0">
+                <a:pos x="connsiteX0" y="connsiteY0"/>
+              </a:cxn>
+              <a:cxn ang="0">
+                <a:pos x="connsiteX1" y="connsiteY1"/>
+              </a:cxn>
+              <a:cxn ang="0">
+                <a:pos x="connsiteX2" y="connsiteY2"/>
+              </a:cxn>
+              <a:cxn ang="0">
+                <a:pos x="connsiteX3" y="connsiteY3"/>
+              </a:cxn>
+              <a:cxn ang="0">
+                <a:pos x="connsiteX4" y="connsiteY4"/>
+              </a:cxn>
+            </a:cxnLst>
+            <a:rect l="l" t="t" r="r" b="b"/>
+            <a:pathLst>
+              <a:path w="10959" h="10000">
+                <a:moveTo>
+                  <a:pt x="0" y="1806"/>
+                </a:moveTo>
+                <a:lnTo>
+                  <a:pt x="10959" y="0"/>
+                </a:lnTo>
+                <a:cubicBezTo>
+                  <a:pt x="10792" y="3242"/>
+                  <a:pt x="10624" y="6484"/>
+                  <a:pt x="10457" y="9726"/>
+                </a:cubicBezTo>
+                <a:lnTo>
+                  <a:pt x="5955" y="10000"/>
+                </a:lnTo>
+                <a:lnTo>
+                  <a:pt x="0" y="1806"/>
+                </a:lnTo>
+                <a:close/>
+              </a:path>
+            </a:pathLst>
+          </a:custGeom>
+          <a:solidFill>
+            <a:schemeClr val="bg1"/>
+          </a:solidFill>
+          <a:ln>
+            <a:solidFill>
+              <a:schemeClr val="bg1">
+                <a:lumMod val="85000"/>
+              </a:schemeClr>
+            </a:solidFill>
+          </a:ln>
+        </p:spPr>
+        <p:style>
+          <a:lnRef idx="2">
+            <a:schemeClr val="accent1">
+              <a:shade val="50000"/>
+            </a:schemeClr>
+          </a:lnRef>
+          <a:fillRef idx="1">
+            <a:schemeClr val="accent1"/>
+          </a:fillRef>
+          <a:effectRef idx="0">
+            <a:schemeClr val="accent1"/>
+          </a:effectRef>
+          <a:fontRef idx="minor">
+            <a:schemeClr val="lt1"/>
+          </a:fontRef>
+        </p:style>
+        <p:txBody>
+          <a:bodyPr rtlCol="0" anchor="ctr"/>
+          <a:lstStyle/>
+          <a:p>
+            <a:pPr algn="ctr"/>
+            <a:endParaRPr lang="pt-BR"/>
+          </a:p>
+        </p:txBody>
+      </p:sp>
+      <p:sp>
+        <p:nvSpPr>
+          <p:cNvPr id="31" name="Retângulo 30"/>
+          <p:cNvSpPr/>
+          <p:nvPr/>
+        </p:nvSpPr>
+        <p:spPr>
+          <a:xfrm>
+            <a:off x="8801447" y="2854407"/>
+            <a:ext cx="344402" cy="297061"/>
+          </a:xfrm>
+          <a:prstGeom prst="rect">
+            <a:avLst/>
+          </a:prstGeom>
+          <a:solidFill>
+            <a:schemeClr val="bg1"/>
+          </a:solidFill>
+          <a:ln>
+            <a:noFill/>
+          </a:ln>
+        </p:spPr>
+        <p:style>
+          <a:lnRef idx="2">
+            <a:schemeClr val="accent1">
+              <a:shade val="50000"/>
+            </a:schemeClr>
+          </a:lnRef>
+          <a:fillRef idx="1">
+            <a:schemeClr val="accent1"/>
+          </a:fillRef>
+          <a:effectRef idx="0">
+            <a:schemeClr val="accent1"/>
+          </a:effectRef>
+          <a:fontRef idx="minor">
+            <a:schemeClr val="lt1"/>
+          </a:fontRef>
+        </p:style>
+        <p:txBody>
+          <a:bodyPr rtlCol="0" anchor="ctr"/>
+          <a:lstStyle/>
+          <a:p>
+            <a:pPr algn="ctr"/>
+            <a:endParaRPr lang="pt-BR"/>
+          </a:p>
+        </p:txBody>
+      </p:sp>
+      <p:sp>
+        <p:nvSpPr>
+          <p:cNvPr id="35" name="Triângulo isósceles 34"/>
+          <p:cNvSpPr/>
+          <p:nvPr/>
+        </p:nvSpPr>
+        <p:spPr>
+          <a:xfrm rot="10980000">
+            <a:off x="8705850" y="2828218"/>
+            <a:ext cx="486000" cy="252000"/>
+          </a:xfrm>
+          <a:custGeom>
+            <a:avLst/>
+            <a:gdLst>
+              <a:gd name="connsiteX0" fmla="*/ 0 w 486000"/>
+              <a:gd name="connsiteY0" fmla="*/ 234000 h 234000"/>
+              <a:gd name="connsiteX1" fmla="*/ 184316 w 486000"/>
+              <a:gd name="connsiteY1" fmla="*/ 0 h 234000"/>
+              <a:gd name="connsiteX2" fmla="*/ 486000 w 486000"/>
+              <a:gd name="connsiteY2" fmla="*/ 234000 h 234000"/>
+              <a:gd name="connsiteX3" fmla="*/ 0 w 486000"/>
+              <a:gd name="connsiteY3" fmla="*/ 234000 h 234000"/>
+              <a:gd name="connsiteX0" fmla="*/ 0 w 486000"/>
+              <a:gd name="connsiteY0" fmla="*/ 234000 h 234000"/>
+              <a:gd name="connsiteX1" fmla="*/ 230036 w 486000"/>
+              <a:gd name="connsiteY1" fmla="*/ 0 h 234000"/>
+              <a:gd name="connsiteX2" fmla="*/ 486000 w 486000"/>
+              <a:gd name="connsiteY2" fmla="*/ 234000 h 234000"/>
+              <a:gd name="connsiteX3" fmla="*/ 0 w 486000"/>
+              <a:gd name="connsiteY3" fmla="*/ 234000 h 234000"/>
+            </a:gdLst>
+            <a:ahLst/>
+            <a:cxnLst>
+              <a:cxn ang="0">
+                <a:pos x="connsiteX0" y="connsiteY0"/>
+              </a:cxn>
+              <a:cxn ang="0">
+                <a:pos x="connsiteX1" y="connsiteY1"/>
+              </a:cxn>
+              <a:cxn ang="0">
+                <a:pos x="connsiteX2" y="connsiteY2"/>
+              </a:cxn>
+              <a:cxn ang="0">
+                <a:pos x="connsiteX3" y="connsiteY3"/>
+              </a:cxn>
+            </a:cxnLst>
+            <a:rect l="l" t="t" r="r" b="b"/>
+            <a:pathLst>
+              <a:path w="486000" h="234000">
+                <a:moveTo>
+                  <a:pt x="0" y="234000"/>
+                </a:moveTo>
+                <a:lnTo>
+                  <a:pt x="230036" y="0"/>
+                </a:lnTo>
+                <a:lnTo>
+                  <a:pt x="486000" y="234000"/>
+                </a:lnTo>
+                <a:lnTo>
+                  <a:pt x="0" y="234000"/>
+                </a:lnTo>
+                <a:close/>
+              </a:path>
+            </a:pathLst>
+          </a:custGeom>
+          <a:solidFill>
+            <a:srgbClr val="F6CB9C"/>
+          </a:solidFill>
+          <a:ln>
+            <a:noFill/>
+          </a:ln>
+        </p:spPr>
+        <p:style>
+          <a:lnRef idx="2">
+            <a:schemeClr val="accent1">
+              <a:shade val="50000"/>
+            </a:schemeClr>
+          </a:lnRef>
+          <a:fillRef idx="1">
+            <a:schemeClr val="accent1"/>
+          </a:fillRef>
+          <a:effectRef idx="0">
+            <a:schemeClr val="accent1"/>
+          </a:effectRef>
+          <a:fontRef idx="minor">
+            <a:schemeClr val="lt1"/>
+          </a:fontRef>
+        </p:style>
+        <p:txBody>
+          <a:bodyPr rtlCol="0" anchor="ctr"/>
+          <a:lstStyle/>
+          <a:p>
+            <a:pPr algn="ctr"/>
+            <a:endParaRPr lang="pt-BR"/>
+          </a:p>
+        </p:txBody>
+      </p:sp>
+      <p:cxnSp>
+        <p:nvCxnSpPr>
+          <p:cNvPr id="41" name="Conector reto 40"/>
+          <p:cNvCxnSpPr>
+            <a:stCxn id="40" idx="0"/>
+          </p:cNvCxnSpPr>
+          <p:nvPr/>
+        </p:nvCxnSpPr>
+        <p:spPr>
+          <a:xfrm>
+            <a:off x="7353300" y="3459479"/>
+            <a:ext cx="739140" cy="914400"/>
+          </a:xfrm>
+          <a:prstGeom prst="line">
+            <a:avLst/>
+          </a:prstGeom>
+        </p:spPr>
+        <p:style>
+          <a:lnRef idx="1">
+            <a:schemeClr val="accent1"/>
+          </a:lnRef>
+          <a:fillRef idx="0">
+            <a:schemeClr val="accent1"/>
+          </a:fillRef>
+          <a:effectRef idx="0">
+            <a:schemeClr val="accent1"/>
+          </a:effectRef>
+          <a:fontRef idx="minor">
+            <a:schemeClr val="tx1"/>
+          </a:fontRef>
+        </p:style>
+      </p:cxnSp>
+      <p:cxnSp>
+        <p:nvCxnSpPr>
+          <p:cNvPr id="44" name="Conector reto 43"/>
+          <p:cNvCxnSpPr/>
+          <p:nvPr/>
+        </p:nvCxnSpPr>
+        <p:spPr>
+          <a:xfrm>
+            <a:off x="7231380" y="2862027"/>
+            <a:ext cx="119032" cy="123627"/>
+          </a:xfrm>
+          <a:prstGeom prst="line">
+            <a:avLst/>
+          </a:prstGeom>
+        </p:spPr>
+        <p:style>
+          <a:lnRef idx="1">
+            <a:schemeClr val="accent1"/>
+          </a:lnRef>
+          <a:fillRef idx="0">
+            <a:schemeClr val="accent1"/>
+          </a:fillRef>
+          <a:effectRef idx="0">
+            <a:schemeClr val="accent1"/>
+          </a:effectRef>
+          <a:fontRef idx="minor">
+            <a:schemeClr val="tx1"/>
+          </a:fontRef>
+        </p:style>
+      </p:cxnSp>
+      <p:sp>
+        <p:nvSpPr>
+          <p:cNvPr id="57" name="Fluxograma: Operação manual 56"/>
+          <p:cNvSpPr/>
+          <p:nvPr/>
+        </p:nvSpPr>
+        <p:spPr>
+          <a:xfrm rot="5008308">
+            <a:off x="7058774" y="3037640"/>
+            <a:ext cx="1274029" cy="1029752"/>
+          </a:xfrm>
+          <a:custGeom>
+            <a:avLst/>
+            <a:gdLst>
+              <a:gd name="connsiteX0" fmla="*/ 0 w 10000"/>
+              <a:gd name="connsiteY0" fmla="*/ 0 h 10000"/>
+              <a:gd name="connsiteX1" fmla="*/ 10000 w 10000"/>
+              <a:gd name="connsiteY1" fmla="*/ 0 h 10000"/>
+              <a:gd name="connsiteX2" fmla="*/ 8000 w 10000"/>
+              <a:gd name="connsiteY2" fmla="*/ 10000 h 10000"/>
+              <a:gd name="connsiteX3" fmla="*/ 2000 w 10000"/>
+              <a:gd name="connsiteY3" fmla="*/ 10000 h 10000"/>
+              <a:gd name="connsiteX4" fmla="*/ 0 w 10000"/>
+              <a:gd name="connsiteY4" fmla="*/ 0 h 10000"/>
+              <a:gd name="connsiteX0" fmla="*/ 0 w 10000"/>
+              <a:gd name="connsiteY0" fmla="*/ 0 h 10000"/>
+              <a:gd name="connsiteX1" fmla="*/ 10000 w 10000"/>
+              <a:gd name="connsiteY1" fmla="*/ 0 h 10000"/>
+              <a:gd name="connsiteX2" fmla="*/ 8000 w 10000"/>
+              <a:gd name="connsiteY2" fmla="*/ 10000 h 10000"/>
+              <a:gd name="connsiteX3" fmla="*/ 3757 w 10000"/>
+              <a:gd name="connsiteY3" fmla="*/ 9693 h 10000"/>
+              <a:gd name="connsiteX4" fmla="*/ 0 w 10000"/>
+              <a:gd name="connsiteY4" fmla="*/ 0 h 10000"/>
+              <a:gd name="connsiteX0" fmla="*/ 0 w 12305"/>
+              <a:gd name="connsiteY0" fmla="*/ 0 h 9693"/>
+              <a:gd name="connsiteX1" fmla="*/ 10000 w 12305"/>
+              <a:gd name="connsiteY1" fmla="*/ 0 h 9693"/>
+              <a:gd name="connsiteX2" fmla="*/ 12305 w 12305"/>
+              <a:gd name="connsiteY2" fmla="*/ 8662 h 9693"/>
+              <a:gd name="connsiteX3" fmla="*/ 3757 w 12305"/>
+              <a:gd name="connsiteY3" fmla="*/ 9693 h 9693"/>
+              <a:gd name="connsiteX4" fmla="*/ 0 w 12305"/>
+              <a:gd name="connsiteY4" fmla="*/ 0 h 9693"/>
+              <a:gd name="connsiteX0" fmla="*/ 0 w 12324"/>
+              <a:gd name="connsiteY0" fmla="*/ 0 h 10000"/>
+              <a:gd name="connsiteX1" fmla="*/ 8127 w 12324"/>
+              <a:gd name="connsiteY1" fmla="*/ 0 h 10000"/>
+              <a:gd name="connsiteX2" fmla="*/ 12324 w 12324"/>
+              <a:gd name="connsiteY2" fmla="*/ 7805 h 10000"/>
+              <a:gd name="connsiteX3" fmla="*/ 3053 w 12324"/>
+              <a:gd name="connsiteY3" fmla="*/ 10000 h 10000"/>
+              <a:gd name="connsiteX4" fmla="*/ 0 w 12324"/>
+              <a:gd name="connsiteY4" fmla="*/ 0 h 10000"/>
+              <a:gd name="connsiteX0" fmla="*/ 0 w 12324"/>
+              <a:gd name="connsiteY0" fmla="*/ 0 h 8833"/>
+              <a:gd name="connsiteX1" fmla="*/ 8127 w 12324"/>
+              <a:gd name="connsiteY1" fmla="*/ 0 h 8833"/>
+              <a:gd name="connsiteX2" fmla="*/ 12324 w 12324"/>
+              <a:gd name="connsiteY2" fmla="*/ 7805 h 8833"/>
+              <a:gd name="connsiteX3" fmla="*/ 5133 w 12324"/>
+              <a:gd name="connsiteY3" fmla="*/ 8833 h 8833"/>
+              <a:gd name="connsiteX4" fmla="*/ 0 w 12324"/>
+              <a:gd name="connsiteY4" fmla="*/ 0 h 8833"/>
+              <a:gd name="connsiteX0" fmla="*/ 0 w 10000"/>
+              <a:gd name="connsiteY0" fmla="*/ 0 h 9761"/>
+              <a:gd name="connsiteX1" fmla="*/ 6594 w 10000"/>
+              <a:gd name="connsiteY1" fmla="*/ 0 h 9761"/>
+              <a:gd name="connsiteX2" fmla="*/ 10000 w 10000"/>
+              <a:gd name="connsiteY2" fmla="*/ 8836 h 9761"/>
+              <a:gd name="connsiteX3" fmla="*/ 4994 w 10000"/>
+              <a:gd name="connsiteY3" fmla="*/ 9761 h 9761"/>
+              <a:gd name="connsiteX4" fmla="*/ 0 w 10000"/>
+              <a:gd name="connsiteY4" fmla="*/ 0 h 9761"/>
+              <a:gd name="connsiteX0" fmla="*/ 0 w 10000"/>
+              <a:gd name="connsiteY0" fmla="*/ 0 h 9784"/>
+              <a:gd name="connsiteX1" fmla="*/ 6594 w 10000"/>
+              <a:gd name="connsiteY1" fmla="*/ 0 h 9784"/>
+              <a:gd name="connsiteX2" fmla="*/ 10000 w 10000"/>
+              <a:gd name="connsiteY2" fmla="*/ 9052 h 9784"/>
+              <a:gd name="connsiteX3" fmla="*/ 5486 w 10000"/>
+              <a:gd name="connsiteY3" fmla="*/ 9784 h 9784"/>
+              <a:gd name="connsiteX4" fmla="*/ 0 w 10000"/>
+              <a:gd name="connsiteY4" fmla="*/ 0 h 9784"/>
+              <a:gd name="connsiteX0" fmla="*/ 0 w 11095"/>
+              <a:gd name="connsiteY0" fmla="*/ 0 h 10000"/>
+              <a:gd name="connsiteX1" fmla="*/ 6594 w 11095"/>
+              <a:gd name="connsiteY1" fmla="*/ 0 h 10000"/>
+              <a:gd name="connsiteX2" fmla="*/ 11095 w 11095"/>
+              <a:gd name="connsiteY2" fmla="*/ 8405 h 10000"/>
+              <a:gd name="connsiteX3" fmla="*/ 5486 w 11095"/>
+              <a:gd name="connsiteY3" fmla="*/ 10000 h 10000"/>
+              <a:gd name="connsiteX4" fmla="*/ 0 w 11095"/>
+              <a:gd name="connsiteY4" fmla="*/ 0 h 10000"/>
+              <a:gd name="connsiteX0" fmla="*/ 0 w 11095"/>
+              <a:gd name="connsiteY0" fmla="*/ 0 h 9787"/>
+              <a:gd name="connsiteX1" fmla="*/ 6594 w 11095"/>
+              <a:gd name="connsiteY1" fmla="*/ 0 h 9787"/>
+              <a:gd name="connsiteX2" fmla="*/ 11095 w 11095"/>
+              <a:gd name="connsiteY2" fmla="*/ 8405 h 9787"/>
+              <a:gd name="connsiteX3" fmla="*/ 6044 w 11095"/>
+              <a:gd name="connsiteY3" fmla="*/ 9787 h 9787"/>
+              <a:gd name="connsiteX4" fmla="*/ 0 w 11095"/>
+              <a:gd name="connsiteY4" fmla="*/ 0 h 9787"/>
+              <a:gd name="connsiteX0" fmla="*/ 0 w 10000"/>
+              <a:gd name="connsiteY0" fmla="*/ 0 h 9587"/>
+              <a:gd name="connsiteX1" fmla="*/ 5943 w 10000"/>
+              <a:gd name="connsiteY1" fmla="*/ 0 h 9587"/>
+              <a:gd name="connsiteX2" fmla="*/ 10000 w 10000"/>
+              <a:gd name="connsiteY2" fmla="*/ 8588 h 9587"/>
+              <a:gd name="connsiteX3" fmla="*/ 6089 w 10000"/>
+              <a:gd name="connsiteY3" fmla="*/ 9587 h 9587"/>
+              <a:gd name="connsiteX4" fmla="*/ 0 w 10000"/>
+              <a:gd name="connsiteY4" fmla="*/ 0 h 9587"/>
+            </a:gdLst>
+            <a:ahLst/>
+            <a:cxnLst>
+              <a:cxn ang="0">
+                <a:pos x="connsiteX0" y="connsiteY0"/>
+              </a:cxn>
+              <a:cxn ang="0">
+                <a:pos x="connsiteX1" y="connsiteY1"/>
+              </a:cxn>
+              <a:cxn ang="0">
+                <a:pos x="connsiteX2" y="connsiteY2"/>
+              </a:cxn>
+              <a:cxn ang="0">
+                <a:pos x="connsiteX3" y="connsiteY3"/>
+              </a:cxn>
+              <a:cxn ang="0">
+                <a:pos x="connsiteX4" y="connsiteY4"/>
+              </a:cxn>
+            </a:cxnLst>
+            <a:rect l="l" t="t" r="r" b="b"/>
+            <a:pathLst>
+              <a:path w="10000" h="9587">
+                <a:moveTo>
+                  <a:pt x="0" y="0"/>
+                </a:moveTo>
+                <a:lnTo>
+                  <a:pt x="5943" y="0"/>
+                </a:lnTo>
+                <a:lnTo>
+                  <a:pt x="10000" y="8588"/>
+                </a:lnTo>
+                <a:lnTo>
+                  <a:pt x="6089" y="9587"/>
+                </a:lnTo>
+                <a:lnTo>
+                  <a:pt x="0" y="0"/>
+                </a:lnTo>
+                <a:close/>
+              </a:path>
+            </a:pathLst>
+          </a:custGeom>
+          <a:solidFill>
+            <a:schemeClr val="bg1"/>
+          </a:solidFill>
+          <a:ln>
+            <a:noFill/>
+          </a:ln>
+        </p:spPr>
+        <p:style>
+          <a:lnRef idx="2">
+            <a:schemeClr val="accent1">
+              <a:shade val="50000"/>
+            </a:schemeClr>
+          </a:lnRef>
+          <a:fillRef idx="1">
+            <a:schemeClr val="accent1"/>
+          </a:fillRef>
+          <a:effectRef idx="0">
+            <a:schemeClr val="accent1"/>
+          </a:effectRef>
+          <a:fontRef idx="minor">
+            <a:schemeClr val="lt1"/>
+          </a:fontRef>
+        </p:style>
+        <p:txBody>
+          <a:bodyPr rtlCol="0" anchor="ctr"/>
+          <a:lstStyle/>
+          <a:p>
+            <a:pPr algn="ctr"/>
+            <a:endParaRPr lang="pt-BR"/>
+          </a:p>
+        </p:txBody>
+      </p:sp>
+      <p:sp>
+        <p:nvSpPr>
+          <p:cNvPr id="58" name="Fluxograma: Operação manual 57"/>
+          <p:cNvSpPr/>
+          <p:nvPr/>
+        </p:nvSpPr>
+        <p:spPr>
+          <a:xfrm rot="8700000">
+            <a:off x="6690360" y="3267714"/>
+            <a:ext cx="556260" cy="1114412"/>
+          </a:xfrm>
+          <a:prstGeom prst="flowChartManualOperation">
+            <a:avLst/>
+          </a:prstGeom>
+          <a:solidFill>
+            <a:schemeClr val="bg1"/>
+          </a:solidFill>
           <a:ln>
             <a:noFill/>
           </a:ln>
@@ -30705,7 +32897,7 @@
   <a:extraClrSchemeLst/>
   <a:extLst>
     <a:ext uri="{05A4C25C-085E-4340-85A3-A5531E510DB2}">
-      <thm15:themeFamily xmlns="" xmlns:thm15="http://schemas.microsoft.com/office/thememl/2012/main" name="Office Theme" id="{62F939B6-93AF-4DB8-9C6B-D6C7DFDC589F}" vid="{4A3C46E8-61CC-4603-A589-7422A47A8E4A}"/>
+      <thm15:themeFamily xmlns:thm15="http://schemas.microsoft.com/office/thememl/2012/main" xmlns="" name="Office Theme" id="{62F939B6-93AF-4DB8-9C6B-D6C7DFDC589F}" vid="{4A3C46E8-61CC-4603-A589-7422A47A8E4A}"/>
     </a:ext>
   </a:extLst>
 </a:theme>

--- a/Imagens/fundinho.pptx
+++ b/Imagens/fundinho.pptx
@@ -11,6 +11,7 @@
     <p:sldId id="258" r:id="rId5"/>
     <p:sldId id="260" r:id="rId6"/>
     <p:sldId id="261" r:id="rId7"/>
+    <p:sldId id="262" r:id="rId8"/>
   </p:sldIdLst>
   <p:sldSz cx="12192000" cy="6858000"/>
   <p:notesSz cx="6858000" cy="9144000"/>
@@ -111,7 +112,7 @@
   </p:defaultTextStyle>
   <p:extLst>
     <p:ext uri="{EFAFB233-063F-42B5-8137-9DF3F51BA10A}">
-      <p15:sldGuideLst xmlns:p15="http://schemas.microsoft.com/office/powerpoint/2012/main">
+      <p15:sldGuideLst xmlns:p15="http://schemas.microsoft.com/office/powerpoint/2012/main" xmlns="">
         <p15:guide id="1" orient="horz" pos="2160">
           <p15:clr>
             <a:srgbClr val="A4A3A4"/>
@@ -259,7 +260,7 @@
           <a:p>
             <a:fld id="{CB2F0722-7C31-4BAA-904B-29AEC9A1B4D7}" type="datetimeFigureOut">
               <a:rPr lang="pt-BR" smtClean="0"/>
-              <a:t>14/04/2019</a:t>
+              <a:t>17/04/2019</a:t>
             </a:fld>
             <a:endParaRPr lang="pt-BR"/>
           </a:p>
@@ -429,7 +430,7 @@
           <a:p>
             <a:fld id="{CB2F0722-7C31-4BAA-904B-29AEC9A1B4D7}" type="datetimeFigureOut">
               <a:rPr lang="pt-BR" smtClean="0"/>
-              <a:t>14/04/2019</a:t>
+              <a:t>17/04/2019</a:t>
             </a:fld>
             <a:endParaRPr lang="pt-BR"/>
           </a:p>
@@ -609,7 +610,7 @@
           <a:p>
             <a:fld id="{CB2F0722-7C31-4BAA-904B-29AEC9A1B4D7}" type="datetimeFigureOut">
               <a:rPr lang="pt-BR" smtClean="0"/>
-              <a:t>14/04/2019</a:t>
+              <a:t>17/04/2019</a:t>
             </a:fld>
             <a:endParaRPr lang="pt-BR"/>
           </a:p>
@@ -779,7 +780,7 @@
           <a:p>
             <a:fld id="{CB2F0722-7C31-4BAA-904B-29AEC9A1B4D7}" type="datetimeFigureOut">
               <a:rPr lang="pt-BR" smtClean="0"/>
-              <a:t>14/04/2019</a:t>
+              <a:t>17/04/2019</a:t>
             </a:fld>
             <a:endParaRPr lang="pt-BR"/>
           </a:p>
@@ -1025,7 +1026,7 @@
           <a:p>
             <a:fld id="{CB2F0722-7C31-4BAA-904B-29AEC9A1B4D7}" type="datetimeFigureOut">
               <a:rPr lang="pt-BR" smtClean="0"/>
-              <a:t>14/04/2019</a:t>
+              <a:t>17/04/2019</a:t>
             </a:fld>
             <a:endParaRPr lang="pt-BR"/>
           </a:p>
@@ -1257,7 +1258,7 @@
           <a:p>
             <a:fld id="{CB2F0722-7C31-4BAA-904B-29AEC9A1B4D7}" type="datetimeFigureOut">
               <a:rPr lang="pt-BR" smtClean="0"/>
-              <a:t>14/04/2019</a:t>
+              <a:t>17/04/2019</a:t>
             </a:fld>
             <a:endParaRPr lang="pt-BR"/>
           </a:p>
@@ -1624,7 +1625,7 @@
           <a:p>
             <a:fld id="{CB2F0722-7C31-4BAA-904B-29AEC9A1B4D7}" type="datetimeFigureOut">
               <a:rPr lang="pt-BR" smtClean="0"/>
-              <a:t>14/04/2019</a:t>
+              <a:t>17/04/2019</a:t>
             </a:fld>
             <a:endParaRPr lang="pt-BR"/>
           </a:p>
@@ -1742,7 +1743,7 @@
           <a:p>
             <a:fld id="{CB2F0722-7C31-4BAA-904B-29AEC9A1B4D7}" type="datetimeFigureOut">
               <a:rPr lang="pt-BR" smtClean="0"/>
-              <a:t>14/04/2019</a:t>
+              <a:t>17/04/2019</a:t>
             </a:fld>
             <a:endParaRPr lang="pt-BR"/>
           </a:p>
@@ -1837,7 +1838,7 @@
           <a:p>
             <a:fld id="{CB2F0722-7C31-4BAA-904B-29AEC9A1B4D7}" type="datetimeFigureOut">
               <a:rPr lang="pt-BR" smtClean="0"/>
-              <a:t>14/04/2019</a:t>
+              <a:t>17/04/2019</a:t>
             </a:fld>
             <a:endParaRPr lang="pt-BR"/>
           </a:p>
@@ -2114,7 +2115,7 @@
           <a:p>
             <a:fld id="{CB2F0722-7C31-4BAA-904B-29AEC9A1B4D7}" type="datetimeFigureOut">
               <a:rPr lang="pt-BR" smtClean="0"/>
-              <a:t>14/04/2019</a:t>
+              <a:t>17/04/2019</a:t>
             </a:fld>
             <a:endParaRPr lang="pt-BR"/>
           </a:p>
@@ -2367,7 +2368,7 @@
           <a:p>
             <a:fld id="{CB2F0722-7C31-4BAA-904B-29AEC9A1B4D7}" type="datetimeFigureOut">
               <a:rPr lang="pt-BR" smtClean="0"/>
-              <a:t>14/04/2019</a:t>
+              <a:t>17/04/2019</a:t>
             </a:fld>
             <a:endParaRPr lang="pt-BR"/>
           </a:p>
@@ -2580,7 +2581,7 @@
           <a:p>
             <a:fld id="{CB2F0722-7C31-4BAA-904B-29AEC9A1B4D7}" type="datetimeFigureOut">
               <a:rPr lang="pt-BR" smtClean="0"/>
-              <a:t>14/04/2019</a:t>
+              <a:t>17/04/2019</a:t>
             </a:fld>
             <a:endParaRPr lang="pt-BR"/>
           </a:p>
@@ -42624,6 +42625,3635 @@
 </p:sld>
 </file>
 
+<file path=ppt/slides/slide7.xml><?xml version="1.0" encoding="utf-8"?>
+<p:sld xmlns:a="http://schemas.openxmlformats.org/drawingml/2006/main" xmlns:r="http://schemas.openxmlformats.org/officeDocument/2006/relationships" xmlns:p="http://schemas.openxmlformats.org/presentationml/2006/main">
+  <p:cSld>
+    <p:spTree>
+      <p:nvGrpSpPr>
+        <p:cNvPr id="1" name=""/>
+        <p:cNvGrpSpPr/>
+        <p:nvPr/>
+      </p:nvGrpSpPr>
+      <p:grpSpPr>
+        <a:xfrm>
+          <a:off x="0" y="0"/>
+          <a:ext cx="0" cy="0"/>
+          <a:chOff x="0" y="0"/>
+          <a:chExt cx="0" cy="0"/>
+        </a:xfrm>
+      </p:grpSpPr>
+      <p:grpSp>
+        <p:nvGrpSpPr>
+          <p:cNvPr id="4" name="Grupo 3"/>
+          <p:cNvGrpSpPr/>
+          <p:nvPr/>
+        </p:nvGrpSpPr>
+        <p:grpSpPr>
+          <a:xfrm>
+            <a:off x="1170139" y="1516831"/>
+            <a:ext cx="9937104" cy="4166940"/>
+            <a:chOff x="-684584" y="1253908"/>
+            <a:chExt cx="9937104" cy="4166940"/>
+          </a:xfrm>
+        </p:grpSpPr>
+        <p:grpSp>
+          <p:nvGrpSpPr>
+            <p:cNvPr id="5" name="Grupo 4"/>
+            <p:cNvGrpSpPr/>
+            <p:nvPr/>
+          </p:nvGrpSpPr>
+          <p:grpSpPr>
+            <a:xfrm>
+              <a:off x="-684584" y="1253908"/>
+              <a:ext cx="7812348" cy="4166940"/>
+              <a:chOff x="12" y="1149400"/>
+              <a:chExt cx="7812348" cy="4166940"/>
+            </a:xfrm>
+          </p:grpSpPr>
+          <p:grpSp>
+            <p:nvGrpSpPr>
+              <p:cNvPr id="26" name="Grupo 25"/>
+              <p:cNvGrpSpPr/>
+              <p:nvPr/>
+            </p:nvGrpSpPr>
+            <p:grpSpPr>
+              <a:xfrm>
+                <a:off x="12" y="1149400"/>
+                <a:ext cx="7812348" cy="4166940"/>
+                <a:chOff x="12" y="1149400"/>
+                <a:chExt cx="7812348" cy="4166940"/>
+              </a:xfrm>
+            </p:grpSpPr>
+            <p:grpSp>
+              <p:nvGrpSpPr>
+                <p:cNvPr id="28" name="Grupo 27"/>
+                <p:cNvGrpSpPr/>
+                <p:nvPr/>
+              </p:nvGrpSpPr>
+              <p:grpSpPr>
+                <a:xfrm>
+                  <a:off x="12" y="1149400"/>
+                  <a:ext cx="7812348" cy="4166940"/>
+                  <a:chOff x="12" y="1149400"/>
+                  <a:chExt cx="7812348" cy="4166940"/>
+                </a:xfrm>
+              </p:grpSpPr>
+              <p:grpSp>
+                <p:nvGrpSpPr>
+                  <p:cNvPr id="31" name="Grupo 30"/>
+                  <p:cNvGrpSpPr/>
+                  <p:nvPr/>
+                </p:nvGrpSpPr>
+                <p:grpSpPr>
+                  <a:xfrm>
+                    <a:off x="35544" y="1149400"/>
+                    <a:ext cx="7776816" cy="3455908"/>
+                    <a:chOff x="-291704" y="1087976"/>
+                    <a:chExt cx="7776816" cy="3455908"/>
+                  </a:xfrm>
+                </p:grpSpPr>
+                <p:grpSp>
+                  <p:nvGrpSpPr>
+                    <p:cNvPr id="45" name="Grupo 44"/>
+                    <p:cNvGrpSpPr/>
+                    <p:nvPr/>
+                  </p:nvGrpSpPr>
+                  <p:grpSpPr>
+                    <a:xfrm>
+                      <a:off x="199250" y="1087976"/>
+                      <a:ext cx="7285862" cy="3455908"/>
+                      <a:chOff x="-193582" y="1125220"/>
+                      <a:chExt cx="7285862" cy="3455908"/>
+                    </a:xfrm>
+                  </p:grpSpPr>
+                  <p:sp>
+                    <p:nvSpPr>
+                      <p:cNvPr id="61" name="Retângulo de cantos arredondados 60"/>
+                      <p:cNvSpPr/>
+                      <p:nvPr/>
+                    </p:nvSpPr>
+                    <p:spPr>
+                      <a:xfrm>
+                        <a:off x="1907704" y="1196752"/>
+                        <a:ext cx="4752528" cy="3240000"/>
+                      </a:xfrm>
+                      <a:prstGeom prst="roundRect">
+                        <a:avLst>
+                          <a:gd name="adj" fmla="val 6924"/>
+                        </a:avLst>
+                      </a:prstGeom>
+                      <a:solidFill>
+                        <a:schemeClr val="tx1">
+                          <a:lumMod val="65000"/>
+                          <a:lumOff val="35000"/>
+                        </a:schemeClr>
+                      </a:solidFill>
+                      <a:ln w="38100">
+                        <a:solidFill>
+                          <a:schemeClr val="bg1">
+                            <a:lumMod val="65000"/>
+                          </a:schemeClr>
+                        </a:solidFill>
+                      </a:ln>
+                    </p:spPr>
+                    <p:style>
+                      <a:lnRef idx="2">
+                        <a:schemeClr val="accent1">
+                          <a:shade val="50000"/>
+                        </a:schemeClr>
+                      </a:lnRef>
+                      <a:fillRef idx="1">
+                        <a:schemeClr val="accent1"/>
+                      </a:fillRef>
+                      <a:effectRef idx="0">
+                        <a:schemeClr val="accent1"/>
+                      </a:effectRef>
+                      <a:fontRef idx="minor">
+                        <a:schemeClr val="lt1"/>
+                      </a:fontRef>
+                    </p:style>
+                    <p:txBody>
+                      <a:bodyPr rtlCol="0" anchor="ctr"/>
+                      <a:lstStyle/>
+                      <a:p>
+                        <a:pPr algn="ctr"/>
+                        <a:endParaRPr lang="pt-BR"/>
+                      </a:p>
+                    </p:txBody>
+                  </p:sp>
+                  <p:sp>
+                    <p:nvSpPr>
+                      <p:cNvPr id="62" name="Elipse 61"/>
+                      <p:cNvSpPr/>
+                      <p:nvPr/>
+                    </p:nvSpPr>
+                    <p:spPr>
+                      <a:xfrm>
+                        <a:off x="4208368" y="1288149"/>
+                        <a:ext cx="151200" cy="144000"/>
+                      </a:xfrm>
+                      <a:prstGeom prst="ellipse">
+                        <a:avLst/>
+                      </a:prstGeom>
+                      <a:solidFill>
+                        <a:schemeClr val="tx1">
+                          <a:lumMod val="85000"/>
+                          <a:lumOff val="15000"/>
+                        </a:schemeClr>
+                      </a:solidFill>
+                      <a:ln>
+                        <a:noFill/>
+                      </a:ln>
+                    </p:spPr>
+                    <p:style>
+                      <a:lnRef idx="2">
+                        <a:schemeClr val="accent1">
+                          <a:shade val="50000"/>
+                        </a:schemeClr>
+                      </a:lnRef>
+                      <a:fillRef idx="1">
+                        <a:schemeClr val="accent1"/>
+                      </a:fillRef>
+                      <a:effectRef idx="0">
+                        <a:schemeClr val="accent1"/>
+                      </a:effectRef>
+                      <a:fontRef idx="minor">
+                        <a:schemeClr val="lt1"/>
+                      </a:fontRef>
+                    </p:style>
+                    <p:txBody>
+                      <a:bodyPr rtlCol="0" anchor="ctr"/>
+                      <a:lstStyle/>
+                      <a:p>
+                        <a:pPr algn="ctr"/>
+                        <a:endParaRPr lang="pt-BR"/>
+                      </a:p>
+                    </p:txBody>
+                  </p:sp>
+                  <p:sp>
+                    <p:nvSpPr>
+                      <p:cNvPr id="63" name="Retângulo de cantos arredondados 62"/>
+                      <p:cNvSpPr/>
+                      <p:nvPr/>
+                    </p:nvSpPr>
+                    <p:spPr>
+                      <a:xfrm>
+                        <a:off x="2163560" y="1484760"/>
+                        <a:ext cx="4248000" cy="2376288"/>
+                      </a:xfrm>
+                      <a:prstGeom prst="roundRect">
+                        <a:avLst>
+                          <a:gd name="adj" fmla="val 4298"/>
+                        </a:avLst>
+                      </a:prstGeom>
+                      <a:solidFill>
+                        <a:schemeClr val="bg1">
+                          <a:lumMod val="95000"/>
+                        </a:schemeClr>
+                      </a:solidFill>
+                      <a:ln>
+                        <a:noFill/>
+                      </a:ln>
+                    </p:spPr>
+                    <p:style>
+                      <a:lnRef idx="2">
+                        <a:schemeClr val="accent1">
+                          <a:shade val="50000"/>
+                        </a:schemeClr>
+                      </a:lnRef>
+                      <a:fillRef idx="1">
+                        <a:schemeClr val="accent1"/>
+                      </a:fillRef>
+                      <a:effectRef idx="0">
+                        <a:schemeClr val="accent1"/>
+                      </a:effectRef>
+                      <a:fontRef idx="minor">
+                        <a:schemeClr val="lt1"/>
+                      </a:fontRef>
+                    </p:style>
+                    <p:txBody>
+                      <a:bodyPr rtlCol="0" anchor="ctr"/>
+                      <a:lstStyle/>
+                      <a:p>
+                        <a:pPr algn="ctr"/>
+                        <a:endParaRPr lang="pt-BR"/>
+                      </a:p>
+                    </p:txBody>
+                  </p:sp>
+                  <p:sp>
+                    <p:nvSpPr>
+                      <p:cNvPr id="64" name="Retângulo de cantos arredondados 63"/>
+                      <p:cNvSpPr/>
+                      <p:nvPr/>
+                    </p:nvSpPr>
+                    <p:spPr>
+                      <a:xfrm>
+                        <a:off x="1475656" y="4077072"/>
+                        <a:ext cx="5616624" cy="504056"/>
+                      </a:xfrm>
+                      <a:prstGeom prst="roundRect">
+                        <a:avLst>
+                          <a:gd name="adj" fmla="val 8028"/>
+                        </a:avLst>
+                      </a:prstGeom>
+                      <a:solidFill>
+                        <a:srgbClr val="C9C9C9"/>
+                      </a:solidFill>
+                      <a:ln>
+                        <a:noFill/>
+                      </a:ln>
+                    </p:spPr>
+                    <p:style>
+                      <a:lnRef idx="2">
+                        <a:schemeClr val="accent1">
+                          <a:shade val="50000"/>
+                        </a:schemeClr>
+                      </a:lnRef>
+                      <a:fillRef idx="1">
+                        <a:schemeClr val="accent1"/>
+                      </a:fillRef>
+                      <a:effectRef idx="0">
+                        <a:schemeClr val="accent1"/>
+                      </a:effectRef>
+                      <a:fontRef idx="minor">
+                        <a:schemeClr val="lt1"/>
+                      </a:fontRef>
+                    </p:style>
+                    <p:txBody>
+                      <a:bodyPr rtlCol="0" anchor="ctr"/>
+                      <a:lstStyle/>
+                      <a:p>
+                        <a:pPr algn="ctr"/>
+                        <a:endParaRPr lang="pt-BR"/>
+                      </a:p>
+                    </p:txBody>
+                  </p:sp>
+                  <p:sp>
+                    <p:nvSpPr>
+                      <p:cNvPr id="65" name="Retângulo de cantos arredondados 64"/>
+                      <p:cNvSpPr/>
+                      <p:nvPr/>
+                    </p:nvSpPr>
+                    <p:spPr>
+                      <a:xfrm>
+                        <a:off x="3477560" y="4077072"/>
+                        <a:ext cx="1620000" cy="108000"/>
+                      </a:xfrm>
+                      <a:prstGeom prst="roundRect">
+                        <a:avLst>
+                          <a:gd name="adj" fmla="val 43877"/>
+                        </a:avLst>
+                      </a:prstGeom>
+                      <a:solidFill>
+                        <a:schemeClr val="bg1">
+                          <a:lumMod val="50000"/>
+                        </a:schemeClr>
+                      </a:solidFill>
+                      <a:ln>
+                        <a:noFill/>
+                      </a:ln>
+                    </p:spPr>
+                    <p:style>
+                      <a:lnRef idx="2">
+                        <a:schemeClr val="accent1">
+                          <a:shade val="50000"/>
+                        </a:schemeClr>
+                      </a:lnRef>
+                      <a:fillRef idx="1">
+                        <a:schemeClr val="accent1"/>
+                      </a:fillRef>
+                      <a:effectRef idx="0">
+                        <a:schemeClr val="accent1"/>
+                      </a:effectRef>
+                      <a:fontRef idx="minor">
+                        <a:schemeClr val="lt1"/>
+                      </a:fontRef>
+                    </p:style>
+                    <p:txBody>
+                      <a:bodyPr rtlCol="0" anchor="ctr"/>
+                      <a:lstStyle/>
+                      <a:p>
+                        <a:pPr algn="ctr"/>
+                        <a:endParaRPr lang="pt-BR"/>
+                      </a:p>
+                    </p:txBody>
+                  </p:sp>
+                  <p:sp>
+                    <p:nvSpPr>
+                      <p:cNvPr id="66" name="Retângulo de cantos arredondados 65"/>
+                      <p:cNvSpPr/>
+                      <p:nvPr/>
+                    </p:nvSpPr>
+                    <p:spPr>
+                      <a:xfrm>
+                        <a:off x="2159968" y="1484760"/>
+                        <a:ext cx="4248000" cy="612000"/>
+                      </a:xfrm>
+                      <a:prstGeom prst="roundRect">
+                        <a:avLst>
+                          <a:gd name="adj" fmla="val 15096"/>
+                        </a:avLst>
+                      </a:prstGeom>
+                      <a:solidFill>
+                        <a:schemeClr val="tx2">
+                          <a:lumMod val="60000"/>
+                          <a:lumOff val="40000"/>
+                        </a:schemeClr>
+                      </a:solidFill>
+                      <a:ln>
+                        <a:noFill/>
+                      </a:ln>
+                    </p:spPr>
+                    <p:style>
+                      <a:lnRef idx="2">
+                        <a:schemeClr val="accent1">
+                          <a:shade val="50000"/>
+                        </a:schemeClr>
+                      </a:lnRef>
+                      <a:fillRef idx="1">
+                        <a:schemeClr val="accent1"/>
+                      </a:fillRef>
+                      <a:effectRef idx="0">
+                        <a:schemeClr val="accent1"/>
+                      </a:effectRef>
+                      <a:fontRef idx="minor">
+                        <a:schemeClr val="lt1"/>
+                      </a:fontRef>
+                    </p:style>
+                    <p:txBody>
+                      <a:bodyPr rtlCol="0" anchor="ctr"/>
+                      <a:lstStyle/>
+                      <a:p>
+                        <a:pPr algn="ctr"/>
+                        <a:endParaRPr lang="pt-BR"/>
+                      </a:p>
+                    </p:txBody>
+                  </p:sp>
+                  <p:sp>
+                    <p:nvSpPr>
+                      <p:cNvPr id="67" name="Retângulo 66"/>
+                      <p:cNvSpPr/>
+                      <p:nvPr/>
+                    </p:nvSpPr>
+                    <p:spPr>
+                      <a:xfrm>
+                        <a:off x="2159968" y="1988840"/>
+                        <a:ext cx="4248000" cy="1368152"/>
+                      </a:xfrm>
+                      <a:prstGeom prst="rect">
+                        <a:avLst/>
+                      </a:prstGeom>
+                      <a:solidFill>
+                        <a:schemeClr val="bg1">
+                          <a:lumMod val="95000"/>
+                        </a:schemeClr>
+                      </a:solidFill>
+                      <a:ln>
+                        <a:noFill/>
+                      </a:ln>
+                    </p:spPr>
+                    <p:style>
+                      <a:lnRef idx="2">
+                        <a:schemeClr val="accent1">
+                          <a:shade val="50000"/>
+                        </a:schemeClr>
+                      </a:lnRef>
+                      <a:fillRef idx="1">
+                        <a:schemeClr val="accent1"/>
+                      </a:fillRef>
+                      <a:effectRef idx="0">
+                        <a:schemeClr val="accent1"/>
+                      </a:effectRef>
+                      <a:fontRef idx="minor">
+                        <a:schemeClr val="lt1"/>
+                      </a:fontRef>
+                    </p:style>
+                    <p:txBody>
+                      <a:bodyPr rtlCol="0" anchor="ctr"/>
+                      <a:lstStyle/>
+                      <a:p>
+                        <a:pPr algn="ctr"/>
+                        <a:endParaRPr lang="pt-BR"/>
+                      </a:p>
+                    </p:txBody>
+                  </p:sp>
+                  <p:sp>
+                    <p:nvSpPr>
+                      <p:cNvPr id="68" name="Retângulo de cantos arredondados 67"/>
+                      <p:cNvSpPr/>
+                      <p:nvPr/>
+                    </p:nvSpPr>
+                    <p:spPr>
+                      <a:xfrm>
+                        <a:off x="2755684" y="1630246"/>
+                        <a:ext cx="721876" cy="161960"/>
+                      </a:xfrm>
+                      <a:prstGeom prst="roundRect">
+                        <a:avLst>
+                          <a:gd name="adj" fmla="val 50000"/>
+                        </a:avLst>
+                      </a:prstGeom>
+                      <a:solidFill>
+                        <a:schemeClr val="bg1"/>
+                      </a:solidFill>
+                      <a:ln>
+                        <a:noFill/>
+                      </a:ln>
+                    </p:spPr>
+                    <p:style>
+                      <a:lnRef idx="2">
+                        <a:schemeClr val="accent1">
+                          <a:shade val="50000"/>
+                        </a:schemeClr>
+                      </a:lnRef>
+                      <a:fillRef idx="1">
+                        <a:schemeClr val="accent1"/>
+                      </a:fillRef>
+                      <a:effectRef idx="0">
+                        <a:schemeClr val="accent1"/>
+                      </a:effectRef>
+                      <a:fontRef idx="minor">
+                        <a:schemeClr val="lt1"/>
+                      </a:fontRef>
+                    </p:style>
+                    <p:txBody>
+                      <a:bodyPr rtlCol="0" anchor="ctr"/>
+                      <a:lstStyle/>
+                      <a:p>
+                        <a:pPr algn="ctr"/>
+                        <a:endParaRPr lang="pt-BR"/>
+                      </a:p>
+                    </p:txBody>
+                  </p:sp>
+                  <p:sp>
+                    <p:nvSpPr>
+                      <p:cNvPr id="69" name="Retângulo de cantos arredondados 68"/>
+                      <p:cNvSpPr/>
+                      <p:nvPr/>
+                    </p:nvSpPr>
+                    <p:spPr>
+                      <a:xfrm>
+                        <a:off x="2455517" y="2131107"/>
+                        <a:ext cx="1022043" cy="1548264"/>
+                      </a:xfrm>
+                      <a:prstGeom prst="roundRect">
+                        <a:avLst>
+                          <a:gd name="adj" fmla="val 11774"/>
+                        </a:avLst>
+                      </a:prstGeom>
+                      <a:solidFill>
+                        <a:srgbClr val="FAAA94"/>
+                      </a:solidFill>
+                      <a:ln>
+                        <a:noFill/>
+                      </a:ln>
+                    </p:spPr>
+                    <p:style>
+                      <a:lnRef idx="2">
+                        <a:schemeClr val="accent1">
+                          <a:shade val="50000"/>
+                        </a:schemeClr>
+                      </a:lnRef>
+                      <a:fillRef idx="1">
+                        <a:schemeClr val="accent1"/>
+                      </a:fillRef>
+                      <a:effectRef idx="0">
+                        <a:schemeClr val="accent1"/>
+                      </a:effectRef>
+                      <a:fontRef idx="minor">
+                        <a:schemeClr val="lt1"/>
+                      </a:fontRef>
+                    </p:style>
+                    <p:txBody>
+                      <a:bodyPr rtlCol="0" anchor="ctr"/>
+                      <a:lstStyle/>
+                      <a:p>
+                        <a:pPr algn="ctr"/>
+                        <a:endParaRPr lang="pt-BR"/>
+                      </a:p>
+                    </p:txBody>
+                  </p:sp>
+                  <p:sp>
+                    <p:nvSpPr>
+                      <p:cNvPr id="70" name="Retângulo de cantos arredondados 69"/>
+                      <p:cNvSpPr/>
+                      <p:nvPr/>
+                    </p:nvSpPr>
+                    <p:spPr>
+                      <a:xfrm>
+                        <a:off x="3772946" y="2131107"/>
+                        <a:ext cx="1022043" cy="1548264"/>
+                      </a:xfrm>
+                      <a:prstGeom prst="roundRect">
+                        <a:avLst>
+                          <a:gd name="adj" fmla="val 11774"/>
+                        </a:avLst>
+                      </a:prstGeom>
+                      <a:solidFill>
+                        <a:srgbClr val="FAAA94"/>
+                      </a:solidFill>
+                      <a:ln>
+                        <a:noFill/>
+                      </a:ln>
+                    </p:spPr>
+                    <p:style>
+                      <a:lnRef idx="2">
+                        <a:schemeClr val="accent1">
+                          <a:shade val="50000"/>
+                        </a:schemeClr>
+                      </a:lnRef>
+                      <a:fillRef idx="1">
+                        <a:schemeClr val="accent1"/>
+                      </a:fillRef>
+                      <a:effectRef idx="0">
+                        <a:schemeClr val="accent1"/>
+                      </a:effectRef>
+                      <a:fontRef idx="minor">
+                        <a:schemeClr val="lt1"/>
+                      </a:fontRef>
+                    </p:style>
+                    <p:txBody>
+                      <a:bodyPr rtlCol="0" anchor="ctr"/>
+                      <a:lstStyle/>
+                      <a:p>
+                        <a:pPr algn="ctr"/>
+                        <a:endParaRPr lang="pt-BR"/>
+                      </a:p>
+                    </p:txBody>
+                  </p:sp>
+                  <p:sp>
+                    <p:nvSpPr>
+                      <p:cNvPr id="71" name="Retângulo de cantos arredondados 70"/>
+                      <p:cNvSpPr/>
+                      <p:nvPr/>
+                    </p:nvSpPr>
+                    <p:spPr>
+                      <a:xfrm>
+                        <a:off x="5097560" y="2131107"/>
+                        <a:ext cx="1022043" cy="1548264"/>
+                      </a:xfrm>
+                      <a:prstGeom prst="roundRect">
+                        <a:avLst>
+                          <a:gd name="adj" fmla="val 11774"/>
+                        </a:avLst>
+                      </a:prstGeom>
+                      <a:solidFill>
+                        <a:srgbClr val="FAAA94"/>
+                      </a:solidFill>
+                      <a:ln>
+                        <a:noFill/>
+                      </a:ln>
+                    </p:spPr>
+                    <p:style>
+                      <a:lnRef idx="2">
+                        <a:schemeClr val="accent1">
+                          <a:shade val="50000"/>
+                        </a:schemeClr>
+                      </a:lnRef>
+                      <a:fillRef idx="1">
+                        <a:schemeClr val="accent1"/>
+                      </a:fillRef>
+                      <a:effectRef idx="0">
+                        <a:schemeClr val="accent1"/>
+                      </a:effectRef>
+                      <a:fontRef idx="minor">
+                        <a:schemeClr val="lt1"/>
+                      </a:fontRef>
+                    </p:style>
+                    <p:txBody>
+                      <a:bodyPr rtlCol="0" anchor="ctr"/>
+                      <a:lstStyle/>
+                      <a:p>
+                        <a:pPr algn="ctr"/>
+                        <a:endParaRPr lang="pt-BR"/>
+                      </a:p>
+                    </p:txBody>
+                  </p:sp>
+                  <p:sp>
+                    <p:nvSpPr>
+                      <p:cNvPr id="72" name="Retângulo de cantos arredondados 71"/>
+                      <p:cNvSpPr/>
+                      <p:nvPr/>
+                    </p:nvSpPr>
+                    <p:spPr>
+                      <a:xfrm>
+                        <a:off x="2555776" y="2348880"/>
+                        <a:ext cx="792088" cy="288000"/>
+                      </a:xfrm>
+                      <a:prstGeom prst="roundRect">
+                        <a:avLst/>
+                      </a:prstGeom>
+                      <a:solidFill>
+                        <a:srgbClr val="FEFAA0"/>
+                      </a:solidFill>
+                      <a:ln>
+                        <a:noFill/>
+                      </a:ln>
+                    </p:spPr>
+                    <p:style>
+                      <a:lnRef idx="2">
+                        <a:schemeClr val="accent1">
+                          <a:shade val="50000"/>
+                        </a:schemeClr>
+                      </a:lnRef>
+                      <a:fillRef idx="1">
+                        <a:schemeClr val="accent1"/>
+                      </a:fillRef>
+                      <a:effectRef idx="0">
+                        <a:schemeClr val="accent1"/>
+                      </a:effectRef>
+                      <a:fontRef idx="minor">
+                        <a:schemeClr val="lt1"/>
+                      </a:fontRef>
+                    </p:style>
+                    <p:txBody>
+                      <a:bodyPr rtlCol="0" anchor="ctr"/>
+                      <a:lstStyle/>
+                      <a:p>
+                        <a:pPr algn="ctr"/>
+                        <a:endParaRPr lang="pt-BR"/>
+                      </a:p>
+                    </p:txBody>
+                  </p:sp>
+                  <p:sp>
+                    <p:nvSpPr>
+                      <p:cNvPr id="73" name="Retângulo de cantos arredondados 72"/>
+                      <p:cNvSpPr/>
+                      <p:nvPr/>
+                    </p:nvSpPr>
+                    <p:spPr>
+                      <a:xfrm>
+                        <a:off x="2570494" y="2761239"/>
+                        <a:ext cx="792088" cy="288000"/>
+                      </a:xfrm>
+                      <a:prstGeom prst="roundRect">
+                        <a:avLst/>
+                      </a:prstGeom>
+                      <a:solidFill>
+                        <a:srgbClr val="FEFAA0"/>
+                      </a:solidFill>
+                      <a:ln>
+                        <a:noFill/>
+                      </a:ln>
+                    </p:spPr>
+                    <p:style>
+                      <a:lnRef idx="2">
+                        <a:schemeClr val="accent1">
+                          <a:shade val="50000"/>
+                        </a:schemeClr>
+                      </a:lnRef>
+                      <a:fillRef idx="1">
+                        <a:schemeClr val="accent1"/>
+                      </a:fillRef>
+                      <a:effectRef idx="0">
+                        <a:schemeClr val="accent1"/>
+                      </a:effectRef>
+                      <a:fontRef idx="minor">
+                        <a:schemeClr val="lt1"/>
+                      </a:fontRef>
+                    </p:style>
+                    <p:txBody>
+                      <a:bodyPr rtlCol="0" anchor="ctr"/>
+                      <a:lstStyle/>
+                      <a:p>
+                        <a:pPr algn="ctr"/>
+                        <a:endParaRPr lang="pt-BR"/>
+                      </a:p>
+                    </p:txBody>
+                  </p:sp>
+                  <p:sp>
+                    <p:nvSpPr>
+                      <p:cNvPr id="74" name="Retângulo de cantos arredondados 73"/>
+                      <p:cNvSpPr/>
+                      <p:nvPr/>
+                    </p:nvSpPr>
+                    <p:spPr>
+                      <a:xfrm>
+                        <a:off x="2555776" y="3212992"/>
+                        <a:ext cx="792088" cy="288000"/>
+                      </a:xfrm>
+                      <a:prstGeom prst="roundRect">
+                        <a:avLst/>
+                      </a:prstGeom>
+                      <a:solidFill>
+                        <a:srgbClr val="FEFAA0"/>
+                      </a:solidFill>
+                      <a:ln>
+                        <a:noFill/>
+                      </a:ln>
+                    </p:spPr>
+                    <p:style>
+                      <a:lnRef idx="2">
+                        <a:schemeClr val="accent1">
+                          <a:shade val="50000"/>
+                        </a:schemeClr>
+                      </a:lnRef>
+                      <a:fillRef idx="1">
+                        <a:schemeClr val="accent1"/>
+                      </a:fillRef>
+                      <a:effectRef idx="0">
+                        <a:schemeClr val="accent1"/>
+                      </a:effectRef>
+                      <a:fontRef idx="minor">
+                        <a:schemeClr val="lt1"/>
+                      </a:fontRef>
+                    </p:style>
+                    <p:txBody>
+                      <a:bodyPr rtlCol="0" anchor="ctr"/>
+                      <a:lstStyle/>
+                      <a:p>
+                        <a:pPr algn="ctr"/>
+                        <a:endParaRPr lang="pt-BR"/>
+                      </a:p>
+                    </p:txBody>
+                  </p:sp>
+                  <p:sp>
+                    <p:nvSpPr>
+                      <p:cNvPr id="75" name="Retângulo de cantos arredondados 74"/>
+                      <p:cNvSpPr/>
+                      <p:nvPr/>
+                    </p:nvSpPr>
+                    <p:spPr>
+                      <a:xfrm>
+                        <a:off x="3887923" y="2333024"/>
+                        <a:ext cx="792088" cy="483727"/>
+                      </a:xfrm>
+                      <a:prstGeom prst="roundRect">
+                        <a:avLst/>
+                      </a:prstGeom>
+                      <a:solidFill>
+                        <a:srgbClr val="FEFAA0"/>
+                      </a:solidFill>
+                      <a:ln>
+                        <a:noFill/>
+                      </a:ln>
+                    </p:spPr>
+                    <p:style>
+                      <a:lnRef idx="2">
+                        <a:schemeClr val="accent1">
+                          <a:shade val="50000"/>
+                        </a:schemeClr>
+                      </a:lnRef>
+                      <a:fillRef idx="1">
+                        <a:schemeClr val="accent1"/>
+                      </a:fillRef>
+                      <a:effectRef idx="0">
+                        <a:schemeClr val="accent1"/>
+                      </a:effectRef>
+                      <a:fontRef idx="minor">
+                        <a:schemeClr val="lt1"/>
+                      </a:fontRef>
+                    </p:style>
+                    <p:txBody>
+                      <a:bodyPr rtlCol="0" anchor="ctr"/>
+                      <a:lstStyle/>
+                      <a:p>
+                        <a:pPr algn="ctr"/>
+                        <a:endParaRPr lang="pt-BR"/>
+                      </a:p>
+                    </p:txBody>
+                  </p:sp>
+                  <p:sp>
+                    <p:nvSpPr>
+                      <p:cNvPr id="76" name="Retângulo de cantos arredondados 75"/>
+                      <p:cNvSpPr/>
+                      <p:nvPr/>
+                    </p:nvSpPr>
+                    <p:spPr>
+                      <a:xfrm>
+                        <a:off x="3891516" y="2953238"/>
+                        <a:ext cx="792088" cy="483727"/>
+                      </a:xfrm>
+                      <a:prstGeom prst="roundRect">
+                        <a:avLst/>
+                      </a:prstGeom>
+                      <a:solidFill>
+                        <a:srgbClr val="FEFAA0"/>
+                      </a:solidFill>
+                      <a:ln>
+                        <a:noFill/>
+                      </a:ln>
+                    </p:spPr>
+                    <p:style>
+                      <a:lnRef idx="2">
+                        <a:schemeClr val="accent1">
+                          <a:shade val="50000"/>
+                        </a:schemeClr>
+                      </a:lnRef>
+                      <a:fillRef idx="1">
+                        <a:schemeClr val="accent1"/>
+                      </a:fillRef>
+                      <a:effectRef idx="0">
+                        <a:schemeClr val="accent1"/>
+                      </a:effectRef>
+                      <a:fontRef idx="minor">
+                        <a:schemeClr val="lt1"/>
+                      </a:fontRef>
+                    </p:style>
+                    <p:txBody>
+                      <a:bodyPr rtlCol="0" anchor="ctr"/>
+                      <a:lstStyle/>
+                      <a:p>
+                        <a:pPr algn="ctr"/>
+                        <a:endParaRPr lang="pt-BR"/>
+                      </a:p>
+                    </p:txBody>
+                  </p:sp>
+                  <p:sp>
+                    <p:nvSpPr>
+                      <p:cNvPr id="77" name="Retângulo 76"/>
+                      <p:cNvSpPr/>
+                      <p:nvPr/>
+                    </p:nvSpPr>
+                    <p:spPr>
+                      <a:xfrm>
+                        <a:off x="5220072" y="2420888"/>
+                        <a:ext cx="792088" cy="1008112"/>
+                      </a:xfrm>
+                      <a:prstGeom prst="rect">
+                        <a:avLst/>
+                      </a:prstGeom>
+                      <a:solidFill>
+                        <a:srgbClr val="FEFAA0"/>
+                      </a:solidFill>
+                      <a:ln>
+                        <a:noFill/>
+                      </a:ln>
+                    </p:spPr>
+                    <p:style>
+                      <a:lnRef idx="2">
+                        <a:schemeClr val="accent1">
+                          <a:shade val="50000"/>
+                        </a:schemeClr>
+                      </a:lnRef>
+                      <a:fillRef idx="1">
+                        <a:schemeClr val="accent1"/>
+                      </a:fillRef>
+                      <a:effectRef idx="0">
+                        <a:schemeClr val="accent1"/>
+                      </a:effectRef>
+                      <a:fontRef idx="minor">
+                        <a:schemeClr val="lt1"/>
+                      </a:fontRef>
+                    </p:style>
+                    <p:txBody>
+                      <a:bodyPr rtlCol="0" anchor="ctr"/>
+                      <a:lstStyle/>
+                      <a:p>
+                        <a:pPr algn="ctr"/>
+                        <a:endParaRPr lang="pt-BR"/>
+                      </a:p>
+                    </p:txBody>
+                  </p:sp>
+                  <p:sp>
+                    <p:nvSpPr>
+                      <p:cNvPr id="78" name="Elipse 77"/>
+                      <p:cNvSpPr/>
+                      <p:nvPr/>
+                    </p:nvSpPr>
+                    <p:spPr>
+                      <a:xfrm>
+                        <a:off x="5724128" y="1565740"/>
+                        <a:ext cx="252000" cy="226466"/>
+                      </a:xfrm>
+                      <a:prstGeom prst="ellipse">
+                        <a:avLst/>
+                      </a:prstGeom>
+                      <a:blipFill dpi="0" rotWithShape="1">
+                        <a:blip r:embed="rId2" cstate="print">
+                          <a:extLst>
+                            <a:ext uri="{28A0092B-C50C-407E-A947-70E740481C1C}">
+                              <a14:useLocalDpi xmlns:a14="http://schemas.microsoft.com/office/drawing/2010/main" val="0"/>
+                            </a:ext>
+                          </a:extLst>
+                        </a:blip>
+                        <a:srcRect/>
+                        <a:stretch>
+                          <a:fillRect/>
+                        </a:stretch>
+                      </a:blipFill>
+                      <a:ln>
+                        <a:noFill/>
+                      </a:ln>
+                    </p:spPr>
+                    <p:style>
+                      <a:lnRef idx="2">
+                        <a:schemeClr val="accent1">
+                          <a:shade val="50000"/>
+                        </a:schemeClr>
+                      </a:lnRef>
+                      <a:fillRef idx="1">
+                        <a:schemeClr val="accent1"/>
+                      </a:fillRef>
+                      <a:effectRef idx="0">
+                        <a:schemeClr val="accent1"/>
+                      </a:effectRef>
+                      <a:fontRef idx="minor">
+                        <a:schemeClr val="lt1"/>
+                      </a:fontRef>
+                    </p:style>
+                    <p:txBody>
+                      <a:bodyPr rtlCol="0" anchor="ctr"/>
+                      <a:lstStyle/>
+                      <a:p>
+                        <a:pPr algn="ctr"/>
+                        <a:endParaRPr lang="pt-BR"/>
+                      </a:p>
+                    </p:txBody>
+                  </p:sp>
+                  <p:sp>
+                    <p:nvSpPr>
+                      <p:cNvPr id="79" name="Retângulo de cantos arredondados 78"/>
+                      <p:cNvSpPr/>
+                      <p:nvPr/>
+                    </p:nvSpPr>
+                    <p:spPr>
+                      <a:xfrm>
+                        <a:off x="2555864" y="2348880"/>
+                        <a:ext cx="792000" cy="108000"/>
+                      </a:xfrm>
+                      <a:prstGeom prst="roundRect">
+                        <a:avLst>
+                          <a:gd name="adj" fmla="val 50000"/>
+                        </a:avLst>
+                      </a:prstGeom>
+                      <a:solidFill>
+                        <a:srgbClr val="FDE063"/>
+                      </a:solidFill>
+                      <a:ln>
+                        <a:noFill/>
+                      </a:ln>
+                    </p:spPr>
+                    <p:style>
+                      <a:lnRef idx="2">
+                        <a:schemeClr val="accent1">
+                          <a:shade val="50000"/>
+                        </a:schemeClr>
+                      </a:lnRef>
+                      <a:fillRef idx="1">
+                        <a:schemeClr val="accent1"/>
+                      </a:fillRef>
+                      <a:effectRef idx="0">
+                        <a:schemeClr val="accent1"/>
+                      </a:effectRef>
+                      <a:fontRef idx="minor">
+                        <a:schemeClr val="lt1"/>
+                      </a:fontRef>
+                    </p:style>
+                    <p:txBody>
+                      <a:bodyPr rtlCol="0" anchor="ctr"/>
+                      <a:lstStyle/>
+                      <a:p>
+                        <a:pPr algn="ctr"/>
+                        <a:endParaRPr lang="pt-BR"/>
+                      </a:p>
+                    </p:txBody>
+                  </p:sp>
+                  <p:sp>
+                    <p:nvSpPr>
+                      <p:cNvPr id="80" name="Retângulo de cantos arredondados 79"/>
+                      <p:cNvSpPr/>
+                      <p:nvPr/>
+                    </p:nvSpPr>
+                    <p:spPr>
+                      <a:xfrm>
+                        <a:off x="2570582" y="2761239"/>
+                        <a:ext cx="792000" cy="108000"/>
+                      </a:xfrm>
+                      <a:prstGeom prst="roundRect">
+                        <a:avLst>
+                          <a:gd name="adj" fmla="val 50000"/>
+                        </a:avLst>
+                      </a:prstGeom>
+                      <a:solidFill>
+                        <a:srgbClr val="FDE063"/>
+                      </a:solidFill>
+                      <a:ln>
+                        <a:noFill/>
+                      </a:ln>
+                    </p:spPr>
+                    <p:style>
+                      <a:lnRef idx="2">
+                        <a:schemeClr val="accent1">
+                          <a:shade val="50000"/>
+                        </a:schemeClr>
+                      </a:lnRef>
+                      <a:fillRef idx="1">
+                        <a:schemeClr val="accent1"/>
+                      </a:fillRef>
+                      <a:effectRef idx="0">
+                        <a:schemeClr val="accent1"/>
+                      </a:effectRef>
+                      <a:fontRef idx="minor">
+                        <a:schemeClr val="lt1"/>
+                      </a:fontRef>
+                    </p:style>
+                    <p:txBody>
+                      <a:bodyPr rtlCol="0" anchor="ctr"/>
+                      <a:lstStyle/>
+                      <a:p>
+                        <a:pPr algn="ctr"/>
+                        <a:endParaRPr lang="pt-BR"/>
+                      </a:p>
+                    </p:txBody>
+                  </p:sp>
+                  <p:sp>
+                    <p:nvSpPr>
+                      <p:cNvPr id="81" name="Retângulo de cantos arredondados 80"/>
+                      <p:cNvSpPr/>
+                      <p:nvPr/>
+                    </p:nvSpPr>
+                    <p:spPr>
+                      <a:xfrm>
+                        <a:off x="2555776" y="3212992"/>
+                        <a:ext cx="792000" cy="108000"/>
+                      </a:xfrm>
+                      <a:prstGeom prst="roundRect">
+                        <a:avLst>
+                          <a:gd name="adj" fmla="val 50000"/>
+                        </a:avLst>
+                      </a:prstGeom>
+                      <a:solidFill>
+                        <a:srgbClr val="FDE063"/>
+                      </a:solidFill>
+                      <a:ln>
+                        <a:noFill/>
+                      </a:ln>
+                    </p:spPr>
+                    <p:style>
+                      <a:lnRef idx="2">
+                        <a:schemeClr val="accent1">
+                          <a:shade val="50000"/>
+                        </a:schemeClr>
+                      </a:lnRef>
+                      <a:fillRef idx="1">
+                        <a:schemeClr val="accent1"/>
+                      </a:fillRef>
+                      <a:effectRef idx="0">
+                        <a:schemeClr val="accent1"/>
+                      </a:effectRef>
+                      <a:fontRef idx="minor">
+                        <a:schemeClr val="lt1"/>
+                      </a:fontRef>
+                    </p:style>
+                    <p:txBody>
+                      <a:bodyPr rtlCol="0" anchor="ctr"/>
+                      <a:lstStyle/>
+                      <a:p>
+                        <a:pPr algn="ctr"/>
+                        <a:endParaRPr lang="pt-BR"/>
+                      </a:p>
+                    </p:txBody>
+                  </p:sp>
+                  <p:sp>
+                    <p:nvSpPr>
+                      <p:cNvPr id="82" name="Retângulo de cantos arredondados 81"/>
+                      <p:cNvSpPr/>
+                      <p:nvPr/>
+                    </p:nvSpPr>
+                    <p:spPr>
+                      <a:xfrm>
+                        <a:off x="5313379" y="2492896"/>
+                        <a:ext cx="108000" cy="108000"/>
+                      </a:xfrm>
+                      <a:prstGeom prst="roundRect">
+                        <a:avLst>
+                          <a:gd name="adj" fmla="val 5017"/>
+                        </a:avLst>
+                      </a:prstGeom>
+                      <a:solidFill>
+                        <a:schemeClr val="bg1">
+                          <a:lumMod val="95000"/>
+                        </a:schemeClr>
+                      </a:solidFill>
+                      <a:ln>
+                        <a:solidFill>
+                          <a:schemeClr val="bg1">
+                            <a:lumMod val="75000"/>
+                          </a:schemeClr>
+                        </a:solidFill>
+                      </a:ln>
+                    </p:spPr>
+                    <p:style>
+                      <a:lnRef idx="2">
+                        <a:schemeClr val="accent1">
+                          <a:shade val="50000"/>
+                        </a:schemeClr>
+                      </a:lnRef>
+                      <a:fillRef idx="1">
+                        <a:schemeClr val="accent1"/>
+                      </a:fillRef>
+                      <a:effectRef idx="0">
+                        <a:schemeClr val="accent1"/>
+                      </a:effectRef>
+                      <a:fontRef idx="minor">
+                        <a:schemeClr val="lt1"/>
+                      </a:fontRef>
+                    </p:style>
+                    <p:txBody>
+                      <a:bodyPr rtlCol="0" anchor="ctr"/>
+                      <a:lstStyle/>
+                      <a:p>
+                        <a:pPr algn="ctr"/>
+                        <a:endParaRPr lang="pt-BR"/>
+                      </a:p>
+                    </p:txBody>
+                  </p:sp>
+                  <p:sp>
+                    <p:nvSpPr>
+                      <p:cNvPr id="83" name="Retângulo de cantos arredondados 82"/>
+                      <p:cNvSpPr/>
+                      <p:nvPr/>
+                    </p:nvSpPr>
+                    <p:spPr>
+                      <a:xfrm>
+                        <a:off x="5313379" y="2645296"/>
+                        <a:ext cx="108000" cy="108000"/>
+                      </a:xfrm>
+                      <a:prstGeom prst="roundRect">
+                        <a:avLst>
+                          <a:gd name="adj" fmla="val 5017"/>
+                        </a:avLst>
+                      </a:prstGeom>
+                      <a:solidFill>
+                        <a:schemeClr val="bg1">
+                          <a:lumMod val="95000"/>
+                        </a:schemeClr>
+                      </a:solidFill>
+                      <a:ln>
+                        <a:solidFill>
+                          <a:schemeClr val="bg1">
+                            <a:lumMod val="75000"/>
+                          </a:schemeClr>
+                        </a:solidFill>
+                      </a:ln>
+                    </p:spPr>
+                    <p:style>
+                      <a:lnRef idx="2">
+                        <a:schemeClr val="accent1">
+                          <a:shade val="50000"/>
+                        </a:schemeClr>
+                      </a:lnRef>
+                      <a:fillRef idx="1">
+                        <a:schemeClr val="accent1"/>
+                      </a:fillRef>
+                      <a:effectRef idx="0">
+                        <a:schemeClr val="accent1"/>
+                      </a:effectRef>
+                      <a:fontRef idx="minor">
+                        <a:schemeClr val="lt1"/>
+                      </a:fontRef>
+                    </p:style>
+                    <p:txBody>
+                      <a:bodyPr rtlCol="0" anchor="ctr"/>
+                      <a:lstStyle/>
+                      <a:p>
+                        <a:pPr algn="ctr"/>
+                        <a:endParaRPr lang="pt-BR"/>
+                      </a:p>
+                    </p:txBody>
+                  </p:sp>
+                  <p:sp>
+                    <p:nvSpPr>
+                      <p:cNvPr id="84" name="Retângulo de cantos arredondados 83"/>
+                      <p:cNvSpPr/>
+                      <p:nvPr/>
+                    </p:nvSpPr>
+                    <p:spPr>
+                      <a:xfrm>
+                        <a:off x="5313379" y="2797696"/>
+                        <a:ext cx="108000" cy="108000"/>
+                      </a:xfrm>
+                      <a:prstGeom prst="roundRect">
+                        <a:avLst>
+                          <a:gd name="adj" fmla="val 5017"/>
+                        </a:avLst>
+                      </a:prstGeom>
+                      <a:solidFill>
+                        <a:schemeClr val="bg1">
+                          <a:lumMod val="95000"/>
+                        </a:schemeClr>
+                      </a:solidFill>
+                      <a:ln>
+                        <a:solidFill>
+                          <a:schemeClr val="bg1">
+                            <a:lumMod val="75000"/>
+                          </a:schemeClr>
+                        </a:solidFill>
+                      </a:ln>
+                    </p:spPr>
+                    <p:style>
+                      <a:lnRef idx="2">
+                        <a:schemeClr val="accent1">
+                          <a:shade val="50000"/>
+                        </a:schemeClr>
+                      </a:lnRef>
+                      <a:fillRef idx="1">
+                        <a:schemeClr val="accent1"/>
+                      </a:fillRef>
+                      <a:effectRef idx="0">
+                        <a:schemeClr val="accent1"/>
+                      </a:effectRef>
+                      <a:fontRef idx="minor">
+                        <a:schemeClr val="lt1"/>
+                      </a:fontRef>
+                    </p:style>
+                    <p:txBody>
+                      <a:bodyPr rtlCol="0" anchor="ctr"/>
+                      <a:lstStyle/>
+                      <a:p>
+                        <a:pPr algn="ctr"/>
+                        <a:endParaRPr lang="pt-BR"/>
+                      </a:p>
+                    </p:txBody>
+                  </p:sp>
+                  <p:sp>
+                    <p:nvSpPr>
+                      <p:cNvPr id="85" name="Retângulo de cantos arredondados 84"/>
+                      <p:cNvSpPr/>
+                      <p:nvPr/>
+                    </p:nvSpPr>
+                    <p:spPr>
+                      <a:xfrm>
+                        <a:off x="5313379" y="2950096"/>
+                        <a:ext cx="108000" cy="108000"/>
+                      </a:xfrm>
+                      <a:prstGeom prst="roundRect">
+                        <a:avLst>
+                          <a:gd name="adj" fmla="val 5017"/>
+                        </a:avLst>
+                      </a:prstGeom>
+                      <a:solidFill>
+                        <a:schemeClr val="bg1">
+                          <a:lumMod val="95000"/>
+                        </a:schemeClr>
+                      </a:solidFill>
+                      <a:ln>
+                        <a:solidFill>
+                          <a:schemeClr val="bg1">
+                            <a:lumMod val="75000"/>
+                          </a:schemeClr>
+                        </a:solidFill>
+                      </a:ln>
+                    </p:spPr>
+                    <p:style>
+                      <a:lnRef idx="2">
+                        <a:schemeClr val="accent1">
+                          <a:shade val="50000"/>
+                        </a:schemeClr>
+                      </a:lnRef>
+                      <a:fillRef idx="1">
+                        <a:schemeClr val="accent1"/>
+                      </a:fillRef>
+                      <a:effectRef idx="0">
+                        <a:schemeClr val="accent1"/>
+                      </a:effectRef>
+                      <a:fontRef idx="minor">
+                        <a:schemeClr val="lt1"/>
+                      </a:fontRef>
+                    </p:style>
+                    <p:txBody>
+                      <a:bodyPr rtlCol="0" anchor="ctr"/>
+                      <a:lstStyle/>
+                      <a:p>
+                        <a:pPr algn="ctr"/>
+                        <a:endParaRPr lang="pt-BR"/>
+                      </a:p>
+                    </p:txBody>
+                  </p:sp>
+                  <p:sp>
+                    <p:nvSpPr>
+                      <p:cNvPr id="86" name="Retângulo de cantos arredondados 85"/>
+                      <p:cNvSpPr/>
+                      <p:nvPr/>
+                    </p:nvSpPr>
+                    <p:spPr>
+                      <a:xfrm>
+                        <a:off x="5313379" y="3102496"/>
+                        <a:ext cx="108000" cy="108000"/>
+                      </a:xfrm>
+                      <a:prstGeom prst="roundRect">
+                        <a:avLst>
+                          <a:gd name="adj" fmla="val 5017"/>
+                        </a:avLst>
+                      </a:prstGeom>
+                      <a:solidFill>
+                        <a:schemeClr val="bg1">
+                          <a:lumMod val="95000"/>
+                        </a:schemeClr>
+                      </a:solidFill>
+                      <a:ln>
+                        <a:solidFill>
+                          <a:schemeClr val="bg1">
+                            <a:lumMod val="75000"/>
+                          </a:schemeClr>
+                        </a:solidFill>
+                      </a:ln>
+                    </p:spPr>
+                    <p:style>
+                      <a:lnRef idx="2">
+                        <a:schemeClr val="accent1">
+                          <a:shade val="50000"/>
+                        </a:schemeClr>
+                      </a:lnRef>
+                      <a:fillRef idx="1">
+                        <a:schemeClr val="accent1"/>
+                      </a:fillRef>
+                      <a:effectRef idx="0">
+                        <a:schemeClr val="accent1"/>
+                      </a:effectRef>
+                      <a:fontRef idx="minor">
+                        <a:schemeClr val="lt1"/>
+                      </a:fontRef>
+                    </p:style>
+                    <p:txBody>
+                      <a:bodyPr rtlCol="0" anchor="ctr"/>
+                      <a:lstStyle/>
+                      <a:p>
+                        <a:pPr algn="ctr"/>
+                        <a:endParaRPr lang="pt-BR"/>
+                      </a:p>
+                    </p:txBody>
+                  </p:sp>
+                  <p:sp>
+                    <p:nvSpPr>
+                      <p:cNvPr id="87" name="Retângulo de cantos arredondados 86"/>
+                      <p:cNvSpPr/>
+                      <p:nvPr/>
+                    </p:nvSpPr>
+                    <p:spPr>
+                      <a:xfrm>
+                        <a:off x="5313379" y="3254896"/>
+                        <a:ext cx="108000" cy="108000"/>
+                      </a:xfrm>
+                      <a:prstGeom prst="roundRect">
+                        <a:avLst>
+                          <a:gd name="adj" fmla="val 5017"/>
+                        </a:avLst>
+                      </a:prstGeom>
+                      <a:solidFill>
+                        <a:schemeClr val="bg1">
+                          <a:lumMod val="95000"/>
+                        </a:schemeClr>
+                      </a:solidFill>
+                      <a:ln>
+                        <a:solidFill>
+                          <a:schemeClr val="bg1">
+                            <a:lumMod val="75000"/>
+                          </a:schemeClr>
+                        </a:solidFill>
+                      </a:ln>
+                    </p:spPr>
+                    <p:style>
+                      <a:lnRef idx="2">
+                        <a:schemeClr val="accent1">
+                          <a:shade val="50000"/>
+                        </a:schemeClr>
+                      </a:lnRef>
+                      <a:fillRef idx="1">
+                        <a:schemeClr val="accent1"/>
+                      </a:fillRef>
+                      <a:effectRef idx="0">
+                        <a:schemeClr val="accent1"/>
+                      </a:effectRef>
+                      <a:fontRef idx="minor">
+                        <a:schemeClr val="lt1"/>
+                      </a:fontRef>
+                    </p:style>
+                    <p:txBody>
+                      <a:bodyPr rtlCol="0" anchor="ctr"/>
+                      <a:lstStyle/>
+                      <a:p>
+                        <a:pPr algn="ctr"/>
+                        <a:endParaRPr lang="pt-BR"/>
+                      </a:p>
+                    </p:txBody>
+                  </p:sp>
+                  <p:sp>
+                    <p:nvSpPr>
+                      <p:cNvPr id="88" name="CaixaDeTexto 87"/>
+                      <p:cNvSpPr txBox="1"/>
+                      <p:nvPr/>
+                    </p:nvSpPr>
+                    <p:spPr>
+                      <a:xfrm>
+                        <a:off x="-193582" y="1125220"/>
+                        <a:ext cx="2160117" cy="2062103"/>
+                      </a:xfrm>
+                      <a:prstGeom prst="rect">
+                        <a:avLst/>
+                      </a:prstGeom>
+                      <a:noFill/>
+                    </p:spPr>
+                    <p:txBody>
+                      <a:bodyPr wrap="square" rtlCol="0">
+                        <a:spAutoFit/>
+                      </a:bodyPr>
+                      <a:lstStyle/>
+                      <a:p>
+                        <a:r>
+                          <a:rPr lang="pt-BR" sz="2400" dirty="0" smtClean="0">
+                            <a:latin typeface="Berlin Sans FB Demi" panose="020E0802020502020306" pitchFamily="34" charset="0"/>
+                          </a:rPr>
+                          <a:t>Planeje sua semana</a:t>
+                        </a:r>
+                      </a:p>
+                      <a:p>
+                        <a:r>
+                          <a:rPr lang="pt-BR" sz="1600" dirty="0" smtClean="0">
+                            <a:solidFill>
+                              <a:schemeClr val="tx1">
+                                <a:lumMod val="50000"/>
+                                <a:lumOff val="50000"/>
+                              </a:schemeClr>
+                            </a:solidFill>
+                            <a:latin typeface="Berlin Sans FB" panose="020E0602020502020306" pitchFamily="34" charset="0"/>
+                          </a:rPr>
+                          <a:t>Mostra seus compromissos e eventos de cada dia, incluindo horário e local.</a:t>
+                        </a:r>
+                        <a:endParaRPr lang="pt-BR" sz="1600" dirty="0">
+                          <a:solidFill>
+                            <a:schemeClr val="tx1">
+                              <a:lumMod val="50000"/>
+                              <a:lumOff val="50000"/>
+                            </a:schemeClr>
+                          </a:solidFill>
+                          <a:latin typeface="Berlin Sans FB" panose="020E0602020502020306" pitchFamily="34" charset="0"/>
+                        </a:endParaRPr>
+                      </a:p>
+                    </p:txBody>
+                  </p:sp>
+                </p:grpSp>
+                <p:grpSp>
+                  <p:nvGrpSpPr>
+                    <p:cNvPr id="46" name="Grupo 45"/>
+                    <p:cNvGrpSpPr/>
+                    <p:nvPr/>
+                  </p:nvGrpSpPr>
+                  <p:grpSpPr>
+                    <a:xfrm>
+                      <a:off x="-291704" y="1087976"/>
+                      <a:ext cx="432000" cy="396808"/>
+                      <a:chOff x="-189549" y="2396212"/>
+                      <a:chExt cx="432000" cy="396808"/>
+                    </a:xfrm>
+                  </p:grpSpPr>
+                  <p:grpSp>
+                    <p:nvGrpSpPr>
+                      <p:cNvPr id="47" name="Grupo 46"/>
+                      <p:cNvGrpSpPr/>
+                      <p:nvPr/>
+                    </p:nvGrpSpPr>
+                    <p:grpSpPr>
+                      <a:xfrm>
+                        <a:off x="-189549" y="2397021"/>
+                        <a:ext cx="432000" cy="395999"/>
+                        <a:chOff x="-189549" y="2397021"/>
+                        <a:chExt cx="432000" cy="395999"/>
+                      </a:xfrm>
+                    </p:grpSpPr>
+                    <p:grpSp>
+                      <p:nvGrpSpPr>
+                        <p:cNvPr id="52" name="Grupo 51"/>
+                        <p:cNvGrpSpPr/>
+                        <p:nvPr/>
+                      </p:nvGrpSpPr>
+                      <p:grpSpPr>
+                        <a:xfrm>
+                          <a:off x="-189549" y="2397021"/>
+                          <a:ext cx="432000" cy="395999"/>
+                          <a:chOff x="-929956" y="1465002"/>
+                          <a:chExt cx="1008112" cy="938733"/>
+                        </a:xfrm>
+                      </p:grpSpPr>
+                      <p:sp>
+                        <p:nvSpPr>
+                          <p:cNvPr id="56" name="Retângulo de cantos arredondados 55"/>
+                          <p:cNvSpPr/>
+                          <p:nvPr/>
+                        </p:nvSpPr>
+                        <p:spPr>
+                          <a:xfrm>
+                            <a:off x="-929956" y="1644753"/>
+                            <a:ext cx="1008112" cy="758982"/>
+                          </a:xfrm>
+                          <a:prstGeom prst="roundRect">
+                            <a:avLst>
+                              <a:gd name="adj" fmla="val 10930"/>
+                            </a:avLst>
+                          </a:prstGeom>
+                          <a:solidFill>
+                            <a:schemeClr val="bg1">
+                              <a:lumMod val="95000"/>
+                            </a:schemeClr>
+                          </a:solidFill>
+                          <a:ln w="9525">
+                            <a:solidFill>
+                              <a:schemeClr val="bg1">
+                                <a:lumMod val="65000"/>
+                              </a:schemeClr>
+                            </a:solidFill>
+                          </a:ln>
+                        </p:spPr>
+                        <p:style>
+                          <a:lnRef idx="2">
+                            <a:schemeClr val="accent1">
+                              <a:shade val="50000"/>
+                            </a:schemeClr>
+                          </a:lnRef>
+                          <a:fillRef idx="1">
+                            <a:schemeClr val="accent1"/>
+                          </a:fillRef>
+                          <a:effectRef idx="0">
+                            <a:schemeClr val="accent1"/>
+                          </a:effectRef>
+                          <a:fontRef idx="minor">
+                            <a:schemeClr val="lt1"/>
+                          </a:fontRef>
+                        </p:style>
+                        <p:txBody>
+                          <a:bodyPr rtlCol="0" anchor="ctr"/>
+                          <a:lstStyle/>
+                          <a:p>
+                            <a:pPr algn="ctr"/>
+                            <a:endParaRPr lang="pt-BR"/>
+                          </a:p>
+                        </p:txBody>
+                      </p:sp>
+                      <p:grpSp>
+                        <p:nvGrpSpPr>
+                          <p:cNvPr id="57" name="Grupo 56"/>
+                          <p:cNvGrpSpPr/>
+                          <p:nvPr/>
+                        </p:nvGrpSpPr>
+                        <p:grpSpPr>
+                          <a:xfrm>
+                            <a:off x="-929956" y="1465002"/>
+                            <a:ext cx="1008112" cy="545410"/>
+                            <a:chOff x="-929956" y="1465002"/>
+                            <a:chExt cx="1008112" cy="545410"/>
+                          </a:xfrm>
+                        </p:grpSpPr>
+                        <p:sp>
+                          <p:nvSpPr>
+                            <p:cNvPr id="58" name="Retângulo de cantos arredondados 57"/>
+                            <p:cNvSpPr/>
+                            <p:nvPr/>
+                          </p:nvSpPr>
+                          <p:spPr>
+                            <a:xfrm>
+                              <a:off x="-929956" y="1653560"/>
+                              <a:ext cx="1008112" cy="208895"/>
+                            </a:xfrm>
+                            <a:prstGeom prst="roundRect">
+                              <a:avLst>
+                                <a:gd name="adj" fmla="val 7413"/>
+                              </a:avLst>
+                            </a:prstGeom>
+                            <a:ln w="9525"/>
+                          </p:spPr>
+                          <p:style>
+                            <a:lnRef idx="2">
+                              <a:schemeClr val="accent2">
+                                <a:shade val="50000"/>
+                              </a:schemeClr>
+                            </a:lnRef>
+                            <a:fillRef idx="1">
+                              <a:schemeClr val="accent2"/>
+                            </a:fillRef>
+                            <a:effectRef idx="0">
+                              <a:schemeClr val="accent2"/>
+                            </a:effectRef>
+                            <a:fontRef idx="minor">
+                              <a:schemeClr val="lt1"/>
+                            </a:fontRef>
+                          </p:style>
+                          <p:txBody>
+                            <a:bodyPr rtlCol="0" anchor="ctr"/>
+                            <a:lstStyle/>
+                            <a:p>
+                              <a:pPr algn="ctr"/>
+                              <a:endParaRPr lang="pt-BR"/>
+                            </a:p>
+                          </p:txBody>
+                        </p:sp>
+                        <p:sp>
+                          <p:nvSpPr>
+                            <p:cNvPr id="59" name="Elipse 58"/>
+                            <p:cNvSpPr/>
+                            <p:nvPr/>
+                          </p:nvSpPr>
+                          <p:spPr>
+                            <a:xfrm>
+                              <a:off x="-717846" y="1654949"/>
+                              <a:ext cx="90000" cy="90000"/>
+                            </a:xfrm>
+                            <a:prstGeom prst="ellipse">
+                              <a:avLst/>
+                            </a:prstGeom>
+                            <a:solidFill>
+                              <a:schemeClr val="bg1">
+                                <a:lumMod val="95000"/>
+                              </a:schemeClr>
+                            </a:solidFill>
+                            <a:ln>
+                              <a:noFill/>
+                            </a:ln>
+                          </p:spPr>
+                          <p:style>
+                            <a:lnRef idx="2">
+                              <a:schemeClr val="accent1">
+                                <a:shade val="50000"/>
+                              </a:schemeClr>
+                            </a:lnRef>
+                            <a:fillRef idx="1">
+                              <a:schemeClr val="accent1"/>
+                            </a:fillRef>
+                            <a:effectRef idx="0">
+                              <a:schemeClr val="accent1"/>
+                            </a:effectRef>
+                            <a:fontRef idx="minor">
+                              <a:schemeClr val="lt1"/>
+                            </a:fontRef>
+                          </p:style>
+                          <p:txBody>
+                            <a:bodyPr rtlCol="0" anchor="ctr"/>
+                            <a:lstStyle/>
+                            <a:p>
+                              <a:pPr algn="ctr"/>
+                              <a:endParaRPr lang="pt-BR"/>
+                            </a:p>
+                          </p:txBody>
+                        </p:sp>
+                        <p:sp>
+                          <p:nvSpPr>
+                            <p:cNvPr id="60" name="Semicírculos 59"/>
+                            <p:cNvSpPr/>
+                            <p:nvPr/>
+                          </p:nvSpPr>
+                          <p:spPr>
+                            <a:xfrm>
+                              <a:off x="-900069" y="1465002"/>
+                              <a:ext cx="252000" cy="545410"/>
+                            </a:xfrm>
+                            <a:prstGeom prst="blockArc">
+                              <a:avLst>
+                                <a:gd name="adj1" fmla="val 12967260"/>
+                                <a:gd name="adj2" fmla="val 21071115"/>
+                                <a:gd name="adj3" fmla="val 17931"/>
+                              </a:avLst>
+                            </a:prstGeom>
+                            <a:solidFill>
+                              <a:schemeClr val="tx1">
+                                <a:lumMod val="75000"/>
+                                <a:lumOff val="25000"/>
+                              </a:schemeClr>
+                            </a:solidFill>
+                            <a:ln>
+                              <a:noFill/>
+                            </a:ln>
+                          </p:spPr>
+                          <p:style>
+                            <a:lnRef idx="2">
+                              <a:schemeClr val="accent1">
+                                <a:shade val="50000"/>
+                              </a:schemeClr>
+                            </a:lnRef>
+                            <a:fillRef idx="1">
+                              <a:schemeClr val="accent1"/>
+                            </a:fillRef>
+                            <a:effectRef idx="0">
+                              <a:schemeClr val="accent1"/>
+                            </a:effectRef>
+                            <a:fontRef idx="minor">
+                              <a:schemeClr val="lt1"/>
+                            </a:fontRef>
+                          </p:style>
+                          <p:txBody>
+                            <a:bodyPr rtlCol="0" anchor="ctr"/>
+                            <a:lstStyle/>
+                            <a:p>
+                              <a:pPr algn="ctr"/>
+                              <a:endParaRPr lang="pt-BR">
+                                <a:solidFill>
+                                  <a:schemeClr val="tx1"/>
+                                </a:solidFill>
+                              </a:endParaRPr>
+                            </a:p>
+                          </p:txBody>
+                        </p:sp>
+                      </p:grpSp>
+                    </p:grpSp>
+                    <p:grpSp>
+                      <p:nvGrpSpPr>
+                        <p:cNvPr id="53" name="Grupo 52"/>
+                        <p:cNvGrpSpPr/>
+                        <p:nvPr/>
+                      </p:nvGrpSpPr>
+                      <p:grpSpPr>
+                        <a:xfrm>
+                          <a:off x="-55349" y="2626028"/>
+                          <a:ext cx="255727" cy="144000"/>
+                          <a:chOff x="814341" y="4189024"/>
+                          <a:chExt cx="275796" cy="205715"/>
+                        </a:xfrm>
+                      </p:grpSpPr>
+                      <p:sp>
+                        <p:nvSpPr>
+                          <p:cNvPr id="54" name="Retângulo 53"/>
+                          <p:cNvSpPr/>
+                          <p:nvPr/>
+                        </p:nvSpPr>
+                        <p:spPr>
+                          <a:xfrm rot="19080000">
+                            <a:off x="814341" y="4189024"/>
+                            <a:ext cx="69885" cy="205715"/>
+                          </a:xfrm>
+                          <a:prstGeom prst="rect">
+                            <a:avLst/>
+                          </a:prstGeom>
+                          <a:solidFill>
+                            <a:srgbClr val="71F319"/>
+                          </a:solidFill>
+                          <a:ln>
+                            <a:noFill/>
+                          </a:ln>
+                        </p:spPr>
+                        <p:style>
+                          <a:lnRef idx="2">
+                            <a:schemeClr val="accent1">
+                              <a:shade val="50000"/>
+                            </a:schemeClr>
+                          </a:lnRef>
+                          <a:fillRef idx="1">
+                            <a:schemeClr val="accent1"/>
+                          </a:fillRef>
+                          <a:effectRef idx="0">
+                            <a:schemeClr val="accent1"/>
+                          </a:effectRef>
+                          <a:fontRef idx="minor">
+                            <a:schemeClr val="lt1"/>
+                          </a:fontRef>
+                        </p:style>
+                        <p:txBody>
+                          <a:bodyPr rtlCol="0" anchor="ctr"/>
+                          <a:lstStyle/>
+                          <a:p>
+                            <a:pPr algn="ctr"/>
+                            <a:endParaRPr lang="pt-BR"/>
+                          </a:p>
+                        </p:txBody>
+                      </p:sp>
+                      <p:sp>
+                        <p:nvSpPr>
+                          <p:cNvPr id="55" name="Retângulo 54"/>
+                          <p:cNvSpPr/>
+                          <p:nvPr/>
+                        </p:nvSpPr>
+                        <p:spPr>
+                          <a:xfrm rot="3000000">
+                            <a:off x="915676" y="4118140"/>
+                            <a:ext cx="77143" cy="271778"/>
+                          </a:xfrm>
+                          <a:prstGeom prst="rect">
+                            <a:avLst/>
+                          </a:prstGeom>
+                          <a:solidFill>
+                            <a:srgbClr val="71F319"/>
+                          </a:solidFill>
+                          <a:ln>
+                            <a:noFill/>
+                          </a:ln>
+                        </p:spPr>
+                        <p:style>
+                          <a:lnRef idx="2">
+                            <a:schemeClr val="accent1">
+                              <a:shade val="50000"/>
+                            </a:schemeClr>
+                          </a:lnRef>
+                          <a:fillRef idx="1">
+                            <a:schemeClr val="accent1"/>
+                          </a:fillRef>
+                          <a:effectRef idx="0">
+                            <a:schemeClr val="accent1"/>
+                          </a:effectRef>
+                          <a:fontRef idx="minor">
+                            <a:schemeClr val="lt1"/>
+                          </a:fontRef>
+                        </p:style>
+                        <p:txBody>
+                          <a:bodyPr rtlCol="0" anchor="ctr"/>
+                          <a:lstStyle/>
+                          <a:p>
+                            <a:pPr algn="ctr"/>
+                            <a:endParaRPr lang="pt-BR"/>
+                          </a:p>
+                        </p:txBody>
+                      </p:sp>
+                    </p:grpSp>
+                  </p:grpSp>
+                  <p:sp>
+                    <p:nvSpPr>
+                      <p:cNvPr id="48" name="Elipse 47"/>
+                      <p:cNvSpPr/>
+                      <p:nvPr/>
+                    </p:nvSpPr>
+                    <p:spPr>
+                      <a:xfrm>
+                        <a:off x="29042" y="2476341"/>
+                        <a:ext cx="38567" cy="37966"/>
+                      </a:xfrm>
+                      <a:prstGeom prst="ellipse">
+                        <a:avLst/>
+                      </a:prstGeom>
+                      <a:solidFill>
+                        <a:schemeClr val="bg1">
+                          <a:lumMod val="95000"/>
+                        </a:schemeClr>
+                      </a:solidFill>
+                      <a:ln>
+                        <a:noFill/>
+                      </a:ln>
+                    </p:spPr>
+                    <p:style>
+                      <a:lnRef idx="2">
+                        <a:schemeClr val="accent1">
+                          <a:shade val="50000"/>
+                        </a:schemeClr>
+                      </a:lnRef>
+                      <a:fillRef idx="1">
+                        <a:schemeClr val="accent1"/>
+                      </a:fillRef>
+                      <a:effectRef idx="0">
+                        <a:schemeClr val="accent1"/>
+                      </a:effectRef>
+                      <a:fontRef idx="minor">
+                        <a:schemeClr val="lt1"/>
+                      </a:fontRef>
+                    </p:style>
+                    <p:txBody>
+                      <a:bodyPr rtlCol="0" anchor="ctr"/>
+                      <a:lstStyle/>
+                      <a:p>
+                        <a:pPr algn="ctr"/>
+                        <a:endParaRPr lang="pt-BR"/>
+                      </a:p>
+                    </p:txBody>
+                  </p:sp>
+                  <p:sp>
+                    <p:nvSpPr>
+                      <p:cNvPr id="49" name="Semicírculos 48"/>
+                      <p:cNvSpPr/>
+                      <p:nvPr/>
+                    </p:nvSpPr>
+                    <p:spPr>
+                      <a:xfrm>
+                        <a:off x="-49045" y="2396212"/>
+                        <a:ext cx="107988" cy="230078"/>
+                      </a:xfrm>
+                      <a:prstGeom prst="blockArc">
+                        <a:avLst>
+                          <a:gd name="adj1" fmla="val 12967260"/>
+                          <a:gd name="adj2" fmla="val 21071115"/>
+                          <a:gd name="adj3" fmla="val 17931"/>
+                        </a:avLst>
+                      </a:prstGeom>
+                      <a:solidFill>
+                        <a:schemeClr val="tx1">
+                          <a:lumMod val="75000"/>
+                          <a:lumOff val="25000"/>
+                        </a:schemeClr>
+                      </a:solidFill>
+                      <a:ln>
+                        <a:noFill/>
+                      </a:ln>
+                    </p:spPr>
+                    <p:style>
+                      <a:lnRef idx="2">
+                        <a:schemeClr val="accent1">
+                          <a:shade val="50000"/>
+                        </a:schemeClr>
+                      </a:lnRef>
+                      <a:fillRef idx="1">
+                        <a:schemeClr val="accent1"/>
+                      </a:fillRef>
+                      <a:effectRef idx="0">
+                        <a:schemeClr val="accent1"/>
+                      </a:effectRef>
+                      <a:fontRef idx="minor">
+                        <a:schemeClr val="lt1"/>
+                      </a:fontRef>
+                    </p:style>
+                    <p:txBody>
+                      <a:bodyPr rtlCol="0" anchor="ctr"/>
+                      <a:lstStyle/>
+                      <a:p>
+                        <a:pPr algn="ctr"/>
+                        <a:endParaRPr lang="pt-BR">
+                          <a:solidFill>
+                            <a:schemeClr val="tx1"/>
+                          </a:solidFill>
+                        </a:endParaRPr>
+                      </a:p>
+                    </p:txBody>
+                  </p:sp>
+                  <p:sp>
+                    <p:nvSpPr>
+                      <p:cNvPr id="50" name="Elipse 49"/>
+                      <p:cNvSpPr/>
+                      <p:nvPr/>
+                    </p:nvSpPr>
+                    <p:spPr>
+                      <a:xfrm>
+                        <a:off x="161733" y="2476341"/>
+                        <a:ext cx="38567" cy="37966"/>
+                      </a:xfrm>
+                      <a:prstGeom prst="ellipse">
+                        <a:avLst/>
+                      </a:prstGeom>
+                      <a:solidFill>
+                        <a:schemeClr val="bg1">
+                          <a:lumMod val="95000"/>
+                        </a:schemeClr>
+                      </a:solidFill>
+                      <a:ln>
+                        <a:noFill/>
+                      </a:ln>
+                    </p:spPr>
+                    <p:style>
+                      <a:lnRef idx="2">
+                        <a:schemeClr val="accent1">
+                          <a:shade val="50000"/>
+                        </a:schemeClr>
+                      </a:lnRef>
+                      <a:fillRef idx="1">
+                        <a:schemeClr val="accent1"/>
+                      </a:fillRef>
+                      <a:effectRef idx="0">
+                        <a:schemeClr val="accent1"/>
+                      </a:effectRef>
+                      <a:fontRef idx="minor">
+                        <a:schemeClr val="lt1"/>
+                      </a:fontRef>
+                    </p:style>
+                    <p:txBody>
+                      <a:bodyPr rtlCol="0" anchor="ctr"/>
+                      <a:lstStyle/>
+                      <a:p>
+                        <a:pPr algn="ctr"/>
+                        <a:endParaRPr lang="pt-BR"/>
+                      </a:p>
+                    </p:txBody>
+                  </p:sp>
+                  <p:sp>
+                    <p:nvSpPr>
+                      <p:cNvPr id="51" name="Semicírculos 50"/>
+                      <p:cNvSpPr/>
+                      <p:nvPr/>
+                    </p:nvSpPr>
+                    <p:spPr>
+                      <a:xfrm>
+                        <a:off x="83646" y="2396212"/>
+                        <a:ext cx="107988" cy="230078"/>
+                      </a:xfrm>
+                      <a:prstGeom prst="blockArc">
+                        <a:avLst>
+                          <a:gd name="adj1" fmla="val 12967260"/>
+                          <a:gd name="adj2" fmla="val 21071115"/>
+                          <a:gd name="adj3" fmla="val 17931"/>
+                        </a:avLst>
+                      </a:prstGeom>
+                      <a:solidFill>
+                        <a:schemeClr val="tx1">
+                          <a:lumMod val="75000"/>
+                          <a:lumOff val="25000"/>
+                        </a:schemeClr>
+                      </a:solidFill>
+                      <a:ln>
+                        <a:noFill/>
+                      </a:ln>
+                    </p:spPr>
+                    <p:style>
+                      <a:lnRef idx="2">
+                        <a:schemeClr val="accent1">
+                          <a:shade val="50000"/>
+                        </a:schemeClr>
+                      </a:lnRef>
+                      <a:fillRef idx="1">
+                        <a:schemeClr val="accent1"/>
+                      </a:fillRef>
+                      <a:effectRef idx="0">
+                        <a:schemeClr val="accent1"/>
+                      </a:effectRef>
+                      <a:fontRef idx="minor">
+                        <a:schemeClr val="lt1"/>
+                      </a:fontRef>
+                    </p:style>
+                    <p:txBody>
+                      <a:bodyPr rtlCol="0" anchor="ctr"/>
+                      <a:lstStyle/>
+                      <a:p>
+                        <a:pPr algn="ctr"/>
+                        <a:endParaRPr lang="pt-BR">
+                          <a:solidFill>
+                            <a:schemeClr val="tx1"/>
+                          </a:solidFill>
+                        </a:endParaRPr>
+                      </a:p>
+                    </p:txBody>
+                  </p:sp>
+                </p:grpSp>
+              </p:grpSp>
+              <p:sp>
+                <p:nvSpPr>
+                  <p:cNvPr id="32" name="CaixaDeTexto 31"/>
+                  <p:cNvSpPr txBox="1"/>
+                  <p:nvPr/>
+                </p:nvSpPr>
+                <p:spPr>
+                  <a:xfrm>
+                    <a:off x="611560" y="3377348"/>
+                    <a:ext cx="1728191" cy="1938992"/>
+                  </a:xfrm>
+                  <a:prstGeom prst="rect">
+                    <a:avLst/>
+                  </a:prstGeom>
+                  <a:noFill/>
+                </p:spPr>
+                <p:txBody>
+                  <a:bodyPr wrap="square" rtlCol="0">
+                    <a:spAutoFit/>
+                  </a:bodyPr>
+                  <a:lstStyle/>
+                  <a:p>
+                    <a:r>
+                      <a:rPr lang="pt-BR" sz="2400" dirty="0" smtClean="0">
+                        <a:latin typeface="Berlin Sans FB Demi" panose="020E0802020502020306" pitchFamily="34" charset="0"/>
+                      </a:rPr>
+                      <a:t>Se atualize</a:t>
+                    </a:r>
+                  </a:p>
+                  <a:p>
+                    <a:r>
+                      <a:rPr lang="pt-BR" sz="1600" dirty="0" smtClean="0">
+                        <a:solidFill>
+                          <a:schemeClr val="tx1">
+                            <a:lumMod val="50000"/>
+                            <a:lumOff val="50000"/>
+                          </a:schemeClr>
+                        </a:solidFill>
+                        <a:latin typeface="Berlin Sans FB" panose="020E0602020502020306" pitchFamily="34" charset="0"/>
+                      </a:rPr>
+                      <a:t>Anuncia notícias de todo o mundo para te informar e te inspirar para atingir seus objetivos.</a:t>
+                    </a:r>
+                    <a:endParaRPr lang="pt-BR" sz="1600" dirty="0">
+                      <a:solidFill>
+                        <a:schemeClr val="tx1">
+                          <a:lumMod val="50000"/>
+                          <a:lumOff val="50000"/>
+                        </a:schemeClr>
+                      </a:solidFill>
+                      <a:latin typeface="Berlin Sans FB" panose="020E0602020502020306" pitchFamily="34" charset="0"/>
+                    </a:endParaRPr>
+                  </a:p>
+                </p:txBody>
+              </p:sp>
+              <p:grpSp>
+                <p:nvGrpSpPr>
+                  <p:cNvPr id="33" name="Grupo 32"/>
+                  <p:cNvGrpSpPr/>
+                  <p:nvPr/>
+                </p:nvGrpSpPr>
+                <p:grpSpPr>
+                  <a:xfrm>
+                    <a:off x="12" y="3426408"/>
+                    <a:ext cx="493043" cy="522980"/>
+                    <a:chOff x="2725454" y="4778228"/>
+                    <a:chExt cx="493043" cy="522980"/>
+                  </a:xfrm>
+                </p:grpSpPr>
+                <p:sp>
+                  <p:nvSpPr>
+                    <p:cNvPr id="34" name="Retângulo de cantos arredondados 33"/>
+                    <p:cNvSpPr/>
+                    <p:nvPr/>
+                  </p:nvSpPr>
+                  <p:spPr>
+                    <a:xfrm>
+                      <a:off x="2882867" y="4869160"/>
+                      <a:ext cx="335630" cy="432048"/>
+                    </a:xfrm>
+                    <a:prstGeom prst="roundRect">
+                      <a:avLst>
+                        <a:gd name="adj" fmla="val 3045"/>
+                      </a:avLst>
+                    </a:prstGeom>
+                    <a:solidFill>
+                      <a:srgbClr val="1922CD"/>
+                    </a:solidFill>
+                    <a:ln w="12700">
+                      <a:solidFill>
+                        <a:schemeClr val="bg1">
+                          <a:lumMod val="75000"/>
+                        </a:schemeClr>
+                      </a:solidFill>
+                    </a:ln>
+                  </p:spPr>
+                  <p:style>
+                    <a:lnRef idx="2">
+                      <a:schemeClr val="accent1">
+                        <a:shade val="50000"/>
+                      </a:schemeClr>
+                    </a:lnRef>
+                    <a:fillRef idx="1">
+                      <a:schemeClr val="accent1"/>
+                    </a:fillRef>
+                    <a:effectRef idx="0">
+                      <a:schemeClr val="accent1"/>
+                    </a:effectRef>
+                    <a:fontRef idx="minor">
+                      <a:schemeClr val="lt1"/>
+                    </a:fontRef>
+                  </p:style>
+                  <p:txBody>
+                    <a:bodyPr rtlCol="0" anchor="ctr"/>
+                    <a:lstStyle/>
+                    <a:p>
+                      <a:pPr algn="ctr"/>
+                      <a:endParaRPr lang="pt-BR"/>
+                    </a:p>
+                  </p:txBody>
+                </p:sp>
+                <p:sp>
+                  <p:nvSpPr>
+                    <p:cNvPr id="35" name="Retângulo de cantos arredondados 34"/>
+                    <p:cNvSpPr/>
+                    <p:nvPr/>
+                  </p:nvSpPr>
+                  <p:spPr>
+                    <a:xfrm>
+                      <a:off x="2771800" y="4797152"/>
+                      <a:ext cx="335630" cy="432048"/>
+                    </a:xfrm>
+                    <a:prstGeom prst="roundRect">
+                      <a:avLst>
+                        <a:gd name="adj" fmla="val 3045"/>
+                      </a:avLst>
+                    </a:prstGeom>
+                    <a:solidFill>
+                      <a:srgbClr val="353DE7"/>
+                    </a:solidFill>
+                    <a:ln w="12700">
+                      <a:solidFill>
+                        <a:schemeClr val="bg1">
+                          <a:lumMod val="75000"/>
+                        </a:schemeClr>
+                      </a:solidFill>
+                    </a:ln>
+                  </p:spPr>
+                  <p:style>
+                    <a:lnRef idx="2">
+                      <a:schemeClr val="accent1">
+                        <a:shade val="50000"/>
+                      </a:schemeClr>
+                    </a:lnRef>
+                    <a:fillRef idx="1">
+                      <a:schemeClr val="accent1"/>
+                    </a:fillRef>
+                    <a:effectRef idx="0">
+                      <a:schemeClr val="accent1"/>
+                    </a:effectRef>
+                    <a:fontRef idx="minor">
+                      <a:schemeClr val="lt1"/>
+                    </a:fontRef>
+                  </p:style>
+                  <p:txBody>
+                    <a:bodyPr rtlCol="0" anchor="ctr"/>
+                    <a:lstStyle/>
+                    <a:p>
+                      <a:pPr algn="ctr"/>
+                      <a:endParaRPr lang="pt-BR" dirty="0"/>
+                    </a:p>
+                  </p:txBody>
+                </p:sp>
+                <p:grpSp>
+                  <p:nvGrpSpPr>
+                    <p:cNvPr id="36" name="Grupo 35"/>
+                    <p:cNvGrpSpPr/>
+                    <p:nvPr/>
+                  </p:nvGrpSpPr>
+                  <p:grpSpPr>
+                    <a:xfrm>
+                      <a:off x="2725454" y="4778228"/>
+                      <a:ext cx="428322" cy="416283"/>
+                      <a:chOff x="2725454" y="4778228"/>
+                      <a:chExt cx="428322" cy="416283"/>
+                    </a:xfrm>
+                  </p:grpSpPr>
+                  <p:sp>
+                    <p:nvSpPr>
+                      <p:cNvPr id="38" name="Retângulo 37"/>
+                      <p:cNvSpPr/>
+                      <p:nvPr/>
+                    </p:nvSpPr>
+                    <p:spPr>
+                      <a:xfrm>
+                        <a:off x="2808786" y="4997640"/>
+                        <a:ext cx="126000" cy="18000"/>
+                      </a:xfrm>
+                      <a:prstGeom prst="rect">
+                        <a:avLst/>
+                      </a:prstGeom>
+                      <a:solidFill>
+                        <a:schemeClr val="bg1">
+                          <a:lumMod val="85000"/>
+                        </a:schemeClr>
+                      </a:solidFill>
+                      <a:ln>
+                        <a:noFill/>
+                      </a:ln>
+                    </p:spPr>
+                    <p:style>
+                      <a:lnRef idx="2">
+                        <a:schemeClr val="accent1">
+                          <a:shade val="50000"/>
+                        </a:schemeClr>
+                      </a:lnRef>
+                      <a:fillRef idx="1">
+                        <a:schemeClr val="accent1"/>
+                      </a:fillRef>
+                      <a:effectRef idx="0">
+                        <a:schemeClr val="accent1"/>
+                      </a:effectRef>
+                      <a:fontRef idx="minor">
+                        <a:schemeClr val="lt1"/>
+                      </a:fontRef>
+                    </p:style>
+                    <p:txBody>
+                      <a:bodyPr rtlCol="0" anchor="ctr"/>
+                      <a:lstStyle/>
+                      <a:p>
+                        <a:pPr algn="ctr"/>
+                        <a:endParaRPr lang="pt-BR"/>
+                      </a:p>
+                    </p:txBody>
+                  </p:sp>
+                  <p:sp>
+                    <p:nvSpPr>
+                      <p:cNvPr id="39" name="Retângulo 38"/>
+                      <p:cNvSpPr/>
+                      <p:nvPr/>
+                    </p:nvSpPr>
+                    <p:spPr>
+                      <a:xfrm>
+                        <a:off x="2808786" y="5042168"/>
+                        <a:ext cx="126000" cy="18000"/>
+                      </a:xfrm>
+                      <a:prstGeom prst="rect">
+                        <a:avLst/>
+                      </a:prstGeom>
+                      <a:solidFill>
+                        <a:schemeClr val="bg1">
+                          <a:lumMod val="85000"/>
+                        </a:schemeClr>
+                      </a:solidFill>
+                      <a:ln>
+                        <a:noFill/>
+                      </a:ln>
+                    </p:spPr>
+                    <p:style>
+                      <a:lnRef idx="2">
+                        <a:schemeClr val="accent1">
+                          <a:shade val="50000"/>
+                        </a:schemeClr>
+                      </a:lnRef>
+                      <a:fillRef idx="1">
+                        <a:schemeClr val="accent1"/>
+                      </a:fillRef>
+                      <a:effectRef idx="0">
+                        <a:schemeClr val="accent1"/>
+                      </a:effectRef>
+                      <a:fontRef idx="minor">
+                        <a:schemeClr val="lt1"/>
+                      </a:fontRef>
+                    </p:style>
+                    <p:txBody>
+                      <a:bodyPr rtlCol="0" anchor="ctr"/>
+                      <a:lstStyle/>
+                      <a:p>
+                        <a:pPr algn="ctr"/>
+                        <a:endParaRPr lang="pt-BR"/>
+                      </a:p>
+                    </p:txBody>
+                  </p:sp>
+                  <p:sp>
+                    <p:nvSpPr>
+                      <p:cNvPr id="40" name="Retângulo 39"/>
+                      <p:cNvSpPr/>
+                      <p:nvPr/>
+                    </p:nvSpPr>
+                    <p:spPr>
+                      <a:xfrm>
+                        <a:off x="2808786" y="5135784"/>
+                        <a:ext cx="126000" cy="18000"/>
+                      </a:xfrm>
+                      <a:prstGeom prst="rect">
+                        <a:avLst/>
+                      </a:prstGeom>
+                      <a:solidFill>
+                        <a:schemeClr val="bg1">
+                          <a:lumMod val="85000"/>
+                        </a:schemeClr>
+                      </a:solidFill>
+                      <a:ln>
+                        <a:noFill/>
+                      </a:ln>
+                    </p:spPr>
+                    <p:style>
+                      <a:lnRef idx="2">
+                        <a:schemeClr val="accent1">
+                          <a:shade val="50000"/>
+                        </a:schemeClr>
+                      </a:lnRef>
+                      <a:fillRef idx="1">
+                        <a:schemeClr val="accent1"/>
+                      </a:fillRef>
+                      <a:effectRef idx="0">
+                        <a:schemeClr val="accent1"/>
+                      </a:effectRef>
+                      <a:fontRef idx="minor">
+                        <a:schemeClr val="lt1"/>
+                      </a:fontRef>
+                    </p:style>
+                    <p:txBody>
+                      <a:bodyPr rtlCol="0" anchor="ctr"/>
+                      <a:lstStyle/>
+                      <a:p>
+                        <a:pPr algn="ctr"/>
+                        <a:endParaRPr lang="pt-BR"/>
+                      </a:p>
+                    </p:txBody>
+                  </p:sp>
+                  <p:sp>
+                    <p:nvSpPr>
+                      <p:cNvPr id="41" name="Retângulo 40"/>
+                      <p:cNvSpPr/>
+                      <p:nvPr/>
+                    </p:nvSpPr>
+                    <p:spPr>
+                      <a:xfrm>
+                        <a:off x="2808786" y="5088312"/>
+                        <a:ext cx="126000" cy="18000"/>
+                      </a:xfrm>
+                      <a:prstGeom prst="rect">
+                        <a:avLst/>
+                      </a:prstGeom>
+                      <a:solidFill>
+                        <a:schemeClr val="bg1">
+                          <a:lumMod val="85000"/>
+                        </a:schemeClr>
+                      </a:solidFill>
+                      <a:ln>
+                        <a:noFill/>
+                      </a:ln>
+                    </p:spPr>
+                    <p:style>
+                      <a:lnRef idx="2">
+                        <a:schemeClr val="accent1">
+                          <a:shade val="50000"/>
+                        </a:schemeClr>
+                      </a:lnRef>
+                      <a:fillRef idx="1">
+                        <a:schemeClr val="accent1"/>
+                      </a:fillRef>
+                      <a:effectRef idx="0">
+                        <a:schemeClr val="accent1"/>
+                      </a:effectRef>
+                      <a:fontRef idx="minor">
+                        <a:schemeClr val="lt1"/>
+                      </a:fontRef>
+                    </p:style>
+                    <p:txBody>
+                      <a:bodyPr rtlCol="0" anchor="ctr"/>
+                      <a:lstStyle/>
+                      <a:p>
+                        <a:pPr algn="ctr"/>
+                        <a:endParaRPr lang="pt-BR"/>
+                      </a:p>
+                    </p:txBody>
+                  </p:sp>
+                  <p:sp>
+                    <p:nvSpPr>
+                      <p:cNvPr id="42" name="Retângulo 41"/>
+                      <p:cNvSpPr/>
+                      <p:nvPr/>
+                    </p:nvSpPr>
+                    <p:spPr>
+                      <a:xfrm>
+                        <a:off x="2808786" y="5176511"/>
+                        <a:ext cx="126000" cy="18000"/>
+                      </a:xfrm>
+                      <a:prstGeom prst="rect">
+                        <a:avLst/>
+                      </a:prstGeom>
+                      <a:solidFill>
+                        <a:schemeClr val="bg1">
+                          <a:lumMod val="85000"/>
+                        </a:schemeClr>
+                      </a:solidFill>
+                      <a:ln>
+                        <a:noFill/>
+                      </a:ln>
+                    </p:spPr>
+                    <p:style>
+                      <a:lnRef idx="2">
+                        <a:schemeClr val="accent1">
+                          <a:shade val="50000"/>
+                        </a:schemeClr>
+                      </a:lnRef>
+                      <a:fillRef idx="1">
+                        <a:schemeClr val="accent1"/>
+                      </a:fillRef>
+                      <a:effectRef idx="0">
+                        <a:schemeClr val="accent1"/>
+                      </a:effectRef>
+                      <a:fontRef idx="minor">
+                        <a:schemeClr val="lt1"/>
+                      </a:fontRef>
+                    </p:style>
+                    <p:txBody>
+                      <a:bodyPr rtlCol="0" anchor="ctr"/>
+                      <a:lstStyle/>
+                      <a:p>
+                        <a:pPr algn="ctr"/>
+                        <a:endParaRPr lang="pt-BR"/>
+                      </a:p>
+                    </p:txBody>
+                  </p:sp>
+                  <p:sp>
+                    <p:nvSpPr>
+                      <p:cNvPr id="43" name="Retângulo 42"/>
+                      <p:cNvSpPr/>
+                      <p:nvPr/>
+                    </p:nvSpPr>
+                    <p:spPr>
+                      <a:xfrm>
+                        <a:off x="2808786" y="4948386"/>
+                        <a:ext cx="126000" cy="18000"/>
+                      </a:xfrm>
+                      <a:prstGeom prst="rect">
+                        <a:avLst/>
+                      </a:prstGeom>
+                      <a:solidFill>
+                        <a:schemeClr val="bg1">
+                          <a:lumMod val="85000"/>
+                        </a:schemeClr>
+                      </a:solidFill>
+                      <a:ln>
+                        <a:noFill/>
+                      </a:ln>
+                    </p:spPr>
+                    <p:style>
+                      <a:lnRef idx="2">
+                        <a:schemeClr val="accent1">
+                          <a:shade val="50000"/>
+                        </a:schemeClr>
+                      </a:lnRef>
+                      <a:fillRef idx="1">
+                        <a:schemeClr val="accent1"/>
+                      </a:fillRef>
+                      <a:effectRef idx="0">
+                        <a:schemeClr val="accent1"/>
+                      </a:effectRef>
+                      <a:fontRef idx="minor">
+                        <a:schemeClr val="lt1"/>
+                      </a:fontRef>
+                    </p:style>
+                    <p:txBody>
+                      <a:bodyPr rtlCol="0" anchor="ctr"/>
+                      <a:lstStyle/>
+                      <a:p>
+                        <a:pPr algn="ctr"/>
+                        <a:endParaRPr lang="pt-BR"/>
+                      </a:p>
+                    </p:txBody>
+                  </p:sp>
+                  <p:sp>
+                    <p:nvSpPr>
+                      <p:cNvPr id="44" name="CaixaDeTexto 43"/>
+                      <p:cNvSpPr txBox="1"/>
+                      <p:nvPr/>
+                    </p:nvSpPr>
+                    <p:spPr>
+                      <a:xfrm>
+                        <a:off x="2725454" y="4778228"/>
+                        <a:ext cx="428322" cy="215444"/>
+                      </a:xfrm>
+                      <a:prstGeom prst="rect">
+                        <a:avLst/>
+                      </a:prstGeom>
+                      <a:noFill/>
+                    </p:spPr>
+                    <p:txBody>
+                      <a:bodyPr wrap="none" rtlCol="0">
+                        <a:spAutoFit/>
+                      </a:bodyPr>
+                      <a:lstStyle/>
+                      <a:p>
+                        <a:r>
+                          <a:rPr lang="pt-BR" sz="800" b="1" dirty="0" smtClean="0">
+                            <a:solidFill>
+                              <a:schemeClr val="bg1">
+                                <a:lumMod val="95000"/>
+                              </a:schemeClr>
+                            </a:solidFill>
+                            <a:latin typeface="Courier New" panose="02070309020205020404" pitchFamily="49" charset="0"/>
+                            <a:cs typeface="Courier New" panose="02070309020205020404" pitchFamily="49" charset="0"/>
+                          </a:rPr>
+                          <a:t>NEWS</a:t>
+                        </a:r>
+                        <a:endParaRPr lang="pt-BR" sz="800" b="1" dirty="0">
+                          <a:solidFill>
+                            <a:schemeClr val="bg1">
+                              <a:lumMod val="95000"/>
+                            </a:schemeClr>
+                          </a:solidFill>
+                          <a:latin typeface="Courier New" panose="02070309020205020404" pitchFamily="49" charset="0"/>
+                          <a:cs typeface="Courier New" panose="02070309020205020404" pitchFamily="49" charset="0"/>
+                        </a:endParaRPr>
+                      </a:p>
+                    </p:txBody>
+                  </p:sp>
+                </p:grpSp>
+                <p:sp>
+                  <p:nvSpPr>
+                    <p:cNvPr id="37" name="Retângulo 36"/>
+                    <p:cNvSpPr/>
+                    <p:nvPr/>
+                  </p:nvSpPr>
+                  <p:spPr>
+                    <a:xfrm>
+                      <a:off x="2964137" y="4957386"/>
+                      <a:ext cx="100259" cy="237125"/>
+                    </a:xfrm>
+                    <a:prstGeom prst="rect">
+                      <a:avLst/>
+                    </a:prstGeom>
+                    <a:solidFill>
+                      <a:schemeClr val="bg1">
+                        <a:lumMod val="85000"/>
+                      </a:schemeClr>
+                    </a:solidFill>
+                    <a:ln>
+                      <a:noFill/>
+                    </a:ln>
+                  </p:spPr>
+                  <p:style>
+                    <a:lnRef idx="2">
+                      <a:schemeClr val="accent1">
+                        <a:shade val="50000"/>
+                      </a:schemeClr>
+                    </a:lnRef>
+                    <a:fillRef idx="1">
+                      <a:schemeClr val="accent1"/>
+                    </a:fillRef>
+                    <a:effectRef idx="0">
+                      <a:schemeClr val="accent1"/>
+                    </a:effectRef>
+                    <a:fontRef idx="minor">
+                      <a:schemeClr val="lt1"/>
+                    </a:fontRef>
+                  </p:style>
+                  <p:txBody>
+                    <a:bodyPr rtlCol="0" anchor="ctr"/>
+                    <a:lstStyle/>
+                    <a:p>
+                      <a:pPr algn="ctr"/>
+                      <a:endParaRPr lang="pt-BR"/>
+                    </a:p>
+                  </p:txBody>
+                </p:sp>
+              </p:grpSp>
+            </p:grpSp>
+            <p:cxnSp>
+              <p:nvCxnSpPr>
+                <p:cNvPr id="29" name="Conector de seta reta 28"/>
+                <p:cNvCxnSpPr/>
+                <p:nvPr/>
+              </p:nvCxnSpPr>
+              <p:spPr>
+                <a:xfrm flipH="1">
+                  <a:off x="2195736" y="3517340"/>
+                  <a:ext cx="2441306" cy="432048"/>
+                </a:xfrm>
+                <a:prstGeom prst="straightConnector1">
+                  <a:avLst/>
+                </a:prstGeom>
+                <a:ln>
+                  <a:solidFill>
+                    <a:srgbClr val="1FE7DD"/>
+                  </a:solidFill>
+                  <a:tailEnd type="arrow"/>
+                </a:ln>
+              </p:spPr>
+              <p:style>
+                <a:lnRef idx="3">
+                  <a:schemeClr val="accent4"/>
+                </a:lnRef>
+                <a:fillRef idx="0">
+                  <a:schemeClr val="accent4"/>
+                </a:fillRef>
+                <a:effectRef idx="2">
+                  <a:schemeClr val="accent4"/>
+                </a:effectRef>
+                <a:fontRef idx="minor">
+                  <a:schemeClr val="tx1"/>
+                </a:fontRef>
+              </p:style>
+            </p:cxnSp>
+            <p:cxnSp>
+              <p:nvCxnSpPr>
+                <p:cNvPr id="30" name="Conector de seta reta 29"/>
+                <p:cNvCxnSpPr/>
+                <p:nvPr/>
+              </p:nvCxnSpPr>
+              <p:spPr>
+                <a:xfrm flipH="1">
+                  <a:off x="2195736" y="2311636"/>
+                  <a:ext cx="1123878" cy="27000"/>
+                </a:xfrm>
+                <a:prstGeom prst="straightConnector1">
+                  <a:avLst/>
+                </a:prstGeom>
+                <a:ln>
+                  <a:solidFill>
+                    <a:srgbClr val="1FE7DD"/>
+                  </a:solidFill>
+                  <a:tailEnd type="arrow"/>
+                </a:ln>
+              </p:spPr>
+              <p:style>
+                <a:lnRef idx="3">
+                  <a:schemeClr val="accent4"/>
+                </a:lnRef>
+                <a:fillRef idx="0">
+                  <a:schemeClr val="accent4"/>
+                </a:fillRef>
+                <a:effectRef idx="2">
+                  <a:schemeClr val="accent4"/>
+                </a:effectRef>
+                <a:fontRef idx="minor">
+                  <a:schemeClr val="tx1"/>
+                </a:fontRef>
+              </p:style>
+            </p:cxnSp>
+          </p:grpSp>
+          <p:sp>
+            <p:nvSpPr>
+              <p:cNvPr id="27" name="Estrela de 5 pontas 26"/>
+              <p:cNvSpPr/>
+              <p:nvPr/>
+            </p:nvSpPr>
+            <p:spPr>
+              <a:xfrm>
+                <a:off x="6768574" y="1622153"/>
+                <a:ext cx="180256" cy="162000"/>
+              </a:xfrm>
+              <a:prstGeom prst="star5">
+                <a:avLst/>
+              </a:prstGeom>
+              <a:solidFill>
+                <a:srgbClr val="FDE063"/>
+              </a:solidFill>
+              <a:ln>
+                <a:noFill/>
+              </a:ln>
+            </p:spPr>
+            <p:style>
+              <a:lnRef idx="2">
+                <a:schemeClr val="accent1">
+                  <a:shade val="50000"/>
+                </a:schemeClr>
+              </a:lnRef>
+              <a:fillRef idx="1">
+                <a:schemeClr val="accent1"/>
+              </a:fillRef>
+              <a:effectRef idx="0">
+                <a:schemeClr val="accent1"/>
+              </a:effectRef>
+              <a:fontRef idx="minor">
+                <a:schemeClr val="lt1"/>
+              </a:fontRef>
+            </p:style>
+            <p:txBody>
+              <a:bodyPr rtlCol="0" anchor="ctr"/>
+              <a:lstStyle/>
+              <a:p>
+                <a:pPr algn="ctr"/>
+                <a:endParaRPr lang="pt-BR"/>
+              </a:p>
+            </p:txBody>
+          </p:sp>
+        </p:grpSp>
+        <p:grpSp>
+          <p:nvGrpSpPr>
+            <p:cNvPr id="6" name="Grupo 5"/>
+            <p:cNvGrpSpPr/>
+            <p:nvPr/>
+          </p:nvGrpSpPr>
+          <p:grpSpPr>
+            <a:xfrm>
+              <a:off x="6804248" y="1623514"/>
+              <a:ext cx="324000" cy="509784"/>
+              <a:chOff x="4341656" y="4636830"/>
+              <a:chExt cx="324000" cy="509784"/>
+            </a:xfrm>
+          </p:grpSpPr>
+          <p:sp>
+            <p:nvSpPr>
+              <p:cNvPr id="22" name="Divisa 21"/>
+              <p:cNvSpPr/>
+              <p:nvPr/>
+            </p:nvSpPr>
+            <p:spPr>
+              <a:xfrm rot="13922269">
+                <a:off x="4458684" y="4951793"/>
+                <a:ext cx="243151" cy="93600"/>
+              </a:xfrm>
+              <a:prstGeom prst="chevron">
+                <a:avLst/>
+              </a:prstGeom>
+              <a:solidFill>
+                <a:srgbClr val="C00000"/>
+              </a:solidFill>
+              <a:ln>
+                <a:solidFill>
+                  <a:schemeClr val="accent2"/>
+                </a:solidFill>
+              </a:ln>
+            </p:spPr>
+            <p:style>
+              <a:lnRef idx="2">
+                <a:schemeClr val="accent1">
+                  <a:shade val="50000"/>
+                </a:schemeClr>
+              </a:lnRef>
+              <a:fillRef idx="1">
+                <a:schemeClr val="accent1"/>
+              </a:fillRef>
+              <a:effectRef idx="0">
+                <a:schemeClr val="accent1"/>
+              </a:effectRef>
+              <a:fontRef idx="minor">
+                <a:schemeClr val="lt1"/>
+              </a:fontRef>
+            </p:style>
+            <p:txBody>
+              <a:bodyPr rtlCol="0" anchor="ctr"/>
+              <a:lstStyle/>
+              <a:p>
+                <a:pPr algn="ctr"/>
+                <a:endParaRPr lang="pt-BR">
+                  <a:solidFill>
+                    <a:schemeClr val="tx1"/>
+                  </a:solidFill>
+                </a:endParaRPr>
+              </a:p>
+            </p:txBody>
+          </p:sp>
+          <p:sp>
+            <p:nvSpPr>
+              <p:cNvPr id="23" name="Divisa 22"/>
+              <p:cNvSpPr/>
+              <p:nvPr/>
+            </p:nvSpPr>
+            <p:spPr>
+              <a:xfrm rot="17964553">
+                <a:off x="4243193" y="4862245"/>
+                <a:ext cx="471441" cy="97298"/>
+              </a:xfrm>
+              <a:prstGeom prst="chevron">
+                <a:avLst/>
+              </a:prstGeom>
+              <a:solidFill>
+                <a:srgbClr val="C00000"/>
+              </a:solidFill>
+              <a:ln>
+                <a:solidFill>
+                  <a:schemeClr val="accent2"/>
+                </a:solidFill>
+              </a:ln>
+            </p:spPr>
+            <p:style>
+              <a:lnRef idx="2">
+                <a:schemeClr val="accent1">
+                  <a:shade val="50000"/>
+                </a:schemeClr>
+              </a:lnRef>
+              <a:fillRef idx="1">
+                <a:schemeClr val="accent1"/>
+              </a:fillRef>
+              <a:effectRef idx="0">
+                <a:schemeClr val="accent1"/>
+              </a:effectRef>
+              <a:fontRef idx="minor">
+                <a:schemeClr val="lt1"/>
+              </a:fontRef>
+            </p:style>
+            <p:txBody>
+              <a:bodyPr rtlCol="0" anchor="ctr"/>
+              <a:lstStyle/>
+              <a:p>
+                <a:pPr algn="ctr"/>
+                <a:endParaRPr lang="pt-BR">
+                  <a:solidFill>
+                    <a:schemeClr val="tx1"/>
+                  </a:solidFill>
+                </a:endParaRPr>
+              </a:p>
+            </p:txBody>
+          </p:sp>
+          <p:sp>
+            <p:nvSpPr>
+              <p:cNvPr id="24" name="Elipse 23"/>
+              <p:cNvSpPr/>
+              <p:nvPr/>
+            </p:nvSpPr>
+            <p:spPr>
+              <a:xfrm>
+                <a:off x="4341656" y="4636830"/>
+                <a:ext cx="324000" cy="324000"/>
+              </a:xfrm>
+              <a:prstGeom prst="ellipse">
+                <a:avLst/>
+              </a:prstGeom>
+              <a:solidFill>
+                <a:srgbClr val="C00000"/>
+              </a:solidFill>
+              <a:ln w="19050">
+                <a:solidFill>
+                  <a:schemeClr val="accent2"/>
+                </a:solidFill>
+              </a:ln>
+            </p:spPr>
+            <p:style>
+              <a:lnRef idx="2">
+                <a:schemeClr val="accent1">
+                  <a:shade val="50000"/>
+                </a:schemeClr>
+              </a:lnRef>
+              <a:fillRef idx="1">
+                <a:schemeClr val="accent1"/>
+              </a:fillRef>
+              <a:effectRef idx="0">
+                <a:schemeClr val="accent1"/>
+              </a:effectRef>
+              <a:fontRef idx="minor">
+                <a:schemeClr val="lt1"/>
+              </a:fontRef>
+            </p:style>
+            <p:txBody>
+              <a:bodyPr rtlCol="0" anchor="ctr"/>
+              <a:lstStyle/>
+              <a:p>
+                <a:pPr algn="ctr"/>
+                <a:endParaRPr lang="pt-BR"/>
+              </a:p>
+            </p:txBody>
+          </p:sp>
+          <p:sp>
+            <p:nvSpPr>
+              <p:cNvPr id="25" name="Estrela de 8 pontas 24"/>
+              <p:cNvSpPr/>
+              <p:nvPr/>
+            </p:nvSpPr>
+            <p:spPr>
+              <a:xfrm>
+                <a:off x="4395656" y="4690830"/>
+                <a:ext cx="216000" cy="216000"/>
+              </a:xfrm>
+              <a:prstGeom prst="star8">
+                <a:avLst/>
+              </a:prstGeom>
+              <a:solidFill>
+                <a:srgbClr val="E4D902"/>
+              </a:solidFill>
+              <a:ln w="6350">
+                <a:solidFill>
+                  <a:srgbClr val="E4D902"/>
+                </a:solidFill>
+              </a:ln>
+            </p:spPr>
+            <p:style>
+              <a:lnRef idx="2">
+                <a:schemeClr val="accent1">
+                  <a:shade val="50000"/>
+                </a:schemeClr>
+              </a:lnRef>
+              <a:fillRef idx="1">
+                <a:schemeClr val="accent1"/>
+              </a:fillRef>
+              <a:effectRef idx="0">
+                <a:schemeClr val="accent1"/>
+              </a:effectRef>
+              <a:fontRef idx="minor">
+                <a:schemeClr val="lt1"/>
+              </a:fontRef>
+            </p:style>
+            <p:txBody>
+              <a:bodyPr rtlCol="0" anchor="ctr"/>
+              <a:lstStyle/>
+              <a:p>
+                <a:pPr algn="ctr"/>
+                <a:endParaRPr lang="pt-BR"/>
+              </a:p>
+            </p:txBody>
+          </p:sp>
+        </p:grpSp>
+        <p:sp>
+          <p:nvSpPr>
+            <p:cNvPr id="7" name="CaixaDeTexto 6"/>
+            <p:cNvSpPr txBox="1"/>
+            <p:nvPr/>
+          </p:nvSpPr>
+          <p:spPr>
+            <a:xfrm>
+              <a:off x="7154536" y="1663158"/>
+              <a:ext cx="1987505" cy="1569660"/>
+            </a:xfrm>
+            <a:prstGeom prst="rect">
+              <a:avLst/>
+            </a:prstGeom>
+            <a:noFill/>
+          </p:spPr>
+          <p:txBody>
+            <a:bodyPr wrap="square" rtlCol="0">
+              <a:spAutoFit/>
+            </a:bodyPr>
+            <a:lstStyle/>
+            <a:p>
+              <a:r>
+                <a:rPr lang="pt-BR" sz="2400" dirty="0" smtClean="0">
+                  <a:latin typeface="Berlin Sans FB Demi" panose="020E0802020502020306" pitchFamily="34" charset="0"/>
+                </a:rPr>
+                <a:t>Ganhe recompensas</a:t>
+              </a:r>
+            </a:p>
+            <a:p>
+              <a:r>
+                <a:rPr lang="pt-BR" sz="1600" dirty="0" smtClean="0">
+                  <a:solidFill>
+                    <a:schemeClr val="tx1">
+                      <a:lumMod val="50000"/>
+                      <a:lumOff val="50000"/>
+                    </a:schemeClr>
+                  </a:solidFill>
+                  <a:latin typeface="Berlin Sans FB" panose="020E0602020502020306" pitchFamily="34" charset="0"/>
+                </a:rPr>
+                <a:t>Atinja seus objetivos para receber estrelinhas!</a:t>
+              </a:r>
+              <a:endParaRPr lang="pt-BR" sz="1600" dirty="0">
+                <a:solidFill>
+                  <a:schemeClr val="tx1">
+                    <a:lumMod val="50000"/>
+                    <a:lumOff val="50000"/>
+                  </a:schemeClr>
+                </a:solidFill>
+                <a:latin typeface="Berlin Sans FB" panose="020E0602020502020306" pitchFamily="34" charset="0"/>
+              </a:endParaRPr>
+            </a:p>
+          </p:txBody>
+        </p:sp>
+        <p:cxnSp>
+          <p:nvCxnSpPr>
+            <p:cNvPr id="8" name="Conector de seta reta 7"/>
+            <p:cNvCxnSpPr>
+              <a:endCxn id="7" idx="1"/>
+            </p:cNvCxnSpPr>
+            <p:nvPr/>
+          </p:nvCxnSpPr>
+          <p:spPr>
+            <a:xfrm>
+              <a:off x="6264234" y="1845354"/>
+              <a:ext cx="890302" cy="602634"/>
+            </a:xfrm>
+            <a:prstGeom prst="straightConnector1">
+              <a:avLst/>
+            </a:prstGeom>
+            <a:ln>
+              <a:solidFill>
+                <a:srgbClr val="1FE7DD"/>
+              </a:solidFill>
+              <a:tailEnd type="arrow"/>
+            </a:ln>
+          </p:spPr>
+          <p:style>
+            <a:lnRef idx="3">
+              <a:schemeClr val="accent4"/>
+            </a:lnRef>
+            <a:fillRef idx="0">
+              <a:schemeClr val="accent4"/>
+            </a:fillRef>
+            <a:effectRef idx="2">
+              <a:schemeClr val="accent4"/>
+            </a:effectRef>
+            <a:fontRef idx="minor">
+              <a:schemeClr val="tx1"/>
+            </a:fontRef>
+          </p:style>
+        </p:cxnSp>
+        <p:sp>
+          <p:nvSpPr>
+            <p:cNvPr id="9" name="CaixaDeTexto 8"/>
+            <p:cNvSpPr txBox="1"/>
+            <p:nvPr/>
+          </p:nvSpPr>
+          <p:spPr>
+            <a:xfrm>
+              <a:off x="7265015" y="3299500"/>
+              <a:ext cx="1987505" cy="1569660"/>
+            </a:xfrm>
+            <a:prstGeom prst="rect">
+              <a:avLst/>
+            </a:prstGeom>
+            <a:noFill/>
+          </p:spPr>
+          <p:txBody>
+            <a:bodyPr wrap="square" rtlCol="0">
+              <a:spAutoFit/>
+            </a:bodyPr>
+            <a:lstStyle/>
+            <a:p>
+              <a:r>
+                <a:rPr lang="pt-BR" sz="2400" dirty="0" smtClean="0">
+                  <a:latin typeface="Berlin Sans FB Demi" panose="020E0802020502020306" pitchFamily="34" charset="0"/>
+                </a:rPr>
+                <a:t>Liste seus sonhos</a:t>
+              </a:r>
+            </a:p>
+            <a:p>
+              <a:r>
+                <a:rPr lang="pt-BR" sz="1600" dirty="0" smtClean="0">
+                  <a:solidFill>
+                    <a:schemeClr val="tx1">
+                      <a:lumMod val="50000"/>
+                      <a:lumOff val="50000"/>
+                    </a:schemeClr>
+                  </a:solidFill>
+                  <a:latin typeface="Berlin Sans FB" panose="020E0602020502020306" pitchFamily="34" charset="0"/>
+                </a:rPr>
+                <a:t>Estabeleça metas para alcançar seus sonhos e objetivos.</a:t>
+              </a:r>
+              <a:endParaRPr lang="pt-BR" sz="1600" dirty="0">
+                <a:solidFill>
+                  <a:schemeClr val="tx1">
+                    <a:lumMod val="50000"/>
+                    <a:lumOff val="50000"/>
+                  </a:schemeClr>
+                </a:solidFill>
+                <a:latin typeface="Berlin Sans FB" panose="020E0602020502020306" pitchFamily="34" charset="0"/>
+              </a:endParaRPr>
+            </a:p>
+          </p:txBody>
+        </p:sp>
+        <p:grpSp>
+          <p:nvGrpSpPr>
+            <p:cNvPr id="10" name="Grupo 9"/>
+            <p:cNvGrpSpPr/>
+            <p:nvPr/>
+          </p:nvGrpSpPr>
+          <p:grpSpPr>
+            <a:xfrm>
+              <a:off x="6783376" y="3345944"/>
+              <a:ext cx="540004" cy="504056"/>
+              <a:chOff x="5617096" y="4977172"/>
+              <a:chExt cx="540004" cy="504056"/>
+            </a:xfrm>
+          </p:grpSpPr>
+          <p:grpSp>
+            <p:nvGrpSpPr>
+              <p:cNvPr id="12" name="Grupo 11"/>
+              <p:cNvGrpSpPr/>
+              <p:nvPr/>
+            </p:nvGrpSpPr>
+            <p:grpSpPr>
+              <a:xfrm>
+                <a:off x="5617096" y="4977172"/>
+                <a:ext cx="504000" cy="504056"/>
+                <a:chOff x="7042850" y="5229200"/>
+                <a:chExt cx="504000" cy="504056"/>
+              </a:xfrm>
+            </p:grpSpPr>
+            <p:sp>
+              <p:nvSpPr>
+                <p:cNvPr id="15" name="Elipse 14"/>
+                <p:cNvSpPr/>
+                <p:nvPr/>
+              </p:nvSpPr>
+              <p:spPr>
+                <a:xfrm>
+                  <a:off x="7042850" y="5229200"/>
+                  <a:ext cx="504000" cy="504056"/>
+                </a:xfrm>
+                <a:prstGeom prst="ellipse">
+                  <a:avLst/>
+                </a:prstGeom>
+                <a:solidFill>
+                  <a:srgbClr val="EA0000"/>
+                </a:solidFill>
+                <a:ln>
+                  <a:noFill/>
+                </a:ln>
+              </p:spPr>
+              <p:style>
+                <a:lnRef idx="2">
+                  <a:schemeClr val="accent1">
+                    <a:shade val="50000"/>
+                  </a:schemeClr>
+                </a:lnRef>
+                <a:fillRef idx="1">
+                  <a:schemeClr val="accent1"/>
+                </a:fillRef>
+                <a:effectRef idx="0">
+                  <a:schemeClr val="accent1"/>
+                </a:effectRef>
+                <a:fontRef idx="minor">
+                  <a:schemeClr val="lt1"/>
+                </a:fontRef>
+              </p:style>
+              <p:txBody>
+                <a:bodyPr rtlCol="0" anchor="ctr"/>
+                <a:lstStyle/>
+                <a:p>
+                  <a:pPr algn="ctr"/>
+                  <a:endParaRPr lang="pt-BR"/>
+                </a:p>
+              </p:txBody>
+            </p:sp>
+            <p:sp>
+              <p:nvSpPr>
+                <p:cNvPr id="16" name="Elipse 15"/>
+                <p:cNvSpPr/>
+                <p:nvPr/>
+              </p:nvSpPr>
+              <p:spPr>
+                <a:xfrm>
+                  <a:off x="7078850" y="5265228"/>
+                  <a:ext cx="432000" cy="432000"/>
+                </a:xfrm>
+                <a:prstGeom prst="ellipse">
+                  <a:avLst/>
+                </a:prstGeom>
+                <a:solidFill>
+                  <a:schemeClr val="bg1"/>
+                </a:solidFill>
+                <a:ln>
+                  <a:noFill/>
+                </a:ln>
+              </p:spPr>
+              <p:style>
+                <a:lnRef idx="2">
+                  <a:schemeClr val="accent1">
+                    <a:shade val="50000"/>
+                  </a:schemeClr>
+                </a:lnRef>
+                <a:fillRef idx="1">
+                  <a:schemeClr val="accent1"/>
+                </a:fillRef>
+                <a:effectRef idx="0">
+                  <a:schemeClr val="accent1"/>
+                </a:effectRef>
+                <a:fontRef idx="minor">
+                  <a:schemeClr val="lt1"/>
+                </a:fontRef>
+              </p:style>
+              <p:txBody>
+                <a:bodyPr rtlCol="0" anchor="ctr"/>
+                <a:lstStyle/>
+                <a:p>
+                  <a:pPr algn="ctr"/>
+                  <a:endParaRPr lang="pt-BR"/>
+                </a:p>
+              </p:txBody>
+            </p:sp>
+            <p:sp>
+              <p:nvSpPr>
+                <p:cNvPr id="17" name="Elipse 16"/>
+                <p:cNvSpPr/>
+                <p:nvPr/>
+              </p:nvSpPr>
+              <p:spPr>
+                <a:xfrm>
+                  <a:off x="7114850" y="5301228"/>
+                  <a:ext cx="360000" cy="360000"/>
+                </a:xfrm>
+                <a:prstGeom prst="ellipse">
+                  <a:avLst/>
+                </a:prstGeom>
+                <a:solidFill>
+                  <a:srgbClr val="EA0000"/>
+                </a:solidFill>
+                <a:ln>
+                  <a:noFill/>
+                </a:ln>
+              </p:spPr>
+              <p:style>
+                <a:lnRef idx="2">
+                  <a:schemeClr val="accent1">
+                    <a:shade val="50000"/>
+                  </a:schemeClr>
+                </a:lnRef>
+                <a:fillRef idx="1">
+                  <a:schemeClr val="accent1"/>
+                </a:fillRef>
+                <a:effectRef idx="0">
+                  <a:schemeClr val="accent1"/>
+                </a:effectRef>
+                <a:fontRef idx="minor">
+                  <a:schemeClr val="lt1"/>
+                </a:fontRef>
+              </p:style>
+              <p:txBody>
+                <a:bodyPr rtlCol="0" anchor="ctr"/>
+                <a:lstStyle/>
+                <a:p>
+                  <a:pPr algn="ctr"/>
+                  <a:endParaRPr lang="pt-BR"/>
+                </a:p>
+              </p:txBody>
+            </p:sp>
+            <p:sp>
+              <p:nvSpPr>
+                <p:cNvPr id="18" name="Elipse 17"/>
+                <p:cNvSpPr/>
+                <p:nvPr/>
+              </p:nvSpPr>
+              <p:spPr>
+                <a:xfrm>
+                  <a:off x="7150850" y="5337228"/>
+                  <a:ext cx="288000" cy="288000"/>
+                </a:xfrm>
+                <a:prstGeom prst="ellipse">
+                  <a:avLst/>
+                </a:prstGeom>
+                <a:solidFill>
+                  <a:schemeClr val="bg1"/>
+                </a:solidFill>
+                <a:ln>
+                  <a:noFill/>
+                </a:ln>
+              </p:spPr>
+              <p:style>
+                <a:lnRef idx="2">
+                  <a:schemeClr val="accent1">
+                    <a:shade val="50000"/>
+                  </a:schemeClr>
+                </a:lnRef>
+                <a:fillRef idx="1">
+                  <a:schemeClr val="accent1"/>
+                </a:fillRef>
+                <a:effectRef idx="0">
+                  <a:schemeClr val="accent1"/>
+                </a:effectRef>
+                <a:fontRef idx="minor">
+                  <a:schemeClr val="lt1"/>
+                </a:fontRef>
+              </p:style>
+              <p:txBody>
+                <a:bodyPr rtlCol="0" anchor="ctr"/>
+                <a:lstStyle/>
+                <a:p>
+                  <a:pPr algn="ctr"/>
+                  <a:endParaRPr lang="pt-BR"/>
+                </a:p>
+              </p:txBody>
+            </p:sp>
+            <p:sp>
+              <p:nvSpPr>
+                <p:cNvPr id="19" name="Elipse 18"/>
+                <p:cNvSpPr/>
+                <p:nvPr/>
+              </p:nvSpPr>
+              <p:spPr>
+                <a:xfrm>
+                  <a:off x="7186850" y="5373228"/>
+                  <a:ext cx="216000" cy="216000"/>
+                </a:xfrm>
+                <a:prstGeom prst="ellipse">
+                  <a:avLst/>
+                </a:prstGeom>
+                <a:solidFill>
+                  <a:srgbClr val="EA0000"/>
+                </a:solidFill>
+                <a:ln>
+                  <a:noFill/>
+                </a:ln>
+              </p:spPr>
+              <p:style>
+                <a:lnRef idx="2">
+                  <a:schemeClr val="accent1">
+                    <a:shade val="50000"/>
+                  </a:schemeClr>
+                </a:lnRef>
+                <a:fillRef idx="1">
+                  <a:schemeClr val="accent1"/>
+                </a:fillRef>
+                <a:effectRef idx="0">
+                  <a:schemeClr val="accent1"/>
+                </a:effectRef>
+                <a:fontRef idx="minor">
+                  <a:schemeClr val="lt1"/>
+                </a:fontRef>
+              </p:style>
+              <p:txBody>
+                <a:bodyPr rtlCol="0" anchor="ctr"/>
+                <a:lstStyle/>
+                <a:p>
+                  <a:pPr algn="ctr"/>
+                  <a:endParaRPr lang="pt-BR"/>
+                </a:p>
+              </p:txBody>
+            </p:sp>
+            <p:sp>
+              <p:nvSpPr>
+                <p:cNvPr id="20" name="Elipse 19"/>
+                <p:cNvSpPr/>
+                <p:nvPr/>
+              </p:nvSpPr>
+              <p:spPr>
+                <a:xfrm>
+                  <a:off x="7222850" y="5409228"/>
+                  <a:ext cx="144000" cy="144000"/>
+                </a:xfrm>
+                <a:prstGeom prst="ellipse">
+                  <a:avLst/>
+                </a:prstGeom>
+                <a:solidFill>
+                  <a:schemeClr val="bg1"/>
+                </a:solidFill>
+                <a:ln>
+                  <a:noFill/>
+                </a:ln>
+              </p:spPr>
+              <p:style>
+                <a:lnRef idx="2">
+                  <a:schemeClr val="accent1">
+                    <a:shade val="50000"/>
+                  </a:schemeClr>
+                </a:lnRef>
+                <a:fillRef idx="1">
+                  <a:schemeClr val="accent1"/>
+                </a:fillRef>
+                <a:effectRef idx="0">
+                  <a:schemeClr val="accent1"/>
+                </a:effectRef>
+                <a:fontRef idx="minor">
+                  <a:schemeClr val="lt1"/>
+                </a:fontRef>
+              </p:style>
+              <p:txBody>
+                <a:bodyPr rtlCol="0" anchor="ctr"/>
+                <a:lstStyle/>
+                <a:p>
+                  <a:pPr algn="ctr"/>
+                  <a:endParaRPr lang="pt-BR"/>
+                </a:p>
+              </p:txBody>
+            </p:sp>
+            <p:sp>
+              <p:nvSpPr>
+                <p:cNvPr id="21" name="Elipse 20"/>
+                <p:cNvSpPr/>
+                <p:nvPr/>
+              </p:nvSpPr>
+              <p:spPr>
+                <a:xfrm>
+                  <a:off x="7258850" y="5445228"/>
+                  <a:ext cx="72000" cy="72000"/>
+                </a:xfrm>
+                <a:prstGeom prst="ellipse">
+                  <a:avLst/>
+                </a:prstGeom>
+                <a:solidFill>
+                  <a:srgbClr val="EA0000"/>
+                </a:solidFill>
+                <a:ln>
+                  <a:noFill/>
+                </a:ln>
+              </p:spPr>
+              <p:style>
+                <a:lnRef idx="2">
+                  <a:schemeClr val="accent1">
+                    <a:shade val="50000"/>
+                  </a:schemeClr>
+                </a:lnRef>
+                <a:fillRef idx="1">
+                  <a:schemeClr val="accent1"/>
+                </a:fillRef>
+                <a:effectRef idx="0">
+                  <a:schemeClr val="accent1"/>
+                </a:effectRef>
+                <a:fontRef idx="minor">
+                  <a:schemeClr val="lt1"/>
+                </a:fontRef>
+              </p:style>
+              <p:txBody>
+                <a:bodyPr rtlCol="0" anchor="ctr"/>
+                <a:lstStyle/>
+                <a:p>
+                  <a:pPr algn="ctr"/>
+                  <a:endParaRPr lang="pt-BR"/>
+                </a:p>
+              </p:txBody>
+            </p:sp>
+          </p:grpSp>
+          <p:sp>
+            <p:nvSpPr>
+              <p:cNvPr id="13" name="Retângulo de cantos arredondados 12"/>
+              <p:cNvSpPr/>
+              <p:nvPr/>
+            </p:nvSpPr>
+            <p:spPr>
+              <a:xfrm rot="20306682">
+                <a:off x="5856505" y="5159621"/>
+                <a:ext cx="288000" cy="36000"/>
+              </a:xfrm>
+              <a:prstGeom prst="roundRect">
+                <a:avLst>
+                  <a:gd name="adj" fmla="val 50000"/>
+                </a:avLst>
+              </a:prstGeom>
+              <a:solidFill>
+                <a:schemeClr val="accent1">
+                  <a:lumMod val="75000"/>
+                </a:schemeClr>
+              </a:solidFill>
+              <a:ln>
+                <a:noFill/>
+              </a:ln>
+            </p:spPr>
+            <p:style>
+              <a:lnRef idx="2">
+                <a:schemeClr val="accent1">
+                  <a:shade val="50000"/>
+                </a:schemeClr>
+              </a:lnRef>
+              <a:fillRef idx="1">
+                <a:schemeClr val="accent1"/>
+              </a:fillRef>
+              <a:effectRef idx="0">
+                <a:schemeClr val="accent1"/>
+              </a:effectRef>
+              <a:fontRef idx="minor">
+                <a:schemeClr val="lt1"/>
+              </a:fontRef>
+            </p:style>
+            <p:txBody>
+              <a:bodyPr rtlCol="0" anchor="ctr"/>
+              <a:lstStyle/>
+              <a:p>
+                <a:pPr algn="ctr"/>
+                <a:endParaRPr lang="pt-BR"/>
+              </a:p>
+            </p:txBody>
+          </p:sp>
+          <p:sp>
+            <p:nvSpPr>
+              <p:cNvPr id="14" name="Divisa 13"/>
+              <p:cNvSpPr/>
+              <p:nvPr/>
+            </p:nvSpPr>
+            <p:spPr>
+              <a:xfrm rot="9864746">
+                <a:off x="6085092" y="5097239"/>
+                <a:ext cx="72008" cy="72032"/>
+              </a:xfrm>
+              <a:prstGeom prst="chevron">
+                <a:avLst/>
+              </a:prstGeom>
+            </p:spPr>
+            <p:style>
+              <a:lnRef idx="2">
+                <a:schemeClr val="accent1">
+                  <a:shade val="50000"/>
+                </a:schemeClr>
+              </a:lnRef>
+              <a:fillRef idx="1">
+                <a:schemeClr val="accent1"/>
+              </a:fillRef>
+              <a:effectRef idx="0">
+                <a:schemeClr val="accent1"/>
+              </a:effectRef>
+              <a:fontRef idx="minor">
+                <a:schemeClr val="lt1"/>
+              </a:fontRef>
+            </p:style>
+            <p:txBody>
+              <a:bodyPr rtlCol="0" anchor="ctr"/>
+              <a:lstStyle/>
+              <a:p>
+                <a:pPr algn="ctr"/>
+                <a:endParaRPr lang="pt-BR">
+                  <a:solidFill>
+                    <a:schemeClr val="tx1"/>
+                  </a:solidFill>
+                </a:endParaRPr>
+              </a:p>
+            </p:txBody>
+          </p:sp>
+        </p:grpSp>
+        <p:cxnSp>
+          <p:nvCxnSpPr>
+            <p:cNvPr id="11" name="Conector de seta reta 10"/>
+            <p:cNvCxnSpPr>
+              <a:endCxn id="9" idx="1"/>
+            </p:cNvCxnSpPr>
+            <p:nvPr/>
+          </p:nvCxnSpPr>
+          <p:spPr>
+            <a:xfrm>
+              <a:off x="6011612" y="3621848"/>
+              <a:ext cx="1253403" cy="462482"/>
+            </a:xfrm>
+            <a:prstGeom prst="straightConnector1">
+              <a:avLst/>
+            </a:prstGeom>
+            <a:ln>
+              <a:solidFill>
+                <a:srgbClr val="1FE7DD"/>
+              </a:solidFill>
+              <a:tailEnd type="arrow"/>
+            </a:ln>
+          </p:spPr>
+          <p:style>
+            <a:lnRef idx="3">
+              <a:schemeClr val="accent4"/>
+            </a:lnRef>
+            <a:fillRef idx="0">
+              <a:schemeClr val="accent4"/>
+            </a:fillRef>
+            <a:effectRef idx="2">
+              <a:schemeClr val="accent4"/>
+            </a:effectRef>
+            <a:fontRef idx="minor">
+              <a:schemeClr val="tx1"/>
+            </a:fontRef>
+          </p:style>
+        </p:cxnSp>
+      </p:grpSp>
+    </p:spTree>
+    <p:extLst>
+      <p:ext uri="{BB962C8B-B14F-4D97-AF65-F5344CB8AC3E}">
+        <p14:creationId xmlns:p14="http://schemas.microsoft.com/office/powerpoint/2010/main" val="2320607038"/>
+      </p:ext>
+    </p:extLst>
+  </p:cSld>
+  <p:clrMapOvr>
+    <a:masterClrMapping/>
+  </p:clrMapOvr>
+</p:sld>
+</file>
+
 <file path=ppt/theme/theme1.xml><?xml version="1.0" encoding="utf-8"?>
 <a:theme xmlns:a="http://schemas.openxmlformats.org/drawingml/2006/main" name="Tema do Office">
   <a:themeElements>
@@ -42879,7 +46509,7 @@
   <a:extraClrSchemeLst/>
   <a:extLst>
     <a:ext uri="{05A4C25C-085E-4340-85A3-A5531E510DB2}">
-      <thm15:themeFamily xmlns:thm15="http://schemas.microsoft.com/office/thememl/2012/main" name="Office Theme" id="{62F939B6-93AF-4DB8-9C6B-D6C7DFDC589F}" vid="{4A3C46E8-61CC-4603-A589-7422A47A8E4A}"/>
+      <thm15:themeFamily xmlns:thm15="http://schemas.microsoft.com/office/thememl/2012/main" xmlns="" name="Office Theme" id="{62F939B6-93AF-4DB8-9C6B-D6C7DFDC589F}" vid="{4A3C46E8-61CC-4603-A589-7422A47A8E4A}"/>
     </a:ext>
   </a:extLst>
 </a:theme>

--- a/Imagens/fundinho.pptx
+++ b/Imagens/fundinho.pptx
@@ -12,6 +12,7 @@
     <p:sldId id="260" r:id="rId6"/>
     <p:sldId id="261" r:id="rId7"/>
     <p:sldId id="262" r:id="rId8"/>
+    <p:sldId id="263" r:id="rId9"/>
   </p:sldIdLst>
   <p:sldSz cx="12192000" cy="6858000"/>
   <p:notesSz cx="6858000" cy="9144000"/>
@@ -112,7 +113,7 @@
   </p:defaultTextStyle>
   <p:extLst>
     <p:ext uri="{EFAFB233-063F-42B5-8137-9DF3F51BA10A}">
-      <p15:sldGuideLst xmlns:p15="http://schemas.microsoft.com/office/powerpoint/2012/main" xmlns="">
+      <p15:sldGuideLst xmlns="" xmlns:p15="http://schemas.microsoft.com/office/powerpoint/2012/main">
         <p15:guide id="1" orient="horz" pos="2160">
           <p15:clr>
             <a:srgbClr val="A4A3A4"/>
@@ -46254,6 +46255,4859 @@
 </p:sld>
 </file>
 
+<file path=ppt/slides/slide8.xml><?xml version="1.0" encoding="utf-8"?>
+<p:sld xmlns:a="http://schemas.openxmlformats.org/drawingml/2006/main" xmlns:r="http://schemas.openxmlformats.org/officeDocument/2006/relationships" xmlns:p="http://schemas.openxmlformats.org/presentationml/2006/main">
+  <p:cSld>
+    <p:spTree>
+      <p:nvGrpSpPr>
+        <p:cNvPr id="1" name=""/>
+        <p:cNvGrpSpPr/>
+        <p:nvPr/>
+      </p:nvGrpSpPr>
+      <p:grpSpPr>
+        <a:xfrm>
+          <a:off x="0" y="0"/>
+          <a:ext cx="0" cy="0"/>
+          <a:chOff x="0" y="0"/>
+          <a:chExt cx="0" cy="0"/>
+        </a:xfrm>
+      </p:grpSpPr>
+      <p:grpSp>
+        <p:nvGrpSpPr>
+          <p:cNvPr id="29" name="Grupo 28"/>
+          <p:cNvGrpSpPr/>
+          <p:nvPr/>
+        </p:nvGrpSpPr>
+        <p:grpSpPr>
+          <a:xfrm>
+            <a:off x="3845531" y="2039819"/>
+            <a:ext cx="3423684" cy="3423600"/>
+            <a:chOff x="4720856" y="623035"/>
+            <a:chExt cx="3423684" cy="3423600"/>
+          </a:xfrm>
+        </p:grpSpPr>
+        <p:sp>
+          <p:nvSpPr>
+            <p:cNvPr id="6" name="Elipse 5"/>
+            <p:cNvSpPr/>
+            <p:nvPr/>
+          </p:nvSpPr>
+          <p:spPr>
+            <a:xfrm>
+              <a:off x="4720856" y="623035"/>
+              <a:ext cx="3423684" cy="3423600"/>
+            </a:xfrm>
+            <a:prstGeom prst="ellipse">
+              <a:avLst/>
+            </a:prstGeom>
+            <a:solidFill>
+              <a:srgbClr val="002060"/>
+            </a:solidFill>
+          </p:spPr>
+          <p:style>
+            <a:lnRef idx="2">
+              <a:schemeClr val="accent5">
+                <a:shade val="50000"/>
+              </a:schemeClr>
+            </a:lnRef>
+            <a:fillRef idx="1">
+              <a:schemeClr val="accent5"/>
+            </a:fillRef>
+            <a:effectRef idx="0">
+              <a:schemeClr val="accent5"/>
+            </a:effectRef>
+            <a:fontRef idx="minor">
+              <a:schemeClr val="lt1"/>
+            </a:fontRef>
+          </p:style>
+          <p:txBody>
+            <a:bodyPr rtlCol="0" anchor="ctr"/>
+            <a:lstStyle/>
+            <a:p>
+              <a:pPr algn="ctr"/>
+              <a:endParaRPr lang="pt-BR"/>
+            </a:p>
+          </p:txBody>
+        </p:sp>
+        <p:sp>
+          <p:nvSpPr>
+            <p:cNvPr id="8" name="Forma livre 7"/>
+            <p:cNvSpPr/>
+            <p:nvPr/>
+          </p:nvSpPr>
+          <p:spPr>
+            <a:xfrm>
+              <a:off x="5146158" y="1265729"/>
+              <a:ext cx="2115879" cy="2615155"/>
+            </a:xfrm>
+            <a:custGeom>
+              <a:avLst/>
+              <a:gdLst>
+                <a:gd name="connsiteX0" fmla="*/ 1690523 w 2466700"/>
+                <a:gd name="connsiteY0" fmla="*/ 1717734 h 3131865"/>
+                <a:gd name="connsiteX1" fmla="*/ 1743686 w 2466700"/>
+                <a:gd name="connsiteY1" fmla="*/ 1696469 h 3131865"/>
+                <a:gd name="connsiteX2" fmla="*/ 1775584 w 2466700"/>
+                <a:gd name="connsiteY2" fmla="*/ 1675204 h 3131865"/>
+                <a:gd name="connsiteX3" fmla="*/ 1913807 w 2466700"/>
+                <a:gd name="connsiteY3" fmla="*/ 1685837 h 3131865"/>
+                <a:gd name="connsiteX4" fmla="*/ 1977602 w 2466700"/>
+                <a:gd name="connsiteY4" fmla="*/ 1717734 h 3131865"/>
+                <a:gd name="connsiteX5" fmla="*/ 2009500 w 2466700"/>
+                <a:gd name="connsiteY5" fmla="*/ 1728367 h 3131865"/>
+                <a:gd name="connsiteX6" fmla="*/ 2041398 w 2466700"/>
+                <a:gd name="connsiteY6" fmla="*/ 1749632 h 3131865"/>
+                <a:gd name="connsiteX7" fmla="*/ 2105193 w 2466700"/>
+                <a:gd name="connsiteY7" fmla="*/ 1770897 h 3131865"/>
+                <a:gd name="connsiteX8" fmla="*/ 2137091 w 2466700"/>
+                <a:gd name="connsiteY8" fmla="*/ 1781530 h 3131865"/>
+                <a:gd name="connsiteX9" fmla="*/ 2200886 w 2466700"/>
+                <a:gd name="connsiteY9" fmla="*/ 1824060 h 3131865"/>
+                <a:gd name="connsiteX10" fmla="*/ 2254049 w 2466700"/>
+                <a:gd name="connsiteY10" fmla="*/ 1909120 h 3131865"/>
+                <a:gd name="connsiteX11" fmla="*/ 2317844 w 2466700"/>
+                <a:gd name="connsiteY11" fmla="*/ 1919753 h 3131865"/>
+                <a:gd name="connsiteX12" fmla="*/ 2381640 w 2466700"/>
+                <a:gd name="connsiteY12" fmla="*/ 1941018 h 3131865"/>
+                <a:gd name="connsiteX13" fmla="*/ 2466700 w 2466700"/>
+                <a:gd name="connsiteY13" fmla="*/ 2004814 h 3131865"/>
+                <a:gd name="connsiteX14" fmla="*/ 2456067 w 2466700"/>
+                <a:gd name="connsiteY14" fmla="*/ 2068609 h 3131865"/>
+                <a:gd name="connsiteX15" fmla="*/ 2413537 w 2466700"/>
+                <a:gd name="connsiteY15" fmla="*/ 2132404 h 3131865"/>
+                <a:gd name="connsiteX16" fmla="*/ 2392272 w 2466700"/>
+                <a:gd name="connsiteY16" fmla="*/ 2228097 h 3131865"/>
+                <a:gd name="connsiteX17" fmla="*/ 2381640 w 2466700"/>
+                <a:gd name="connsiteY17" fmla="*/ 2259995 h 3131865"/>
+                <a:gd name="connsiteX18" fmla="*/ 2371007 w 2466700"/>
+                <a:gd name="connsiteY18" fmla="*/ 2302525 h 3131865"/>
+                <a:gd name="connsiteX19" fmla="*/ 2275314 w 2466700"/>
+                <a:gd name="connsiteY19" fmla="*/ 2345055 h 3131865"/>
+                <a:gd name="connsiteX20" fmla="*/ 2243416 w 2466700"/>
+                <a:gd name="connsiteY20" fmla="*/ 2355688 h 3131865"/>
+                <a:gd name="connsiteX21" fmla="*/ 2200886 w 2466700"/>
+                <a:gd name="connsiteY21" fmla="*/ 2451381 h 3131865"/>
+                <a:gd name="connsiteX22" fmla="*/ 2190253 w 2466700"/>
+                <a:gd name="connsiteY22" fmla="*/ 2483279 h 3131865"/>
+                <a:gd name="connsiteX23" fmla="*/ 2126458 w 2466700"/>
+                <a:gd name="connsiteY23" fmla="*/ 2536441 h 3131865"/>
+                <a:gd name="connsiteX24" fmla="*/ 2073295 w 2466700"/>
+                <a:gd name="connsiteY24" fmla="*/ 2589604 h 3131865"/>
+                <a:gd name="connsiteX25" fmla="*/ 2052030 w 2466700"/>
+                <a:gd name="connsiteY25" fmla="*/ 2621502 h 3131865"/>
+                <a:gd name="connsiteX26" fmla="*/ 2009500 w 2466700"/>
+                <a:gd name="connsiteY26" fmla="*/ 2685297 h 3131865"/>
+                <a:gd name="connsiteX27" fmla="*/ 1956337 w 2466700"/>
+                <a:gd name="connsiteY27" fmla="*/ 2749093 h 3131865"/>
+                <a:gd name="connsiteX28" fmla="*/ 1924440 w 2466700"/>
+                <a:gd name="connsiteY28" fmla="*/ 2770358 h 3131865"/>
+                <a:gd name="connsiteX29" fmla="*/ 1881909 w 2466700"/>
+                <a:gd name="connsiteY29" fmla="*/ 2823520 h 3131865"/>
+                <a:gd name="connsiteX30" fmla="*/ 1903174 w 2466700"/>
+                <a:gd name="connsiteY30" fmla="*/ 2876683 h 3131865"/>
+                <a:gd name="connsiteX31" fmla="*/ 1881909 w 2466700"/>
+                <a:gd name="connsiteY31" fmla="*/ 3004274 h 3131865"/>
+                <a:gd name="connsiteX32" fmla="*/ 1892542 w 2466700"/>
+                <a:gd name="connsiteY32" fmla="*/ 3099967 h 3131865"/>
+                <a:gd name="connsiteX33" fmla="*/ 1924440 w 2466700"/>
+                <a:gd name="connsiteY33" fmla="*/ 3110600 h 3131865"/>
+                <a:gd name="connsiteX34" fmla="*/ 1903174 w 2466700"/>
+                <a:gd name="connsiteY34" fmla="*/ 3131865 h 3131865"/>
+                <a:gd name="connsiteX35" fmla="*/ 1807481 w 2466700"/>
+                <a:gd name="connsiteY35" fmla="*/ 3121232 h 3131865"/>
+                <a:gd name="connsiteX36" fmla="*/ 1743686 w 2466700"/>
+                <a:gd name="connsiteY36" fmla="*/ 3078702 h 3131865"/>
+                <a:gd name="connsiteX37" fmla="*/ 1722421 w 2466700"/>
+                <a:gd name="connsiteY37" fmla="*/ 3046804 h 3131865"/>
+                <a:gd name="connsiteX38" fmla="*/ 1722421 w 2466700"/>
+                <a:gd name="connsiteY38" fmla="*/ 2887316 h 3131865"/>
+                <a:gd name="connsiteX39" fmla="*/ 1743686 w 2466700"/>
+                <a:gd name="connsiteY39" fmla="*/ 2823520 h 3131865"/>
+                <a:gd name="connsiteX40" fmla="*/ 1754319 w 2466700"/>
+                <a:gd name="connsiteY40" fmla="*/ 2791623 h 3131865"/>
+                <a:gd name="connsiteX41" fmla="*/ 1764951 w 2466700"/>
+                <a:gd name="connsiteY41" fmla="*/ 2589604 h 3131865"/>
+                <a:gd name="connsiteX42" fmla="*/ 1775584 w 2466700"/>
+                <a:gd name="connsiteY42" fmla="*/ 2557707 h 3131865"/>
+                <a:gd name="connsiteX43" fmla="*/ 1796849 w 2466700"/>
+                <a:gd name="connsiteY43" fmla="*/ 2536441 h 3131865"/>
+                <a:gd name="connsiteX44" fmla="*/ 1754319 w 2466700"/>
+                <a:gd name="connsiteY44" fmla="*/ 2185567 h 3131865"/>
+                <a:gd name="connsiteX45" fmla="*/ 1722421 w 2466700"/>
+                <a:gd name="connsiteY45" fmla="*/ 2174934 h 3131865"/>
+                <a:gd name="connsiteX46" fmla="*/ 1669258 w 2466700"/>
+                <a:gd name="connsiteY46" fmla="*/ 2111139 h 3131865"/>
+                <a:gd name="connsiteX47" fmla="*/ 1658626 w 2466700"/>
+                <a:gd name="connsiteY47" fmla="*/ 2079241 h 3131865"/>
+                <a:gd name="connsiteX48" fmla="*/ 1647993 w 2466700"/>
+                <a:gd name="connsiteY48" fmla="*/ 1951651 h 3131865"/>
+                <a:gd name="connsiteX49" fmla="*/ 1658626 w 2466700"/>
+                <a:gd name="connsiteY49" fmla="*/ 1845325 h 3131865"/>
+                <a:gd name="connsiteX50" fmla="*/ 1647993 w 2466700"/>
+                <a:gd name="connsiteY50" fmla="*/ 1781530 h 3131865"/>
+                <a:gd name="connsiteX51" fmla="*/ 1594830 w 2466700"/>
+                <a:gd name="connsiteY51" fmla="*/ 1770897 h 3131865"/>
+                <a:gd name="connsiteX52" fmla="*/ 1562933 w 2466700"/>
+                <a:gd name="connsiteY52" fmla="*/ 1760265 h 3131865"/>
+                <a:gd name="connsiteX53" fmla="*/ 1509770 w 2466700"/>
+                <a:gd name="connsiteY53" fmla="*/ 1717734 h 3131865"/>
+                <a:gd name="connsiteX54" fmla="*/ 1488505 w 2466700"/>
+                <a:gd name="connsiteY54" fmla="*/ 1653939 h 3131865"/>
+                <a:gd name="connsiteX55" fmla="*/ 1424709 w 2466700"/>
+                <a:gd name="connsiteY55" fmla="*/ 1632674 h 3131865"/>
+                <a:gd name="connsiteX56" fmla="*/ 1360914 w 2466700"/>
+                <a:gd name="connsiteY56" fmla="*/ 1600776 h 3131865"/>
+                <a:gd name="connsiteX57" fmla="*/ 1222691 w 2466700"/>
+                <a:gd name="connsiteY57" fmla="*/ 1590144 h 3131865"/>
+                <a:gd name="connsiteX58" fmla="*/ 1105733 w 2466700"/>
+                <a:gd name="connsiteY58" fmla="*/ 1494451 h 3131865"/>
+                <a:gd name="connsiteX59" fmla="*/ 1073835 w 2466700"/>
+                <a:gd name="connsiteY59" fmla="*/ 1462553 h 3131865"/>
+                <a:gd name="connsiteX60" fmla="*/ 1041937 w 2466700"/>
+                <a:gd name="connsiteY60" fmla="*/ 1430655 h 3131865"/>
+                <a:gd name="connsiteX61" fmla="*/ 1010040 w 2466700"/>
+                <a:gd name="connsiteY61" fmla="*/ 1366860 h 3131865"/>
+                <a:gd name="connsiteX62" fmla="*/ 999407 w 2466700"/>
+                <a:gd name="connsiteY62" fmla="*/ 1334962 h 3131865"/>
+                <a:gd name="connsiteX63" fmla="*/ 924979 w 2466700"/>
+                <a:gd name="connsiteY63" fmla="*/ 1239269 h 3131865"/>
+                <a:gd name="connsiteX64" fmla="*/ 946244 w 2466700"/>
+                <a:gd name="connsiteY64" fmla="*/ 1292432 h 3131865"/>
+                <a:gd name="connsiteX65" fmla="*/ 956877 w 2466700"/>
+                <a:gd name="connsiteY65" fmla="*/ 1345595 h 3131865"/>
+                <a:gd name="connsiteX66" fmla="*/ 914347 w 2466700"/>
+                <a:gd name="connsiteY66" fmla="*/ 1430655 h 3131865"/>
+                <a:gd name="connsiteX67" fmla="*/ 893081 w 2466700"/>
+                <a:gd name="connsiteY67" fmla="*/ 1409390 h 3131865"/>
+                <a:gd name="connsiteX68" fmla="*/ 871816 w 2466700"/>
+                <a:gd name="connsiteY68" fmla="*/ 1334962 h 3131865"/>
+                <a:gd name="connsiteX69" fmla="*/ 850551 w 2466700"/>
+                <a:gd name="connsiteY69" fmla="*/ 1271167 h 3131865"/>
+                <a:gd name="connsiteX70" fmla="*/ 829286 w 2466700"/>
+                <a:gd name="connsiteY70" fmla="*/ 1196739 h 3131865"/>
+                <a:gd name="connsiteX71" fmla="*/ 818653 w 2466700"/>
+                <a:gd name="connsiteY71" fmla="*/ 1069148 h 3131865"/>
+                <a:gd name="connsiteX72" fmla="*/ 808021 w 2466700"/>
+                <a:gd name="connsiteY72" fmla="*/ 1037251 h 3131865"/>
+                <a:gd name="connsiteX73" fmla="*/ 786756 w 2466700"/>
+                <a:gd name="connsiteY73" fmla="*/ 877762 h 3131865"/>
+                <a:gd name="connsiteX74" fmla="*/ 765491 w 2466700"/>
+                <a:gd name="connsiteY74" fmla="*/ 845865 h 3131865"/>
+                <a:gd name="connsiteX75" fmla="*/ 733593 w 2466700"/>
+                <a:gd name="connsiteY75" fmla="*/ 813967 h 3131865"/>
+                <a:gd name="connsiteX76" fmla="*/ 691063 w 2466700"/>
+                <a:gd name="connsiteY76" fmla="*/ 750172 h 3131865"/>
+                <a:gd name="connsiteX77" fmla="*/ 680430 w 2466700"/>
+                <a:gd name="connsiteY77" fmla="*/ 718274 h 3131865"/>
+                <a:gd name="connsiteX78" fmla="*/ 659165 w 2466700"/>
+                <a:gd name="connsiteY78" fmla="*/ 686376 h 3131865"/>
+                <a:gd name="connsiteX79" fmla="*/ 627267 w 2466700"/>
+                <a:gd name="connsiteY79" fmla="*/ 622581 h 3131865"/>
+                <a:gd name="connsiteX80" fmla="*/ 595370 w 2466700"/>
+                <a:gd name="connsiteY80" fmla="*/ 558786 h 3131865"/>
+                <a:gd name="connsiteX81" fmla="*/ 542207 w 2466700"/>
+                <a:gd name="connsiteY81" fmla="*/ 516255 h 3131865"/>
+                <a:gd name="connsiteX82" fmla="*/ 510309 w 2466700"/>
+                <a:gd name="connsiteY82" fmla="*/ 484358 h 3131865"/>
+                <a:gd name="connsiteX83" fmla="*/ 467779 w 2466700"/>
+                <a:gd name="connsiteY83" fmla="*/ 473725 h 3131865"/>
+                <a:gd name="connsiteX84" fmla="*/ 435881 w 2466700"/>
+                <a:gd name="connsiteY84" fmla="*/ 463093 h 3131865"/>
+                <a:gd name="connsiteX85" fmla="*/ 361453 w 2466700"/>
+                <a:gd name="connsiteY85" fmla="*/ 473725 h 3131865"/>
+                <a:gd name="connsiteX86" fmla="*/ 340188 w 2466700"/>
+                <a:gd name="connsiteY86" fmla="*/ 505623 h 3131865"/>
+                <a:gd name="connsiteX87" fmla="*/ 297658 w 2466700"/>
+                <a:gd name="connsiteY87" fmla="*/ 601316 h 3131865"/>
+                <a:gd name="connsiteX88" fmla="*/ 287026 w 2466700"/>
+                <a:gd name="connsiteY88" fmla="*/ 633214 h 3131865"/>
+                <a:gd name="connsiteX89" fmla="*/ 159435 w 2466700"/>
+                <a:gd name="connsiteY89" fmla="*/ 665111 h 3131865"/>
+                <a:gd name="connsiteX90" fmla="*/ 53109 w 2466700"/>
+                <a:gd name="connsiteY90" fmla="*/ 728907 h 3131865"/>
+                <a:gd name="connsiteX91" fmla="*/ 53109 w 2466700"/>
+                <a:gd name="connsiteY91" fmla="*/ 739539 h 3131865"/>
+                <a:gd name="connsiteX92" fmla="*/ 63742 w 2466700"/>
+                <a:gd name="connsiteY92" fmla="*/ 707641 h 3131865"/>
+                <a:gd name="connsiteX93" fmla="*/ 74374 w 2466700"/>
+                <a:gd name="connsiteY93" fmla="*/ 643846 h 3131865"/>
+                <a:gd name="connsiteX94" fmla="*/ 116905 w 2466700"/>
+                <a:gd name="connsiteY94" fmla="*/ 580051 h 3131865"/>
+                <a:gd name="connsiteX95" fmla="*/ 74374 w 2466700"/>
+                <a:gd name="connsiteY95" fmla="*/ 452460 h 3131865"/>
+                <a:gd name="connsiteX96" fmla="*/ 42477 w 2466700"/>
+                <a:gd name="connsiteY96" fmla="*/ 441827 h 3131865"/>
+                <a:gd name="connsiteX97" fmla="*/ 42477 w 2466700"/>
+                <a:gd name="connsiteY97" fmla="*/ 346134 h 3131865"/>
+                <a:gd name="connsiteX98" fmla="*/ 106272 w 2466700"/>
+                <a:gd name="connsiteY98" fmla="*/ 324869 h 3131865"/>
+                <a:gd name="connsiteX99" fmla="*/ 106272 w 2466700"/>
+                <a:gd name="connsiteY99" fmla="*/ 261074 h 3131865"/>
+                <a:gd name="connsiteX100" fmla="*/ 42477 w 2466700"/>
+                <a:gd name="connsiteY100" fmla="*/ 239809 h 3131865"/>
+                <a:gd name="connsiteX101" fmla="*/ 21212 w 2466700"/>
+                <a:gd name="connsiteY101" fmla="*/ 176014 h 3131865"/>
+                <a:gd name="connsiteX102" fmla="*/ 74374 w 2466700"/>
+                <a:gd name="connsiteY102" fmla="*/ 186646 h 3131865"/>
+                <a:gd name="connsiteX103" fmla="*/ 116905 w 2466700"/>
+                <a:gd name="connsiteY103" fmla="*/ 176014 h 3131865"/>
+                <a:gd name="connsiteX104" fmla="*/ 85007 w 2466700"/>
+                <a:gd name="connsiteY104" fmla="*/ 59055 h 3131865"/>
+                <a:gd name="connsiteX105" fmla="*/ 74374 w 2466700"/>
+                <a:gd name="connsiteY105" fmla="*/ 27158 h 3131865"/>
+                <a:gd name="connsiteX106" fmla="*/ 446514 w 2466700"/>
+                <a:gd name="connsiteY106" fmla="*/ 27158 h 3131865"/>
+                <a:gd name="connsiteX107" fmla="*/ 478412 w 2466700"/>
+                <a:gd name="connsiteY107" fmla="*/ 48423 h 3131865"/>
+                <a:gd name="connsiteX108" fmla="*/ 510309 w 2466700"/>
+                <a:gd name="connsiteY108" fmla="*/ 59055 h 3131865"/>
+                <a:gd name="connsiteX109" fmla="*/ 552840 w 2466700"/>
+                <a:gd name="connsiteY109" fmla="*/ 80320 h 3131865"/>
+                <a:gd name="connsiteX110" fmla="*/ 616635 w 2466700"/>
+                <a:gd name="connsiteY110" fmla="*/ 101586 h 3131865"/>
+                <a:gd name="connsiteX111" fmla="*/ 797388 w 2466700"/>
+                <a:gd name="connsiteY111" fmla="*/ 80320 h 3131865"/>
+                <a:gd name="connsiteX112" fmla="*/ 861184 w 2466700"/>
+                <a:gd name="connsiteY112" fmla="*/ 59055 h 3131865"/>
+                <a:gd name="connsiteX113" fmla="*/ 1020672 w 2466700"/>
+                <a:gd name="connsiteY113" fmla="*/ 69688 h 3131865"/>
+                <a:gd name="connsiteX114" fmla="*/ 1052570 w 2466700"/>
+                <a:gd name="connsiteY114" fmla="*/ 80320 h 3131865"/>
+                <a:gd name="connsiteX115" fmla="*/ 1137630 w 2466700"/>
+                <a:gd name="connsiteY115" fmla="*/ 144116 h 3131865"/>
+                <a:gd name="connsiteX116" fmla="*/ 1212058 w 2466700"/>
+                <a:gd name="connsiteY116" fmla="*/ 165381 h 3131865"/>
+                <a:gd name="connsiteX117" fmla="*/ 1382179 w 2466700"/>
+                <a:gd name="connsiteY117" fmla="*/ 133483 h 3131865"/>
+                <a:gd name="connsiteX118" fmla="*/ 1403444 w 2466700"/>
+                <a:gd name="connsiteY118" fmla="*/ 101586 h 3131865"/>
+                <a:gd name="connsiteX119" fmla="*/ 1435342 w 2466700"/>
+                <a:gd name="connsiteY119" fmla="*/ 90953 h 3131865"/>
+                <a:gd name="connsiteX120" fmla="*/ 1520402 w 2466700"/>
+                <a:gd name="connsiteY120" fmla="*/ 112218 h 3131865"/>
+                <a:gd name="connsiteX121" fmla="*/ 1573565 w 2466700"/>
+                <a:gd name="connsiteY121" fmla="*/ 101586 h 3131865"/>
+                <a:gd name="connsiteX122" fmla="*/ 1605463 w 2466700"/>
+                <a:gd name="connsiteY122" fmla="*/ 90953 h 3131865"/>
+                <a:gd name="connsiteX123" fmla="*/ 1626728 w 2466700"/>
+                <a:gd name="connsiteY123" fmla="*/ 122851 h 3131865"/>
+                <a:gd name="connsiteX124" fmla="*/ 1616095 w 2466700"/>
+                <a:gd name="connsiteY124" fmla="*/ 218544 h 3131865"/>
+                <a:gd name="connsiteX125" fmla="*/ 1573565 w 2466700"/>
+                <a:gd name="connsiteY125" fmla="*/ 282339 h 3131865"/>
+                <a:gd name="connsiteX126" fmla="*/ 1520402 w 2466700"/>
+                <a:gd name="connsiteY126" fmla="*/ 324869 h 3131865"/>
+                <a:gd name="connsiteX127" fmla="*/ 1488505 w 2466700"/>
+                <a:gd name="connsiteY127" fmla="*/ 346134 h 3131865"/>
+                <a:gd name="connsiteX128" fmla="*/ 1445974 w 2466700"/>
+                <a:gd name="connsiteY128" fmla="*/ 388665 h 3131865"/>
+                <a:gd name="connsiteX129" fmla="*/ 1414077 w 2466700"/>
+                <a:gd name="connsiteY129" fmla="*/ 452460 h 3131865"/>
+                <a:gd name="connsiteX130" fmla="*/ 1382179 w 2466700"/>
+                <a:gd name="connsiteY130" fmla="*/ 473725 h 3131865"/>
+                <a:gd name="connsiteX131" fmla="*/ 1477872 w 2466700"/>
+                <a:gd name="connsiteY131" fmla="*/ 526888 h 3131865"/>
+                <a:gd name="connsiteX132" fmla="*/ 1509770 w 2466700"/>
+                <a:gd name="connsiteY132" fmla="*/ 548153 h 3131865"/>
+                <a:gd name="connsiteX133" fmla="*/ 1541667 w 2466700"/>
+                <a:gd name="connsiteY133" fmla="*/ 558786 h 3131865"/>
+                <a:gd name="connsiteX134" fmla="*/ 1562933 w 2466700"/>
+                <a:gd name="connsiteY134" fmla="*/ 590683 h 3131865"/>
+                <a:gd name="connsiteX135" fmla="*/ 1573565 w 2466700"/>
+                <a:gd name="connsiteY135" fmla="*/ 622581 h 3131865"/>
+                <a:gd name="connsiteX136" fmla="*/ 1594830 w 2466700"/>
+                <a:gd name="connsiteY136" fmla="*/ 707641 h 3131865"/>
+                <a:gd name="connsiteX137" fmla="*/ 1605463 w 2466700"/>
+                <a:gd name="connsiteY137" fmla="*/ 739539 h 3131865"/>
+                <a:gd name="connsiteX138" fmla="*/ 1637360 w 2466700"/>
+                <a:gd name="connsiteY138" fmla="*/ 750172 h 3131865"/>
+                <a:gd name="connsiteX139" fmla="*/ 1669258 w 2466700"/>
+                <a:gd name="connsiteY139" fmla="*/ 739539 h 3131865"/>
+                <a:gd name="connsiteX140" fmla="*/ 1690523 w 2466700"/>
+                <a:gd name="connsiteY140" fmla="*/ 675744 h 3131865"/>
+                <a:gd name="connsiteX141" fmla="*/ 1701156 w 2466700"/>
+                <a:gd name="connsiteY141" fmla="*/ 452460 h 3131865"/>
+                <a:gd name="connsiteX142" fmla="*/ 1754319 w 2466700"/>
+                <a:gd name="connsiteY142" fmla="*/ 463093 h 3131865"/>
+                <a:gd name="connsiteX143" fmla="*/ 1786216 w 2466700"/>
+                <a:gd name="connsiteY143" fmla="*/ 484358 h 3131865"/>
+                <a:gd name="connsiteX144" fmla="*/ 1818114 w 2466700"/>
+                <a:gd name="connsiteY144" fmla="*/ 494990 h 3131865"/>
+                <a:gd name="connsiteX145" fmla="*/ 1850012 w 2466700"/>
+                <a:gd name="connsiteY145" fmla="*/ 516255 h 3131865"/>
+                <a:gd name="connsiteX146" fmla="*/ 1977602 w 2466700"/>
+                <a:gd name="connsiteY146" fmla="*/ 537520 h 3131865"/>
+                <a:gd name="connsiteX147" fmla="*/ 1998867 w 2466700"/>
+                <a:gd name="connsiteY147" fmla="*/ 622581 h 3131865"/>
+                <a:gd name="connsiteX148" fmla="*/ 2009500 w 2466700"/>
+                <a:gd name="connsiteY148" fmla="*/ 654479 h 3131865"/>
+                <a:gd name="connsiteX149" fmla="*/ 2041398 w 2466700"/>
+                <a:gd name="connsiteY149" fmla="*/ 665111 h 3131865"/>
+                <a:gd name="connsiteX150" fmla="*/ 2115826 w 2466700"/>
+                <a:gd name="connsiteY150" fmla="*/ 739539 h 3131865"/>
+                <a:gd name="connsiteX151" fmla="*/ 2105193 w 2466700"/>
+                <a:gd name="connsiteY151" fmla="*/ 835232 h 3131865"/>
+                <a:gd name="connsiteX152" fmla="*/ 2073295 w 2466700"/>
+                <a:gd name="connsiteY152" fmla="*/ 845865 h 3131865"/>
+                <a:gd name="connsiteX153" fmla="*/ 1935072 w 2466700"/>
+                <a:gd name="connsiteY153" fmla="*/ 856497 h 3131865"/>
+                <a:gd name="connsiteX154" fmla="*/ 1956337 w 2466700"/>
+                <a:gd name="connsiteY154" fmla="*/ 888395 h 3131865"/>
+                <a:gd name="connsiteX155" fmla="*/ 1988235 w 2466700"/>
+                <a:gd name="connsiteY155" fmla="*/ 920293 h 3131865"/>
+                <a:gd name="connsiteX156" fmla="*/ 1956337 w 2466700"/>
+                <a:gd name="connsiteY156" fmla="*/ 941558 h 3131865"/>
+                <a:gd name="connsiteX157" fmla="*/ 1871277 w 2466700"/>
+                <a:gd name="connsiteY157" fmla="*/ 962823 h 3131865"/>
+                <a:gd name="connsiteX158" fmla="*/ 1839379 w 2466700"/>
+                <a:gd name="connsiteY158" fmla="*/ 994720 h 3131865"/>
+                <a:gd name="connsiteX159" fmla="*/ 1818114 w 2466700"/>
+                <a:gd name="connsiteY159" fmla="*/ 1101046 h 3131865"/>
+                <a:gd name="connsiteX160" fmla="*/ 1764951 w 2466700"/>
+                <a:gd name="connsiteY160" fmla="*/ 1154209 h 3131865"/>
+                <a:gd name="connsiteX161" fmla="*/ 1733053 w 2466700"/>
+                <a:gd name="connsiteY161" fmla="*/ 1164841 h 3131865"/>
+                <a:gd name="connsiteX162" fmla="*/ 1711788 w 2466700"/>
+                <a:gd name="connsiteY162" fmla="*/ 1186107 h 3131865"/>
+                <a:gd name="connsiteX163" fmla="*/ 1701156 w 2466700"/>
+                <a:gd name="connsiteY163" fmla="*/ 1249902 h 3131865"/>
+                <a:gd name="connsiteX164" fmla="*/ 1637360 w 2466700"/>
+                <a:gd name="connsiteY164" fmla="*/ 1292432 h 3131865"/>
+                <a:gd name="connsiteX165" fmla="*/ 1594830 w 2466700"/>
+                <a:gd name="connsiteY165" fmla="*/ 1420023 h 3131865"/>
+                <a:gd name="connsiteX166" fmla="*/ 1562933 w 2466700"/>
+                <a:gd name="connsiteY166" fmla="*/ 1409390 h 3131865"/>
+                <a:gd name="connsiteX167" fmla="*/ 1541667 w 2466700"/>
+                <a:gd name="connsiteY167" fmla="*/ 1388125 h 3131865"/>
+                <a:gd name="connsiteX168" fmla="*/ 1520402 w 2466700"/>
+                <a:gd name="connsiteY168" fmla="*/ 1356227 h 3131865"/>
+                <a:gd name="connsiteX169" fmla="*/ 1488505 w 2466700"/>
+                <a:gd name="connsiteY169" fmla="*/ 1345595 h 3131865"/>
+                <a:gd name="connsiteX170" fmla="*/ 1360914 w 2466700"/>
+                <a:gd name="connsiteY170" fmla="*/ 1377493 h 3131865"/>
+                <a:gd name="connsiteX171" fmla="*/ 1350281 w 2466700"/>
+                <a:gd name="connsiteY171" fmla="*/ 1409390 h 3131865"/>
+                <a:gd name="connsiteX172" fmla="*/ 1392812 w 2466700"/>
+                <a:gd name="connsiteY172" fmla="*/ 1483818 h 3131865"/>
+                <a:gd name="connsiteX173" fmla="*/ 1424709 w 2466700"/>
+                <a:gd name="connsiteY173" fmla="*/ 1473186 h 3131865"/>
+                <a:gd name="connsiteX174" fmla="*/ 1499137 w 2466700"/>
+                <a:gd name="connsiteY174" fmla="*/ 1462553 h 3131865"/>
+                <a:gd name="connsiteX175" fmla="*/ 1509770 w 2466700"/>
+                <a:gd name="connsiteY175" fmla="*/ 1494451 h 3131865"/>
+                <a:gd name="connsiteX176" fmla="*/ 1520402 w 2466700"/>
+                <a:gd name="connsiteY176" fmla="*/ 1536981 h 3131865"/>
+                <a:gd name="connsiteX177" fmla="*/ 1594830 w 2466700"/>
+                <a:gd name="connsiteY177" fmla="*/ 1547614 h 3131865"/>
+                <a:gd name="connsiteX178" fmla="*/ 1626728 w 2466700"/>
+                <a:gd name="connsiteY178" fmla="*/ 1568879 h 3131865"/>
+                <a:gd name="connsiteX179" fmla="*/ 1637360 w 2466700"/>
+                <a:gd name="connsiteY179" fmla="*/ 1707102 h 3131865"/>
+                <a:gd name="connsiteX180" fmla="*/ 1690523 w 2466700"/>
+                <a:gd name="connsiteY180" fmla="*/ 1717734 h 3131865"/>
+              </a:gdLst>
+              <a:ahLst/>
+              <a:cxnLst>
+                <a:cxn ang="0">
+                  <a:pos x="connsiteX0" y="connsiteY0"/>
+                </a:cxn>
+                <a:cxn ang="0">
+                  <a:pos x="connsiteX1" y="connsiteY1"/>
+                </a:cxn>
+                <a:cxn ang="0">
+                  <a:pos x="connsiteX2" y="connsiteY2"/>
+                </a:cxn>
+                <a:cxn ang="0">
+                  <a:pos x="connsiteX3" y="connsiteY3"/>
+                </a:cxn>
+                <a:cxn ang="0">
+                  <a:pos x="connsiteX4" y="connsiteY4"/>
+                </a:cxn>
+                <a:cxn ang="0">
+                  <a:pos x="connsiteX5" y="connsiteY5"/>
+                </a:cxn>
+                <a:cxn ang="0">
+                  <a:pos x="connsiteX6" y="connsiteY6"/>
+                </a:cxn>
+                <a:cxn ang="0">
+                  <a:pos x="connsiteX7" y="connsiteY7"/>
+                </a:cxn>
+                <a:cxn ang="0">
+                  <a:pos x="connsiteX8" y="connsiteY8"/>
+                </a:cxn>
+                <a:cxn ang="0">
+                  <a:pos x="connsiteX9" y="connsiteY9"/>
+                </a:cxn>
+                <a:cxn ang="0">
+                  <a:pos x="connsiteX10" y="connsiteY10"/>
+                </a:cxn>
+                <a:cxn ang="0">
+                  <a:pos x="connsiteX11" y="connsiteY11"/>
+                </a:cxn>
+                <a:cxn ang="0">
+                  <a:pos x="connsiteX12" y="connsiteY12"/>
+                </a:cxn>
+                <a:cxn ang="0">
+                  <a:pos x="connsiteX13" y="connsiteY13"/>
+                </a:cxn>
+                <a:cxn ang="0">
+                  <a:pos x="connsiteX14" y="connsiteY14"/>
+                </a:cxn>
+                <a:cxn ang="0">
+                  <a:pos x="connsiteX15" y="connsiteY15"/>
+                </a:cxn>
+                <a:cxn ang="0">
+                  <a:pos x="connsiteX16" y="connsiteY16"/>
+                </a:cxn>
+                <a:cxn ang="0">
+                  <a:pos x="connsiteX17" y="connsiteY17"/>
+                </a:cxn>
+                <a:cxn ang="0">
+                  <a:pos x="connsiteX18" y="connsiteY18"/>
+                </a:cxn>
+                <a:cxn ang="0">
+                  <a:pos x="connsiteX19" y="connsiteY19"/>
+                </a:cxn>
+                <a:cxn ang="0">
+                  <a:pos x="connsiteX20" y="connsiteY20"/>
+                </a:cxn>
+                <a:cxn ang="0">
+                  <a:pos x="connsiteX21" y="connsiteY21"/>
+                </a:cxn>
+                <a:cxn ang="0">
+                  <a:pos x="connsiteX22" y="connsiteY22"/>
+                </a:cxn>
+                <a:cxn ang="0">
+                  <a:pos x="connsiteX23" y="connsiteY23"/>
+                </a:cxn>
+                <a:cxn ang="0">
+                  <a:pos x="connsiteX24" y="connsiteY24"/>
+                </a:cxn>
+                <a:cxn ang="0">
+                  <a:pos x="connsiteX25" y="connsiteY25"/>
+                </a:cxn>
+                <a:cxn ang="0">
+                  <a:pos x="connsiteX26" y="connsiteY26"/>
+                </a:cxn>
+                <a:cxn ang="0">
+                  <a:pos x="connsiteX27" y="connsiteY27"/>
+                </a:cxn>
+                <a:cxn ang="0">
+                  <a:pos x="connsiteX28" y="connsiteY28"/>
+                </a:cxn>
+                <a:cxn ang="0">
+                  <a:pos x="connsiteX29" y="connsiteY29"/>
+                </a:cxn>
+                <a:cxn ang="0">
+                  <a:pos x="connsiteX30" y="connsiteY30"/>
+                </a:cxn>
+                <a:cxn ang="0">
+                  <a:pos x="connsiteX31" y="connsiteY31"/>
+                </a:cxn>
+                <a:cxn ang="0">
+                  <a:pos x="connsiteX32" y="connsiteY32"/>
+                </a:cxn>
+                <a:cxn ang="0">
+                  <a:pos x="connsiteX33" y="connsiteY33"/>
+                </a:cxn>
+                <a:cxn ang="0">
+                  <a:pos x="connsiteX34" y="connsiteY34"/>
+                </a:cxn>
+                <a:cxn ang="0">
+                  <a:pos x="connsiteX35" y="connsiteY35"/>
+                </a:cxn>
+                <a:cxn ang="0">
+                  <a:pos x="connsiteX36" y="connsiteY36"/>
+                </a:cxn>
+                <a:cxn ang="0">
+                  <a:pos x="connsiteX37" y="connsiteY37"/>
+                </a:cxn>
+                <a:cxn ang="0">
+                  <a:pos x="connsiteX38" y="connsiteY38"/>
+                </a:cxn>
+                <a:cxn ang="0">
+                  <a:pos x="connsiteX39" y="connsiteY39"/>
+                </a:cxn>
+                <a:cxn ang="0">
+                  <a:pos x="connsiteX40" y="connsiteY40"/>
+                </a:cxn>
+                <a:cxn ang="0">
+                  <a:pos x="connsiteX41" y="connsiteY41"/>
+                </a:cxn>
+                <a:cxn ang="0">
+                  <a:pos x="connsiteX42" y="connsiteY42"/>
+                </a:cxn>
+                <a:cxn ang="0">
+                  <a:pos x="connsiteX43" y="connsiteY43"/>
+                </a:cxn>
+                <a:cxn ang="0">
+                  <a:pos x="connsiteX44" y="connsiteY44"/>
+                </a:cxn>
+                <a:cxn ang="0">
+                  <a:pos x="connsiteX45" y="connsiteY45"/>
+                </a:cxn>
+                <a:cxn ang="0">
+                  <a:pos x="connsiteX46" y="connsiteY46"/>
+                </a:cxn>
+                <a:cxn ang="0">
+                  <a:pos x="connsiteX47" y="connsiteY47"/>
+                </a:cxn>
+                <a:cxn ang="0">
+                  <a:pos x="connsiteX48" y="connsiteY48"/>
+                </a:cxn>
+                <a:cxn ang="0">
+                  <a:pos x="connsiteX49" y="connsiteY49"/>
+                </a:cxn>
+                <a:cxn ang="0">
+                  <a:pos x="connsiteX50" y="connsiteY50"/>
+                </a:cxn>
+                <a:cxn ang="0">
+                  <a:pos x="connsiteX51" y="connsiteY51"/>
+                </a:cxn>
+                <a:cxn ang="0">
+                  <a:pos x="connsiteX52" y="connsiteY52"/>
+                </a:cxn>
+                <a:cxn ang="0">
+                  <a:pos x="connsiteX53" y="connsiteY53"/>
+                </a:cxn>
+                <a:cxn ang="0">
+                  <a:pos x="connsiteX54" y="connsiteY54"/>
+                </a:cxn>
+                <a:cxn ang="0">
+                  <a:pos x="connsiteX55" y="connsiteY55"/>
+                </a:cxn>
+                <a:cxn ang="0">
+                  <a:pos x="connsiteX56" y="connsiteY56"/>
+                </a:cxn>
+                <a:cxn ang="0">
+                  <a:pos x="connsiteX57" y="connsiteY57"/>
+                </a:cxn>
+                <a:cxn ang="0">
+                  <a:pos x="connsiteX58" y="connsiteY58"/>
+                </a:cxn>
+                <a:cxn ang="0">
+                  <a:pos x="connsiteX59" y="connsiteY59"/>
+                </a:cxn>
+                <a:cxn ang="0">
+                  <a:pos x="connsiteX60" y="connsiteY60"/>
+                </a:cxn>
+                <a:cxn ang="0">
+                  <a:pos x="connsiteX61" y="connsiteY61"/>
+                </a:cxn>
+                <a:cxn ang="0">
+                  <a:pos x="connsiteX62" y="connsiteY62"/>
+                </a:cxn>
+                <a:cxn ang="0">
+                  <a:pos x="connsiteX63" y="connsiteY63"/>
+                </a:cxn>
+                <a:cxn ang="0">
+                  <a:pos x="connsiteX64" y="connsiteY64"/>
+                </a:cxn>
+                <a:cxn ang="0">
+                  <a:pos x="connsiteX65" y="connsiteY65"/>
+                </a:cxn>
+                <a:cxn ang="0">
+                  <a:pos x="connsiteX66" y="connsiteY66"/>
+                </a:cxn>
+                <a:cxn ang="0">
+                  <a:pos x="connsiteX67" y="connsiteY67"/>
+                </a:cxn>
+                <a:cxn ang="0">
+                  <a:pos x="connsiteX68" y="connsiteY68"/>
+                </a:cxn>
+                <a:cxn ang="0">
+                  <a:pos x="connsiteX69" y="connsiteY69"/>
+                </a:cxn>
+                <a:cxn ang="0">
+                  <a:pos x="connsiteX70" y="connsiteY70"/>
+                </a:cxn>
+                <a:cxn ang="0">
+                  <a:pos x="connsiteX71" y="connsiteY71"/>
+                </a:cxn>
+                <a:cxn ang="0">
+                  <a:pos x="connsiteX72" y="connsiteY72"/>
+                </a:cxn>
+                <a:cxn ang="0">
+                  <a:pos x="connsiteX73" y="connsiteY73"/>
+                </a:cxn>
+                <a:cxn ang="0">
+                  <a:pos x="connsiteX74" y="connsiteY74"/>
+                </a:cxn>
+                <a:cxn ang="0">
+                  <a:pos x="connsiteX75" y="connsiteY75"/>
+                </a:cxn>
+                <a:cxn ang="0">
+                  <a:pos x="connsiteX76" y="connsiteY76"/>
+                </a:cxn>
+                <a:cxn ang="0">
+                  <a:pos x="connsiteX77" y="connsiteY77"/>
+                </a:cxn>
+                <a:cxn ang="0">
+                  <a:pos x="connsiteX78" y="connsiteY78"/>
+                </a:cxn>
+                <a:cxn ang="0">
+                  <a:pos x="connsiteX79" y="connsiteY79"/>
+                </a:cxn>
+                <a:cxn ang="0">
+                  <a:pos x="connsiteX80" y="connsiteY80"/>
+                </a:cxn>
+                <a:cxn ang="0">
+                  <a:pos x="connsiteX81" y="connsiteY81"/>
+                </a:cxn>
+                <a:cxn ang="0">
+                  <a:pos x="connsiteX82" y="connsiteY82"/>
+                </a:cxn>
+                <a:cxn ang="0">
+                  <a:pos x="connsiteX83" y="connsiteY83"/>
+                </a:cxn>
+                <a:cxn ang="0">
+                  <a:pos x="connsiteX84" y="connsiteY84"/>
+                </a:cxn>
+                <a:cxn ang="0">
+                  <a:pos x="connsiteX85" y="connsiteY85"/>
+                </a:cxn>
+                <a:cxn ang="0">
+                  <a:pos x="connsiteX86" y="connsiteY86"/>
+                </a:cxn>
+                <a:cxn ang="0">
+                  <a:pos x="connsiteX87" y="connsiteY87"/>
+                </a:cxn>
+                <a:cxn ang="0">
+                  <a:pos x="connsiteX88" y="connsiteY88"/>
+                </a:cxn>
+                <a:cxn ang="0">
+                  <a:pos x="connsiteX89" y="connsiteY89"/>
+                </a:cxn>
+                <a:cxn ang="0">
+                  <a:pos x="connsiteX90" y="connsiteY90"/>
+                </a:cxn>
+                <a:cxn ang="0">
+                  <a:pos x="connsiteX91" y="connsiteY91"/>
+                </a:cxn>
+                <a:cxn ang="0">
+                  <a:pos x="connsiteX92" y="connsiteY92"/>
+                </a:cxn>
+                <a:cxn ang="0">
+                  <a:pos x="connsiteX93" y="connsiteY93"/>
+                </a:cxn>
+                <a:cxn ang="0">
+                  <a:pos x="connsiteX94" y="connsiteY94"/>
+                </a:cxn>
+                <a:cxn ang="0">
+                  <a:pos x="connsiteX95" y="connsiteY95"/>
+                </a:cxn>
+                <a:cxn ang="0">
+                  <a:pos x="connsiteX96" y="connsiteY96"/>
+                </a:cxn>
+                <a:cxn ang="0">
+                  <a:pos x="connsiteX97" y="connsiteY97"/>
+                </a:cxn>
+                <a:cxn ang="0">
+                  <a:pos x="connsiteX98" y="connsiteY98"/>
+                </a:cxn>
+                <a:cxn ang="0">
+                  <a:pos x="connsiteX99" y="connsiteY99"/>
+                </a:cxn>
+                <a:cxn ang="0">
+                  <a:pos x="connsiteX100" y="connsiteY100"/>
+                </a:cxn>
+                <a:cxn ang="0">
+                  <a:pos x="connsiteX101" y="connsiteY101"/>
+                </a:cxn>
+                <a:cxn ang="0">
+                  <a:pos x="connsiteX102" y="connsiteY102"/>
+                </a:cxn>
+                <a:cxn ang="0">
+                  <a:pos x="connsiteX103" y="connsiteY103"/>
+                </a:cxn>
+                <a:cxn ang="0">
+                  <a:pos x="connsiteX104" y="connsiteY104"/>
+                </a:cxn>
+                <a:cxn ang="0">
+                  <a:pos x="connsiteX105" y="connsiteY105"/>
+                </a:cxn>
+                <a:cxn ang="0">
+                  <a:pos x="connsiteX106" y="connsiteY106"/>
+                </a:cxn>
+                <a:cxn ang="0">
+                  <a:pos x="connsiteX107" y="connsiteY107"/>
+                </a:cxn>
+                <a:cxn ang="0">
+                  <a:pos x="connsiteX108" y="connsiteY108"/>
+                </a:cxn>
+                <a:cxn ang="0">
+                  <a:pos x="connsiteX109" y="connsiteY109"/>
+                </a:cxn>
+                <a:cxn ang="0">
+                  <a:pos x="connsiteX110" y="connsiteY110"/>
+                </a:cxn>
+                <a:cxn ang="0">
+                  <a:pos x="connsiteX111" y="connsiteY111"/>
+                </a:cxn>
+                <a:cxn ang="0">
+                  <a:pos x="connsiteX112" y="connsiteY112"/>
+                </a:cxn>
+                <a:cxn ang="0">
+                  <a:pos x="connsiteX113" y="connsiteY113"/>
+                </a:cxn>
+                <a:cxn ang="0">
+                  <a:pos x="connsiteX114" y="connsiteY114"/>
+                </a:cxn>
+                <a:cxn ang="0">
+                  <a:pos x="connsiteX115" y="connsiteY115"/>
+                </a:cxn>
+                <a:cxn ang="0">
+                  <a:pos x="connsiteX116" y="connsiteY116"/>
+                </a:cxn>
+                <a:cxn ang="0">
+                  <a:pos x="connsiteX117" y="connsiteY117"/>
+                </a:cxn>
+                <a:cxn ang="0">
+                  <a:pos x="connsiteX118" y="connsiteY118"/>
+                </a:cxn>
+                <a:cxn ang="0">
+                  <a:pos x="connsiteX119" y="connsiteY119"/>
+                </a:cxn>
+                <a:cxn ang="0">
+                  <a:pos x="connsiteX120" y="connsiteY120"/>
+                </a:cxn>
+                <a:cxn ang="0">
+                  <a:pos x="connsiteX121" y="connsiteY121"/>
+                </a:cxn>
+                <a:cxn ang="0">
+                  <a:pos x="connsiteX122" y="connsiteY122"/>
+                </a:cxn>
+                <a:cxn ang="0">
+                  <a:pos x="connsiteX123" y="connsiteY123"/>
+                </a:cxn>
+                <a:cxn ang="0">
+                  <a:pos x="connsiteX124" y="connsiteY124"/>
+                </a:cxn>
+                <a:cxn ang="0">
+                  <a:pos x="connsiteX125" y="connsiteY125"/>
+                </a:cxn>
+                <a:cxn ang="0">
+                  <a:pos x="connsiteX126" y="connsiteY126"/>
+                </a:cxn>
+                <a:cxn ang="0">
+                  <a:pos x="connsiteX127" y="connsiteY127"/>
+                </a:cxn>
+                <a:cxn ang="0">
+                  <a:pos x="connsiteX128" y="connsiteY128"/>
+                </a:cxn>
+                <a:cxn ang="0">
+                  <a:pos x="connsiteX129" y="connsiteY129"/>
+                </a:cxn>
+                <a:cxn ang="0">
+                  <a:pos x="connsiteX130" y="connsiteY130"/>
+                </a:cxn>
+                <a:cxn ang="0">
+                  <a:pos x="connsiteX131" y="connsiteY131"/>
+                </a:cxn>
+                <a:cxn ang="0">
+                  <a:pos x="connsiteX132" y="connsiteY132"/>
+                </a:cxn>
+                <a:cxn ang="0">
+                  <a:pos x="connsiteX133" y="connsiteY133"/>
+                </a:cxn>
+                <a:cxn ang="0">
+                  <a:pos x="connsiteX134" y="connsiteY134"/>
+                </a:cxn>
+                <a:cxn ang="0">
+                  <a:pos x="connsiteX135" y="connsiteY135"/>
+                </a:cxn>
+                <a:cxn ang="0">
+                  <a:pos x="connsiteX136" y="connsiteY136"/>
+                </a:cxn>
+                <a:cxn ang="0">
+                  <a:pos x="connsiteX137" y="connsiteY137"/>
+                </a:cxn>
+                <a:cxn ang="0">
+                  <a:pos x="connsiteX138" y="connsiteY138"/>
+                </a:cxn>
+                <a:cxn ang="0">
+                  <a:pos x="connsiteX139" y="connsiteY139"/>
+                </a:cxn>
+                <a:cxn ang="0">
+                  <a:pos x="connsiteX140" y="connsiteY140"/>
+                </a:cxn>
+                <a:cxn ang="0">
+                  <a:pos x="connsiteX141" y="connsiteY141"/>
+                </a:cxn>
+                <a:cxn ang="0">
+                  <a:pos x="connsiteX142" y="connsiteY142"/>
+                </a:cxn>
+                <a:cxn ang="0">
+                  <a:pos x="connsiteX143" y="connsiteY143"/>
+                </a:cxn>
+                <a:cxn ang="0">
+                  <a:pos x="connsiteX144" y="connsiteY144"/>
+                </a:cxn>
+                <a:cxn ang="0">
+                  <a:pos x="connsiteX145" y="connsiteY145"/>
+                </a:cxn>
+                <a:cxn ang="0">
+                  <a:pos x="connsiteX146" y="connsiteY146"/>
+                </a:cxn>
+                <a:cxn ang="0">
+                  <a:pos x="connsiteX147" y="connsiteY147"/>
+                </a:cxn>
+                <a:cxn ang="0">
+                  <a:pos x="connsiteX148" y="connsiteY148"/>
+                </a:cxn>
+                <a:cxn ang="0">
+                  <a:pos x="connsiteX149" y="connsiteY149"/>
+                </a:cxn>
+                <a:cxn ang="0">
+                  <a:pos x="connsiteX150" y="connsiteY150"/>
+                </a:cxn>
+                <a:cxn ang="0">
+                  <a:pos x="connsiteX151" y="connsiteY151"/>
+                </a:cxn>
+                <a:cxn ang="0">
+                  <a:pos x="connsiteX152" y="connsiteY152"/>
+                </a:cxn>
+                <a:cxn ang="0">
+                  <a:pos x="connsiteX153" y="connsiteY153"/>
+                </a:cxn>
+                <a:cxn ang="0">
+                  <a:pos x="connsiteX154" y="connsiteY154"/>
+                </a:cxn>
+                <a:cxn ang="0">
+                  <a:pos x="connsiteX155" y="connsiteY155"/>
+                </a:cxn>
+                <a:cxn ang="0">
+                  <a:pos x="connsiteX156" y="connsiteY156"/>
+                </a:cxn>
+                <a:cxn ang="0">
+                  <a:pos x="connsiteX157" y="connsiteY157"/>
+                </a:cxn>
+                <a:cxn ang="0">
+                  <a:pos x="connsiteX158" y="connsiteY158"/>
+                </a:cxn>
+                <a:cxn ang="0">
+                  <a:pos x="connsiteX159" y="connsiteY159"/>
+                </a:cxn>
+                <a:cxn ang="0">
+                  <a:pos x="connsiteX160" y="connsiteY160"/>
+                </a:cxn>
+                <a:cxn ang="0">
+                  <a:pos x="connsiteX161" y="connsiteY161"/>
+                </a:cxn>
+                <a:cxn ang="0">
+                  <a:pos x="connsiteX162" y="connsiteY162"/>
+                </a:cxn>
+                <a:cxn ang="0">
+                  <a:pos x="connsiteX163" y="connsiteY163"/>
+                </a:cxn>
+                <a:cxn ang="0">
+                  <a:pos x="connsiteX164" y="connsiteY164"/>
+                </a:cxn>
+                <a:cxn ang="0">
+                  <a:pos x="connsiteX165" y="connsiteY165"/>
+                </a:cxn>
+                <a:cxn ang="0">
+                  <a:pos x="connsiteX166" y="connsiteY166"/>
+                </a:cxn>
+                <a:cxn ang="0">
+                  <a:pos x="connsiteX167" y="connsiteY167"/>
+                </a:cxn>
+                <a:cxn ang="0">
+                  <a:pos x="connsiteX168" y="connsiteY168"/>
+                </a:cxn>
+                <a:cxn ang="0">
+                  <a:pos x="connsiteX169" y="connsiteY169"/>
+                </a:cxn>
+                <a:cxn ang="0">
+                  <a:pos x="connsiteX170" y="connsiteY170"/>
+                </a:cxn>
+                <a:cxn ang="0">
+                  <a:pos x="connsiteX171" y="connsiteY171"/>
+                </a:cxn>
+                <a:cxn ang="0">
+                  <a:pos x="connsiteX172" y="connsiteY172"/>
+                </a:cxn>
+                <a:cxn ang="0">
+                  <a:pos x="connsiteX173" y="connsiteY173"/>
+                </a:cxn>
+                <a:cxn ang="0">
+                  <a:pos x="connsiteX174" y="connsiteY174"/>
+                </a:cxn>
+                <a:cxn ang="0">
+                  <a:pos x="connsiteX175" y="connsiteY175"/>
+                </a:cxn>
+                <a:cxn ang="0">
+                  <a:pos x="connsiteX176" y="connsiteY176"/>
+                </a:cxn>
+                <a:cxn ang="0">
+                  <a:pos x="connsiteX177" y="connsiteY177"/>
+                </a:cxn>
+                <a:cxn ang="0">
+                  <a:pos x="connsiteX178" y="connsiteY178"/>
+                </a:cxn>
+                <a:cxn ang="0">
+                  <a:pos x="connsiteX179" y="connsiteY179"/>
+                </a:cxn>
+                <a:cxn ang="0">
+                  <a:pos x="connsiteX180" y="connsiteY180"/>
+                </a:cxn>
+              </a:cxnLst>
+              <a:rect l="l" t="t" r="r" b="b"/>
+              <a:pathLst>
+                <a:path w="2466700" h="3131865">
+                  <a:moveTo>
+                    <a:pt x="1690523" y="1717734"/>
+                  </a:moveTo>
+                  <a:cubicBezTo>
+                    <a:pt x="1708244" y="1715962"/>
+                    <a:pt x="1726615" y="1705004"/>
+                    <a:pt x="1743686" y="1696469"/>
+                  </a:cubicBezTo>
+                  <a:cubicBezTo>
+                    <a:pt x="1755116" y="1690754"/>
+                    <a:pt x="1762830" y="1676001"/>
+                    <a:pt x="1775584" y="1675204"/>
+                  </a:cubicBezTo>
+                  <a:cubicBezTo>
+                    <a:pt x="1821704" y="1672322"/>
+                    <a:pt x="1867733" y="1682293"/>
+                    <a:pt x="1913807" y="1685837"/>
+                  </a:cubicBezTo>
+                  <a:cubicBezTo>
+                    <a:pt x="1993977" y="1712559"/>
+                    <a:pt x="1895164" y="1676514"/>
+                    <a:pt x="1977602" y="1717734"/>
+                  </a:cubicBezTo>
+                  <a:cubicBezTo>
+                    <a:pt x="1987627" y="1722746"/>
+                    <a:pt x="1999475" y="1723355"/>
+                    <a:pt x="2009500" y="1728367"/>
+                  </a:cubicBezTo>
+                  <a:cubicBezTo>
+                    <a:pt x="2020930" y="1734082"/>
+                    <a:pt x="2029721" y="1744442"/>
+                    <a:pt x="2041398" y="1749632"/>
+                  </a:cubicBezTo>
+                  <a:cubicBezTo>
+                    <a:pt x="2061881" y="1758736"/>
+                    <a:pt x="2083928" y="1763809"/>
+                    <a:pt x="2105193" y="1770897"/>
+                  </a:cubicBezTo>
+                  <a:cubicBezTo>
+                    <a:pt x="2115826" y="1774441"/>
+                    <a:pt x="2127766" y="1775313"/>
+                    <a:pt x="2137091" y="1781530"/>
+                  </a:cubicBezTo>
+                  <a:lnTo>
+                    <a:pt x="2200886" y="1824060"/>
+                  </a:lnTo>
+                  <a:cubicBezTo>
+                    <a:pt x="2215109" y="1866729"/>
+                    <a:pt x="2209819" y="1894376"/>
+                    <a:pt x="2254049" y="1909120"/>
+                  </a:cubicBezTo>
+                  <a:cubicBezTo>
+                    <a:pt x="2274501" y="1915937"/>
+                    <a:pt x="2296929" y="1914524"/>
+                    <a:pt x="2317844" y="1919753"/>
+                  </a:cubicBezTo>
+                  <a:cubicBezTo>
+                    <a:pt x="2339590" y="1925190"/>
+                    <a:pt x="2381640" y="1941018"/>
+                    <a:pt x="2381640" y="1941018"/>
+                  </a:cubicBezTo>
+                  <a:cubicBezTo>
+                    <a:pt x="2453776" y="1989109"/>
+                    <a:pt x="2427364" y="1965476"/>
+                    <a:pt x="2466700" y="2004814"/>
+                  </a:cubicBezTo>
+                  <a:cubicBezTo>
+                    <a:pt x="2463156" y="2026079"/>
+                    <a:pt x="2464359" y="2048709"/>
+                    <a:pt x="2456067" y="2068609"/>
+                  </a:cubicBezTo>
+                  <a:cubicBezTo>
+                    <a:pt x="2446237" y="2092200"/>
+                    <a:pt x="2413537" y="2132404"/>
+                    <a:pt x="2413537" y="2132404"/>
+                  </a:cubicBezTo>
+                  <a:cubicBezTo>
+                    <a:pt x="2389603" y="2204211"/>
+                    <a:pt x="2417222" y="2115821"/>
+                    <a:pt x="2392272" y="2228097"/>
+                  </a:cubicBezTo>
+                  <a:cubicBezTo>
+                    <a:pt x="2389841" y="2239038"/>
+                    <a:pt x="2384719" y="2249218"/>
+                    <a:pt x="2381640" y="2259995"/>
+                  </a:cubicBezTo>
+                  <a:cubicBezTo>
+                    <a:pt x="2377626" y="2274046"/>
+                    <a:pt x="2379113" y="2290366"/>
+                    <a:pt x="2371007" y="2302525"/>
+                  </a:cubicBezTo>
+                  <a:cubicBezTo>
+                    <a:pt x="2356565" y="2324188"/>
+                    <a:pt x="2287898" y="2340860"/>
+                    <a:pt x="2275314" y="2345055"/>
+                  </a:cubicBezTo>
+                  <a:lnTo>
+                    <a:pt x="2243416" y="2355688"/>
+                  </a:lnTo>
+                  <a:cubicBezTo>
+                    <a:pt x="2209717" y="2406237"/>
+                    <a:pt x="2226193" y="2375462"/>
+                    <a:pt x="2200886" y="2451381"/>
+                  </a:cubicBezTo>
+                  <a:cubicBezTo>
+                    <a:pt x="2197342" y="2462014"/>
+                    <a:pt x="2198178" y="2475354"/>
+                    <a:pt x="2190253" y="2483279"/>
+                  </a:cubicBezTo>
+                  <a:cubicBezTo>
+                    <a:pt x="2149320" y="2524212"/>
+                    <a:pt x="2170867" y="2506835"/>
+                    <a:pt x="2126458" y="2536441"/>
+                  </a:cubicBezTo>
+                  <a:cubicBezTo>
+                    <a:pt x="2069751" y="2621502"/>
+                    <a:pt x="2144179" y="2518720"/>
+                    <a:pt x="2073295" y="2589604"/>
+                  </a:cubicBezTo>
+                  <a:cubicBezTo>
+                    <a:pt x="2064259" y="2598640"/>
+                    <a:pt x="2059118" y="2610869"/>
+                    <a:pt x="2052030" y="2621502"/>
+                  </a:cubicBezTo>
+                  <a:cubicBezTo>
+                    <a:pt x="2033345" y="2677560"/>
+                    <a:pt x="2053748" y="2632200"/>
+                    <a:pt x="2009500" y="2685297"/>
+                  </a:cubicBezTo>
+                  <a:cubicBezTo>
+                    <a:pt x="1971479" y="2730921"/>
+                    <a:pt x="2007173" y="2706730"/>
+                    <a:pt x="1956337" y="2749093"/>
+                  </a:cubicBezTo>
+                  <a:cubicBezTo>
+                    <a:pt x="1946520" y="2757274"/>
+                    <a:pt x="1934418" y="2762375"/>
+                    <a:pt x="1924440" y="2770358"/>
+                  </a:cubicBezTo>
+                  <a:cubicBezTo>
+                    <a:pt x="1902794" y="2787674"/>
+                    <a:pt x="1897701" y="2799833"/>
+                    <a:pt x="1881909" y="2823520"/>
+                  </a:cubicBezTo>
+                  <a:cubicBezTo>
+                    <a:pt x="1846678" y="2929220"/>
+                    <a:pt x="1885391" y="2778878"/>
+                    <a:pt x="1903174" y="2876683"/>
+                  </a:cubicBezTo>
+                  <a:cubicBezTo>
+                    <a:pt x="1911553" y="2922770"/>
+                    <a:pt x="1895620" y="2963143"/>
+                    <a:pt x="1881909" y="3004274"/>
+                  </a:cubicBezTo>
+                  <a:cubicBezTo>
+                    <a:pt x="1885453" y="3036172"/>
+                    <a:pt x="1880622" y="3070169"/>
+                    <a:pt x="1892542" y="3099967"/>
+                  </a:cubicBezTo>
+                  <a:cubicBezTo>
+                    <a:pt x="1896705" y="3110373"/>
+                    <a:pt x="1920896" y="3099967"/>
+                    <a:pt x="1924440" y="3110600"/>
+                  </a:cubicBezTo>
+                  <a:cubicBezTo>
+                    <a:pt x="1927610" y="3120110"/>
+                    <a:pt x="1910263" y="3124777"/>
+                    <a:pt x="1903174" y="3131865"/>
+                  </a:cubicBezTo>
+                  <a:cubicBezTo>
+                    <a:pt x="1871276" y="3128321"/>
+                    <a:pt x="1837928" y="3131381"/>
+                    <a:pt x="1807481" y="3121232"/>
+                  </a:cubicBezTo>
+                  <a:cubicBezTo>
+                    <a:pt x="1783235" y="3113150"/>
+                    <a:pt x="1743686" y="3078702"/>
+                    <a:pt x="1743686" y="3078702"/>
+                  </a:cubicBezTo>
+                  <a:cubicBezTo>
+                    <a:pt x="1736598" y="3068069"/>
+                    <a:pt x="1728136" y="3058234"/>
+                    <a:pt x="1722421" y="3046804"/>
+                  </a:cubicBezTo>
+                  <a:cubicBezTo>
+                    <a:pt x="1697553" y="2997069"/>
+                    <a:pt x="1713669" y="2939829"/>
+                    <a:pt x="1722421" y="2887316"/>
+                  </a:cubicBezTo>
+                  <a:cubicBezTo>
+                    <a:pt x="1726106" y="2865205"/>
+                    <a:pt x="1736597" y="2844785"/>
+                    <a:pt x="1743686" y="2823520"/>
+                  </a:cubicBezTo>
+                  <a:lnTo>
+                    <a:pt x="1754319" y="2791623"/>
+                  </a:lnTo>
+                  <a:cubicBezTo>
+                    <a:pt x="1757863" y="2724283"/>
+                    <a:pt x="1758846" y="2656760"/>
+                    <a:pt x="1764951" y="2589604"/>
+                  </a:cubicBezTo>
+                  <a:cubicBezTo>
+                    <a:pt x="1765966" y="2578442"/>
+                    <a:pt x="1769818" y="2567317"/>
+                    <a:pt x="1775584" y="2557707"/>
+                  </a:cubicBezTo>
+                  <a:cubicBezTo>
+                    <a:pt x="1780742" y="2549111"/>
+                    <a:pt x="1789761" y="2543530"/>
+                    <a:pt x="1796849" y="2536441"/>
+                  </a:cubicBezTo>
+                  <a:cubicBezTo>
+                    <a:pt x="1791603" y="2373831"/>
+                    <a:pt x="1877006" y="2246911"/>
+                    <a:pt x="1754319" y="2185567"/>
+                  </a:cubicBezTo>
+                  <a:cubicBezTo>
+                    <a:pt x="1744294" y="2180555"/>
+                    <a:pt x="1733054" y="2178478"/>
+                    <a:pt x="1722421" y="2174934"/>
+                  </a:cubicBezTo>
+                  <a:cubicBezTo>
+                    <a:pt x="1698905" y="2151419"/>
+                    <a:pt x="1684061" y="2140746"/>
+                    <a:pt x="1669258" y="2111139"/>
+                  </a:cubicBezTo>
+                  <a:cubicBezTo>
+                    <a:pt x="1664246" y="2101114"/>
+                    <a:pt x="1662170" y="2089874"/>
+                    <a:pt x="1658626" y="2079241"/>
+                  </a:cubicBezTo>
+                  <a:cubicBezTo>
+                    <a:pt x="1655082" y="2036711"/>
+                    <a:pt x="1647993" y="1994328"/>
+                    <a:pt x="1647993" y="1951651"/>
+                  </a:cubicBezTo>
+                  <a:cubicBezTo>
+                    <a:pt x="1647993" y="1916032"/>
+                    <a:pt x="1658626" y="1880944"/>
+                    <a:pt x="1658626" y="1845325"/>
+                  </a:cubicBezTo>
+                  <a:cubicBezTo>
+                    <a:pt x="1658626" y="1823767"/>
+                    <a:pt x="1662023" y="1797898"/>
+                    <a:pt x="1647993" y="1781530"/>
+                  </a:cubicBezTo>
+                  <a:cubicBezTo>
+                    <a:pt x="1636232" y="1767809"/>
+                    <a:pt x="1612362" y="1775280"/>
+                    <a:pt x="1594830" y="1770897"/>
+                  </a:cubicBezTo>
+                  <a:cubicBezTo>
+                    <a:pt x="1583957" y="1768179"/>
+                    <a:pt x="1573565" y="1763809"/>
+                    <a:pt x="1562933" y="1760265"/>
+                  </a:cubicBezTo>
+                  <a:cubicBezTo>
+                    <a:pt x="1551662" y="1752751"/>
+                    <a:pt x="1517346" y="1732887"/>
+                    <a:pt x="1509770" y="1717734"/>
+                  </a:cubicBezTo>
+                  <a:cubicBezTo>
+                    <a:pt x="1499746" y="1697685"/>
+                    <a:pt x="1509770" y="1661027"/>
+                    <a:pt x="1488505" y="1653939"/>
+                  </a:cubicBezTo>
+                  <a:cubicBezTo>
+                    <a:pt x="1467240" y="1646851"/>
+                    <a:pt x="1443360" y="1645108"/>
+                    <a:pt x="1424709" y="1632674"/>
+                  </a:cubicBezTo>
+                  <a:cubicBezTo>
+                    <a:pt x="1402791" y="1618062"/>
+                    <a:pt x="1388003" y="1604162"/>
+                    <a:pt x="1360914" y="1600776"/>
+                  </a:cubicBezTo>
+                  <a:cubicBezTo>
+                    <a:pt x="1315060" y="1595044"/>
+                    <a:pt x="1268765" y="1593688"/>
+                    <a:pt x="1222691" y="1590144"/>
+                  </a:cubicBezTo>
+                  <a:cubicBezTo>
+                    <a:pt x="1138041" y="1533712"/>
+                    <a:pt x="1176968" y="1565687"/>
+                    <a:pt x="1105733" y="1494451"/>
+                  </a:cubicBezTo>
+                  <a:lnTo>
+                    <a:pt x="1073835" y="1462553"/>
+                  </a:lnTo>
+                  <a:lnTo>
+                    <a:pt x="1041937" y="1430655"/>
+                  </a:lnTo>
+                  <a:cubicBezTo>
+                    <a:pt x="1015215" y="1350485"/>
+                    <a:pt x="1051261" y="1449301"/>
+                    <a:pt x="1010040" y="1366860"/>
+                  </a:cubicBezTo>
+                  <a:cubicBezTo>
+                    <a:pt x="1005028" y="1356835"/>
+                    <a:pt x="1004850" y="1344759"/>
+                    <a:pt x="999407" y="1334962"/>
+                  </a:cubicBezTo>
+                  <a:cubicBezTo>
+                    <a:pt x="967612" y="1277732"/>
+                    <a:pt x="963725" y="1278015"/>
+                    <a:pt x="924979" y="1239269"/>
+                  </a:cubicBezTo>
+                  <a:cubicBezTo>
+                    <a:pt x="902061" y="1308028"/>
+                    <a:pt x="914423" y="1236745"/>
+                    <a:pt x="946244" y="1292432"/>
+                  </a:cubicBezTo>
+                  <a:cubicBezTo>
+                    <a:pt x="955210" y="1308123"/>
+                    <a:pt x="953333" y="1327874"/>
+                    <a:pt x="956877" y="1345595"/>
+                  </a:cubicBezTo>
+                  <a:cubicBezTo>
+                    <a:pt x="953881" y="1366568"/>
+                    <a:pt x="965895" y="1440965"/>
+                    <a:pt x="914347" y="1430655"/>
+                  </a:cubicBezTo>
+                  <a:cubicBezTo>
+                    <a:pt x="904517" y="1428689"/>
+                    <a:pt x="900170" y="1416478"/>
+                    <a:pt x="893081" y="1409390"/>
+                  </a:cubicBezTo>
+                  <a:cubicBezTo>
+                    <a:pt x="857344" y="1302176"/>
+                    <a:pt x="911876" y="1468495"/>
+                    <a:pt x="871816" y="1334962"/>
+                  </a:cubicBezTo>
+                  <a:cubicBezTo>
+                    <a:pt x="865375" y="1313492"/>
+                    <a:pt x="855987" y="1292913"/>
+                    <a:pt x="850551" y="1271167"/>
+                  </a:cubicBezTo>
+                  <a:cubicBezTo>
+                    <a:pt x="837201" y="1217764"/>
+                    <a:pt x="844540" y="1242500"/>
+                    <a:pt x="829286" y="1196739"/>
+                  </a:cubicBezTo>
+                  <a:cubicBezTo>
+                    <a:pt x="825742" y="1154209"/>
+                    <a:pt x="824293" y="1111451"/>
+                    <a:pt x="818653" y="1069148"/>
+                  </a:cubicBezTo>
+                  <a:cubicBezTo>
+                    <a:pt x="817172" y="1058039"/>
+                    <a:pt x="809606" y="1048346"/>
+                    <a:pt x="808021" y="1037251"/>
+                  </a:cubicBezTo>
+                  <a:cubicBezTo>
+                    <a:pt x="805076" y="1016635"/>
+                    <a:pt x="803518" y="916874"/>
+                    <a:pt x="786756" y="877762"/>
+                  </a:cubicBezTo>
+                  <a:cubicBezTo>
+                    <a:pt x="781722" y="866017"/>
+                    <a:pt x="773672" y="855682"/>
+                    <a:pt x="765491" y="845865"/>
+                  </a:cubicBezTo>
+                  <a:cubicBezTo>
+                    <a:pt x="755865" y="834313"/>
+                    <a:pt x="744226" y="824600"/>
+                    <a:pt x="733593" y="813967"/>
+                  </a:cubicBezTo>
+                  <a:cubicBezTo>
+                    <a:pt x="708310" y="738121"/>
+                    <a:pt x="744160" y="829818"/>
+                    <a:pt x="691063" y="750172"/>
+                  </a:cubicBezTo>
+                  <a:cubicBezTo>
+                    <a:pt x="684846" y="740847"/>
+                    <a:pt x="685442" y="728299"/>
+                    <a:pt x="680430" y="718274"/>
+                  </a:cubicBezTo>
+                  <a:cubicBezTo>
+                    <a:pt x="674715" y="706844"/>
+                    <a:pt x="666253" y="697009"/>
+                    <a:pt x="659165" y="686376"/>
+                  </a:cubicBezTo>
+                  <a:cubicBezTo>
+                    <a:pt x="632441" y="606200"/>
+                    <a:pt x="668491" y="705030"/>
+                    <a:pt x="627267" y="622581"/>
+                  </a:cubicBezTo>
+                  <a:cubicBezTo>
+                    <a:pt x="601060" y="570168"/>
+                    <a:pt x="636003" y="609577"/>
+                    <a:pt x="595370" y="558786"/>
+                  </a:cubicBezTo>
+                  <a:cubicBezTo>
+                    <a:pt x="570621" y="527849"/>
+                    <a:pt x="575369" y="543889"/>
+                    <a:pt x="542207" y="516255"/>
+                  </a:cubicBezTo>
+                  <a:cubicBezTo>
+                    <a:pt x="530655" y="506629"/>
+                    <a:pt x="523364" y="491818"/>
+                    <a:pt x="510309" y="484358"/>
+                  </a:cubicBezTo>
+                  <a:cubicBezTo>
+                    <a:pt x="497621" y="477108"/>
+                    <a:pt x="481830" y="477739"/>
+                    <a:pt x="467779" y="473725"/>
+                  </a:cubicBezTo>
+                  <a:cubicBezTo>
+                    <a:pt x="457002" y="470646"/>
+                    <a:pt x="446514" y="466637"/>
+                    <a:pt x="435881" y="463093"/>
+                  </a:cubicBezTo>
+                  <a:cubicBezTo>
+                    <a:pt x="411072" y="466637"/>
+                    <a:pt x="384354" y="463547"/>
+                    <a:pt x="361453" y="473725"/>
+                  </a:cubicBezTo>
+                  <a:cubicBezTo>
+                    <a:pt x="349776" y="478915"/>
+                    <a:pt x="345378" y="493946"/>
+                    <a:pt x="340188" y="505623"/>
+                  </a:cubicBezTo>
+                  <a:cubicBezTo>
+                    <a:pt x="289576" y="619501"/>
+                    <a:pt x="345783" y="529127"/>
+                    <a:pt x="297658" y="601316"/>
+                  </a:cubicBezTo>
+                  <a:cubicBezTo>
+                    <a:pt x="294114" y="611949"/>
+                    <a:pt x="292792" y="623603"/>
+                    <a:pt x="287026" y="633214"/>
+                  </a:cubicBezTo>
+                  <a:cubicBezTo>
+                    <a:pt x="260342" y="677688"/>
+                    <a:pt x="205497" y="660505"/>
+                    <a:pt x="159435" y="665111"/>
+                  </a:cubicBezTo>
+                  <a:cubicBezTo>
+                    <a:pt x="76620" y="692716"/>
+                    <a:pt x="111490" y="670526"/>
+                    <a:pt x="53109" y="728907"/>
+                  </a:cubicBezTo>
+                  <a:cubicBezTo>
+                    <a:pt x="12176" y="769840"/>
+                    <a:pt x="8701" y="769145"/>
+                    <a:pt x="53109" y="739539"/>
+                  </a:cubicBezTo>
+                  <a:cubicBezTo>
+                    <a:pt x="56653" y="728906"/>
+                    <a:pt x="61311" y="718582"/>
+                    <a:pt x="63742" y="707641"/>
+                  </a:cubicBezTo>
+                  <a:cubicBezTo>
+                    <a:pt x="68419" y="686596"/>
+                    <a:pt x="66082" y="663746"/>
+                    <a:pt x="74374" y="643846"/>
+                  </a:cubicBezTo>
+                  <a:cubicBezTo>
+                    <a:pt x="84204" y="620254"/>
+                    <a:pt x="116905" y="580051"/>
+                    <a:pt x="116905" y="580051"/>
+                  </a:cubicBezTo>
+                  <a:cubicBezTo>
+                    <a:pt x="109272" y="511358"/>
+                    <a:pt x="126782" y="487400"/>
+                    <a:pt x="74374" y="452460"/>
+                  </a:cubicBezTo>
+                  <a:cubicBezTo>
+                    <a:pt x="65049" y="446243"/>
+                    <a:pt x="53109" y="445371"/>
+                    <a:pt x="42477" y="441827"/>
+                  </a:cubicBezTo>
+                  <a:cubicBezTo>
+                    <a:pt x="32630" y="412288"/>
+                    <a:pt x="15375" y="377108"/>
+                    <a:pt x="42477" y="346134"/>
+                  </a:cubicBezTo>
+                  <a:cubicBezTo>
+                    <a:pt x="57238" y="329265"/>
+                    <a:pt x="106272" y="324869"/>
+                    <a:pt x="106272" y="324869"/>
+                  </a:cubicBezTo>
+                  <a:cubicBezTo>
+                    <a:pt x="122951" y="299852"/>
+                    <a:pt x="146300" y="286092"/>
+                    <a:pt x="106272" y="261074"/>
+                  </a:cubicBezTo>
+                  <a:cubicBezTo>
+                    <a:pt x="87264" y="249194"/>
+                    <a:pt x="42477" y="239809"/>
+                    <a:pt x="42477" y="239809"/>
+                  </a:cubicBezTo>
+                  <a:cubicBezTo>
+                    <a:pt x="34445" y="234454"/>
+                    <a:pt x="-33716" y="203478"/>
+                    <a:pt x="21212" y="176014"/>
+                  </a:cubicBezTo>
+                  <a:cubicBezTo>
+                    <a:pt x="37376" y="167932"/>
+                    <a:pt x="56653" y="183102"/>
+                    <a:pt x="74374" y="186646"/>
+                  </a:cubicBezTo>
+                  <a:cubicBezTo>
+                    <a:pt x="88551" y="183102"/>
+                    <a:pt x="110370" y="189084"/>
+                    <a:pt x="116905" y="176014"/>
+                  </a:cubicBezTo>
+                  <a:cubicBezTo>
+                    <a:pt x="122916" y="163992"/>
+                    <a:pt x="85890" y="61703"/>
+                    <a:pt x="85007" y="59055"/>
+                  </a:cubicBezTo>
+                  <a:lnTo>
+                    <a:pt x="74374" y="27158"/>
+                  </a:lnTo>
+                  <a:cubicBezTo>
+                    <a:pt x="209407" y="-17854"/>
+                    <a:pt x="140746" y="949"/>
+                    <a:pt x="446514" y="27158"/>
+                  </a:cubicBezTo>
+                  <a:cubicBezTo>
+                    <a:pt x="459246" y="28249"/>
+                    <a:pt x="466982" y="42708"/>
+                    <a:pt x="478412" y="48423"/>
+                  </a:cubicBezTo>
+                  <a:cubicBezTo>
+                    <a:pt x="488436" y="53435"/>
+                    <a:pt x="500008" y="54640"/>
+                    <a:pt x="510309" y="59055"/>
+                  </a:cubicBezTo>
+                  <a:cubicBezTo>
+                    <a:pt x="524878" y="65299"/>
+                    <a:pt x="538123" y="74433"/>
+                    <a:pt x="552840" y="80320"/>
+                  </a:cubicBezTo>
+                  <a:cubicBezTo>
+                    <a:pt x="573652" y="88645"/>
+                    <a:pt x="616635" y="101586"/>
+                    <a:pt x="616635" y="101586"/>
+                  </a:cubicBezTo>
+                  <a:cubicBezTo>
+                    <a:pt x="707520" y="94595"/>
+                    <a:pt x="729604" y="100655"/>
+                    <a:pt x="797388" y="80320"/>
+                  </a:cubicBezTo>
+                  <a:cubicBezTo>
+                    <a:pt x="818858" y="73879"/>
+                    <a:pt x="861184" y="59055"/>
+                    <a:pt x="861184" y="59055"/>
+                  </a:cubicBezTo>
+                  <a:cubicBezTo>
+                    <a:pt x="914347" y="62599"/>
+                    <a:pt x="967717" y="63804"/>
+                    <a:pt x="1020672" y="69688"/>
+                  </a:cubicBezTo>
+                  <a:cubicBezTo>
+                    <a:pt x="1031811" y="70926"/>
+                    <a:pt x="1042959" y="74554"/>
+                    <a:pt x="1052570" y="80320"/>
+                  </a:cubicBezTo>
+                  <a:cubicBezTo>
+                    <a:pt x="1115544" y="118105"/>
+                    <a:pt x="1005230" y="99985"/>
+                    <a:pt x="1137630" y="144116"/>
+                  </a:cubicBezTo>
+                  <a:cubicBezTo>
+                    <a:pt x="1183391" y="159369"/>
+                    <a:pt x="1158655" y="152030"/>
+                    <a:pt x="1212058" y="165381"/>
+                  </a:cubicBezTo>
+                  <a:cubicBezTo>
+                    <a:pt x="1309644" y="132852"/>
+                    <a:pt x="1253549" y="146346"/>
+                    <a:pt x="1382179" y="133483"/>
+                  </a:cubicBezTo>
+                  <a:cubicBezTo>
+                    <a:pt x="1389267" y="122851"/>
+                    <a:pt x="1393466" y="109569"/>
+                    <a:pt x="1403444" y="101586"/>
+                  </a:cubicBezTo>
+                  <a:cubicBezTo>
+                    <a:pt x="1412196" y="94585"/>
+                    <a:pt x="1424134" y="90953"/>
+                    <a:pt x="1435342" y="90953"/>
+                  </a:cubicBezTo>
+                  <a:cubicBezTo>
+                    <a:pt x="1461000" y="90953"/>
+                    <a:pt x="1495233" y="103829"/>
+                    <a:pt x="1520402" y="112218"/>
+                  </a:cubicBezTo>
+                  <a:cubicBezTo>
+                    <a:pt x="1538123" y="108674"/>
+                    <a:pt x="1556033" y="105969"/>
+                    <a:pt x="1573565" y="101586"/>
+                  </a:cubicBezTo>
+                  <a:cubicBezTo>
+                    <a:pt x="1584438" y="98868"/>
+                    <a:pt x="1595057" y="86791"/>
+                    <a:pt x="1605463" y="90953"/>
+                  </a:cubicBezTo>
+                  <a:cubicBezTo>
+                    <a:pt x="1617328" y="95699"/>
+                    <a:pt x="1619640" y="112218"/>
+                    <a:pt x="1626728" y="122851"/>
+                  </a:cubicBezTo>
+                  <a:cubicBezTo>
+                    <a:pt x="1623184" y="154749"/>
+                    <a:pt x="1626244" y="188097"/>
+                    <a:pt x="1616095" y="218544"/>
+                  </a:cubicBezTo>
+                  <a:cubicBezTo>
+                    <a:pt x="1608013" y="242790"/>
+                    <a:pt x="1587742" y="261074"/>
+                    <a:pt x="1573565" y="282339"/>
+                  </a:cubicBezTo>
+                  <a:cubicBezTo>
+                    <a:pt x="1546083" y="323563"/>
+                    <a:pt x="1564423" y="310196"/>
+                    <a:pt x="1520402" y="324869"/>
+                  </a:cubicBezTo>
+                  <a:cubicBezTo>
+                    <a:pt x="1509770" y="331957"/>
+                    <a:pt x="1498207" y="337818"/>
+                    <a:pt x="1488505" y="346134"/>
+                  </a:cubicBezTo>
+                  <a:cubicBezTo>
+                    <a:pt x="1473282" y="359182"/>
+                    <a:pt x="1445974" y="388665"/>
+                    <a:pt x="1445974" y="388665"/>
+                  </a:cubicBezTo>
+                  <a:cubicBezTo>
+                    <a:pt x="1437327" y="414608"/>
+                    <a:pt x="1434688" y="431849"/>
+                    <a:pt x="1414077" y="452460"/>
+                  </a:cubicBezTo>
+                  <a:cubicBezTo>
+                    <a:pt x="1405041" y="461496"/>
+                    <a:pt x="1392812" y="466637"/>
+                    <a:pt x="1382179" y="473725"/>
+                  </a:cubicBezTo>
+                  <a:cubicBezTo>
+                    <a:pt x="1401761" y="552048"/>
+                    <a:pt x="1374366" y="498659"/>
+                    <a:pt x="1477872" y="526888"/>
+                  </a:cubicBezTo>
+                  <a:cubicBezTo>
+                    <a:pt x="1490201" y="530250"/>
+                    <a:pt x="1498340" y="542438"/>
+                    <a:pt x="1509770" y="548153"/>
+                  </a:cubicBezTo>
+                  <a:cubicBezTo>
+                    <a:pt x="1519794" y="553165"/>
+                    <a:pt x="1531035" y="555242"/>
+                    <a:pt x="1541667" y="558786"/>
+                  </a:cubicBezTo>
+                  <a:cubicBezTo>
+                    <a:pt x="1548756" y="569418"/>
+                    <a:pt x="1557218" y="579253"/>
+                    <a:pt x="1562933" y="590683"/>
+                  </a:cubicBezTo>
+                  <a:cubicBezTo>
+                    <a:pt x="1567945" y="600707"/>
+                    <a:pt x="1570616" y="611768"/>
+                    <a:pt x="1573565" y="622581"/>
+                  </a:cubicBezTo>
+                  <a:cubicBezTo>
+                    <a:pt x="1581255" y="650777"/>
+                    <a:pt x="1585588" y="679915"/>
+                    <a:pt x="1594830" y="707641"/>
+                  </a:cubicBezTo>
+                  <a:cubicBezTo>
+                    <a:pt x="1598374" y="718274"/>
+                    <a:pt x="1597538" y="731614"/>
+                    <a:pt x="1605463" y="739539"/>
+                  </a:cubicBezTo>
+                  <a:cubicBezTo>
+                    <a:pt x="1613388" y="747464"/>
+                    <a:pt x="1626728" y="746628"/>
+                    <a:pt x="1637360" y="750172"/>
+                  </a:cubicBezTo>
+                  <a:cubicBezTo>
+                    <a:pt x="1647993" y="746628"/>
+                    <a:pt x="1662744" y="748659"/>
+                    <a:pt x="1669258" y="739539"/>
+                  </a:cubicBezTo>
+                  <a:cubicBezTo>
+                    <a:pt x="1682287" y="721299"/>
+                    <a:pt x="1690523" y="675744"/>
+                    <a:pt x="1690523" y="675744"/>
+                  </a:cubicBezTo>
+                  <a:cubicBezTo>
+                    <a:pt x="1694067" y="601316"/>
+                    <a:pt x="1679745" y="523830"/>
+                    <a:pt x="1701156" y="452460"/>
+                  </a:cubicBezTo>
+                  <a:cubicBezTo>
+                    <a:pt x="1706349" y="435150"/>
+                    <a:pt x="1737398" y="456747"/>
+                    <a:pt x="1754319" y="463093"/>
+                  </a:cubicBezTo>
+                  <a:cubicBezTo>
+                    <a:pt x="1766284" y="467580"/>
+                    <a:pt x="1774786" y="478643"/>
+                    <a:pt x="1786216" y="484358"/>
+                  </a:cubicBezTo>
+                  <a:cubicBezTo>
+                    <a:pt x="1796241" y="489370"/>
+                    <a:pt x="1807481" y="491446"/>
+                    <a:pt x="1818114" y="494990"/>
+                  </a:cubicBezTo>
+                  <a:cubicBezTo>
+                    <a:pt x="1828747" y="502078"/>
+                    <a:pt x="1838582" y="510540"/>
+                    <a:pt x="1850012" y="516255"/>
+                  </a:cubicBezTo>
+                  <a:cubicBezTo>
+                    <a:pt x="1885640" y="534069"/>
+                    <a:pt x="1947273" y="534150"/>
+                    <a:pt x="1977602" y="537520"/>
+                  </a:cubicBezTo>
+                  <a:cubicBezTo>
+                    <a:pt x="2001908" y="610435"/>
+                    <a:pt x="1973206" y="519936"/>
+                    <a:pt x="1998867" y="622581"/>
+                  </a:cubicBezTo>
+                  <a:cubicBezTo>
+                    <a:pt x="2001585" y="633454"/>
+                    <a:pt x="2001575" y="646554"/>
+                    <a:pt x="2009500" y="654479"/>
+                  </a:cubicBezTo>
+                  <a:cubicBezTo>
+                    <a:pt x="2017425" y="662404"/>
+                    <a:pt x="2030765" y="661567"/>
+                    <a:pt x="2041398" y="665111"/>
+                  </a:cubicBezTo>
+                  <a:cubicBezTo>
+                    <a:pt x="2114518" y="713858"/>
+                    <a:pt x="2097111" y="683395"/>
+                    <a:pt x="2115826" y="739539"/>
+                  </a:cubicBezTo>
+                  <a:cubicBezTo>
+                    <a:pt x="2112282" y="771437"/>
+                    <a:pt x="2117113" y="805434"/>
+                    <a:pt x="2105193" y="835232"/>
+                  </a:cubicBezTo>
+                  <a:cubicBezTo>
+                    <a:pt x="2101030" y="845638"/>
+                    <a:pt x="2084416" y="844475"/>
+                    <a:pt x="2073295" y="845865"/>
+                  </a:cubicBezTo>
+                  <a:cubicBezTo>
+                    <a:pt x="2027441" y="851597"/>
+                    <a:pt x="1981146" y="852953"/>
+                    <a:pt x="1935072" y="856497"/>
+                  </a:cubicBezTo>
+                  <a:cubicBezTo>
+                    <a:pt x="1942160" y="867130"/>
+                    <a:pt x="1948156" y="878578"/>
+                    <a:pt x="1956337" y="888395"/>
+                  </a:cubicBezTo>
+                  <a:cubicBezTo>
+                    <a:pt x="1965963" y="899947"/>
+                    <a:pt x="1988235" y="905256"/>
+                    <a:pt x="1988235" y="920293"/>
+                  </a:cubicBezTo>
+                  <a:cubicBezTo>
+                    <a:pt x="1988235" y="933072"/>
+                    <a:pt x="1967767" y="935843"/>
+                    <a:pt x="1956337" y="941558"/>
+                  </a:cubicBezTo>
+                  <a:cubicBezTo>
+                    <a:pt x="1934543" y="952455"/>
+                    <a:pt x="1891494" y="958780"/>
+                    <a:pt x="1871277" y="962823"/>
+                  </a:cubicBezTo>
+                  <a:cubicBezTo>
+                    <a:pt x="1860644" y="973455"/>
+                    <a:pt x="1847720" y="982209"/>
+                    <a:pt x="1839379" y="994720"/>
+                  </a:cubicBezTo>
+                  <a:cubicBezTo>
+                    <a:pt x="1825080" y="1016169"/>
+                    <a:pt x="1820813" y="1092050"/>
+                    <a:pt x="1818114" y="1101046"/>
+                  </a:cubicBezTo>
+                  <a:cubicBezTo>
+                    <a:pt x="1810608" y="1126064"/>
+                    <a:pt x="1786634" y="1143368"/>
+                    <a:pt x="1764951" y="1154209"/>
+                  </a:cubicBezTo>
+                  <a:cubicBezTo>
+                    <a:pt x="1754926" y="1159221"/>
+                    <a:pt x="1743686" y="1161297"/>
+                    <a:pt x="1733053" y="1164841"/>
+                  </a:cubicBezTo>
+                  <a:cubicBezTo>
+                    <a:pt x="1725965" y="1171930"/>
+                    <a:pt x="1715308" y="1176721"/>
+                    <a:pt x="1711788" y="1186107"/>
+                  </a:cubicBezTo>
+                  <a:cubicBezTo>
+                    <a:pt x="1704219" y="1206293"/>
+                    <a:pt x="1713519" y="1232241"/>
+                    <a:pt x="1701156" y="1249902"/>
+                  </a:cubicBezTo>
+                  <a:cubicBezTo>
+                    <a:pt x="1686500" y="1270840"/>
+                    <a:pt x="1637360" y="1292432"/>
+                    <a:pt x="1637360" y="1292432"/>
+                  </a:cubicBezTo>
+                  <a:cubicBezTo>
+                    <a:pt x="1633020" y="1340173"/>
+                    <a:pt x="1661774" y="1420023"/>
+                    <a:pt x="1594830" y="1420023"/>
+                  </a:cubicBezTo>
+                  <a:cubicBezTo>
+                    <a:pt x="1583622" y="1420023"/>
+                    <a:pt x="1573565" y="1412934"/>
+                    <a:pt x="1562933" y="1409390"/>
+                  </a:cubicBezTo>
+                  <a:cubicBezTo>
+                    <a:pt x="1555844" y="1402302"/>
+                    <a:pt x="1547929" y="1395953"/>
+                    <a:pt x="1541667" y="1388125"/>
+                  </a:cubicBezTo>
+                  <a:cubicBezTo>
+                    <a:pt x="1533684" y="1378146"/>
+                    <a:pt x="1530381" y="1364210"/>
+                    <a:pt x="1520402" y="1356227"/>
+                  </a:cubicBezTo>
+                  <a:cubicBezTo>
+                    <a:pt x="1511651" y="1349226"/>
+                    <a:pt x="1499137" y="1349139"/>
+                    <a:pt x="1488505" y="1345595"/>
+                  </a:cubicBezTo>
+                  <a:cubicBezTo>
+                    <a:pt x="1442430" y="1350202"/>
+                    <a:pt x="1387600" y="1333016"/>
+                    <a:pt x="1360914" y="1377493"/>
+                  </a:cubicBezTo>
+                  <a:cubicBezTo>
+                    <a:pt x="1355148" y="1387103"/>
+                    <a:pt x="1353825" y="1398758"/>
+                    <a:pt x="1350281" y="1409390"/>
+                  </a:cubicBezTo>
+                  <a:cubicBezTo>
+                    <a:pt x="1357162" y="1450677"/>
+                    <a:pt x="1343370" y="1483818"/>
+                    <a:pt x="1392812" y="1483818"/>
+                  </a:cubicBezTo>
+                  <a:cubicBezTo>
+                    <a:pt x="1404019" y="1483818"/>
+                    <a:pt x="1414077" y="1476730"/>
+                    <a:pt x="1424709" y="1473186"/>
+                  </a:cubicBezTo>
+                  <a:cubicBezTo>
+                    <a:pt x="1477873" y="1420022"/>
+                    <a:pt x="1453063" y="1416478"/>
+                    <a:pt x="1499137" y="1462553"/>
+                  </a:cubicBezTo>
+                  <a:cubicBezTo>
+                    <a:pt x="1502681" y="1473186"/>
+                    <a:pt x="1506691" y="1483674"/>
+                    <a:pt x="1509770" y="1494451"/>
+                  </a:cubicBezTo>
+                  <a:cubicBezTo>
+                    <a:pt x="1513784" y="1508502"/>
+                    <a:pt x="1508010" y="1529236"/>
+                    <a:pt x="1520402" y="1536981"/>
+                  </a:cubicBezTo>
+                  <a:cubicBezTo>
+                    <a:pt x="1541654" y="1550264"/>
+                    <a:pt x="1570021" y="1544070"/>
+                    <a:pt x="1594830" y="1547614"/>
+                  </a:cubicBezTo>
+                  <a:cubicBezTo>
+                    <a:pt x="1605463" y="1554702"/>
+                    <a:pt x="1623435" y="1556532"/>
+                    <a:pt x="1626728" y="1568879"/>
+                  </a:cubicBezTo>
+                  <a:cubicBezTo>
+                    <a:pt x="1638635" y="1613529"/>
+                    <a:pt x="1611057" y="1669108"/>
+                    <a:pt x="1637360" y="1707102"/>
+                  </a:cubicBezTo>
+                  <a:cubicBezTo>
+                    <a:pt x="1653499" y="1730414"/>
+                    <a:pt x="1672802" y="1719506"/>
+                    <a:pt x="1690523" y="1717734"/>
+                  </a:cubicBezTo>
+                  <a:close/>
+                </a:path>
+              </a:pathLst>
+            </a:custGeom>
+            <a:solidFill>
+              <a:srgbClr val="5AAF43"/>
+            </a:solidFill>
+            <a:ln>
+              <a:noFill/>
+            </a:ln>
+          </p:spPr>
+          <p:style>
+            <a:lnRef idx="2">
+              <a:schemeClr val="accent1">
+                <a:shade val="50000"/>
+              </a:schemeClr>
+            </a:lnRef>
+            <a:fillRef idx="1">
+              <a:schemeClr val="accent1"/>
+            </a:fillRef>
+            <a:effectRef idx="0">
+              <a:schemeClr val="accent1"/>
+            </a:effectRef>
+            <a:fontRef idx="minor">
+              <a:schemeClr val="lt1"/>
+            </a:fontRef>
+          </p:style>
+          <p:txBody>
+            <a:bodyPr rtlCol="0" anchor="ctr"/>
+            <a:lstStyle/>
+            <a:p>
+              <a:pPr algn="ctr"/>
+              <a:endParaRPr lang="pt-BR"/>
+            </a:p>
+          </p:txBody>
+        </p:sp>
+        <p:sp>
+          <p:nvSpPr>
+            <p:cNvPr id="9" name="Forma livre 8"/>
+            <p:cNvSpPr/>
+            <p:nvPr/>
+          </p:nvSpPr>
+          <p:spPr>
+            <a:xfrm>
+              <a:off x="6605011" y="2444813"/>
+              <a:ext cx="278529" cy="128493"/>
+            </a:xfrm>
+            <a:custGeom>
+              <a:avLst/>
+              <a:gdLst>
+                <a:gd name="connsiteX0" fmla="*/ 87143 w 278529"/>
+                <a:gd name="connsiteY0" fmla="*/ 902 h 128493"/>
+                <a:gd name="connsiteX1" fmla="*/ 2083 w 278529"/>
+                <a:gd name="connsiteY1" fmla="*/ 11534 h 128493"/>
+                <a:gd name="connsiteX2" fmla="*/ 23348 w 278529"/>
+                <a:gd name="connsiteY2" fmla="*/ 32800 h 128493"/>
+                <a:gd name="connsiteX3" fmla="*/ 55245 w 278529"/>
+                <a:gd name="connsiteY3" fmla="*/ 54065 h 128493"/>
+                <a:gd name="connsiteX4" fmla="*/ 119041 w 278529"/>
+                <a:gd name="connsiteY4" fmla="*/ 75330 h 128493"/>
+                <a:gd name="connsiteX5" fmla="*/ 182836 w 278529"/>
+                <a:gd name="connsiteY5" fmla="*/ 107228 h 128493"/>
+                <a:gd name="connsiteX6" fmla="*/ 267897 w 278529"/>
+                <a:gd name="connsiteY6" fmla="*/ 128493 h 128493"/>
+                <a:gd name="connsiteX7" fmla="*/ 278529 w 278529"/>
+                <a:gd name="connsiteY7" fmla="*/ 96595 h 128493"/>
+                <a:gd name="connsiteX8" fmla="*/ 235999 w 278529"/>
+                <a:gd name="connsiteY8" fmla="*/ 43432 h 128493"/>
+                <a:gd name="connsiteX9" fmla="*/ 108408 w 278529"/>
+                <a:gd name="connsiteY9" fmla="*/ 22167 h 128493"/>
+                <a:gd name="connsiteX10" fmla="*/ 87143 w 278529"/>
+                <a:gd name="connsiteY10" fmla="*/ 902 h 128493"/>
+              </a:gdLst>
+              <a:ahLst/>
+              <a:cxnLst>
+                <a:cxn ang="0">
+                  <a:pos x="connsiteX0" y="connsiteY0"/>
+                </a:cxn>
+                <a:cxn ang="0">
+                  <a:pos x="connsiteX1" y="connsiteY1"/>
+                </a:cxn>
+                <a:cxn ang="0">
+                  <a:pos x="connsiteX2" y="connsiteY2"/>
+                </a:cxn>
+                <a:cxn ang="0">
+                  <a:pos x="connsiteX3" y="connsiteY3"/>
+                </a:cxn>
+                <a:cxn ang="0">
+                  <a:pos x="connsiteX4" y="connsiteY4"/>
+                </a:cxn>
+                <a:cxn ang="0">
+                  <a:pos x="connsiteX5" y="connsiteY5"/>
+                </a:cxn>
+                <a:cxn ang="0">
+                  <a:pos x="connsiteX6" y="connsiteY6"/>
+                </a:cxn>
+                <a:cxn ang="0">
+                  <a:pos x="connsiteX7" y="connsiteY7"/>
+                </a:cxn>
+                <a:cxn ang="0">
+                  <a:pos x="connsiteX8" y="connsiteY8"/>
+                </a:cxn>
+                <a:cxn ang="0">
+                  <a:pos x="connsiteX9" y="connsiteY9"/>
+                </a:cxn>
+                <a:cxn ang="0">
+                  <a:pos x="connsiteX10" y="connsiteY10"/>
+                </a:cxn>
+              </a:cxnLst>
+              <a:rect l="l" t="t" r="r" b="b"/>
+              <a:pathLst>
+                <a:path w="278529" h="128493">
+                  <a:moveTo>
+                    <a:pt x="87143" y="902"/>
+                  </a:moveTo>
+                  <a:cubicBezTo>
+                    <a:pt x="69422" y="-870"/>
+                    <a:pt x="27640" y="-1245"/>
+                    <a:pt x="2083" y="11534"/>
+                  </a:cubicBezTo>
+                  <a:cubicBezTo>
+                    <a:pt x="-6883" y="16017"/>
+                    <a:pt x="15520" y="26538"/>
+                    <a:pt x="23348" y="32800"/>
+                  </a:cubicBezTo>
+                  <a:cubicBezTo>
+                    <a:pt x="33326" y="40783"/>
+                    <a:pt x="43568" y="48875"/>
+                    <a:pt x="55245" y="54065"/>
+                  </a:cubicBezTo>
+                  <a:cubicBezTo>
+                    <a:pt x="75729" y="63169"/>
+                    <a:pt x="100390" y="62896"/>
+                    <a:pt x="119041" y="75330"/>
+                  </a:cubicBezTo>
+                  <a:cubicBezTo>
+                    <a:pt x="150224" y="96119"/>
+                    <a:pt x="147621" y="98424"/>
+                    <a:pt x="182836" y="107228"/>
+                  </a:cubicBezTo>
+                  <a:lnTo>
+                    <a:pt x="267897" y="128493"/>
+                  </a:lnTo>
+                  <a:cubicBezTo>
+                    <a:pt x="271441" y="117860"/>
+                    <a:pt x="278529" y="107803"/>
+                    <a:pt x="278529" y="96595"/>
+                  </a:cubicBezTo>
+                  <a:cubicBezTo>
+                    <a:pt x="278529" y="70232"/>
+                    <a:pt x="260493" y="50780"/>
+                    <a:pt x="235999" y="43432"/>
+                  </a:cubicBezTo>
+                  <a:cubicBezTo>
+                    <a:pt x="222485" y="39378"/>
+                    <a:pt x="129319" y="31129"/>
+                    <a:pt x="108408" y="22167"/>
+                  </a:cubicBezTo>
+                  <a:cubicBezTo>
+                    <a:pt x="99194" y="18218"/>
+                    <a:pt x="104864" y="2674"/>
+                    <a:pt x="87143" y="902"/>
+                  </a:cubicBezTo>
+                  <a:close/>
+                </a:path>
+              </a:pathLst>
+            </a:custGeom>
+            <a:solidFill>
+              <a:srgbClr val="5AAF43"/>
+            </a:solidFill>
+            <a:ln>
+              <a:noFill/>
+            </a:ln>
+          </p:spPr>
+          <p:style>
+            <a:lnRef idx="2">
+              <a:schemeClr val="accent6">
+                <a:shade val="50000"/>
+              </a:schemeClr>
+            </a:lnRef>
+            <a:fillRef idx="1">
+              <a:schemeClr val="accent6"/>
+            </a:fillRef>
+            <a:effectRef idx="0">
+              <a:schemeClr val="accent6"/>
+            </a:effectRef>
+            <a:fontRef idx="minor">
+              <a:schemeClr val="lt1"/>
+            </a:fontRef>
+          </p:style>
+          <p:txBody>
+            <a:bodyPr rtlCol="0" anchor="ctr"/>
+            <a:lstStyle/>
+            <a:p>
+              <a:pPr algn="ctr"/>
+              <a:endParaRPr lang="pt-BR"/>
+            </a:p>
+          </p:txBody>
+        </p:sp>
+        <p:sp>
+          <p:nvSpPr>
+            <p:cNvPr id="10" name="Forma livre 9"/>
+            <p:cNvSpPr/>
+            <p:nvPr/>
+          </p:nvSpPr>
+          <p:spPr>
+            <a:xfrm>
+              <a:off x="6713968" y="1446030"/>
+              <a:ext cx="209475" cy="202018"/>
+            </a:xfrm>
+            <a:custGeom>
+              <a:avLst/>
+              <a:gdLst>
+                <a:gd name="connsiteX0" fmla="*/ 174138 w 209475"/>
+                <a:gd name="connsiteY0" fmla="*/ 85060 h 202018"/>
+                <a:gd name="connsiteX1" fmla="*/ 120976 w 209475"/>
+                <a:gd name="connsiteY1" fmla="*/ 53163 h 202018"/>
+                <a:gd name="connsiteX2" fmla="*/ 99711 w 209475"/>
+                <a:gd name="connsiteY2" fmla="*/ 21265 h 202018"/>
+                <a:gd name="connsiteX3" fmla="*/ 67813 w 209475"/>
+                <a:gd name="connsiteY3" fmla="*/ 0 h 202018"/>
+                <a:gd name="connsiteX4" fmla="*/ 4017 w 209475"/>
+                <a:gd name="connsiteY4" fmla="*/ 10632 h 202018"/>
+                <a:gd name="connsiteX5" fmla="*/ 35915 w 209475"/>
+                <a:gd name="connsiteY5" fmla="*/ 106325 h 202018"/>
+                <a:gd name="connsiteX6" fmla="*/ 89078 w 209475"/>
+                <a:gd name="connsiteY6" fmla="*/ 148856 h 202018"/>
+                <a:gd name="connsiteX7" fmla="*/ 110343 w 209475"/>
+                <a:gd name="connsiteY7" fmla="*/ 180753 h 202018"/>
+                <a:gd name="connsiteX8" fmla="*/ 174138 w 209475"/>
+                <a:gd name="connsiteY8" fmla="*/ 202018 h 202018"/>
+                <a:gd name="connsiteX9" fmla="*/ 184771 w 209475"/>
+                <a:gd name="connsiteY9" fmla="*/ 170121 h 202018"/>
+                <a:gd name="connsiteX10" fmla="*/ 195404 w 209475"/>
+                <a:gd name="connsiteY10" fmla="*/ 95693 h 202018"/>
+                <a:gd name="connsiteX11" fmla="*/ 163506 w 209475"/>
+                <a:gd name="connsiteY11" fmla="*/ 85060 h 202018"/>
+                <a:gd name="connsiteX12" fmla="*/ 174138 w 209475"/>
+                <a:gd name="connsiteY12" fmla="*/ 85060 h 202018"/>
+              </a:gdLst>
+              <a:ahLst/>
+              <a:cxnLst>
+                <a:cxn ang="0">
+                  <a:pos x="connsiteX0" y="connsiteY0"/>
+                </a:cxn>
+                <a:cxn ang="0">
+                  <a:pos x="connsiteX1" y="connsiteY1"/>
+                </a:cxn>
+                <a:cxn ang="0">
+                  <a:pos x="connsiteX2" y="connsiteY2"/>
+                </a:cxn>
+                <a:cxn ang="0">
+                  <a:pos x="connsiteX3" y="connsiteY3"/>
+                </a:cxn>
+                <a:cxn ang="0">
+                  <a:pos x="connsiteX4" y="connsiteY4"/>
+                </a:cxn>
+                <a:cxn ang="0">
+                  <a:pos x="connsiteX5" y="connsiteY5"/>
+                </a:cxn>
+                <a:cxn ang="0">
+                  <a:pos x="connsiteX6" y="connsiteY6"/>
+                </a:cxn>
+                <a:cxn ang="0">
+                  <a:pos x="connsiteX7" y="connsiteY7"/>
+                </a:cxn>
+                <a:cxn ang="0">
+                  <a:pos x="connsiteX8" y="connsiteY8"/>
+                </a:cxn>
+                <a:cxn ang="0">
+                  <a:pos x="connsiteX9" y="connsiteY9"/>
+                </a:cxn>
+                <a:cxn ang="0">
+                  <a:pos x="connsiteX10" y="connsiteY10"/>
+                </a:cxn>
+                <a:cxn ang="0">
+                  <a:pos x="connsiteX11" y="connsiteY11"/>
+                </a:cxn>
+                <a:cxn ang="0">
+                  <a:pos x="connsiteX12" y="connsiteY12"/>
+                </a:cxn>
+              </a:cxnLst>
+              <a:rect l="l" t="t" r="r" b="b"/>
+              <a:pathLst>
+                <a:path w="209475" h="202018">
+                  <a:moveTo>
+                    <a:pt x="174138" y="85060"/>
+                  </a:moveTo>
+                  <a:cubicBezTo>
+                    <a:pt x="167050" y="79744"/>
+                    <a:pt x="136666" y="66612"/>
+                    <a:pt x="120976" y="53163"/>
+                  </a:cubicBezTo>
+                  <a:cubicBezTo>
+                    <a:pt x="111274" y="44847"/>
+                    <a:pt x="108747" y="30301"/>
+                    <a:pt x="99711" y="21265"/>
+                  </a:cubicBezTo>
+                  <a:cubicBezTo>
+                    <a:pt x="90675" y="12229"/>
+                    <a:pt x="78446" y="7088"/>
+                    <a:pt x="67813" y="0"/>
+                  </a:cubicBezTo>
+                  <a:cubicBezTo>
+                    <a:pt x="46548" y="3544"/>
+                    <a:pt x="16548" y="-6911"/>
+                    <a:pt x="4017" y="10632"/>
+                  </a:cubicBezTo>
+                  <a:cubicBezTo>
+                    <a:pt x="-10834" y="31423"/>
+                    <a:pt x="19042" y="89452"/>
+                    <a:pt x="35915" y="106325"/>
+                  </a:cubicBezTo>
+                  <a:cubicBezTo>
+                    <a:pt x="91183" y="161592"/>
+                    <a:pt x="46988" y="96242"/>
+                    <a:pt x="89078" y="148856"/>
+                  </a:cubicBezTo>
+                  <a:cubicBezTo>
+                    <a:pt x="97061" y="158834"/>
+                    <a:pt x="99507" y="173980"/>
+                    <a:pt x="110343" y="180753"/>
+                  </a:cubicBezTo>
+                  <a:cubicBezTo>
+                    <a:pt x="129351" y="192633"/>
+                    <a:pt x="174138" y="202018"/>
+                    <a:pt x="174138" y="202018"/>
+                  </a:cubicBezTo>
+                  <a:cubicBezTo>
+                    <a:pt x="177682" y="191386"/>
+                    <a:pt x="179759" y="180145"/>
+                    <a:pt x="184771" y="170121"/>
+                  </a:cubicBezTo>
+                  <a:cubicBezTo>
+                    <a:pt x="199463" y="140738"/>
+                    <a:pt x="225921" y="133840"/>
+                    <a:pt x="195404" y="95693"/>
+                  </a:cubicBezTo>
+                  <a:cubicBezTo>
+                    <a:pt x="188403" y="86941"/>
+                    <a:pt x="173531" y="90072"/>
+                    <a:pt x="163506" y="85060"/>
+                  </a:cubicBezTo>
+                  <a:cubicBezTo>
+                    <a:pt x="159023" y="82819"/>
+                    <a:pt x="181226" y="90376"/>
+                    <a:pt x="174138" y="85060"/>
+                  </a:cubicBezTo>
+                  <a:close/>
+                </a:path>
+              </a:pathLst>
+            </a:custGeom>
+            <a:solidFill>
+              <a:srgbClr val="5AAF43"/>
+            </a:solidFill>
+            <a:ln>
+              <a:noFill/>
+            </a:ln>
+          </p:spPr>
+          <p:style>
+            <a:lnRef idx="2">
+              <a:schemeClr val="accent1">
+                <a:shade val="50000"/>
+              </a:schemeClr>
+            </a:lnRef>
+            <a:fillRef idx="1">
+              <a:schemeClr val="accent1"/>
+            </a:fillRef>
+            <a:effectRef idx="0">
+              <a:schemeClr val="accent1"/>
+            </a:effectRef>
+            <a:fontRef idx="minor">
+              <a:schemeClr val="lt1"/>
+            </a:fontRef>
+          </p:style>
+          <p:txBody>
+            <a:bodyPr rtlCol="0" anchor="ctr"/>
+            <a:lstStyle/>
+            <a:p>
+              <a:pPr algn="ctr"/>
+              <a:endParaRPr lang="pt-BR"/>
+            </a:p>
+          </p:txBody>
+        </p:sp>
+        <p:sp>
+          <p:nvSpPr>
+            <p:cNvPr id="11" name="Forma livre 10"/>
+            <p:cNvSpPr/>
+            <p:nvPr/>
+          </p:nvSpPr>
+          <p:spPr>
+            <a:xfrm>
+              <a:off x="6367777" y="999274"/>
+              <a:ext cx="538266" cy="446756"/>
+            </a:xfrm>
+            <a:custGeom>
+              <a:avLst/>
+              <a:gdLst>
+                <a:gd name="connsiteX0" fmla="*/ 240663 w 538266"/>
+                <a:gd name="connsiteY0" fmla="*/ 32086 h 446756"/>
+                <a:gd name="connsiteX1" fmla="*/ 187500 w 538266"/>
+                <a:gd name="connsiteY1" fmla="*/ 188 h 446756"/>
+                <a:gd name="connsiteX2" fmla="*/ 59909 w 538266"/>
+                <a:gd name="connsiteY2" fmla="*/ 21454 h 446756"/>
+                <a:gd name="connsiteX3" fmla="*/ 28012 w 538266"/>
+                <a:gd name="connsiteY3" fmla="*/ 42719 h 446756"/>
+                <a:gd name="connsiteX4" fmla="*/ 17379 w 538266"/>
+                <a:gd name="connsiteY4" fmla="*/ 202207 h 446756"/>
+                <a:gd name="connsiteX5" fmla="*/ 81174 w 538266"/>
+                <a:gd name="connsiteY5" fmla="*/ 234105 h 446756"/>
+                <a:gd name="connsiteX6" fmla="*/ 251295 w 538266"/>
+                <a:gd name="connsiteY6" fmla="*/ 234105 h 446756"/>
+                <a:gd name="connsiteX7" fmla="*/ 283193 w 538266"/>
+                <a:gd name="connsiteY7" fmla="*/ 329798 h 446756"/>
+                <a:gd name="connsiteX8" fmla="*/ 357621 w 538266"/>
+                <a:gd name="connsiteY8" fmla="*/ 414858 h 446756"/>
+                <a:gd name="connsiteX9" fmla="*/ 474579 w 538266"/>
+                <a:gd name="connsiteY9" fmla="*/ 446756 h 446756"/>
+                <a:gd name="connsiteX10" fmla="*/ 527742 w 538266"/>
+                <a:gd name="connsiteY10" fmla="*/ 436123 h 446756"/>
+                <a:gd name="connsiteX11" fmla="*/ 485212 w 538266"/>
+                <a:gd name="connsiteY11" fmla="*/ 319165 h 446756"/>
+                <a:gd name="connsiteX12" fmla="*/ 453314 w 538266"/>
+                <a:gd name="connsiteY12" fmla="*/ 308533 h 446756"/>
+                <a:gd name="connsiteX13" fmla="*/ 421416 w 538266"/>
+                <a:gd name="connsiteY13" fmla="*/ 223472 h 446756"/>
+                <a:gd name="connsiteX14" fmla="*/ 389519 w 538266"/>
+                <a:gd name="connsiteY14" fmla="*/ 191574 h 446756"/>
+                <a:gd name="connsiteX15" fmla="*/ 368254 w 538266"/>
+                <a:gd name="connsiteY15" fmla="*/ 159677 h 446756"/>
+                <a:gd name="connsiteX16" fmla="*/ 346988 w 538266"/>
+                <a:gd name="connsiteY16" fmla="*/ 138412 h 446756"/>
+                <a:gd name="connsiteX17" fmla="*/ 325723 w 538266"/>
+                <a:gd name="connsiteY17" fmla="*/ 106514 h 446756"/>
+                <a:gd name="connsiteX18" fmla="*/ 293826 w 538266"/>
+                <a:gd name="connsiteY18" fmla="*/ 85249 h 446756"/>
+                <a:gd name="connsiteX19" fmla="*/ 272560 w 538266"/>
+                <a:gd name="connsiteY19" fmla="*/ 63984 h 446756"/>
+                <a:gd name="connsiteX20" fmla="*/ 251295 w 538266"/>
+                <a:gd name="connsiteY20" fmla="*/ 32086 h 446756"/>
+                <a:gd name="connsiteX21" fmla="*/ 240663 w 538266"/>
+                <a:gd name="connsiteY21" fmla="*/ 32086 h 446756"/>
+              </a:gdLst>
+              <a:ahLst/>
+              <a:cxnLst>
+                <a:cxn ang="0">
+                  <a:pos x="connsiteX0" y="connsiteY0"/>
+                </a:cxn>
+                <a:cxn ang="0">
+                  <a:pos x="connsiteX1" y="connsiteY1"/>
+                </a:cxn>
+                <a:cxn ang="0">
+                  <a:pos x="connsiteX2" y="connsiteY2"/>
+                </a:cxn>
+                <a:cxn ang="0">
+                  <a:pos x="connsiteX3" y="connsiteY3"/>
+                </a:cxn>
+                <a:cxn ang="0">
+                  <a:pos x="connsiteX4" y="connsiteY4"/>
+                </a:cxn>
+                <a:cxn ang="0">
+                  <a:pos x="connsiteX5" y="connsiteY5"/>
+                </a:cxn>
+                <a:cxn ang="0">
+                  <a:pos x="connsiteX6" y="connsiteY6"/>
+                </a:cxn>
+                <a:cxn ang="0">
+                  <a:pos x="connsiteX7" y="connsiteY7"/>
+                </a:cxn>
+                <a:cxn ang="0">
+                  <a:pos x="connsiteX8" y="connsiteY8"/>
+                </a:cxn>
+                <a:cxn ang="0">
+                  <a:pos x="connsiteX9" y="connsiteY9"/>
+                </a:cxn>
+                <a:cxn ang="0">
+                  <a:pos x="connsiteX10" y="connsiteY10"/>
+                </a:cxn>
+                <a:cxn ang="0">
+                  <a:pos x="connsiteX11" y="connsiteY11"/>
+                </a:cxn>
+                <a:cxn ang="0">
+                  <a:pos x="connsiteX12" y="connsiteY12"/>
+                </a:cxn>
+                <a:cxn ang="0">
+                  <a:pos x="connsiteX13" y="connsiteY13"/>
+                </a:cxn>
+                <a:cxn ang="0">
+                  <a:pos x="connsiteX14" y="connsiteY14"/>
+                </a:cxn>
+                <a:cxn ang="0">
+                  <a:pos x="connsiteX15" y="connsiteY15"/>
+                </a:cxn>
+                <a:cxn ang="0">
+                  <a:pos x="connsiteX16" y="connsiteY16"/>
+                </a:cxn>
+                <a:cxn ang="0">
+                  <a:pos x="connsiteX17" y="connsiteY17"/>
+                </a:cxn>
+                <a:cxn ang="0">
+                  <a:pos x="connsiteX18" y="connsiteY18"/>
+                </a:cxn>
+                <a:cxn ang="0">
+                  <a:pos x="connsiteX19" y="connsiteY19"/>
+                </a:cxn>
+                <a:cxn ang="0">
+                  <a:pos x="connsiteX20" y="connsiteY20"/>
+                </a:cxn>
+                <a:cxn ang="0">
+                  <a:pos x="connsiteX21" y="connsiteY21"/>
+                </a:cxn>
+              </a:cxnLst>
+              <a:rect l="l" t="t" r="r" b="b"/>
+              <a:pathLst>
+                <a:path w="538266" h="446756">
+                  <a:moveTo>
+                    <a:pt x="240663" y="32086"/>
+                  </a:moveTo>
+                  <a:cubicBezTo>
+                    <a:pt x="230030" y="26770"/>
+                    <a:pt x="208130" y="1401"/>
+                    <a:pt x="187500" y="188"/>
+                  </a:cubicBezTo>
+                  <a:cubicBezTo>
+                    <a:pt x="144457" y="-2344"/>
+                    <a:pt x="59909" y="21454"/>
+                    <a:pt x="59909" y="21454"/>
+                  </a:cubicBezTo>
+                  <a:cubicBezTo>
+                    <a:pt x="49277" y="28542"/>
+                    <a:pt x="37048" y="33683"/>
+                    <a:pt x="28012" y="42719"/>
+                  </a:cubicBezTo>
+                  <a:cubicBezTo>
+                    <a:pt x="-15306" y="86037"/>
+                    <a:pt x="273" y="142334"/>
+                    <a:pt x="17379" y="202207"/>
+                  </a:cubicBezTo>
+                  <a:cubicBezTo>
+                    <a:pt x="21718" y="217393"/>
+                    <a:pt x="69503" y="230214"/>
+                    <a:pt x="81174" y="234105"/>
+                  </a:cubicBezTo>
+                  <a:cubicBezTo>
+                    <a:pt x="90206" y="233202"/>
+                    <a:pt x="224237" y="210429"/>
+                    <a:pt x="251295" y="234105"/>
+                  </a:cubicBezTo>
+                  <a:cubicBezTo>
+                    <a:pt x="276811" y="256432"/>
+                    <a:pt x="265118" y="302686"/>
+                    <a:pt x="283193" y="329798"/>
+                  </a:cubicBezTo>
+                  <a:cubicBezTo>
+                    <a:pt x="300237" y="355363"/>
+                    <a:pt x="330965" y="405973"/>
+                    <a:pt x="357621" y="414858"/>
+                  </a:cubicBezTo>
+                  <a:cubicBezTo>
+                    <a:pt x="438561" y="441838"/>
+                    <a:pt x="399436" y="431727"/>
+                    <a:pt x="474579" y="446756"/>
+                  </a:cubicBezTo>
+                  <a:cubicBezTo>
+                    <a:pt x="492300" y="443212"/>
+                    <a:pt x="521030" y="452902"/>
+                    <a:pt x="527742" y="436123"/>
+                  </a:cubicBezTo>
+                  <a:cubicBezTo>
+                    <a:pt x="553688" y="371257"/>
+                    <a:pt x="528686" y="340902"/>
+                    <a:pt x="485212" y="319165"/>
+                  </a:cubicBezTo>
+                  <a:cubicBezTo>
+                    <a:pt x="475187" y="314153"/>
+                    <a:pt x="463947" y="312077"/>
+                    <a:pt x="453314" y="308533"/>
+                  </a:cubicBezTo>
+                  <a:cubicBezTo>
+                    <a:pt x="399674" y="254890"/>
+                    <a:pt x="470539" y="333998"/>
+                    <a:pt x="421416" y="223472"/>
+                  </a:cubicBezTo>
+                  <a:cubicBezTo>
+                    <a:pt x="415309" y="209731"/>
+                    <a:pt x="399145" y="203126"/>
+                    <a:pt x="389519" y="191574"/>
+                  </a:cubicBezTo>
+                  <a:cubicBezTo>
+                    <a:pt x="381338" y="181757"/>
+                    <a:pt x="376237" y="169655"/>
+                    <a:pt x="368254" y="159677"/>
+                  </a:cubicBezTo>
+                  <a:cubicBezTo>
+                    <a:pt x="361992" y="151849"/>
+                    <a:pt x="353250" y="146240"/>
+                    <a:pt x="346988" y="138412"/>
+                  </a:cubicBezTo>
+                  <a:cubicBezTo>
+                    <a:pt x="339005" y="128433"/>
+                    <a:pt x="334759" y="115550"/>
+                    <a:pt x="325723" y="106514"/>
+                  </a:cubicBezTo>
+                  <a:cubicBezTo>
+                    <a:pt x="316687" y="97478"/>
+                    <a:pt x="303804" y="93232"/>
+                    <a:pt x="293826" y="85249"/>
+                  </a:cubicBezTo>
+                  <a:cubicBezTo>
+                    <a:pt x="285998" y="78987"/>
+                    <a:pt x="278822" y="71812"/>
+                    <a:pt x="272560" y="63984"/>
+                  </a:cubicBezTo>
+                  <a:cubicBezTo>
+                    <a:pt x="264577" y="54005"/>
+                    <a:pt x="262725" y="37801"/>
+                    <a:pt x="251295" y="32086"/>
+                  </a:cubicBezTo>
+                  <a:cubicBezTo>
+                    <a:pt x="238615" y="25746"/>
+                    <a:pt x="251296" y="37402"/>
+                    <a:pt x="240663" y="32086"/>
+                  </a:cubicBezTo>
+                  <a:close/>
+                </a:path>
+              </a:pathLst>
+            </a:custGeom>
+            <a:solidFill>
+              <a:srgbClr val="5AAF43"/>
+            </a:solidFill>
+            <a:ln>
+              <a:noFill/>
+            </a:ln>
+          </p:spPr>
+          <p:style>
+            <a:lnRef idx="2">
+              <a:schemeClr val="accent1">
+                <a:shade val="50000"/>
+              </a:schemeClr>
+            </a:lnRef>
+            <a:fillRef idx="1">
+              <a:schemeClr val="accent1"/>
+            </a:fillRef>
+            <a:effectRef idx="0">
+              <a:schemeClr val="accent1"/>
+            </a:effectRef>
+            <a:fontRef idx="minor">
+              <a:schemeClr val="lt1"/>
+            </a:fontRef>
+          </p:style>
+          <p:txBody>
+            <a:bodyPr rtlCol="0" anchor="ctr"/>
+            <a:lstStyle/>
+            <a:p>
+              <a:pPr algn="ctr"/>
+              <a:endParaRPr lang="pt-BR"/>
+            </a:p>
+          </p:txBody>
+        </p:sp>
+        <p:sp>
+          <p:nvSpPr>
+            <p:cNvPr id="12" name="Forma livre 11"/>
+            <p:cNvSpPr/>
+            <p:nvPr/>
+          </p:nvSpPr>
+          <p:spPr>
+            <a:xfrm>
+              <a:off x="6218621" y="1215725"/>
+              <a:ext cx="71076" cy="100007"/>
+            </a:xfrm>
+            <a:custGeom>
+              <a:avLst/>
+              <a:gdLst>
+                <a:gd name="connsiteX0" fmla="*/ 63545 w 71076"/>
+                <a:gd name="connsiteY0" fmla="*/ 4314 h 100007"/>
+                <a:gd name="connsiteX1" fmla="*/ 10382 w 71076"/>
+                <a:gd name="connsiteY1" fmla="*/ 25579 h 100007"/>
+                <a:gd name="connsiteX2" fmla="*/ 52912 w 71076"/>
+                <a:gd name="connsiteY2" fmla="*/ 100007 h 100007"/>
+                <a:gd name="connsiteX3" fmla="*/ 63545 w 71076"/>
+                <a:gd name="connsiteY3" fmla="*/ 4314 h 100007"/>
+              </a:gdLst>
+              <a:ahLst/>
+              <a:cxnLst>
+                <a:cxn ang="0">
+                  <a:pos x="connsiteX0" y="connsiteY0"/>
+                </a:cxn>
+                <a:cxn ang="0">
+                  <a:pos x="connsiteX1" y="connsiteY1"/>
+                </a:cxn>
+                <a:cxn ang="0">
+                  <a:pos x="connsiteX2" y="connsiteY2"/>
+                </a:cxn>
+                <a:cxn ang="0">
+                  <a:pos x="connsiteX3" y="connsiteY3"/>
+                </a:cxn>
+              </a:cxnLst>
+              <a:rect l="l" t="t" r="r" b="b"/>
+              <a:pathLst>
+                <a:path w="71076" h="100007">
+                  <a:moveTo>
+                    <a:pt x="63545" y="4314"/>
+                  </a:moveTo>
+                  <a:cubicBezTo>
+                    <a:pt x="56457" y="-8091"/>
+                    <a:pt x="18918" y="8508"/>
+                    <a:pt x="10382" y="25579"/>
+                  </a:cubicBezTo>
+                  <a:cubicBezTo>
+                    <a:pt x="-19916" y="86174"/>
+                    <a:pt x="22798" y="89970"/>
+                    <a:pt x="52912" y="100007"/>
+                  </a:cubicBezTo>
+                  <a:cubicBezTo>
+                    <a:pt x="80075" y="59263"/>
+                    <a:pt x="70633" y="16719"/>
+                    <a:pt x="63545" y="4314"/>
+                  </a:cubicBezTo>
+                  <a:close/>
+                </a:path>
+              </a:pathLst>
+            </a:custGeom>
+            <a:solidFill>
+              <a:srgbClr val="5AAF43"/>
+            </a:solidFill>
+            <a:ln>
+              <a:noFill/>
+            </a:ln>
+          </p:spPr>
+          <p:style>
+            <a:lnRef idx="2">
+              <a:schemeClr val="accent1">
+                <a:shade val="50000"/>
+              </a:schemeClr>
+            </a:lnRef>
+            <a:fillRef idx="1">
+              <a:schemeClr val="accent1"/>
+            </a:fillRef>
+            <a:effectRef idx="0">
+              <a:schemeClr val="accent1"/>
+            </a:effectRef>
+            <a:fontRef idx="minor">
+              <a:schemeClr val="lt1"/>
+            </a:fontRef>
+          </p:style>
+          <p:txBody>
+            <a:bodyPr rtlCol="0" anchor="ctr"/>
+            <a:lstStyle/>
+            <a:p>
+              <a:pPr algn="ctr"/>
+              <a:endParaRPr lang="pt-BR"/>
+            </a:p>
+          </p:txBody>
+        </p:sp>
+        <p:sp>
+          <p:nvSpPr>
+            <p:cNvPr id="13" name="Forma livre 12"/>
+            <p:cNvSpPr/>
+            <p:nvPr/>
+          </p:nvSpPr>
+          <p:spPr>
+            <a:xfrm>
+              <a:off x="6161565" y="1000434"/>
+              <a:ext cx="118877" cy="138569"/>
+            </a:xfrm>
+            <a:custGeom>
+              <a:avLst/>
+              <a:gdLst>
+                <a:gd name="connsiteX0" fmla="*/ 65714 w 118877"/>
+                <a:gd name="connsiteY0" fmla="*/ 21611 h 138569"/>
+                <a:gd name="connsiteX1" fmla="*/ 12552 w 118877"/>
+                <a:gd name="connsiteY1" fmla="*/ 346 h 138569"/>
+                <a:gd name="connsiteX2" fmla="*/ 1919 w 118877"/>
+                <a:gd name="connsiteY2" fmla="*/ 32244 h 138569"/>
+                <a:gd name="connsiteX3" fmla="*/ 44449 w 118877"/>
+                <a:gd name="connsiteY3" fmla="*/ 138569 h 138569"/>
+                <a:gd name="connsiteX4" fmla="*/ 108245 w 118877"/>
+                <a:gd name="connsiteY4" fmla="*/ 106671 h 138569"/>
+                <a:gd name="connsiteX5" fmla="*/ 118877 w 118877"/>
+                <a:gd name="connsiteY5" fmla="*/ 74774 h 138569"/>
+                <a:gd name="connsiteX6" fmla="*/ 108245 w 118877"/>
+                <a:gd name="connsiteY6" fmla="*/ 32244 h 138569"/>
+                <a:gd name="connsiteX7" fmla="*/ 65714 w 118877"/>
+                <a:gd name="connsiteY7" fmla="*/ 21611 h 138569"/>
+              </a:gdLst>
+              <a:ahLst/>
+              <a:cxnLst>
+                <a:cxn ang="0">
+                  <a:pos x="connsiteX0" y="connsiteY0"/>
+                </a:cxn>
+                <a:cxn ang="0">
+                  <a:pos x="connsiteX1" y="connsiteY1"/>
+                </a:cxn>
+                <a:cxn ang="0">
+                  <a:pos x="connsiteX2" y="connsiteY2"/>
+                </a:cxn>
+                <a:cxn ang="0">
+                  <a:pos x="connsiteX3" y="connsiteY3"/>
+                </a:cxn>
+                <a:cxn ang="0">
+                  <a:pos x="connsiteX4" y="connsiteY4"/>
+                </a:cxn>
+                <a:cxn ang="0">
+                  <a:pos x="connsiteX5" y="connsiteY5"/>
+                </a:cxn>
+                <a:cxn ang="0">
+                  <a:pos x="connsiteX6" y="connsiteY6"/>
+                </a:cxn>
+                <a:cxn ang="0">
+                  <a:pos x="connsiteX7" y="connsiteY7"/>
+                </a:cxn>
+              </a:cxnLst>
+              <a:rect l="l" t="t" r="r" b="b"/>
+              <a:pathLst>
+                <a:path w="118877" h="138569">
+                  <a:moveTo>
+                    <a:pt x="65714" y="21611"/>
+                  </a:moveTo>
+                  <a:cubicBezTo>
+                    <a:pt x="49765" y="16295"/>
+                    <a:pt x="31378" y="-2792"/>
+                    <a:pt x="12552" y="346"/>
+                  </a:cubicBezTo>
+                  <a:cubicBezTo>
+                    <a:pt x="1497" y="2189"/>
+                    <a:pt x="1919" y="21036"/>
+                    <a:pt x="1919" y="32244"/>
+                  </a:cubicBezTo>
+                  <a:cubicBezTo>
+                    <a:pt x="1919" y="135119"/>
+                    <a:pt x="-13750" y="119170"/>
+                    <a:pt x="44449" y="138569"/>
+                  </a:cubicBezTo>
+                  <a:cubicBezTo>
+                    <a:pt x="75029" y="130924"/>
+                    <a:pt x="91516" y="134553"/>
+                    <a:pt x="108245" y="106671"/>
+                  </a:cubicBezTo>
+                  <a:cubicBezTo>
+                    <a:pt x="114011" y="97061"/>
+                    <a:pt x="115333" y="85406"/>
+                    <a:pt x="118877" y="74774"/>
+                  </a:cubicBezTo>
+                  <a:cubicBezTo>
+                    <a:pt x="115333" y="60597"/>
+                    <a:pt x="120136" y="40738"/>
+                    <a:pt x="108245" y="32244"/>
+                  </a:cubicBezTo>
+                  <a:cubicBezTo>
+                    <a:pt x="90702" y="19713"/>
+                    <a:pt x="81663" y="26927"/>
+                    <a:pt x="65714" y="21611"/>
+                  </a:cubicBezTo>
+                  <a:close/>
+                </a:path>
+              </a:pathLst>
+            </a:custGeom>
+            <a:solidFill>
+              <a:srgbClr val="5AAF43"/>
+            </a:solidFill>
+            <a:ln>
+              <a:noFill/>
+            </a:ln>
+          </p:spPr>
+          <p:style>
+            <a:lnRef idx="2">
+              <a:schemeClr val="accent1">
+                <a:shade val="50000"/>
+              </a:schemeClr>
+            </a:lnRef>
+            <a:fillRef idx="1">
+              <a:schemeClr val="accent1"/>
+            </a:fillRef>
+            <a:effectRef idx="0">
+              <a:schemeClr val="accent1"/>
+            </a:effectRef>
+            <a:fontRef idx="minor">
+              <a:schemeClr val="lt1"/>
+            </a:fontRef>
+          </p:style>
+          <p:txBody>
+            <a:bodyPr rtlCol="0" anchor="ctr"/>
+            <a:lstStyle/>
+            <a:p>
+              <a:pPr algn="ctr"/>
+              <a:endParaRPr lang="pt-BR"/>
+            </a:p>
+          </p:txBody>
+        </p:sp>
+        <p:sp>
+          <p:nvSpPr>
+            <p:cNvPr id="15" name="Forma livre 14"/>
+            <p:cNvSpPr/>
+            <p:nvPr/>
+          </p:nvSpPr>
+          <p:spPr>
+            <a:xfrm>
+              <a:off x="6027898" y="1048452"/>
+              <a:ext cx="97211" cy="182202"/>
+            </a:xfrm>
+            <a:custGeom>
+              <a:avLst/>
+              <a:gdLst>
+                <a:gd name="connsiteX0" fmla="*/ 85060 w 97211"/>
+                <a:gd name="connsiteY0" fmla="*/ 86509 h 182202"/>
+                <a:gd name="connsiteX1" fmla="*/ 63795 w 97211"/>
+                <a:gd name="connsiteY1" fmla="*/ 33346 h 182202"/>
+                <a:gd name="connsiteX2" fmla="*/ 53163 w 97211"/>
+                <a:gd name="connsiteY2" fmla="*/ 1448 h 182202"/>
+                <a:gd name="connsiteX3" fmla="*/ 0 w 97211"/>
+                <a:gd name="connsiteY3" fmla="*/ 12081 h 182202"/>
+                <a:gd name="connsiteX4" fmla="*/ 10632 w 97211"/>
+                <a:gd name="connsiteY4" fmla="*/ 129039 h 182202"/>
+                <a:gd name="connsiteX5" fmla="*/ 42530 w 97211"/>
+                <a:gd name="connsiteY5" fmla="*/ 150304 h 182202"/>
+                <a:gd name="connsiteX6" fmla="*/ 63795 w 97211"/>
+                <a:gd name="connsiteY6" fmla="*/ 182202 h 182202"/>
+                <a:gd name="connsiteX7" fmla="*/ 95693 w 97211"/>
+                <a:gd name="connsiteY7" fmla="*/ 171569 h 182202"/>
+                <a:gd name="connsiteX8" fmla="*/ 85060 w 97211"/>
+                <a:gd name="connsiteY8" fmla="*/ 97141 h 182202"/>
+                <a:gd name="connsiteX9" fmla="*/ 85060 w 97211"/>
+                <a:gd name="connsiteY9" fmla="*/ 86509 h 182202"/>
+              </a:gdLst>
+              <a:ahLst/>
+              <a:cxnLst>
+                <a:cxn ang="0">
+                  <a:pos x="connsiteX0" y="connsiteY0"/>
+                </a:cxn>
+                <a:cxn ang="0">
+                  <a:pos x="connsiteX1" y="connsiteY1"/>
+                </a:cxn>
+                <a:cxn ang="0">
+                  <a:pos x="connsiteX2" y="connsiteY2"/>
+                </a:cxn>
+                <a:cxn ang="0">
+                  <a:pos x="connsiteX3" y="connsiteY3"/>
+                </a:cxn>
+                <a:cxn ang="0">
+                  <a:pos x="connsiteX4" y="connsiteY4"/>
+                </a:cxn>
+                <a:cxn ang="0">
+                  <a:pos x="connsiteX5" y="connsiteY5"/>
+                </a:cxn>
+                <a:cxn ang="0">
+                  <a:pos x="connsiteX6" y="connsiteY6"/>
+                </a:cxn>
+                <a:cxn ang="0">
+                  <a:pos x="connsiteX7" y="connsiteY7"/>
+                </a:cxn>
+                <a:cxn ang="0">
+                  <a:pos x="connsiteX8" y="connsiteY8"/>
+                </a:cxn>
+                <a:cxn ang="0">
+                  <a:pos x="connsiteX9" y="connsiteY9"/>
+                </a:cxn>
+              </a:cxnLst>
+              <a:rect l="l" t="t" r="r" b="b"/>
+              <a:pathLst>
+                <a:path w="97211" h="182202">
+                  <a:moveTo>
+                    <a:pt x="85060" y="86509"/>
+                  </a:moveTo>
+                  <a:cubicBezTo>
+                    <a:pt x="81516" y="75877"/>
+                    <a:pt x="70496" y="51217"/>
+                    <a:pt x="63795" y="33346"/>
+                  </a:cubicBezTo>
+                  <a:cubicBezTo>
+                    <a:pt x="59860" y="22852"/>
+                    <a:pt x="63796" y="4992"/>
+                    <a:pt x="53163" y="1448"/>
+                  </a:cubicBezTo>
+                  <a:cubicBezTo>
+                    <a:pt x="36018" y="-4267"/>
+                    <a:pt x="17721" y="8537"/>
+                    <a:pt x="0" y="12081"/>
+                  </a:cubicBezTo>
+                  <a:cubicBezTo>
+                    <a:pt x="3544" y="51067"/>
+                    <a:pt x="-880" y="91623"/>
+                    <a:pt x="10632" y="129039"/>
+                  </a:cubicBezTo>
+                  <a:cubicBezTo>
+                    <a:pt x="14390" y="141253"/>
+                    <a:pt x="33494" y="141268"/>
+                    <a:pt x="42530" y="150304"/>
+                  </a:cubicBezTo>
+                  <a:cubicBezTo>
+                    <a:pt x="51566" y="159340"/>
+                    <a:pt x="56707" y="171569"/>
+                    <a:pt x="63795" y="182202"/>
+                  </a:cubicBezTo>
+                  <a:cubicBezTo>
+                    <a:pt x="74428" y="178658"/>
+                    <a:pt x="92975" y="182442"/>
+                    <a:pt x="95693" y="171569"/>
+                  </a:cubicBezTo>
+                  <a:cubicBezTo>
+                    <a:pt x="101771" y="147256"/>
+                    <a:pt x="87828" y="122049"/>
+                    <a:pt x="85060" y="97141"/>
+                  </a:cubicBezTo>
+                  <a:cubicBezTo>
+                    <a:pt x="84277" y="90096"/>
+                    <a:pt x="88604" y="97141"/>
+                    <a:pt x="85060" y="86509"/>
+                  </a:cubicBezTo>
+                  <a:close/>
+                </a:path>
+              </a:pathLst>
+            </a:custGeom>
+            <a:solidFill>
+              <a:srgbClr val="5AAF43"/>
+            </a:solidFill>
+            <a:ln>
+              <a:noFill/>
+            </a:ln>
+          </p:spPr>
+          <p:style>
+            <a:lnRef idx="2">
+              <a:schemeClr val="accent1">
+                <a:shade val="50000"/>
+              </a:schemeClr>
+            </a:lnRef>
+            <a:fillRef idx="1">
+              <a:schemeClr val="accent1"/>
+            </a:fillRef>
+            <a:effectRef idx="0">
+              <a:schemeClr val="accent1"/>
+            </a:effectRef>
+            <a:fontRef idx="minor">
+              <a:schemeClr val="lt1"/>
+            </a:fontRef>
+          </p:style>
+          <p:txBody>
+            <a:bodyPr rtlCol="0" anchor="ctr"/>
+            <a:lstStyle/>
+            <a:p>
+              <a:pPr algn="ctr"/>
+              <a:endParaRPr lang="pt-BR"/>
+            </a:p>
+          </p:txBody>
+        </p:sp>
+        <p:sp>
+          <p:nvSpPr>
+            <p:cNvPr id="17" name="Forma livre 16"/>
+            <p:cNvSpPr/>
+            <p:nvPr/>
+          </p:nvSpPr>
+          <p:spPr>
+            <a:xfrm>
+              <a:off x="5549433" y="937540"/>
+              <a:ext cx="489098" cy="372139"/>
+            </a:xfrm>
+            <a:custGeom>
+              <a:avLst/>
+              <a:gdLst>
+                <a:gd name="connsiteX0" fmla="*/ 329610 w 489098"/>
+                <a:gd name="connsiteY0" fmla="*/ 138223 h 372139"/>
+                <a:gd name="connsiteX1" fmla="*/ 244549 w 489098"/>
+                <a:gd name="connsiteY1" fmla="*/ 106325 h 372139"/>
+                <a:gd name="connsiteX2" fmla="*/ 170121 w 489098"/>
+                <a:gd name="connsiteY2" fmla="*/ 31897 h 372139"/>
+                <a:gd name="connsiteX3" fmla="*/ 106326 w 489098"/>
+                <a:gd name="connsiteY3" fmla="*/ 10632 h 372139"/>
+                <a:gd name="connsiteX4" fmla="*/ 74428 w 489098"/>
+                <a:gd name="connsiteY4" fmla="*/ 0 h 372139"/>
+                <a:gd name="connsiteX5" fmla="*/ 42530 w 489098"/>
+                <a:gd name="connsiteY5" fmla="*/ 10632 h 372139"/>
+                <a:gd name="connsiteX6" fmla="*/ 10633 w 489098"/>
+                <a:gd name="connsiteY6" fmla="*/ 85060 h 372139"/>
+                <a:gd name="connsiteX7" fmla="*/ 0 w 489098"/>
+                <a:gd name="connsiteY7" fmla="*/ 116958 h 372139"/>
+                <a:gd name="connsiteX8" fmla="*/ 10633 w 489098"/>
+                <a:gd name="connsiteY8" fmla="*/ 180753 h 372139"/>
+                <a:gd name="connsiteX9" fmla="*/ 42530 w 489098"/>
+                <a:gd name="connsiteY9" fmla="*/ 202018 h 372139"/>
+                <a:gd name="connsiteX10" fmla="*/ 159489 w 489098"/>
+                <a:gd name="connsiteY10" fmla="*/ 212651 h 372139"/>
+                <a:gd name="connsiteX11" fmla="*/ 191386 w 489098"/>
+                <a:gd name="connsiteY11" fmla="*/ 308344 h 372139"/>
+                <a:gd name="connsiteX12" fmla="*/ 255182 w 489098"/>
+                <a:gd name="connsiteY12" fmla="*/ 350874 h 372139"/>
+                <a:gd name="connsiteX13" fmla="*/ 318977 w 489098"/>
+                <a:gd name="connsiteY13" fmla="*/ 372139 h 372139"/>
+                <a:gd name="connsiteX14" fmla="*/ 446568 w 489098"/>
+                <a:gd name="connsiteY14" fmla="*/ 361507 h 372139"/>
+                <a:gd name="connsiteX15" fmla="*/ 478465 w 489098"/>
+                <a:gd name="connsiteY15" fmla="*/ 350874 h 372139"/>
+                <a:gd name="connsiteX16" fmla="*/ 489098 w 489098"/>
+                <a:gd name="connsiteY16" fmla="*/ 318976 h 372139"/>
+                <a:gd name="connsiteX17" fmla="*/ 478465 w 489098"/>
+                <a:gd name="connsiteY17" fmla="*/ 276446 h 372139"/>
+                <a:gd name="connsiteX18" fmla="*/ 414670 w 489098"/>
+                <a:gd name="connsiteY18" fmla="*/ 212651 h 372139"/>
+                <a:gd name="connsiteX19" fmla="*/ 393405 w 489098"/>
+                <a:gd name="connsiteY19" fmla="*/ 85060 h 372139"/>
+                <a:gd name="connsiteX20" fmla="*/ 382772 w 489098"/>
+                <a:gd name="connsiteY20" fmla="*/ 53162 h 372139"/>
+                <a:gd name="connsiteX21" fmla="*/ 350875 w 489098"/>
+                <a:gd name="connsiteY21" fmla="*/ 63795 h 372139"/>
+                <a:gd name="connsiteX22" fmla="*/ 340242 w 489098"/>
+                <a:gd name="connsiteY22" fmla="*/ 95693 h 372139"/>
+                <a:gd name="connsiteX23" fmla="*/ 318977 w 489098"/>
+                <a:gd name="connsiteY23" fmla="*/ 127590 h 372139"/>
+                <a:gd name="connsiteX24" fmla="*/ 329610 w 489098"/>
+                <a:gd name="connsiteY24" fmla="*/ 138223 h 372139"/>
+              </a:gdLst>
+              <a:ahLst/>
+              <a:cxnLst>
+                <a:cxn ang="0">
+                  <a:pos x="connsiteX0" y="connsiteY0"/>
+                </a:cxn>
+                <a:cxn ang="0">
+                  <a:pos x="connsiteX1" y="connsiteY1"/>
+                </a:cxn>
+                <a:cxn ang="0">
+                  <a:pos x="connsiteX2" y="connsiteY2"/>
+                </a:cxn>
+                <a:cxn ang="0">
+                  <a:pos x="connsiteX3" y="connsiteY3"/>
+                </a:cxn>
+                <a:cxn ang="0">
+                  <a:pos x="connsiteX4" y="connsiteY4"/>
+                </a:cxn>
+                <a:cxn ang="0">
+                  <a:pos x="connsiteX5" y="connsiteY5"/>
+                </a:cxn>
+                <a:cxn ang="0">
+                  <a:pos x="connsiteX6" y="connsiteY6"/>
+                </a:cxn>
+                <a:cxn ang="0">
+                  <a:pos x="connsiteX7" y="connsiteY7"/>
+                </a:cxn>
+                <a:cxn ang="0">
+                  <a:pos x="connsiteX8" y="connsiteY8"/>
+                </a:cxn>
+                <a:cxn ang="0">
+                  <a:pos x="connsiteX9" y="connsiteY9"/>
+                </a:cxn>
+                <a:cxn ang="0">
+                  <a:pos x="connsiteX10" y="connsiteY10"/>
+                </a:cxn>
+                <a:cxn ang="0">
+                  <a:pos x="connsiteX11" y="connsiteY11"/>
+                </a:cxn>
+                <a:cxn ang="0">
+                  <a:pos x="connsiteX12" y="connsiteY12"/>
+                </a:cxn>
+                <a:cxn ang="0">
+                  <a:pos x="connsiteX13" y="connsiteY13"/>
+                </a:cxn>
+                <a:cxn ang="0">
+                  <a:pos x="connsiteX14" y="connsiteY14"/>
+                </a:cxn>
+                <a:cxn ang="0">
+                  <a:pos x="connsiteX15" y="connsiteY15"/>
+                </a:cxn>
+                <a:cxn ang="0">
+                  <a:pos x="connsiteX16" y="connsiteY16"/>
+                </a:cxn>
+                <a:cxn ang="0">
+                  <a:pos x="connsiteX17" y="connsiteY17"/>
+                </a:cxn>
+                <a:cxn ang="0">
+                  <a:pos x="connsiteX18" y="connsiteY18"/>
+                </a:cxn>
+                <a:cxn ang="0">
+                  <a:pos x="connsiteX19" y="connsiteY19"/>
+                </a:cxn>
+                <a:cxn ang="0">
+                  <a:pos x="connsiteX20" y="connsiteY20"/>
+                </a:cxn>
+                <a:cxn ang="0">
+                  <a:pos x="connsiteX21" y="connsiteY21"/>
+                </a:cxn>
+                <a:cxn ang="0">
+                  <a:pos x="connsiteX22" y="connsiteY22"/>
+                </a:cxn>
+                <a:cxn ang="0">
+                  <a:pos x="connsiteX23" y="connsiteY23"/>
+                </a:cxn>
+                <a:cxn ang="0">
+                  <a:pos x="connsiteX24" y="connsiteY24"/>
+                </a:cxn>
+              </a:cxnLst>
+              <a:rect l="l" t="t" r="r" b="b"/>
+              <a:pathLst>
+                <a:path w="489098" h="372139">
+                  <a:moveTo>
+                    <a:pt x="329610" y="138223"/>
+                  </a:moveTo>
+                  <a:cubicBezTo>
+                    <a:pt x="317205" y="134679"/>
+                    <a:pt x="265409" y="132399"/>
+                    <a:pt x="244549" y="106325"/>
+                  </a:cubicBezTo>
+                  <a:cubicBezTo>
+                    <a:pt x="201766" y="52847"/>
+                    <a:pt x="298130" y="74567"/>
+                    <a:pt x="170121" y="31897"/>
+                  </a:cubicBezTo>
+                  <a:lnTo>
+                    <a:pt x="106326" y="10632"/>
+                  </a:lnTo>
+                  <a:lnTo>
+                    <a:pt x="74428" y="0"/>
+                  </a:lnTo>
+                  <a:cubicBezTo>
+                    <a:pt x="63795" y="3544"/>
+                    <a:pt x="51282" y="3631"/>
+                    <a:pt x="42530" y="10632"/>
+                  </a:cubicBezTo>
+                  <a:cubicBezTo>
+                    <a:pt x="18550" y="29816"/>
+                    <a:pt x="18200" y="58575"/>
+                    <a:pt x="10633" y="85060"/>
+                  </a:cubicBezTo>
+                  <a:cubicBezTo>
+                    <a:pt x="7554" y="95837"/>
+                    <a:pt x="3544" y="106325"/>
+                    <a:pt x="0" y="116958"/>
+                  </a:cubicBezTo>
+                  <a:cubicBezTo>
+                    <a:pt x="3544" y="138223"/>
+                    <a:pt x="992" y="161471"/>
+                    <a:pt x="10633" y="180753"/>
+                  </a:cubicBezTo>
+                  <a:cubicBezTo>
+                    <a:pt x="16348" y="192182"/>
+                    <a:pt x="30035" y="199341"/>
+                    <a:pt x="42530" y="202018"/>
+                  </a:cubicBezTo>
+                  <a:cubicBezTo>
+                    <a:pt x="80808" y="210221"/>
+                    <a:pt x="120503" y="209107"/>
+                    <a:pt x="159489" y="212651"/>
+                  </a:cubicBezTo>
+                  <a:cubicBezTo>
+                    <a:pt x="208236" y="285771"/>
+                    <a:pt x="210101" y="252200"/>
+                    <a:pt x="191386" y="308344"/>
+                  </a:cubicBezTo>
+                  <a:cubicBezTo>
+                    <a:pt x="208795" y="360568"/>
+                    <a:pt x="189318" y="332911"/>
+                    <a:pt x="255182" y="350874"/>
+                  </a:cubicBezTo>
+                  <a:cubicBezTo>
+                    <a:pt x="276807" y="356772"/>
+                    <a:pt x="318977" y="372139"/>
+                    <a:pt x="318977" y="372139"/>
+                  </a:cubicBezTo>
+                  <a:cubicBezTo>
+                    <a:pt x="361507" y="368595"/>
+                    <a:pt x="404265" y="367147"/>
+                    <a:pt x="446568" y="361507"/>
+                  </a:cubicBezTo>
+                  <a:cubicBezTo>
+                    <a:pt x="457677" y="360026"/>
+                    <a:pt x="470540" y="358799"/>
+                    <a:pt x="478465" y="350874"/>
+                  </a:cubicBezTo>
+                  <a:cubicBezTo>
+                    <a:pt x="486390" y="342949"/>
+                    <a:pt x="485554" y="329609"/>
+                    <a:pt x="489098" y="318976"/>
+                  </a:cubicBezTo>
+                  <a:cubicBezTo>
+                    <a:pt x="485554" y="304799"/>
+                    <a:pt x="486845" y="288417"/>
+                    <a:pt x="478465" y="276446"/>
+                  </a:cubicBezTo>
+                  <a:cubicBezTo>
+                    <a:pt x="461219" y="251809"/>
+                    <a:pt x="414670" y="212651"/>
+                    <a:pt x="414670" y="212651"/>
+                  </a:cubicBezTo>
+                  <a:cubicBezTo>
+                    <a:pt x="408670" y="170653"/>
+                    <a:pt x="403768" y="126511"/>
+                    <a:pt x="393405" y="85060"/>
+                  </a:cubicBezTo>
+                  <a:cubicBezTo>
+                    <a:pt x="390687" y="74187"/>
+                    <a:pt x="386316" y="63795"/>
+                    <a:pt x="382772" y="53162"/>
+                  </a:cubicBezTo>
+                  <a:cubicBezTo>
+                    <a:pt x="372140" y="56706"/>
+                    <a:pt x="358800" y="55870"/>
+                    <a:pt x="350875" y="63795"/>
+                  </a:cubicBezTo>
+                  <a:cubicBezTo>
+                    <a:pt x="342950" y="71720"/>
+                    <a:pt x="345254" y="85668"/>
+                    <a:pt x="340242" y="95693"/>
+                  </a:cubicBezTo>
+                  <a:cubicBezTo>
+                    <a:pt x="334527" y="107122"/>
+                    <a:pt x="325552" y="116633"/>
+                    <a:pt x="318977" y="127590"/>
+                  </a:cubicBezTo>
+                  <a:cubicBezTo>
+                    <a:pt x="314900" y="134386"/>
+                    <a:pt x="342015" y="141767"/>
+                    <a:pt x="329610" y="138223"/>
+                  </a:cubicBezTo>
+                  <a:close/>
+                </a:path>
+              </a:pathLst>
+            </a:custGeom>
+            <a:solidFill>
+              <a:srgbClr val="5AAF43"/>
+            </a:solidFill>
+            <a:ln>
+              <a:noFill/>
+            </a:ln>
+          </p:spPr>
+          <p:style>
+            <a:lnRef idx="2">
+              <a:schemeClr val="accent1">
+                <a:shade val="50000"/>
+              </a:schemeClr>
+            </a:lnRef>
+            <a:fillRef idx="1">
+              <a:schemeClr val="accent1"/>
+            </a:fillRef>
+            <a:effectRef idx="0">
+              <a:schemeClr val="accent1"/>
+            </a:effectRef>
+            <a:fontRef idx="minor">
+              <a:schemeClr val="lt1"/>
+            </a:fontRef>
+          </p:style>
+          <p:txBody>
+            <a:bodyPr rtlCol="0" anchor="ctr"/>
+            <a:lstStyle/>
+            <a:p>
+              <a:pPr algn="ctr"/>
+              <a:endParaRPr lang="pt-BR"/>
+            </a:p>
+          </p:txBody>
+        </p:sp>
+        <p:sp>
+          <p:nvSpPr>
+            <p:cNvPr id="20" name="Forma livre 19"/>
+            <p:cNvSpPr/>
+            <p:nvPr/>
+          </p:nvSpPr>
+          <p:spPr>
+            <a:xfrm>
+              <a:off x="5788557" y="766397"/>
+              <a:ext cx="299446" cy="223404"/>
+            </a:xfrm>
+            <a:custGeom>
+              <a:avLst/>
+              <a:gdLst>
+                <a:gd name="connsiteX0" fmla="*/ 212651 w 299446"/>
+                <a:gd name="connsiteY0" fmla="*/ 31898 h 223404"/>
+                <a:gd name="connsiteX1" fmla="*/ 202018 w 299446"/>
+                <a:gd name="connsiteY1" fmla="*/ 85060 h 223404"/>
+                <a:gd name="connsiteX2" fmla="*/ 148856 w 299446"/>
+                <a:gd name="connsiteY2" fmla="*/ 63795 h 223404"/>
+                <a:gd name="connsiteX3" fmla="*/ 116958 w 299446"/>
+                <a:gd name="connsiteY3" fmla="*/ 42530 h 223404"/>
+                <a:gd name="connsiteX4" fmla="*/ 63795 w 299446"/>
+                <a:gd name="connsiteY4" fmla="*/ 0 h 223404"/>
+                <a:gd name="connsiteX5" fmla="*/ 31898 w 299446"/>
+                <a:gd name="connsiteY5" fmla="*/ 10633 h 223404"/>
+                <a:gd name="connsiteX6" fmla="*/ 10632 w 299446"/>
+                <a:gd name="connsiteY6" fmla="*/ 74428 h 223404"/>
+                <a:gd name="connsiteX7" fmla="*/ 0 w 299446"/>
+                <a:gd name="connsiteY7" fmla="*/ 106326 h 223404"/>
+                <a:gd name="connsiteX8" fmla="*/ 95693 w 299446"/>
+                <a:gd name="connsiteY8" fmla="*/ 159488 h 223404"/>
+                <a:gd name="connsiteX9" fmla="*/ 127591 w 299446"/>
+                <a:gd name="connsiteY9" fmla="*/ 180754 h 223404"/>
+                <a:gd name="connsiteX10" fmla="*/ 138223 w 299446"/>
+                <a:gd name="connsiteY10" fmla="*/ 212651 h 223404"/>
+                <a:gd name="connsiteX11" fmla="*/ 212651 w 299446"/>
+                <a:gd name="connsiteY11" fmla="*/ 212651 h 223404"/>
+                <a:gd name="connsiteX12" fmla="*/ 276446 w 299446"/>
+                <a:gd name="connsiteY12" fmla="*/ 191386 h 223404"/>
+                <a:gd name="connsiteX13" fmla="*/ 297711 w 299446"/>
+                <a:gd name="connsiteY13" fmla="*/ 159488 h 223404"/>
+                <a:gd name="connsiteX14" fmla="*/ 255181 w 299446"/>
+                <a:gd name="connsiteY14" fmla="*/ 63795 h 223404"/>
+                <a:gd name="connsiteX15" fmla="*/ 212651 w 299446"/>
+                <a:gd name="connsiteY15" fmla="*/ 31898 h 223404"/>
+              </a:gdLst>
+              <a:ahLst/>
+              <a:cxnLst>
+                <a:cxn ang="0">
+                  <a:pos x="connsiteX0" y="connsiteY0"/>
+                </a:cxn>
+                <a:cxn ang="0">
+                  <a:pos x="connsiteX1" y="connsiteY1"/>
+                </a:cxn>
+                <a:cxn ang="0">
+                  <a:pos x="connsiteX2" y="connsiteY2"/>
+                </a:cxn>
+                <a:cxn ang="0">
+                  <a:pos x="connsiteX3" y="connsiteY3"/>
+                </a:cxn>
+                <a:cxn ang="0">
+                  <a:pos x="connsiteX4" y="connsiteY4"/>
+                </a:cxn>
+                <a:cxn ang="0">
+                  <a:pos x="connsiteX5" y="connsiteY5"/>
+                </a:cxn>
+                <a:cxn ang="0">
+                  <a:pos x="connsiteX6" y="connsiteY6"/>
+                </a:cxn>
+                <a:cxn ang="0">
+                  <a:pos x="connsiteX7" y="connsiteY7"/>
+                </a:cxn>
+                <a:cxn ang="0">
+                  <a:pos x="connsiteX8" y="connsiteY8"/>
+                </a:cxn>
+                <a:cxn ang="0">
+                  <a:pos x="connsiteX9" y="connsiteY9"/>
+                </a:cxn>
+                <a:cxn ang="0">
+                  <a:pos x="connsiteX10" y="connsiteY10"/>
+                </a:cxn>
+                <a:cxn ang="0">
+                  <a:pos x="connsiteX11" y="connsiteY11"/>
+                </a:cxn>
+                <a:cxn ang="0">
+                  <a:pos x="connsiteX12" y="connsiteY12"/>
+                </a:cxn>
+                <a:cxn ang="0">
+                  <a:pos x="connsiteX13" y="connsiteY13"/>
+                </a:cxn>
+                <a:cxn ang="0">
+                  <a:pos x="connsiteX14" y="connsiteY14"/>
+                </a:cxn>
+                <a:cxn ang="0">
+                  <a:pos x="connsiteX15" y="connsiteY15"/>
+                </a:cxn>
+              </a:cxnLst>
+              <a:rect l="l" t="t" r="r" b="b"/>
+              <a:pathLst>
+                <a:path w="299446" h="223404">
+                  <a:moveTo>
+                    <a:pt x="212651" y="31898"/>
+                  </a:moveTo>
+                  <a:cubicBezTo>
+                    <a:pt x="203791" y="35442"/>
+                    <a:pt x="212042" y="70023"/>
+                    <a:pt x="202018" y="85060"/>
+                  </a:cubicBezTo>
+                  <a:cubicBezTo>
+                    <a:pt x="173720" y="127508"/>
+                    <a:pt x="158412" y="73351"/>
+                    <a:pt x="148856" y="63795"/>
+                  </a:cubicBezTo>
+                  <a:cubicBezTo>
+                    <a:pt x="139820" y="54759"/>
+                    <a:pt x="127591" y="49618"/>
+                    <a:pt x="116958" y="42530"/>
+                  </a:cubicBezTo>
+                  <a:cubicBezTo>
+                    <a:pt x="100630" y="18038"/>
+                    <a:pt x="98033" y="0"/>
+                    <a:pt x="63795" y="0"/>
+                  </a:cubicBezTo>
+                  <a:cubicBezTo>
+                    <a:pt x="52587" y="0"/>
+                    <a:pt x="42530" y="7089"/>
+                    <a:pt x="31898" y="10633"/>
+                  </a:cubicBezTo>
+                  <a:lnTo>
+                    <a:pt x="10632" y="74428"/>
+                  </a:lnTo>
+                  <a:lnTo>
+                    <a:pt x="0" y="106326"/>
+                  </a:lnTo>
+                  <a:cubicBezTo>
+                    <a:pt x="56143" y="125039"/>
+                    <a:pt x="22574" y="110742"/>
+                    <a:pt x="95693" y="159488"/>
+                  </a:cubicBezTo>
+                  <a:lnTo>
+                    <a:pt x="127591" y="180754"/>
+                  </a:lnTo>
+                  <a:cubicBezTo>
+                    <a:pt x="131135" y="191386"/>
+                    <a:pt x="130298" y="204726"/>
+                    <a:pt x="138223" y="212651"/>
+                  </a:cubicBezTo>
+                  <a:cubicBezTo>
+                    <a:pt x="158942" y="233370"/>
+                    <a:pt x="191898" y="218877"/>
+                    <a:pt x="212651" y="212651"/>
+                  </a:cubicBezTo>
+                  <a:cubicBezTo>
+                    <a:pt x="234121" y="206210"/>
+                    <a:pt x="276446" y="191386"/>
+                    <a:pt x="276446" y="191386"/>
+                  </a:cubicBezTo>
+                  <a:cubicBezTo>
+                    <a:pt x="283534" y="180753"/>
+                    <a:pt x="296300" y="172189"/>
+                    <a:pt x="297711" y="159488"/>
+                  </a:cubicBezTo>
+                  <a:cubicBezTo>
+                    <a:pt x="305203" y="92059"/>
+                    <a:pt x="287957" y="103126"/>
+                    <a:pt x="255181" y="63795"/>
+                  </a:cubicBezTo>
+                  <a:cubicBezTo>
+                    <a:pt x="226143" y="28949"/>
+                    <a:pt x="221511" y="28354"/>
+                    <a:pt x="212651" y="31898"/>
+                  </a:cubicBezTo>
+                  <a:close/>
+                </a:path>
+              </a:pathLst>
+            </a:custGeom>
+            <a:solidFill>
+              <a:srgbClr val="5AAF43"/>
+            </a:solidFill>
+            <a:ln>
+              <a:noFill/>
+            </a:ln>
+          </p:spPr>
+          <p:style>
+            <a:lnRef idx="2">
+              <a:schemeClr val="accent1">
+                <a:shade val="50000"/>
+              </a:schemeClr>
+            </a:lnRef>
+            <a:fillRef idx="1">
+              <a:schemeClr val="accent1"/>
+            </a:fillRef>
+            <a:effectRef idx="0">
+              <a:schemeClr val="accent1"/>
+            </a:effectRef>
+            <a:fontRef idx="minor">
+              <a:schemeClr val="lt1"/>
+            </a:fontRef>
+          </p:style>
+          <p:txBody>
+            <a:bodyPr rtlCol="0" anchor="ctr"/>
+            <a:lstStyle/>
+            <a:p>
+              <a:pPr algn="ctr"/>
+              <a:endParaRPr lang="pt-BR"/>
+            </a:p>
+          </p:txBody>
+        </p:sp>
+        <p:sp>
+          <p:nvSpPr>
+            <p:cNvPr id="22" name="Forma livre 21"/>
+            <p:cNvSpPr/>
+            <p:nvPr/>
+          </p:nvSpPr>
+          <p:spPr>
+            <a:xfrm>
+              <a:off x="6157582" y="836390"/>
+              <a:ext cx="150621" cy="152251"/>
+            </a:xfrm>
+            <a:custGeom>
+              <a:avLst/>
+              <a:gdLst>
+                <a:gd name="connsiteX0" fmla="*/ 129356 w 150621"/>
+                <a:gd name="connsiteY0" fmla="*/ 2533 h 152251"/>
+                <a:gd name="connsiteX1" fmla="*/ 65561 w 150621"/>
+                <a:gd name="connsiteY1" fmla="*/ 34430 h 152251"/>
+                <a:gd name="connsiteX2" fmla="*/ 1765 w 150621"/>
+                <a:gd name="connsiteY2" fmla="*/ 45063 h 152251"/>
+                <a:gd name="connsiteX3" fmla="*/ 23031 w 150621"/>
+                <a:gd name="connsiteY3" fmla="*/ 66328 h 152251"/>
+                <a:gd name="connsiteX4" fmla="*/ 54928 w 150621"/>
+                <a:gd name="connsiteY4" fmla="*/ 87593 h 152251"/>
+                <a:gd name="connsiteX5" fmla="*/ 108091 w 150621"/>
+                <a:gd name="connsiteY5" fmla="*/ 151389 h 152251"/>
+                <a:gd name="connsiteX6" fmla="*/ 150621 w 150621"/>
+                <a:gd name="connsiteY6" fmla="*/ 140756 h 152251"/>
+                <a:gd name="connsiteX7" fmla="*/ 139989 w 150621"/>
+                <a:gd name="connsiteY7" fmla="*/ 108858 h 152251"/>
+                <a:gd name="connsiteX8" fmla="*/ 129356 w 150621"/>
+                <a:gd name="connsiteY8" fmla="*/ 2533 h 152251"/>
+              </a:gdLst>
+              <a:ahLst/>
+              <a:cxnLst>
+                <a:cxn ang="0">
+                  <a:pos x="connsiteX0" y="connsiteY0"/>
+                </a:cxn>
+                <a:cxn ang="0">
+                  <a:pos x="connsiteX1" y="connsiteY1"/>
+                </a:cxn>
+                <a:cxn ang="0">
+                  <a:pos x="connsiteX2" y="connsiteY2"/>
+                </a:cxn>
+                <a:cxn ang="0">
+                  <a:pos x="connsiteX3" y="connsiteY3"/>
+                </a:cxn>
+                <a:cxn ang="0">
+                  <a:pos x="connsiteX4" y="connsiteY4"/>
+                </a:cxn>
+                <a:cxn ang="0">
+                  <a:pos x="connsiteX5" y="connsiteY5"/>
+                </a:cxn>
+                <a:cxn ang="0">
+                  <a:pos x="connsiteX6" y="connsiteY6"/>
+                </a:cxn>
+                <a:cxn ang="0">
+                  <a:pos x="connsiteX7" y="connsiteY7"/>
+                </a:cxn>
+                <a:cxn ang="0">
+                  <a:pos x="connsiteX8" y="connsiteY8"/>
+                </a:cxn>
+              </a:cxnLst>
+              <a:rect l="l" t="t" r="r" b="b"/>
+              <a:pathLst>
+                <a:path w="150621" h="152251">
+                  <a:moveTo>
+                    <a:pt x="129356" y="2533"/>
+                  </a:moveTo>
+                  <a:cubicBezTo>
+                    <a:pt x="116951" y="-9872"/>
+                    <a:pt x="88116" y="26912"/>
+                    <a:pt x="65561" y="34430"/>
+                  </a:cubicBezTo>
+                  <a:cubicBezTo>
+                    <a:pt x="45109" y="41247"/>
+                    <a:pt x="19012" y="32128"/>
+                    <a:pt x="1765" y="45063"/>
+                  </a:cubicBezTo>
+                  <a:cubicBezTo>
+                    <a:pt x="-6255" y="51078"/>
+                    <a:pt x="15203" y="60066"/>
+                    <a:pt x="23031" y="66328"/>
+                  </a:cubicBezTo>
+                  <a:cubicBezTo>
+                    <a:pt x="33009" y="74311"/>
+                    <a:pt x="44296" y="80505"/>
+                    <a:pt x="54928" y="87593"/>
+                  </a:cubicBezTo>
+                  <a:cubicBezTo>
+                    <a:pt x="64071" y="101308"/>
+                    <a:pt x="91235" y="146573"/>
+                    <a:pt x="108091" y="151389"/>
+                  </a:cubicBezTo>
+                  <a:cubicBezTo>
+                    <a:pt x="122142" y="155403"/>
+                    <a:pt x="136444" y="144300"/>
+                    <a:pt x="150621" y="140756"/>
+                  </a:cubicBezTo>
+                  <a:cubicBezTo>
+                    <a:pt x="147077" y="130123"/>
+                    <a:pt x="142420" y="119799"/>
+                    <a:pt x="139989" y="108858"/>
+                  </a:cubicBezTo>
+                  <a:cubicBezTo>
+                    <a:pt x="120893" y="22925"/>
+                    <a:pt x="141761" y="14938"/>
+                    <a:pt x="129356" y="2533"/>
+                  </a:cubicBezTo>
+                  <a:close/>
+                </a:path>
+              </a:pathLst>
+            </a:custGeom>
+            <a:solidFill>
+              <a:srgbClr val="5AAF43"/>
+            </a:solidFill>
+            <a:ln>
+              <a:noFill/>
+            </a:ln>
+          </p:spPr>
+          <p:style>
+            <a:lnRef idx="2">
+              <a:schemeClr val="accent1">
+                <a:shade val="50000"/>
+              </a:schemeClr>
+            </a:lnRef>
+            <a:fillRef idx="1">
+              <a:schemeClr val="accent1"/>
+            </a:fillRef>
+            <a:effectRef idx="0">
+              <a:schemeClr val="accent1"/>
+            </a:effectRef>
+            <a:fontRef idx="minor">
+              <a:schemeClr val="lt1"/>
+            </a:fontRef>
+          </p:style>
+          <p:txBody>
+            <a:bodyPr rtlCol="0" anchor="ctr"/>
+            <a:lstStyle/>
+            <a:p>
+              <a:pPr algn="ctr"/>
+              <a:endParaRPr lang="pt-BR"/>
+            </a:p>
+          </p:txBody>
+        </p:sp>
+        <p:sp>
+          <p:nvSpPr>
+            <p:cNvPr id="23" name="Forma livre 22"/>
+            <p:cNvSpPr/>
+            <p:nvPr/>
+          </p:nvSpPr>
+          <p:spPr>
+            <a:xfrm>
+              <a:off x="6125109" y="712629"/>
+              <a:ext cx="88840" cy="107535"/>
+            </a:xfrm>
+            <a:custGeom>
+              <a:avLst/>
+              <a:gdLst>
+                <a:gd name="connsiteX0" fmla="*/ 22030 w 88840"/>
+                <a:gd name="connsiteY0" fmla="*/ 1210 h 107535"/>
+                <a:gd name="connsiteX1" fmla="*/ 11397 w 88840"/>
+                <a:gd name="connsiteY1" fmla="*/ 96903 h 107535"/>
+                <a:gd name="connsiteX2" fmla="*/ 43295 w 88840"/>
+                <a:gd name="connsiteY2" fmla="*/ 107535 h 107535"/>
+                <a:gd name="connsiteX3" fmla="*/ 85825 w 88840"/>
+                <a:gd name="connsiteY3" fmla="*/ 96903 h 107535"/>
+                <a:gd name="connsiteX4" fmla="*/ 75192 w 88840"/>
+                <a:gd name="connsiteY4" fmla="*/ 43740 h 107535"/>
+                <a:gd name="connsiteX5" fmla="*/ 22030 w 88840"/>
+                <a:gd name="connsiteY5" fmla="*/ 1210 h 107535"/>
+              </a:gdLst>
+              <a:ahLst/>
+              <a:cxnLst>
+                <a:cxn ang="0">
+                  <a:pos x="connsiteX0" y="connsiteY0"/>
+                </a:cxn>
+                <a:cxn ang="0">
+                  <a:pos x="connsiteX1" y="connsiteY1"/>
+                </a:cxn>
+                <a:cxn ang="0">
+                  <a:pos x="connsiteX2" y="connsiteY2"/>
+                </a:cxn>
+                <a:cxn ang="0">
+                  <a:pos x="connsiteX3" y="connsiteY3"/>
+                </a:cxn>
+                <a:cxn ang="0">
+                  <a:pos x="connsiteX4" y="connsiteY4"/>
+                </a:cxn>
+                <a:cxn ang="0">
+                  <a:pos x="connsiteX5" y="connsiteY5"/>
+                </a:cxn>
+              </a:cxnLst>
+              <a:rect l="l" t="t" r="r" b="b"/>
+              <a:pathLst>
+                <a:path w="88840" h="107535">
+                  <a:moveTo>
+                    <a:pt x="22030" y="1210"/>
+                  </a:moveTo>
+                  <a:cubicBezTo>
+                    <a:pt x="11397" y="10071"/>
+                    <a:pt x="-15056" y="63836"/>
+                    <a:pt x="11397" y="96903"/>
+                  </a:cubicBezTo>
+                  <a:cubicBezTo>
+                    <a:pt x="18398" y="105655"/>
+                    <a:pt x="32662" y="103991"/>
+                    <a:pt x="43295" y="107535"/>
+                  </a:cubicBezTo>
+                  <a:cubicBezTo>
+                    <a:pt x="57472" y="103991"/>
+                    <a:pt x="79290" y="109973"/>
+                    <a:pt x="85825" y="96903"/>
+                  </a:cubicBezTo>
+                  <a:cubicBezTo>
+                    <a:pt x="93907" y="80739"/>
+                    <a:pt x="84158" y="59431"/>
+                    <a:pt x="75192" y="43740"/>
+                  </a:cubicBezTo>
+                  <a:cubicBezTo>
+                    <a:pt x="70060" y="34759"/>
+                    <a:pt x="32663" y="-7651"/>
+                    <a:pt x="22030" y="1210"/>
+                  </a:cubicBezTo>
+                  <a:close/>
+                </a:path>
+              </a:pathLst>
+            </a:custGeom>
+            <a:solidFill>
+              <a:srgbClr val="5AAF43"/>
+            </a:solidFill>
+            <a:ln>
+              <a:noFill/>
+            </a:ln>
+          </p:spPr>
+          <p:style>
+            <a:lnRef idx="2">
+              <a:schemeClr val="accent1">
+                <a:shade val="50000"/>
+              </a:schemeClr>
+            </a:lnRef>
+            <a:fillRef idx="1">
+              <a:schemeClr val="accent1"/>
+            </a:fillRef>
+            <a:effectRef idx="0">
+              <a:schemeClr val="accent1"/>
+            </a:effectRef>
+            <a:fontRef idx="minor">
+              <a:schemeClr val="lt1"/>
+            </a:fontRef>
+          </p:style>
+          <p:txBody>
+            <a:bodyPr rtlCol="0" anchor="ctr"/>
+            <a:lstStyle/>
+            <a:p>
+              <a:pPr algn="ctr"/>
+              <a:endParaRPr lang="pt-BR"/>
+            </a:p>
+          </p:txBody>
+        </p:sp>
+        <p:sp>
+          <p:nvSpPr>
+            <p:cNvPr id="24" name="Forma livre 23"/>
+            <p:cNvSpPr/>
+            <p:nvPr/>
+          </p:nvSpPr>
+          <p:spPr>
+            <a:xfrm>
+              <a:off x="6135215" y="662284"/>
+              <a:ext cx="109456" cy="50345"/>
+            </a:xfrm>
+            <a:custGeom>
+              <a:avLst/>
+              <a:gdLst>
+                <a:gd name="connsiteX0" fmla="*/ 435 w 109456"/>
+                <a:gd name="connsiteY0" fmla="*/ 6040 h 50345"/>
+                <a:gd name="connsiteX1" fmla="*/ 64230 w 109456"/>
+                <a:gd name="connsiteY1" fmla="*/ 48571 h 50345"/>
+                <a:gd name="connsiteX2" fmla="*/ 106761 w 109456"/>
+                <a:gd name="connsiteY2" fmla="*/ 37938 h 50345"/>
+                <a:gd name="connsiteX3" fmla="*/ 96128 w 109456"/>
+                <a:gd name="connsiteY3" fmla="*/ 6040 h 50345"/>
+                <a:gd name="connsiteX4" fmla="*/ 435 w 109456"/>
+                <a:gd name="connsiteY4" fmla="*/ 6040 h 50345"/>
+              </a:gdLst>
+              <a:ahLst/>
+              <a:cxnLst>
+                <a:cxn ang="0">
+                  <a:pos x="connsiteX0" y="connsiteY0"/>
+                </a:cxn>
+                <a:cxn ang="0">
+                  <a:pos x="connsiteX1" y="connsiteY1"/>
+                </a:cxn>
+                <a:cxn ang="0">
+                  <a:pos x="connsiteX2" y="connsiteY2"/>
+                </a:cxn>
+                <a:cxn ang="0">
+                  <a:pos x="connsiteX3" y="connsiteY3"/>
+                </a:cxn>
+                <a:cxn ang="0">
+                  <a:pos x="connsiteX4" y="connsiteY4"/>
+                </a:cxn>
+              </a:cxnLst>
+              <a:rect l="l" t="t" r="r" b="b"/>
+              <a:pathLst>
+                <a:path w="109456" h="50345">
+                  <a:moveTo>
+                    <a:pt x="435" y="6040"/>
+                  </a:moveTo>
+                  <a:cubicBezTo>
+                    <a:pt x="-4881" y="13128"/>
+                    <a:pt x="39750" y="41227"/>
+                    <a:pt x="64230" y="48571"/>
+                  </a:cubicBezTo>
+                  <a:cubicBezTo>
+                    <a:pt x="78227" y="52770"/>
+                    <a:pt x="97993" y="49629"/>
+                    <a:pt x="106761" y="37938"/>
+                  </a:cubicBezTo>
+                  <a:cubicBezTo>
+                    <a:pt x="113486" y="28972"/>
+                    <a:pt x="106761" y="9584"/>
+                    <a:pt x="96128" y="6040"/>
+                  </a:cubicBezTo>
+                  <a:cubicBezTo>
+                    <a:pt x="69230" y="-2926"/>
+                    <a:pt x="5751" y="-1048"/>
+                    <a:pt x="435" y="6040"/>
+                  </a:cubicBezTo>
+                  <a:close/>
+                </a:path>
+              </a:pathLst>
+            </a:custGeom>
+            <a:solidFill>
+              <a:srgbClr val="5AAF43"/>
+            </a:solidFill>
+            <a:ln>
+              <a:noFill/>
+            </a:ln>
+          </p:spPr>
+          <p:style>
+            <a:lnRef idx="2">
+              <a:schemeClr val="accent1">
+                <a:shade val="50000"/>
+              </a:schemeClr>
+            </a:lnRef>
+            <a:fillRef idx="1">
+              <a:schemeClr val="accent1"/>
+            </a:fillRef>
+            <a:effectRef idx="0">
+              <a:schemeClr val="accent1"/>
+            </a:effectRef>
+            <a:fontRef idx="minor">
+              <a:schemeClr val="lt1"/>
+            </a:fontRef>
+          </p:style>
+          <p:txBody>
+            <a:bodyPr rtlCol="0" anchor="ctr"/>
+            <a:lstStyle/>
+            <a:p>
+              <a:pPr algn="ctr"/>
+              <a:endParaRPr lang="pt-BR"/>
+            </a:p>
+          </p:txBody>
+        </p:sp>
+        <p:sp>
+          <p:nvSpPr>
+            <p:cNvPr id="25" name="Forma livre 24"/>
+            <p:cNvSpPr/>
+            <p:nvPr/>
+          </p:nvSpPr>
+          <p:spPr>
+            <a:xfrm>
+              <a:off x="6298256" y="623035"/>
+              <a:ext cx="206541" cy="150867"/>
+            </a:xfrm>
+            <a:custGeom>
+              <a:avLst/>
+              <a:gdLst>
+                <a:gd name="connsiteX0" fmla="*/ 396 w 206541"/>
+                <a:gd name="connsiteY0" fmla="*/ 23276 h 150867"/>
+                <a:gd name="connsiteX1" fmla="*/ 42926 w 206541"/>
+                <a:gd name="connsiteY1" fmla="*/ 76439 h 150867"/>
+                <a:gd name="connsiteX2" fmla="*/ 85456 w 206541"/>
+                <a:gd name="connsiteY2" fmla="*/ 150867 h 150867"/>
+                <a:gd name="connsiteX3" fmla="*/ 117354 w 206541"/>
+                <a:gd name="connsiteY3" fmla="*/ 140234 h 150867"/>
+                <a:gd name="connsiteX4" fmla="*/ 127986 w 206541"/>
+                <a:gd name="connsiteY4" fmla="*/ 87072 h 150867"/>
+                <a:gd name="connsiteX5" fmla="*/ 149251 w 206541"/>
+                <a:gd name="connsiteY5" fmla="*/ 118969 h 150867"/>
+                <a:gd name="connsiteX6" fmla="*/ 170517 w 206541"/>
+                <a:gd name="connsiteY6" fmla="*/ 140234 h 150867"/>
+                <a:gd name="connsiteX7" fmla="*/ 202414 w 206541"/>
+                <a:gd name="connsiteY7" fmla="*/ 129602 h 150867"/>
+                <a:gd name="connsiteX8" fmla="*/ 159884 w 206541"/>
+                <a:gd name="connsiteY8" fmla="*/ 55174 h 150867"/>
+                <a:gd name="connsiteX9" fmla="*/ 149251 w 206541"/>
+                <a:gd name="connsiteY9" fmla="*/ 23276 h 150867"/>
+                <a:gd name="connsiteX10" fmla="*/ 21661 w 206541"/>
+                <a:gd name="connsiteY10" fmla="*/ 12644 h 150867"/>
+                <a:gd name="connsiteX11" fmla="*/ 396 w 206541"/>
+                <a:gd name="connsiteY11" fmla="*/ 23276 h 150867"/>
+              </a:gdLst>
+              <a:ahLst/>
+              <a:cxnLst>
+                <a:cxn ang="0">
+                  <a:pos x="connsiteX0" y="connsiteY0"/>
+                </a:cxn>
+                <a:cxn ang="0">
+                  <a:pos x="connsiteX1" y="connsiteY1"/>
+                </a:cxn>
+                <a:cxn ang="0">
+                  <a:pos x="connsiteX2" y="connsiteY2"/>
+                </a:cxn>
+                <a:cxn ang="0">
+                  <a:pos x="connsiteX3" y="connsiteY3"/>
+                </a:cxn>
+                <a:cxn ang="0">
+                  <a:pos x="connsiteX4" y="connsiteY4"/>
+                </a:cxn>
+                <a:cxn ang="0">
+                  <a:pos x="connsiteX5" y="connsiteY5"/>
+                </a:cxn>
+                <a:cxn ang="0">
+                  <a:pos x="connsiteX6" y="connsiteY6"/>
+                </a:cxn>
+                <a:cxn ang="0">
+                  <a:pos x="connsiteX7" y="connsiteY7"/>
+                </a:cxn>
+                <a:cxn ang="0">
+                  <a:pos x="connsiteX8" y="connsiteY8"/>
+                </a:cxn>
+                <a:cxn ang="0">
+                  <a:pos x="connsiteX9" y="connsiteY9"/>
+                </a:cxn>
+                <a:cxn ang="0">
+                  <a:pos x="connsiteX10" y="connsiteY10"/>
+                </a:cxn>
+                <a:cxn ang="0">
+                  <a:pos x="connsiteX11" y="connsiteY11"/>
+                </a:cxn>
+              </a:cxnLst>
+              <a:rect l="l" t="t" r="r" b="b"/>
+              <a:pathLst>
+                <a:path w="206541" h="150867">
+                  <a:moveTo>
+                    <a:pt x="396" y="23276"/>
+                  </a:moveTo>
+                  <a:cubicBezTo>
+                    <a:pt x="3940" y="33908"/>
+                    <a:pt x="33535" y="55779"/>
+                    <a:pt x="42926" y="76439"/>
+                  </a:cubicBezTo>
+                  <a:cubicBezTo>
+                    <a:pt x="80796" y="159755"/>
+                    <a:pt x="19903" y="129015"/>
+                    <a:pt x="85456" y="150867"/>
+                  </a:cubicBezTo>
+                  <a:cubicBezTo>
+                    <a:pt x="96089" y="147323"/>
+                    <a:pt x="111137" y="149559"/>
+                    <a:pt x="117354" y="140234"/>
+                  </a:cubicBezTo>
+                  <a:cubicBezTo>
+                    <a:pt x="127378" y="125198"/>
+                    <a:pt x="112950" y="97096"/>
+                    <a:pt x="127986" y="87072"/>
+                  </a:cubicBezTo>
+                  <a:cubicBezTo>
+                    <a:pt x="138618" y="79984"/>
+                    <a:pt x="141268" y="108991"/>
+                    <a:pt x="149251" y="118969"/>
+                  </a:cubicBezTo>
+                  <a:cubicBezTo>
+                    <a:pt x="155513" y="126797"/>
+                    <a:pt x="163428" y="133146"/>
+                    <a:pt x="170517" y="140234"/>
+                  </a:cubicBezTo>
+                  <a:cubicBezTo>
+                    <a:pt x="181149" y="136690"/>
+                    <a:pt x="198870" y="140234"/>
+                    <a:pt x="202414" y="129602"/>
+                  </a:cubicBezTo>
+                  <a:cubicBezTo>
+                    <a:pt x="217942" y="83019"/>
+                    <a:pt x="186549" y="72950"/>
+                    <a:pt x="159884" y="55174"/>
+                  </a:cubicBezTo>
+                  <a:cubicBezTo>
+                    <a:pt x="156340" y="44541"/>
+                    <a:pt x="156252" y="32028"/>
+                    <a:pt x="149251" y="23276"/>
+                  </a:cubicBezTo>
+                  <a:cubicBezTo>
+                    <a:pt x="115616" y="-18768"/>
+                    <a:pt x="67351" y="8075"/>
+                    <a:pt x="21661" y="12644"/>
+                  </a:cubicBezTo>
+                  <a:cubicBezTo>
+                    <a:pt x="18134" y="12997"/>
+                    <a:pt x="-3148" y="12644"/>
+                    <a:pt x="396" y="23276"/>
+                  </a:cubicBezTo>
+                  <a:close/>
+                </a:path>
+              </a:pathLst>
+            </a:custGeom>
+            <a:solidFill>
+              <a:srgbClr val="5AAF43"/>
+            </a:solidFill>
+            <a:ln>
+              <a:noFill/>
+            </a:ln>
+          </p:spPr>
+          <p:style>
+            <a:lnRef idx="2">
+              <a:schemeClr val="accent1">
+                <a:shade val="50000"/>
+              </a:schemeClr>
+            </a:lnRef>
+            <a:fillRef idx="1">
+              <a:schemeClr val="accent1"/>
+            </a:fillRef>
+            <a:effectRef idx="0">
+              <a:schemeClr val="accent1"/>
+            </a:effectRef>
+            <a:fontRef idx="minor">
+              <a:schemeClr val="lt1"/>
+            </a:fontRef>
+          </p:style>
+          <p:txBody>
+            <a:bodyPr rtlCol="0" anchor="ctr"/>
+            <a:lstStyle/>
+            <a:p>
+              <a:pPr algn="ctr"/>
+              <a:endParaRPr lang="pt-BR"/>
+            </a:p>
+          </p:txBody>
+        </p:sp>
+        <p:sp>
+          <p:nvSpPr>
+            <p:cNvPr id="27" name="Forma livre 26"/>
+            <p:cNvSpPr/>
+            <p:nvPr/>
+          </p:nvSpPr>
+          <p:spPr>
+            <a:xfrm rot="543123">
+              <a:off x="6524725" y="656354"/>
+              <a:ext cx="414670" cy="364066"/>
+            </a:xfrm>
+            <a:custGeom>
+              <a:avLst/>
+              <a:gdLst>
+                <a:gd name="connsiteX0" fmla="*/ 170121 w 414670"/>
+                <a:gd name="connsiteY0" fmla="*/ 13192 h 364066"/>
+                <a:gd name="connsiteX1" fmla="*/ 159488 w 414670"/>
+                <a:gd name="connsiteY1" fmla="*/ 98252 h 364066"/>
+                <a:gd name="connsiteX2" fmla="*/ 148856 w 414670"/>
+                <a:gd name="connsiteY2" fmla="*/ 151415 h 364066"/>
+                <a:gd name="connsiteX3" fmla="*/ 85060 w 414670"/>
+                <a:gd name="connsiteY3" fmla="*/ 172680 h 364066"/>
+                <a:gd name="connsiteX4" fmla="*/ 53163 w 414670"/>
+                <a:gd name="connsiteY4" fmla="*/ 193945 h 364066"/>
+                <a:gd name="connsiteX5" fmla="*/ 0 w 414670"/>
+                <a:gd name="connsiteY5" fmla="*/ 215210 h 364066"/>
+                <a:gd name="connsiteX6" fmla="*/ 63795 w 414670"/>
+                <a:gd name="connsiteY6" fmla="*/ 257741 h 364066"/>
+                <a:gd name="connsiteX7" fmla="*/ 95693 w 414670"/>
+                <a:gd name="connsiteY7" fmla="*/ 321536 h 364066"/>
+                <a:gd name="connsiteX8" fmla="*/ 106325 w 414670"/>
+                <a:gd name="connsiteY8" fmla="*/ 353434 h 364066"/>
+                <a:gd name="connsiteX9" fmla="*/ 138223 w 414670"/>
+                <a:gd name="connsiteY9" fmla="*/ 364066 h 364066"/>
+                <a:gd name="connsiteX10" fmla="*/ 297711 w 414670"/>
+                <a:gd name="connsiteY10" fmla="*/ 353434 h 364066"/>
+                <a:gd name="connsiteX11" fmla="*/ 308344 w 414670"/>
+                <a:gd name="connsiteY11" fmla="*/ 321536 h 364066"/>
+                <a:gd name="connsiteX12" fmla="*/ 297711 w 414670"/>
+                <a:gd name="connsiteY12" fmla="*/ 268373 h 364066"/>
+                <a:gd name="connsiteX13" fmla="*/ 265814 w 414670"/>
+                <a:gd name="connsiteY13" fmla="*/ 257741 h 364066"/>
+                <a:gd name="connsiteX14" fmla="*/ 159488 w 414670"/>
+                <a:gd name="connsiteY14" fmla="*/ 247108 h 364066"/>
+                <a:gd name="connsiteX15" fmla="*/ 276446 w 414670"/>
+                <a:gd name="connsiteY15" fmla="*/ 247108 h 364066"/>
+                <a:gd name="connsiteX16" fmla="*/ 340242 w 414670"/>
+                <a:gd name="connsiteY16" fmla="*/ 236475 h 364066"/>
+                <a:gd name="connsiteX17" fmla="*/ 350874 w 414670"/>
+                <a:gd name="connsiteY17" fmla="*/ 204578 h 364066"/>
+                <a:gd name="connsiteX18" fmla="*/ 340242 w 414670"/>
+                <a:gd name="connsiteY18" fmla="*/ 172680 h 364066"/>
+                <a:gd name="connsiteX19" fmla="*/ 404037 w 414670"/>
+                <a:gd name="connsiteY19" fmla="*/ 130150 h 364066"/>
+                <a:gd name="connsiteX20" fmla="*/ 414670 w 414670"/>
+                <a:gd name="connsiteY20" fmla="*/ 98252 h 364066"/>
+                <a:gd name="connsiteX21" fmla="*/ 170121 w 414670"/>
+                <a:gd name="connsiteY21" fmla="*/ 13192 h 364066"/>
+              </a:gdLst>
+              <a:ahLst/>
+              <a:cxnLst>
+                <a:cxn ang="0">
+                  <a:pos x="connsiteX0" y="connsiteY0"/>
+                </a:cxn>
+                <a:cxn ang="0">
+                  <a:pos x="connsiteX1" y="connsiteY1"/>
+                </a:cxn>
+                <a:cxn ang="0">
+                  <a:pos x="connsiteX2" y="connsiteY2"/>
+                </a:cxn>
+                <a:cxn ang="0">
+                  <a:pos x="connsiteX3" y="connsiteY3"/>
+                </a:cxn>
+                <a:cxn ang="0">
+                  <a:pos x="connsiteX4" y="connsiteY4"/>
+                </a:cxn>
+                <a:cxn ang="0">
+                  <a:pos x="connsiteX5" y="connsiteY5"/>
+                </a:cxn>
+                <a:cxn ang="0">
+                  <a:pos x="connsiteX6" y="connsiteY6"/>
+                </a:cxn>
+                <a:cxn ang="0">
+                  <a:pos x="connsiteX7" y="connsiteY7"/>
+                </a:cxn>
+                <a:cxn ang="0">
+                  <a:pos x="connsiteX8" y="connsiteY8"/>
+                </a:cxn>
+                <a:cxn ang="0">
+                  <a:pos x="connsiteX9" y="connsiteY9"/>
+                </a:cxn>
+                <a:cxn ang="0">
+                  <a:pos x="connsiteX10" y="connsiteY10"/>
+                </a:cxn>
+                <a:cxn ang="0">
+                  <a:pos x="connsiteX11" y="connsiteY11"/>
+                </a:cxn>
+                <a:cxn ang="0">
+                  <a:pos x="connsiteX12" y="connsiteY12"/>
+                </a:cxn>
+                <a:cxn ang="0">
+                  <a:pos x="connsiteX13" y="connsiteY13"/>
+                </a:cxn>
+                <a:cxn ang="0">
+                  <a:pos x="connsiteX14" y="connsiteY14"/>
+                </a:cxn>
+                <a:cxn ang="0">
+                  <a:pos x="connsiteX15" y="connsiteY15"/>
+                </a:cxn>
+                <a:cxn ang="0">
+                  <a:pos x="connsiteX16" y="connsiteY16"/>
+                </a:cxn>
+                <a:cxn ang="0">
+                  <a:pos x="connsiteX17" y="connsiteY17"/>
+                </a:cxn>
+                <a:cxn ang="0">
+                  <a:pos x="connsiteX18" y="connsiteY18"/>
+                </a:cxn>
+                <a:cxn ang="0">
+                  <a:pos x="connsiteX19" y="connsiteY19"/>
+                </a:cxn>
+                <a:cxn ang="0">
+                  <a:pos x="connsiteX20" y="connsiteY20"/>
+                </a:cxn>
+                <a:cxn ang="0">
+                  <a:pos x="connsiteX21" y="connsiteY21"/>
+                </a:cxn>
+              </a:cxnLst>
+              <a:rect l="l" t="t" r="r" b="b"/>
+              <a:pathLst>
+                <a:path w="414670" h="364066">
+                  <a:moveTo>
+                    <a:pt x="170121" y="13192"/>
+                  </a:moveTo>
+                  <a:cubicBezTo>
+                    <a:pt x="127591" y="13192"/>
+                    <a:pt x="163833" y="70010"/>
+                    <a:pt x="159488" y="98252"/>
+                  </a:cubicBezTo>
+                  <a:cubicBezTo>
+                    <a:pt x="156740" y="116114"/>
+                    <a:pt x="161635" y="138636"/>
+                    <a:pt x="148856" y="151415"/>
+                  </a:cubicBezTo>
+                  <a:cubicBezTo>
+                    <a:pt x="133006" y="167265"/>
+                    <a:pt x="85060" y="172680"/>
+                    <a:pt x="85060" y="172680"/>
+                  </a:cubicBezTo>
+                  <a:cubicBezTo>
+                    <a:pt x="74428" y="179768"/>
+                    <a:pt x="65813" y="192138"/>
+                    <a:pt x="53163" y="193945"/>
+                  </a:cubicBezTo>
+                  <a:cubicBezTo>
+                    <a:pt x="-7583" y="202623"/>
+                    <a:pt x="20884" y="152555"/>
+                    <a:pt x="0" y="215210"/>
+                  </a:cubicBezTo>
+                  <a:cubicBezTo>
+                    <a:pt x="21265" y="229387"/>
+                    <a:pt x="55713" y="233495"/>
+                    <a:pt x="63795" y="257741"/>
+                  </a:cubicBezTo>
+                  <a:cubicBezTo>
+                    <a:pt x="78469" y="301761"/>
+                    <a:pt x="68211" y="280313"/>
+                    <a:pt x="95693" y="321536"/>
+                  </a:cubicBezTo>
+                  <a:cubicBezTo>
+                    <a:pt x="99237" y="332169"/>
+                    <a:pt x="98400" y="345509"/>
+                    <a:pt x="106325" y="353434"/>
+                  </a:cubicBezTo>
+                  <a:cubicBezTo>
+                    <a:pt x="114250" y="361359"/>
+                    <a:pt x="127015" y="364066"/>
+                    <a:pt x="138223" y="364066"/>
+                  </a:cubicBezTo>
+                  <a:cubicBezTo>
+                    <a:pt x="191504" y="364066"/>
+                    <a:pt x="244548" y="356978"/>
+                    <a:pt x="297711" y="353434"/>
+                  </a:cubicBezTo>
+                  <a:cubicBezTo>
+                    <a:pt x="301255" y="342801"/>
+                    <a:pt x="308344" y="332744"/>
+                    <a:pt x="308344" y="321536"/>
+                  </a:cubicBezTo>
+                  <a:cubicBezTo>
+                    <a:pt x="308344" y="303464"/>
+                    <a:pt x="307736" y="283410"/>
+                    <a:pt x="297711" y="268373"/>
+                  </a:cubicBezTo>
+                  <a:cubicBezTo>
+                    <a:pt x="291494" y="259048"/>
+                    <a:pt x="276891" y="259445"/>
+                    <a:pt x="265814" y="257741"/>
+                  </a:cubicBezTo>
+                  <a:cubicBezTo>
+                    <a:pt x="230609" y="252325"/>
+                    <a:pt x="194930" y="250652"/>
+                    <a:pt x="159488" y="247108"/>
+                  </a:cubicBezTo>
+                  <a:cubicBezTo>
+                    <a:pt x="232641" y="222723"/>
+                    <a:pt x="144196" y="247108"/>
+                    <a:pt x="276446" y="247108"/>
+                  </a:cubicBezTo>
+                  <a:cubicBezTo>
+                    <a:pt x="298005" y="247108"/>
+                    <a:pt x="318977" y="240019"/>
+                    <a:pt x="340242" y="236475"/>
+                  </a:cubicBezTo>
+                  <a:cubicBezTo>
+                    <a:pt x="343786" y="225843"/>
+                    <a:pt x="350874" y="215785"/>
+                    <a:pt x="350874" y="204578"/>
+                  </a:cubicBezTo>
+                  <a:cubicBezTo>
+                    <a:pt x="350874" y="193370"/>
+                    <a:pt x="333728" y="181800"/>
+                    <a:pt x="340242" y="172680"/>
+                  </a:cubicBezTo>
+                  <a:cubicBezTo>
+                    <a:pt x="355097" y="151883"/>
+                    <a:pt x="404037" y="130150"/>
+                    <a:pt x="404037" y="130150"/>
+                  </a:cubicBezTo>
+                  <a:cubicBezTo>
+                    <a:pt x="407581" y="119517"/>
+                    <a:pt x="414670" y="109460"/>
+                    <a:pt x="414670" y="98252"/>
+                  </a:cubicBezTo>
+                  <a:cubicBezTo>
+                    <a:pt x="414670" y="-49446"/>
+                    <a:pt x="212651" y="13192"/>
+                    <a:pt x="170121" y="13192"/>
+                  </a:cubicBezTo>
+                  <a:close/>
+                </a:path>
+              </a:pathLst>
+            </a:custGeom>
+            <a:solidFill>
+              <a:srgbClr val="5AAF43"/>
+            </a:solidFill>
+            <a:ln>
+              <a:noFill/>
+            </a:ln>
+          </p:spPr>
+          <p:style>
+            <a:lnRef idx="2">
+              <a:schemeClr val="accent1">
+                <a:shade val="50000"/>
+              </a:schemeClr>
+            </a:lnRef>
+            <a:fillRef idx="1">
+              <a:schemeClr val="accent1"/>
+            </a:fillRef>
+            <a:effectRef idx="0">
+              <a:schemeClr val="accent1"/>
+            </a:effectRef>
+            <a:fontRef idx="minor">
+              <a:schemeClr val="lt1"/>
+            </a:fontRef>
+          </p:style>
+          <p:txBody>
+            <a:bodyPr rtlCol="0" anchor="ctr"/>
+            <a:lstStyle/>
+            <a:p>
+              <a:pPr algn="ctr"/>
+              <a:endParaRPr lang="pt-BR"/>
+            </a:p>
+          </p:txBody>
+        </p:sp>
+        <p:sp>
+          <p:nvSpPr>
+            <p:cNvPr id="28" name="Forma livre 27"/>
+            <p:cNvSpPr/>
+            <p:nvPr/>
+          </p:nvSpPr>
+          <p:spPr>
+            <a:xfrm rot="907919">
+              <a:off x="6947167" y="883499"/>
+              <a:ext cx="1028073" cy="1084877"/>
+            </a:xfrm>
+            <a:custGeom>
+              <a:avLst/>
+              <a:gdLst>
+                <a:gd name="connsiteX0" fmla="*/ 31897 w 1028073"/>
+                <a:gd name="connsiteY0" fmla="*/ 356 h 1084877"/>
+                <a:gd name="connsiteX1" fmla="*/ 0 w 1028073"/>
+                <a:gd name="connsiteY1" fmla="*/ 53519 h 1084877"/>
+                <a:gd name="connsiteX2" fmla="*/ 63795 w 1028073"/>
+                <a:gd name="connsiteY2" fmla="*/ 96049 h 1084877"/>
+                <a:gd name="connsiteX3" fmla="*/ 31897 w 1028073"/>
+                <a:gd name="connsiteY3" fmla="*/ 117314 h 1084877"/>
+                <a:gd name="connsiteX4" fmla="*/ 63795 w 1028073"/>
+                <a:gd name="connsiteY4" fmla="*/ 213007 h 1084877"/>
+                <a:gd name="connsiteX5" fmla="*/ 95693 w 1028073"/>
+                <a:gd name="connsiteY5" fmla="*/ 223640 h 1084877"/>
+                <a:gd name="connsiteX6" fmla="*/ 148855 w 1028073"/>
+                <a:gd name="connsiteY6" fmla="*/ 213007 h 1084877"/>
+                <a:gd name="connsiteX7" fmla="*/ 212651 w 1028073"/>
+                <a:gd name="connsiteY7" fmla="*/ 191742 h 1084877"/>
+                <a:gd name="connsiteX8" fmla="*/ 265814 w 1028073"/>
+                <a:gd name="connsiteY8" fmla="*/ 202375 h 1084877"/>
+                <a:gd name="connsiteX9" fmla="*/ 276446 w 1028073"/>
+                <a:gd name="connsiteY9" fmla="*/ 383128 h 1084877"/>
+                <a:gd name="connsiteX10" fmla="*/ 297711 w 1028073"/>
+                <a:gd name="connsiteY10" fmla="*/ 468189 h 1084877"/>
+                <a:gd name="connsiteX11" fmla="*/ 308344 w 1028073"/>
+                <a:gd name="connsiteY11" fmla="*/ 510719 h 1084877"/>
+                <a:gd name="connsiteX12" fmla="*/ 340241 w 1028073"/>
+                <a:gd name="connsiteY12" fmla="*/ 531984 h 1084877"/>
+                <a:gd name="connsiteX13" fmla="*/ 340241 w 1028073"/>
+                <a:gd name="connsiteY13" fmla="*/ 659575 h 1084877"/>
+                <a:gd name="connsiteX14" fmla="*/ 372139 w 1028073"/>
+                <a:gd name="connsiteY14" fmla="*/ 670207 h 1084877"/>
+                <a:gd name="connsiteX15" fmla="*/ 382772 w 1028073"/>
+                <a:gd name="connsiteY15" fmla="*/ 702105 h 1084877"/>
+                <a:gd name="connsiteX16" fmla="*/ 340241 w 1028073"/>
+                <a:gd name="connsiteY16" fmla="*/ 755268 h 1084877"/>
+                <a:gd name="connsiteX17" fmla="*/ 372139 w 1028073"/>
+                <a:gd name="connsiteY17" fmla="*/ 904123 h 1084877"/>
+                <a:gd name="connsiteX18" fmla="*/ 393404 w 1028073"/>
+                <a:gd name="connsiteY18" fmla="*/ 925389 h 1084877"/>
+                <a:gd name="connsiteX19" fmla="*/ 404037 w 1028073"/>
+                <a:gd name="connsiteY19" fmla="*/ 957286 h 1084877"/>
+                <a:gd name="connsiteX20" fmla="*/ 457200 w 1028073"/>
+                <a:gd name="connsiteY20" fmla="*/ 1021082 h 1084877"/>
+                <a:gd name="connsiteX21" fmla="*/ 489097 w 1028073"/>
+                <a:gd name="connsiteY21" fmla="*/ 1031714 h 1084877"/>
+                <a:gd name="connsiteX22" fmla="*/ 531628 w 1028073"/>
+                <a:gd name="connsiteY22" fmla="*/ 1063612 h 1084877"/>
+                <a:gd name="connsiteX23" fmla="*/ 574158 w 1028073"/>
+                <a:gd name="connsiteY23" fmla="*/ 1074244 h 1084877"/>
+                <a:gd name="connsiteX24" fmla="*/ 606055 w 1028073"/>
+                <a:gd name="connsiteY24" fmla="*/ 1084877 h 1084877"/>
+                <a:gd name="connsiteX25" fmla="*/ 616688 w 1028073"/>
+                <a:gd name="connsiteY25" fmla="*/ 1052979 h 1084877"/>
+                <a:gd name="connsiteX26" fmla="*/ 627321 w 1028073"/>
+                <a:gd name="connsiteY26" fmla="*/ 861593 h 1084877"/>
+                <a:gd name="connsiteX27" fmla="*/ 680483 w 1028073"/>
+                <a:gd name="connsiteY27" fmla="*/ 850961 h 1084877"/>
+                <a:gd name="connsiteX28" fmla="*/ 776176 w 1028073"/>
+                <a:gd name="connsiteY28" fmla="*/ 840328 h 1084877"/>
+                <a:gd name="connsiteX29" fmla="*/ 797441 w 1028073"/>
+                <a:gd name="connsiteY29" fmla="*/ 808430 h 1084877"/>
+                <a:gd name="connsiteX30" fmla="*/ 839972 w 1028073"/>
+                <a:gd name="connsiteY30" fmla="*/ 744635 h 1084877"/>
+                <a:gd name="connsiteX31" fmla="*/ 925032 w 1028073"/>
+                <a:gd name="connsiteY31" fmla="*/ 734003 h 1084877"/>
+                <a:gd name="connsiteX32" fmla="*/ 988828 w 1028073"/>
+                <a:gd name="connsiteY32" fmla="*/ 702105 h 1084877"/>
+                <a:gd name="connsiteX33" fmla="*/ 1010093 w 1028073"/>
+                <a:gd name="connsiteY33" fmla="*/ 670207 h 1084877"/>
+                <a:gd name="connsiteX34" fmla="*/ 1010093 w 1028073"/>
+                <a:gd name="connsiteY34" fmla="*/ 510719 h 1084877"/>
+                <a:gd name="connsiteX35" fmla="*/ 978195 w 1028073"/>
+                <a:gd name="connsiteY35" fmla="*/ 500086 h 1084877"/>
+                <a:gd name="connsiteX36" fmla="*/ 914400 w 1028073"/>
+                <a:gd name="connsiteY36" fmla="*/ 468189 h 1084877"/>
+                <a:gd name="connsiteX37" fmla="*/ 893134 w 1028073"/>
+                <a:gd name="connsiteY37" fmla="*/ 446923 h 1084877"/>
+                <a:gd name="connsiteX38" fmla="*/ 861237 w 1028073"/>
+                <a:gd name="connsiteY38" fmla="*/ 436291 h 1084877"/>
+                <a:gd name="connsiteX39" fmla="*/ 839972 w 1028073"/>
+                <a:gd name="connsiteY39" fmla="*/ 404393 h 1084877"/>
+                <a:gd name="connsiteX40" fmla="*/ 786809 w 1028073"/>
+                <a:gd name="connsiteY40" fmla="*/ 351230 h 1084877"/>
+                <a:gd name="connsiteX41" fmla="*/ 776176 w 1028073"/>
+                <a:gd name="connsiteY41" fmla="*/ 319333 h 1084877"/>
+                <a:gd name="connsiteX42" fmla="*/ 712381 w 1028073"/>
+                <a:gd name="connsiteY42" fmla="*/ 276803 h 1084877"/>
+                <a:gd name="connsiteX43" fmla="*/ 680483 w 1028073"/>
+                <a:gd name="connsiteY43" fmla="*/ 255537 h 1084877"/>
+                <a:gd name="connsiteX44" fmla="*/ 627321 w 1028073"/>
+                <a:gd name="connsiteY44" fmla="*/ 244905 h 1084877"/>
+                <a:gd name="connsiteX45" fmla="*/ 531628 w 1028073"/>
+                <a:gd name="connsiteY45" fmla="*/ 213007 h 1084877"/>
+                <a:gd name="connsiteX46" fmla="*/ 499730 w 1028073"/>
+                <a:gd name="connsiteY46" fmla="*/ 202375 h 1084877"/>
+                <a:gd name="connsiteX47" fmla="*/ 478465 w 1028073"/>
+                <a:gd name="connsiteY47" fmla="*/ 181109 h 1084877"/>
+                <a:gd name="connsiteX48" fmla="*/ 414669 w 1028073"/>
+                <a:gd name="connsiteY48" fmla="*/ 149212 h 1084877"/>
+                <a:gd name="connsiteX49" fmla="*/ 318976 w 1028073"/>
+                <a:gd name="connsiteY49" fmla="*/ 74784 h 1084877"/>
+                <a:gd name="connsiteX50" fmla="*/ 244548 w 1028073"/>
+                <a:gd name="connsiteY50" fmla="*/ 42886 h 1084877"/>
+                <a:gd name="connsiteX51" fmla="*/ 159488 w 1028073"/>
+                <a:gd name="connsiteY51" fmla="*/ 32254 h 1084877"/>
+                <a:gd name="connsiteX52" fmla="*/ 31897 w 1028073"/>
+                <a:gd name="connsiteY52" fmla="*/ 356 h 1084877"/>
+              </a:gdLst>
+              <a:ahLst/>
+              <a:cxnLst>
+                <a:cxn ang="0">
+                  <a:pos x="connsiteX0" y="connsiteY0"/>
+                </a:cxn>
+                <a:cxn ang="0">
+                  <a:pos x="connsiteX1" y="connsiteY1"/>
+                </a:cxn>
+                <a:cxn ang="0">
+                  <a:pos x="connsiteX2" y="connsiteY2"/>
+                </a:cxn>
+                <a:cxn ang="0">
+                  <a:pos x="connsiteX3" y="connsiteY3"/>
+                </a:cxn>
+                <a:cxn ang="0">
+                  <a:pos x="connsiteX4" y="connsiteY4"/>
+                </a:cxn>
+                <a:cxn ang="0">
+                  <a:pos x="connsiteX5" y="connsiteY5"/>
+                </a:cxn>
+                <a:cxn ang="0">
+                  <a:pos x="connsiteX6" y="connsiteY6"/>
+                </a:cxn>
+                <a:cxn ang="0">
+                  <a:pos x="connsiteX7" y="connsiteY7"/>
+                </a:cxn>
+                <a:cxn ang="0">
+                  <a:pos x="connsiteX8" y="connsiteY8"/>
+                </a:cxn>
+                <a:cxn ang="0">
+                  <a:pos x="connsiteX9" y="connsiteY9"/>
+                </a:cxn>
+                <a:cxn ang="0">
+                  <a:pos x="connsiteX10" y="connsiteY10"/>
+                </a:cxn>
+                <a:cxn ang="0">
+                  <a:pos x="connsiteX11" y="connsiteY11"/>
+                </a:cxn>
+                <a:cxn ang="0">
+                  <a:pos x="connsiteX12" y="connsiteY12"/>
+                </a:cxn>
+                <a:cxn ang="0">
+                  <a:pos x="connsiteX13" y="connsiteY13"/>
+                </a:cxn>
+                <a:cxn ang="0">
+                  <a:pos x="connsiteX14" y="connsiteY14"/>
+                </a:cxn>
+                <a:cxn ang="0">
+                  <a:pos x="connsiteX15" y="connsiteY15"/>
+                </a:cxn>
+                <a:cxn ang="0">
+                  <a:pos x="connsiteX16" y="connsiteY16"/>
+                </a:cxn>
+                <a:cxn ang="0">
+                  <a:pos x="connsiteX17" y="connsiteY17"/>
+                </a:cxn>
+                <a:cxn ang="0">
+                  <a:pos x="connsiteX18" y="connsiteY18"/>
+                </a:cxn>
+                <a:cxn ang="0">
+                  <a:pos x="connsiteX19" y="connsiteY19"/>
+                </a:cxn>
+                <a:cxn ang="0">
+                  <a:pos x="connsiteX20" y="connsiteY20"/>
+                </a:cxn>
+                <a:cxn ang="0">
+                  <a:pos x="connsiteX21" y="connsiteY21"/>
+                </a:cxn>
+                <a:cxn ang="0">
+                  <a:pos x="connsiteX22" y="connsiteY22"/>
+                </a:cxn>
+                <a:cxn ang="0">
+                  <a:pos x="connsiteX23" y="connsiteY23"/>
+                </a:cxn>
+                <a:cxn ang="0">
+                  <a:pos x="connsiteX24" y="connsiteY24"/>
+                </a:cxn>
+                <a:cxn ang="0">
+                  <a:pos x="connsiteX25" y="connsiteY25"/>
+                </a:cxn>
+                <a:cxn ang="0">
+                  <a:pos x="connsiteX26" y="connsiteY26"/>
+                </a:cxn>
+                <a:cxn ang="0">
+                  <a:pos x="connsiteX27" y="connsiteY27"/>
+                </a:cxn>
+                <a:cxn ang="0">
+                  <a:pos x="connsiteX28" y="connsiteY28"/>
+                </a:cxn>
+                <a:cxn ang="0">
+                  <a:pos x="connsiteX29" y="connsiteY29"/>
+                </a:cxn>
+                <a:cxn ang="0">
+                  <a:pos x="connsiteX30" y="connsiteY30"/>
+                </a:cxn>
+                <a:cxn ang="0">
+                  <a:pos x="connsiteX31" y="connsiteY31"/>
+                </a:cxn>
+                <a:cxn ang="0">
+                  <a:pos x="connsiteX32" y="connsiteY32"/>
+                </a:cxn>
+                <a:cxn ang="0">
+                  <a:pos x="connsiteX33" y="connsiteY33"/>
+                </a:cxn>
+                <a:cxn ang="0">
+                  <a:pos x="connsiteX34" y="connsiteY34"/>
+                </a:cxn>
+                <a:cxn ang="0">
+                  <a:pos x="connsiteX35" y="connsiteY35"/>
+                </a:cxn>
+                <a:cxn ang="0">
+                  <a:pos x="connsiteX36" y="connsiteY36"/>
+                </a:cxn>
+                <a:cxn ang="0">
+                  <a:pos x="connsiteX37" y="connsiteY37"/>
+                </a:cxn>
+                <a:cxn ang="0">
+                  <a:pos x="connsiteX38" y="connsiteY38"/>
+                </a:cxn>
+                <a:cxn ang="0">
+                  <a:pos x="connsiteX39" y="connsiteY39"/>
+                </a:cxn>
+                <a:cxn ang="0">
+                  <a:pos x="connsiteX40" y="connsiteY40"/>
+                </a:cxn>
+                <a:cxn ang="0">
+                  <a:pos x="connsiteX41" y="connsiteY41"/>
+                </a:cxn>
+                <a:cxn ang="0">
+                  <a:pos x="connsiteX42" y="connsiteY42"/>
+                </a:cxn>
+                <a:cxn ang="0">
+                  <a:pos x="connsiteX43" y="connsiteY43"/>
+                </a:cxn>
+                <a:cxn ang="0">
+                  <a:pos x="connsiteX44" y="connsiteY44"/>
+                </a:cxn>
+                <a:cxn ang="0">
+                  <a:pos x="connsiteX45" y="connsiteY45"/>
+                </a:cxn>
+                <a:cxn ang="0">
+                  <a:pos x="connsiteX46" y="connsiteY46"/>
+                </a:cxn>
+                <a:cxn ang="0">
+                  <a:pos x="connsiteX47" y="connsiteY47"/>
+                </a:cxn>
+                <a:cxn ang="0">
+                  <a:pos x="connsiteX48" y="connsiteY48"/>
+                </a:cxn>
+                <a:cxn ang="0">
+                  <a:pos x="connsiteX49" y="connsiteY49"/>
+                </a:cxn>
+                <a:cxn ang="0">
+                  <a:pos x="connsiteX50" y="connsiteY50"/>
+                </a:cxn>
+                <a:cxn ang="0">
+                  <a:pos x="connsiteX51" y="connsiteY51"/>
+                </a:cxn>
+                <a:cxn ang="0">
+                  <a:pos x="connsiteX52" y="connsiteY52"/>
+                </a:cxn>
+              </a:cxnLst>
+              <a:rect l="l" t="t" r="r" b="b"/>
+              <a:pathLst>
+                <a:path w="1028073" h="1084877">
+                  <a:moveTo>
+                    <a:pt x="31897" y="356"/>
+                  </a:moveTo>
+                  <a:cubicBezTo>
+                    <a:pt x="5316" y="3900"/>
+                    <a:pt x="0" y="32853"/>
+                    <a:pt x="0" y="53519"/>
+                  </a:cubicBezTo>
+                  <a:cubicBezTo>
+                    <a:pt x="0" y="80067"/>
+                    <a:pt x="47315" y="90555"/>
+                    <a:pt x="63795" y="96049"/>
+                  </a:cubicBezTo>
+                  <a:cubicBezTo>
+                    <a:pt x="53162" y="103137"/>
+                    <a:pt x="34996" y="104917"/>
+                    <a:pt x="31897" y="117314"/>
+                  </a:cubicBezTo>
+                  <a:cubicBezTo>
+                    <a:pt x="26277" y="139795"/>
+                    <a:pt x="41451" y="195132"/>
+                    <a:pt x="63795" y="213007"/>
+                  </a:cubicBezTo>
+                  <a:cubicBezTo>
+                    <a:pt x="72547" y="220009"/>
+                    <a:pt x="85060" y="220096"/>
+                    <a:pt x="95693" y="223640"/>
+                  </a:cubicBezTo>
+                  <a:cubicBezTo>
+                    <a:pt x="113414" y="220096"/>
+                    <a:pt x="131420" y="217762"/>
+                    <a:pt x="148855" y="213007"/>
+                  </a:cubicBezTo>
+                  <a:cubicBezTo>
+                    <a:pt x="170481" y="207109"/>
+                    <a:pt x="212651" y="191742"/>
+                    <a:pt x="212651" y="191742"/>
+                  </a:cubicBezTo>
+                  <a:cubicBezTo>
+                    <a:pt x="230372" y="195286"/>
+                    <a:pt x="260099" y="185230"/>
+                    <a:pt x="265814" y="202375"/>
+                  </a:cubicBezTo>
+                  <a:cubicBezTo>
+                    <a:pt x="284900" y="259633"/>
+                    <a:pt x="269255" y="323203"/>
+                    <a:pt x="276446" y="383128"/>
+                  </a:cubicBezTo>
+                  <a:cubicBezTo>
+                    <a:pt x="279928" y="412146"/>
+                    <a:pt x="290623" y="439835"/>
+                    <a:pt x="297711" y="468189"/>
+                  </a:cubicBezTo>
+                  <a:cubicBezTo>
+                    <a:pt x="301255" y="482366"/>
+                    <a:pt x="296185" y="502613"/>
+                    <a:pt x="308344" y="510719"/>
+                  </a:cubicBezTo>
+                  <a:lnTo>
+                    <a:pt x="340241" y="531984"/>
+                  </a:lnTo>
+                  <a:cubicBezTo>
+                    <a:pt x="328534" y="578813"/>
+                    <a:pt x="316347" y="605814"/>
+                    <a:pt x="340241" y="659575"/>
+                  </a:cubicBezTo>
+                  <a:cubicBezTo>
+                    <a:pt x="344793" y="669817"/>
+                    <a:pt x="361506" y="666663"/>
+                    <a:pt x="372139" y="670207"/>
+                  </a:cubicBezTo>
+                  <a:cubicBezTo>
+                    <a:pt x="375683" y="680840"/>
+                    <a:pt x="384614" y="691050"/>
+                    <a:pt x="382772" y="702105"/>
+                  </a:cubicBezTo>
+                  <a:cubicBezTo>
+                    <a:pt x="380089" y="718202"/>
+                    <a:pt x="351604" y="743906"/>
+                    <a:pt x="340241" y="755268"/>
+                  </a:cubicBezTo>
+                  <a:cubicBezTo>
+                    <a:pt x="342618" y="774283"/>
+                    <a:pt x="350496" y="882479"/>
+                    <a:pt x="372139" y="904123"/>
+                  </a:cubicBezTo>
+                  <a:lnTo>
+                    <a:pt x="393404" y="925389"/>
+                  </a:lnTo>
+                  <a:cubicBezTo>
+                    <a:pt x="396948" y="936021"/>
+                    <a:pt x="399025" y="947262"/>
+                    <a:pt x="404037" y="957286"/>
+                  </a:cubicBezTo>
+                  <a:cubicBezTo>
+                    <a:pt x="413845" y="976901"/>
+                    <a:pt x="439563" y="1009324"/>
+                    <a:pt x="457200" y="1021082"/>
+                  </a:cubicBezTo>
+                  <a:cubicBezTo>
+                    <a:pt x="466525" y="1027299"/>
+                    <a:pt x="478465" y="1028170"/>
+                    <a:pt x="489097" y="1031714"/>
+                  </a:cubicBezTo>
+                  <a:cubicBezTo>
+                    <a:pt x="503274" y="1042347"/>
+                    <a:pt x="515778" y="1055687"/>
+                    <a:pt x="531628" y="1063612"/>
+                  </a:cubicBezTo>
+                  <a:cubicBezTo>
+                    <a:pt x="544698" y="1070147"/>
+                    <a:pt x="560107" y="1070229"/>
+                    <a:pt x="574158" y="1074244"/>
+                  </a:cubicBezTo>
+                  <a:cubicBezTo>
+                    <a:pt x="584934" y="1077323"/>
+                    <a:pt x="595423" y="1081333"/>
+                    <a:pt x="606055" y="1084877"/>
+                  </a:cubicBezTo>
+                  <a:cubicBezTo>
+                    <a:pt x="609599" y="1074244"/>
+                    <a:pt x="615625" y="1064136"/>
+                    <a:pt x="616688" y="1052979"/>
+                  </a:cubicBezTo>
+                  <a:cubicBezTo>
+                    <a:pt x="622746" y="989373"/>
+                    <a:pt x="608081" y="922521"/>
+                    <a:pt x="627321" y="861593"/>
+                  </a:cubicBezTo>
+                  <a:cubicBezTo>
+                    <a:pt x="632763" y="844360"/>
+                    <a:pt x="662593" y="853517"/>
+                    <a:pt x="680483" y="850961"/>
+                  </a:cubicBezTo>
+                  <a:cubicBezTo>
+                    <a:pt x="712254" y="846422"/>
+                    <a:pt x="744278" y="843872"/>
+                    <a:pt x="776176" y="840328"/>
+                  </a:cubicBezTo>
+                  <a:cubicBezTo>
+                    <a:pt x="783264" y="829695"/>
+                    <a:pt x="791726" y="819860"/>
+                    <a:pt x="797441" y="808430"/>
+                  </a:cubicBezTo>
+                  <a:cubicBezTo>
+                    <a:pt x="810689" y="781934"/>
+                    <a:pt x="803021" y="758072"/>
+                    <a:pt x="839972" y="744635"/>
+                  </a:cubicBezTo>
+                  <a:cubicBezTo>
+                    <a:pt x="866826" y="734870"/>
+                    <a:pt x="896679" y="737547"/>
+                    <a:pt x="925032" y="734003"/>
+                  </a:cubicBezTo>
+                  <a:cubicBezTo>
+                    <a:pt x="950974" y="725355"/>
+                    <a:pt x="968217" y="722716"/>
+                    <a:pt x="988828" y="702105"/>
+                  </a:cubicBezTo>
+                  <a:cubicBezTo>
+                    <a:pt x="997864" y="693069"/>
+                    <a:pt x="1003005" y="680840"/>
+                    <a:pt x="1010093" y="670207"/>
+                  </a:cubicBezTo>
+                  <a:cubicBezTo>
+                    <a:pt x="1029969" y="610576"/>
+                    <a:pt x="1037844" y="600910"/>
+                    <a:pt x="1010093" y="510719"/>
+                  </a:cubicBezTo>
+                  <a:cubicBezTo>
+                    <a:pt x="1006797" y="500007"/>
+                    <a:pt x="988220" y="505098"/>
+                    <a:pt x="978195" y="500086"/>
+                  </a:cubicBezTo>
+                  <a:cubicBezTo>
+                    <a:pt x="895754" y="458865"/>
+                    <a:pt x="994570" y="494911"/>
+                    <a:pt x="914400" y="468189"/>
+                  </a:cubicBezTo>
+                  <a:cubicBezTo>
+                    <a:pt x="907311" y="461100"/>
+                    <a:pt x="901730" y="452081"/>
+                    <a:pt x="893134" y="446923"/>
+                  </a:cubicBezTo>
+                  <a:cubicBezTo>
+                    <a:pt x="883524" y="441157"/>
+                    <a:pt x="869988" y="443292"/>
+                    <a:pt x="861237" y="436291"/>
+                  </a:cubicBezTo>
+                  <a:cubicBezTo>
+                    <a:pt x="851258" y="428308"/>
+                    <a:pt x="848387" y="414010"/>
+                    <a:pt x="839972" y="404393"/>
+                  </a:cubicBezTo>
+                  <a:cubicBezTo>
+                    <a:pt x="823469" y="385532"/>
+                    <a:pt x="786809" y="351230"/>
+                    <a:pt x="786809" y="351230"/>
+                  </a:cubicBezTo>
+                  <a:cubicBezTo>
+                    <a:pt x="783265" y="340598"/>
+                    <a:pt x="784101" y="327258"/>
+                    <a:pt x="776176" y="319333"/>
+                  </a:cubicBezTo>
+                  <a:cubicBezTo>
+                    <a:pt x="758104" y="301261"/>
+                    <a:pt x="733646" y="290980"/>
+                    <a:pt x="712381" y="276803"/>
+                  </a:cubicBezTo>
+                  <a:cubicBezTo>
+                    <a:pt x="701748" y="269714"/>
+                    <a:pt x="693014" y="258043"/>
+                    <a:pt x="680483" y="255537"/>
+                  </a:cubicBezTo>
+                  <a:cubicBezTo>
+                    <a:pt x="662762" y="251993"/>
+                    <a:pt x="644756" y="249660"/>
+                    <a:pt x="627321" y="244905"/>
+                  </a:cubicBezTo>
+                  <a:cubicBezTo>
+                    <a:pt x="627278" y="244893"/>
+                    <a:pt x="547598" y="218330"/>
+                    <a:pt x="531628" y="213007"/>
+                  </a:cubicBezTo>
+                  <a:lnTo>
+                    <a:pt x="499730" y="202375"/>
+                  </a:lnTo>
+                  <a:cubicBezTo>
+                    <a:pt x="492642" y="195286"/>
+                    <a:pt x="487061" y="186267"/>
+                    <a:pt x="478465" y="181109"/>
+                  </a:cubicBezTo>
+                  <a:cubicBezTo>
+                    <a:pt x="409958" y="140004"/>
+                    <a:pt x="483811" y="206831"/>
+                    <a:pt x="414669" y="149212"/>
+                  </a:cubicBezTo>
+                  <a:cubicBezTo>
+                    <a:pt x="362158" y="105453"/>
+                    <a:pt x="399604" y="115098"/>
+                    <a:pt x="318976" y="74784"/>
+                  </a:cubicBezTo>
+                  <a:cubicBezTo>
+                    <a:pt x="298030" y="64311"/>
+                    <a:pt x="269131" y="47356"/>
+                    <a:pt x="244548" y="42886"/>
+                  </a:cubicBezTo>
+                  <a:cubicBezTo>
+                    <a:pt x="216435" y="37775"/>
+                    <a:pt x="187887" y="35409"/>
+                    <a:pt x="159488" y="32254"/>
+                  </a:cubicBezTo>
+                  <a:cubicBezTo>
+                    <a:pt x="54268" y="20563"/>
+                    <a:pt x="58478" y="-3188"/>
+                    <a:pt x="31897" y="356"/>
+                  </a:cubicBezTo>
+                  <a:close/>
+                </a:path>
+              </a:pathLst>
+            </a:custGeom>
+            <a:solidFill>
+              <a:srgbClr val="5AAF43"/>
+            </a:solidFill>
+            <a:ln>
+              <a:noFill/>
+            </a:ln>
+          </p:spPr>
+          <p:style>
+            <a:lnRef idx="2">
+              <a:schemeClr val="accent1">
+                <a:shade val="50000"/>
+              </a:schemeClr>
+            </a:lnRef>
+            <a:fillRef idx="1">
+              <a:schemeClr val="accent1"/>
+            </a:fillRef>
+            <a:effectRef idx="0">
+              <a:schemeClr val="accent1"/>
+            </a:effectRef>
+            <a:fontRef idx="minor">
+              <a:schemeClr val="lt1"/>
+            </a:fontRef>
+          </p:style>
+          <p:txBody>
+            <a:bodyPr rtlCol="0" anchor="ctr"/>
+            <a:lstStyle/>
+            <a:p>
+              <a:pPr algn="ctr"/>
+              <a:endParaRPr lang="pt-BR"/>
+            </a:p>
+          </p:txBody>
+        </p:sp>
+      </p:grpSp>
+    </p:spTree>
+    <p:extLst>
+      <p:ext uri="{BB962C8B-B14F-4D97-AF65-F5344CB8AC3E}">
+        <p14:creationId xmlns:p14="http://schemas.microsoft.com/office/powerpoint/2010/main" val="3035059768"/>
+      </p:ext>
+    </p:extLst>
+  </p:cSld>
+  <p:clrMapOvr>
+    <a:masterClrMapping/>
+  </p:clrMapOvr>
+</p:sld>
+</file>
+
 <file path=ppt/theme/theme1.xml><?xml version="1.0" encoding="utf-8"?>
 <a:theme xmlns:a="http://schemas.openxmlformats.org/drawingml/2006/main" name="Tema do Office">
   <a:themeElements>
@@ -46509,7 +51363,7 @@
   <a:extraClrSchemeLst/>
   <a:extLst>
     <a:ext uri="{05A4C25C-085E-4340-85A3-A5531E510DB2}">
-      <thm15:themeFamily xmlns:thm15="http://schemas.microsoft.com/office/thememl/2012/main" xmlns="" name="Office Theme" id="{62F939B6-93AF-4DB8-9C6B-D6C7DFDC589F}" vid="{4A3C46E8-61CC-4603-A589-7422A47A8E4A}"/>
+      <thm15:themeFamily xmlns="" xmlns:thm15="http://schemas.microsoft.com/office/thememl/2012/main" name="Office Theme" id="{62F939B6-93AF-4DB8-9C6B-D6C7DFDC589F}" vid="{4A3C46E8-61CC-4603-A589-7422A47A8E4A}"/>
     </a:ext>
   </a:extLst>
 </a:theme>
